--- a/prezentacje/Prezentacja2.pptx
+++ b/prezentacje/Prezentacja2.pptx
@@ -5,10 +5,33 @@
     <p:sldMasterId id="2147483648" r:id="rId1"/>
   </p:sldMasterIdLst>
   <p:notesMasterIdLst>
-    <p:notesMasterId r:id="rId5"/>
+    <p:notesMasterId r:id="rId28"/>
   </p:notesMasterIdLst>
   <p:sldIdLst>
     <p:sldId id="256" r:id="rId4"/>
+    <p:sldId id="257" r:id="rId5"/>
+    <p:sldId id="258" r:id="rId6"/>
+    <p:sldId id="259" r:id="rId7"/>
+    <p:sldId id="260" r:id="rId8"/>
+    <p:sldId id="261" r:id="rId9"/>
+    <p:sldId id="262" r:id="rId10"/>
+    <p:sldId id="263" r:id="rId11"/>
+    <p:sldId id="264" r:id="rId12"/>
+    <p:sldId id="265" r:id="rId13"/>
+    <p:sldId id="266" r:id="rId14"/>
+    <p:sldId id="267" r:id="rId15"/>
+    <p:sldId id="268" r:id="rId16"/>
+    <p:sldId id="269" r:id="rId17"/>
+    <p:sldId id="270" r:id="rId18"/>
+    <p:sldId id="271" r:id="rId19"/>
+    <p:sldId id="272" r:id="rId20"/>
+    <p:sldId id="273" r:id="rId21"/>
+    <p:sldId id="274" r:id="rId22"/>
+    <p:sldId id="275" r:id="rId23"/>
+    <p:sldId id="276" r:id="rId24"/>
+    <p:sldId id="277" r:id="rId25"/>
+    <p:sldId id="278" r:id="rId26"/>
+    <p:sldId id="279" r:id="rId27"/>
   </p:sldIdLst>
   <p:sldSz cx="12192000" cy="6858000"/>
   <p:notesSz cx="6858000" cy="9144000"/>
@@ -564,6 +587,2076 @@
             <a:fld id="{2E6999B8-B6B4-4561-A3CD-BBCDAB9FC9D9}" type="slidenum">
               <a:rPr lang="pl-PL"/>
               <a:t>1</a:t>
+            </a:fld>
+            <a:endParaRPr lang="pl-PL"/>
+          </a:p>
+        </p:txBody>
+      </p:sp>
+    </p:spTree>
+  </p:cSld>
+</p:notes>
+</file>
+
+<file path=ppt/notesSlides/notesSlide10.xml><?xml version="1.0" encoding="utf-8"?>
+<p:notes xmlns:a="http://schemas.openxmlformats.org/drawingml/2006/main" xmlns:r="http://schemas.openxmlformats.org/officeDocument/2006/relationships" xmlns:p="http://schemas.openxmlformats.org/presentationml/2006/main" xmlns:m="http://schemas.openxmlformats.org/officeDocument/2006/math" xmlns:w="http://schemas.openxmlformats.org/wordprocessingml/2006/main">
+  <p:cSld name="">
+    <p:spTree>
+      <p:nvGrpSpPr>
+        <p:cNvPr id="1" name=""/>
+        <p:cNvGrpSpPr/>
+        <p:nvPr/>
+      </p:nvGrpSpPr>
+      <p:grpSpPr bwMode="auto">
+        <a:xfrm>
+          <a:off x="0" y="0"/>
+          <a:ext cx="0" cy="0"/>
+          <a:chOff x="0" y="0"/>
+          <a:chExt cx="0" cy="0"/>
+        </a:xfrm>
+      </p:grpSpPr>
+      <p:sp>
+        <p:nvSpPr>
+          <p:cNvPr id="191758717" name="Symbol zastępczy obrazu slajdu 1"/>
+          <p:cNvSpPr>
+            <a:spLocks noChangeAspect="1" noGrp="1" noRot="1"/>
+          </p:cNvSpPr>
+          <p:nvPr>
+            <p:ph type="sldImg"/>
+          </p:nvPr>
+        </p:nvSpPr>
+        <p:spPr bwMode="auto">
+          <a:xfrm>
+            <a:off x="685800" y="1143000"/>
+            <a:ext cx="5486400" cy="3086100"/>
+          </a:xfrm>
+        </p:spPr>
+      </p:sp>
+      <p:sp>
+        <p:nvSpPr>
+          <p:cNvPr id="1490048597" name="Notatki Symbol zastępczy 2"/>
+          <p:cNvSpPr>
+            <a:spLocks noGrp="1"/>
+          </p:cNvSpPr>
+          <p:nvPr>
+            <p:ph type="body" idx="1"/>
+          </p:nvPr>
+        </p:nvSpPr>
+        <p:spPr bwMode="auto"/>
+        <p:txBody>
+          <a:bodyPr/>
+          <a:lstStyle/>
+          <a:p>
+            <a:pPr>
+              <a:defRPr/>
+            </a:pPr>
+            <a:endParaRPr lang="pl-PL">
+              <a:latin typeface="Arial"/>
+              <a:cs typeface="Arial"/>
+            </a:endParaRPr>
+          </a:p>
+        </p:txBody>
+      </p:sp>
+      <p:sp>
+        <p:nvSpPr>
+          <p:cNvPr id="1200160970" name="Symbol zastępczy numeru slajdu 3"/>
+          <p:cNvSpPr>
+            <a:spLocks noGrp="1"/>
+          </p:cNvSpPr>
+          <p:nvPr>
+            <p:ph type="sldNum" sz="quarter" idx="10"/>
+          </p:nvPr>
+        </p:nvSpPr>
+        <p:spPr bwMode="auto"/>
+        <p:txBody>
+          <a:bodyPr/>
+          <a:lstStyle/>
+          <a:p>
+            <a:pPr>
+              <a:defRPr/>
+            </a:pPr>
+            <a:fld id="{87FE8B37-8924-993D-7BD2-1180CDDEF73C}" type="slidenum">
+              <a:rPr lang="pl-PL"/>
+              <a:t/>
+            </a:fld>
+            <a:endParaRPr lang="pl-PL"/>
+          </a:p>
+        </p:txBody>
+      </p:sp>
+    </p:spTree>
+  </p:cSld>
+</p:notes>
+</file>
+
+<file path=ppt/notesSlides/notesSlide11.xml><?xml version="1.0" encoding="utf-8"?>
+<p:notes xmlns:a="http://schemas.openxmlformats.org/drawingml/2006/main" xmlns:r="http://schemas.openxmlformats.org/officeDocument/2006/relationships" xmlns:p="http://schemas.openxmlformats.org/presentationml/2006/main" xmlns:m="http://schemas.openxmlformats.org/officeDocument/2006/math" xmlns:w="http://schemas.openxmlformats.org/wordprocessingml/2006/main">
+  <p:cSld name="">
+    <p:spTree>
+      <p:nvGrpSpPr>
+        <p:cNvPr id="1" name=""/>
+        <p:cNvGrpSpPr/>
+        <p:nvPr/>
+      </p:nvGrpSpPr>
+      <p:grpSpPr bwMode="auto">
+        <a:xfrm>
+          <a:off x="0" y="0"/>
+          <a:ext cx="0" cy="0"/>
+          <a:chOff x="0" y="0"/>
+          <a:chExt cx="0" cy="0"/>
+        </a:xfrm>
+      </p:grpSpPr>
+      <p:sp>
+        <p:nvSpPr>
+          <p:cNvPr id="117117545" name="Symbol zastępczy obrazu slajdu 1"/>
+          <p:cNvSpPr>
+            <a:spLocks noChangeAspect="1" noGrp="1" noRot="1"/>
+          </p:cNvSpPr>
+          <p:nvPr>
+            <p:ph type="sldImg"/>
+          </p:nvPr>
+        </p:nvSpPr>
+        <p:spPr bwMode="auto">
+          <a:xfrm>
+            <a:off x="685800" y="1143000"/>
+            <a:ext cx="5486400" cy="3086100"/>
+          </a:xfrm>
+        </p:spPr>
+      </p:sp>
+      <p:sp>
+        <p:nvSpPr>
+          <p:cNvPr id="2111248164" name="Notatki Symbol zastępczy 2"/>
+          <p:cNvSpPr>
+            <a:spLocks noGrp="1"/>
+          </p:cNvSpPr>
+          <p:nvPr>
+            <p:ph type="body" idx="1"/>
+          </p:nvPr>
+        </p:nvSpPr>
+        <p:spPr bwMode="auto"/>
+        <p:txBody>
+          <a:bodyPr/>
+          <a:lstStyle/>
+          <a:p>
+            <a:pPr>
+              <a:defRPr/>
+            </a:pPr>
+            <a:endParaRPr lang="pl-PL">
+              <a:latin typeface="Arial"/>
+              <a:cs typeface="Arial"/>
+            </a:endParaRPr>
+          </a:p>
+        </p:txBody>
+      </p:sp>
+      <p:sp>
+        <p:nvSpPr>
+          <p:cNvPr id="939264860" name="Symbol zastępczy numeru slajdu 3"/>
+          <p:cNvSpPr>
+            <a:spLocks noGrp="1"/>
+          </p:cNvSpPr>
+          <p:nvPr>
+            <p:ph type="sldNum" sz="quarter" idx="10"/>
+          </p:nvPr>
+        </p:nvSpPr>
+        <p:spPr bwMode="auto"/>
+        <p:txBody>
+          <a:bodyPr/>
+          <a:lstStyle/>
+          <a:p>
+            <a:pPr>
+              <a:defRPr/>
+            </a:pPr>
+            <a:fld id="{4EC6BF55-D429-741D-7593-7BFF03F5359D}" type="slidenum">
+              <a:rPr lang="pl-PL"/>
+              <a:t/>
+            </a:fld>
+            <a:endParaRPr lang="pl-PL"/>
+          </a:p>
+        </p:txBody>
+      </p:sp>
+    </p:spTree>
+  </p:cSld>
+</p:notes>
+</file>
+
+<file path=ppt/notesSlides/notesSlide12.xml><?xml version="1.0" encoding="utf-8"?>
+<p:notes xmlns:a="http://schemas.openxmlformats.org/drawingml/2006/main" xmlns:r="http://schemas.openxmlformats.org/officeDocument/2006/relationships" xmlns:p="http://schemas.openxmlformats.org/presentationml/2006/main" xmlns:m="http://schemas.openxmlformats.org/officeDocument/2006/math" xmlns:w="http://schemas.openxmlformats.org/wordprocessingml/2006/main">
+  <p:cSld name="">
+    <p:spTree>
+      <p:nvGrpSpPr>
+        <p:cNvPr id="1" name=""/>
+        <p:cNvGrpSpPr/>
+        <p:nvPr/>
+      </p:nvGrpSpPr>
+      <p:grpSpPr bwMode="auto">
+        <a:xfrm>
+          <a:off x="0" y="0"/>
+          <a:ext cx="0" cy="0"/>
+          <a:chOff x="0" y="0"/>
+          <a:chExt cx="0" cy="0"/>
+        </a:xfrm>
+      </p:grpSpPr>
+      <p:sp>
+        <p:nvSpPr>
+          <p:cNvPr id="1610917057" name="Symbol zastępczy obrazu slajdu 1"/>
+          <p:cNvSpPr>
+            <a:spLocks noChangeAspect="1" noGrp="1" noRot="1"/>
+          </p:cNvSpPr>
+          <p:nvPr>
+            <p:ph type="sldImg"/>
+          </p:nvPr>
+        </p:nvSpPr>
+        <p:spPr bwMode="auto">
+          <a:xfrm>
+            <a:off x="685800" y="1143000"/>
+            <a:ext cx="5486400" cy="3086100"/>
+          </a:xfrm>
+        </p:spPr>
+      </p:sp>
+      <p:sp>
+        <p:nvSpPr>
+          <p:cNvPr id="1947353526" name="Notatki Symbol zastępczy 2"/>
+          <p:cNvSpPr>
+            <a:spLocks noGrp="1"/>
+          </p:cNvSpPr>
+          <p:nvPr>
+            <p:ph type="body" idx="1"/>
+          </p:nvPr>
+        </p:nvSpPr>
+        <p:spPr bwMode="auto"/>
+        <p:txBody>
+          <a:bodyPr/>
+          <a:lstStyle/>
+          <a:p>
+            <a:pPr>
+              <a:defRPr/>
+            </a:pPr>
+            <a:endParaRPr lang="pl-PL">
+              <a:latin typeface="Arial"/>
+              <a:cs typeface="Arial"/>
+            </a:endParaRPr>
+          </a:p>
+        </p:txBody>
+      </p:sp>
+      <p:sp>
+        <p:nvSpPr>
+          <p:cNvPr id="1433493512" name="Symbol zastępczy numeru slajdu 3"/>
+          <p:cNvSpPr>
+            <a:spLocks noGrp="1"/>
+          </p:cNvSpPr>
+          <p:nvPr>
+            <p:ph type="sldNum" sz="quarter" idx="10"/>
+          </p:nvPr>
+        </p:nvSpPr>
+        <p:spPr bwMode="auto"/>
+        <p:txBody>
+          <a:bodyPr/>
+          <a:lstStyle/>
+          <a:p>
+            <a:pPr>
+              <a:defRPr/>
+            </a:pPr>
+            <a:fld id="{9BC1A9A3-0449-09EB-79B5-113297A2B5DD}" type="slidenum">
+              <a:rPr lang="pl-PL"/>
+              <a:t/>
+            </a:fld>
+            <a:endParaRPr lang="pl-PL"/>
+          </a:p>
+        </p:txBody>
+      </p:sp>
+    </p:spTree>
+  </p:cSld>
+</p:notes>
+</file>
+
+<file path=ppt/notesSlides/notesSlide13.xml><?xml version="1.0" encoding="utf-8"?>
+<p:notes xmlns:a="http://schemas.openxmlformats.org/drawingml/2006/main" xmlns:r="http://schemas.openxmlformats.org/officeDocument/2006/relationships" xmlns:p="http://schemas.openxmlformats.org/presentationml/2006/main" xmlns:m="http://schemas.openxmlformats.org/officeDocument/2006/math" xmlns:w="http://schemas.openxmlformats.org/wordprocessingml/2006/main">
+  <p:cSld name="">
+    <p:spTree>
+      <p:nvGrpSpPr>
+        <p:cNvPr id="1" name=""/>
+        <p:cNvGrpSpPr/>
+        <p:nvPr/>
+      </p:nvGrpSpPr>
+      <p:grpSpPr bwMode="auto">
+        <a:xfrm>
+          <a:off x="0" y="0"/>
+          <a:ext cx="0" cy="0"/>
+          <a:chOff x="0" y="0"/>
+          <a:chExt cx="0" cy="0"/>
+        </a:xfrm>
+      </p:grpSpPr>
+      <p:sp>
+        <p:nvSpPr>
+          <p:cNvPr id="509622831" name="Symbol zastępczy obrazu slajdu 1"/>
+          <p:cNvSpPr>
+            <a:spLocks noChangeAspect="1" noGrp="1" noRot="1"/>
+          </p:cNvSpPr>
+          <p:nvPr>
+            <p:ph type="sldImg"/>
+          </p:nvPr>
+        </p:nvSpPr>
+        <p:spPr bwMode="auto">
+          <a:xfrm>
+            <a:off x="685800" y="1143000"/>
+            <a:ext cx="5486400" cy="3086100"/>
+          </a:xfrm>
+        </p:spPr>
+      </p:sp>
+      <p:sp>
+        <p:nvSpPr>
+          <p:cNvPr id="1847701362" name="Notatki Symbol zastępczy 2"/>
+          <p:cNvSpPr>
+            <a:spLocks noGrp="1"/>
+          </p:cNvSpPr>
+          <p:nvPr>
+            <p:ph type="body" idx="1"/>
+          </p:nvPr>
+        </p:nvSpPr>
+        <p:spPr bwMode="auto"/>
+        <p:txBody>
+          <a:bodyPr/>
+          <a:lstStyle/>
+          <a:p>
+            <a:pPr>
+              <a:defRPr/>
+            </a:pPr>
+            <a:endParaRPr lang="pl-PL">
+              <a:latin typeface="Arial"/>
+              <a:cs typeface="Arial"/>
+            </a:endParaRPr>
+          </a:p>
+        </p:txBody>
+      </p:sp>
+      <p:sp>
+        <p:nvSpPr>
+          <p:cNvPr id="333725160" name="Symbol zastępczy numeru slajdu 3"/>
+          <p:cNvSpPr>
+            <a:spLocks noGrp="1"/>
+          </p:cNvSpPr>
+          <p:nvPr>
+            <p:ph type="sldNum" sz="quarter" idx="10"/>
+          </p:nvPr>
+        </p:nvSpPr>
+        <p:spPr bwMode="auto"/>
+        <p:txBody>
+          <a:bodyPr/>
+          <a:lstStyle/>
+          <a:p>
+            <a:pPr>
+              <a:defRPr/>
+            </a:pPr>
+            <a:fld id="{40667905-7781-24F9-CFF4-AFC2E27F0528}" type="slidenum">
+              <a:rPr lang="pl-PL"/>
+              <a:t/>
+            </a:fld>
+            <a:endParaRPr lang="pl-PL"/>
+          </a:p>
+        </p:txBody>
+      </p:sp>
+    </p:spTree>
+  </p:cSld>
+</p:notes>
+</file>
+
+<file path=ppt/notesSlides/notesSlide14.xml><?xml version="1.0" encoding="utf-8"?>
+<p:notes xmlns:a="http://schemas.openxmlformats.org/drawingml/2006/main" xmlns:r="http://schemas.openxmlformats.org/officeDocument/2006/relationships" xmlns:p="http://schemas.openxmlformats.org/presentationml/2006/main" xmlns:m="http://schemas.openxmlformats.org/officeDocument/2006/math" xmlns:w="http://schemas.openxmlformats.org/wordprocessingml/2006/main">
+  <p:cSld name="">
+    <p:spTree>
+      <p:nvGrpSpPr>
+        <p:cNvPr id="1" name=""/>
+        <p:cNvGrpSpPr/>
+        <p:nvPr/>
+      </p:nvGrpSpPr>
+      <p:grpSpPr bwMode="auto">
+        <a:xfrm>
+          <a:off x="0" y="0"/>
+          <a:ext cx="0" cy="0"/>
+          <a:chOff x="0" y="0"/>
+          <a:chExt cx="0" cy="0"/>
+        </a:xfrm>
+      </p:grpSpPr>
+      <p:sp>
+        <p:nvSpPr>
+          <p:cNvPr id="1738587039" name="Symbol zastępczy obrazu slajdu 1"/>
+          <p:cNvSpPr>
+            <a:spLocks noChangeAspect="1" noGrp="1" noRot="1"/>
+          </p:cNvSpPr>
+          <p:nvPr>
+            <p:ph type="sldImg"/>
+          </p:nvPr>
+        </p:nvSpPr>
+        <p:spPr bwMode="auto">
+          <a:xfrm>
+            <a:off x="685800" y="1143000"/>
+            <a:ext cx="5486400" cy="3086100"/>
+          </a:xfrm>
+        </p:spPr>
+      </p:sp>
+      <p:sp>
+        <p:nvSpPr>
+          <p:cNvPr id="1267143731" name="Notatki Symbol zastępczy 2"/>
+          <p:cNvSpPr>
+            <a:spLocks noGrp="1"/>
+          </p:cNvSpPr>
+          <p:nvPr>
+            <p:ph type="body" idx="1"/>
+          </p:nvPr>
+        </p:nvSpPr>
+        <p:spPr bwMode="auto"/>
+        <p:txBody>
+          <a:bodyPr/>
+          <a:lstStyle/>
+          <a:p>
+            <a:pPr>
+              <a:defRPr/>
+            </a:pPr>
+            <a:endParaRPr lang="pl-PL">
+              <a:latin typeface="Arial"/>
+              <a:cs typeface="Arial"/>
+            </a:endParaRPr>
+          </a:p>
+        </p:txBody>
+      </p:sp>
+      <p:sp>
+        <p:nvSpPr>
+          <p:cNvPr id="56070423" name="Symbol zastępczy numeru slajdu 3"/>
+          <p:cNvSpPr>
+            <a:spLocks noGrp="1"/>
+          </p:cNvSpPr>
+          <p:nvPr>
+            <p:ph type="sldNum" sz="quarter" idx="10"/>
+          </p:nvPr>
+        </p:nvSpPr>
+        <p:spPr bwMode="auto"/>
+        <p:txBody>
+          <a:bodyPr/>
+          <a:lstStyle/>
+          <a:p>
+            <a:pPr>
+              <a:defRPr/>
+            </a:pPr>
+            <a:fld id="{87556B0D-CCB6-F580-9A6A-A76049BE1947}" type="slidenum">
+              <a:rPr lang="pl-PL"/>
+              <a:t/>
+            </a:fld>
+            <a:endParaRPr lang="pl-PL"/>
+          </a:p>
+        </p:txBody>
+      </p:sp>
+    </p:spTree>
+  </p:cSld>
+</p:notes>
+</file>
+
+<file path=ppt/notesSlides/notesSlide15.xml><?xml version="1.0" encoding="utf-8"?>
+<p:notes xmlns:a="http://schemas.openxmlformats.org/drawingml/2006/main" xmlns:r="http://schemas.openxmlformats.org/officeDocument/2006/relationships" xmlns:p="http://schemas.openxmlformats.org/presentationml/2006/main" xmlns:m="http://schemas.openxmlformats.org/officeDocument/2006/math" xmlns:w="http://schemas.openxmlformats.org/wordprocessingml/2006/main">
+  <p:cSld name="">
+    <p:spTree>
+      <p:nvGrpSpPr>
+        <p:cNvPr id="1" name=""/>
+        <p:cNvGrpSpPr/>
+        <p:nvPr/>
+      </p:nvGrpSpPr>
+      <p:grpSpPr bwMode="auto">
+        <a:xfrm>
+          <a:off x="0" y="0"/>
+          <a:ext cx="0" cy="0"/>
+          <a:chOff x="0" y="0"/>
+          <a:chExt cx="0" cy="0"/>
+        </a:xfrm>
+      </p:grpSpPr>
+      <p:sp>
+        <p:nvSpPr>
+          <p:cNvPr id="957317030" name="Symbol zastępczy obrazu slajdu 1"/>
+          <p:cNvSpPr>
+            <a:spLocks noChangeAspect="1" noGrp="1" noRot="1"/>
+          </p:cNvSpPr>
+          <p:nvPr>
+            <p:ph type="sldImg"/>
+          </p:nvPr>
+        </p:nvSpPr>
+        <p:spPr bwMode="auto">
+          <a:xfrm>
+            <a:off x="685800" y="1143000"/>
+            <a:ext cx="5486400" cy="3086100"/>
+          </a:xfrm>
+        </p:spPr>
+      </p:sp>
+      <p:sp>
+        <p:nvSpPr>
+          <p:cNvPr id="1620042619" name="Notatki Symbol zastępczy 2"/>
+          <p:cNvSpPr>
+            <a:spLocks noGrp="1"/>
+          </p:cNvSpPr>
+          <p:nvPr>
+            <p:ph type="body" idx="1"/>
+          </p:nvPr>
+        </p:nvSpPr>
+        <p:spPr bwMode="auto"/>
+        <p:txBody>
+          <a:bodyPr/>
+          <a:lstStyle/>
+          <a:p>
+            <a:pPr>
+              <a:defRPr/>
+            </a:pPr>
+            <a:endParaRPr lang="pl-PL">
+              <a:latin typeface="Arial"/>
+              <a:cs typeface="Arial"/>
+            </a:endParaRPr>
+          </a:p>
+        </p:txBody>
+      </p:sp>
+      <p:sp>
+        <p:nvSpPr>
+          <p:cNvPr id="399743087" name="Symbol zastępczy numeru slajdu 3"/>
+          <p:cNvSpPr>
+            <a:spLocks noGrp="1"/>
+          </p:cNvSpPr>
+          <p:nvPr>
+            <p:ph type="sldNum" sz="quarter" idx="10"/>
+          </p:nvPr>
+        </p:nvSpPr>
+        <p:spPr bwMode="auto"/>
+        <p:txBody>
+          <a:bodyPr/>
+          <a:lstStyle/>
+          <a:p>
+            <a:pPr>
+              <a:defRPr/>
+            </a:pPr>
+            <a:fld id="{32097AFE-CE3F-D5BC-6A63-C7929036E219}" type="slidenum">
+              <a:rPr lang="pl-PL"/>
+              <a:t/>
+            </a:fld>
+            <a:endParaRPr lang="pl-PL"/>
+          </a:p>
+        </p:txBody>
+      </p:sp>
+    </p:spTree>
+  </p:cSld>
+</p:notes>
+</file>
+
+<file path=ppt/notesSlides/notesSlide16.xml><?xml version="1.0" encoding="utf-8"?>
+<p:notes xmlns:a="http://schemas.openxmlformats.org/drawingml/2006/main" xmlns:r="http://schemas.openxmlformats.org/officeDocument/2006/relationships" xmlns:p="http://schemas.openxmlformats.org/presentationml/2006/main" xmlns:m="http://schemas.openxmlformats.org/officeDocument/2006/math" xmlns:w="http://schemas.openxmlformats.org/wordprocessingml/2006/main">
+  <p:cSld name="">
+    <p:spTree>
+      <p:nvGrpSpPr>
+        <p:cNvPr id="1" name=""/>
+        <p:cNvGrpSpPr/>
+        <p:nvPr/>
+      </p:nvGrpSpPr>
+      <p:grpSpPr bwMode="auto">
+        <a:xfrm>
+          <a:off x="0" y="0"/>
+          <a:ext cx="0" cy="0"/>
+          <a:chOff x="0" y="0"/>
+          <a:chExt cx="0" cy="0"/>
+        </a:xfrm>
+      </p:grpSpPr>
+      <p:sp>
+        <p:nvSpPr>
+          <p:cNvPr id="1584657507" name="Symbol zastępczy obrazu slajdu 1"/>
+          <p:cNvSpPr>
+            <a:spLocks noChangeAspect="1" noGrp="1" noRot="1"/>
+          </p:cNvSpPr>
+          <p:nvPr>
+            <p:ph type="sldImg"/>
+          </p:nvPr>
+        </p:nvSpPr>
+        <p:spPr bwMode="auto">
+          <a:xfrm>
+            <a:off x="685800" y="1143000"/>
+            <a:ext cx="5486400" cy="3086100"/>
+          </a:xfrm>
+        </p:spPr>
+      </p:sp>
+      <p:sp>
+        <p:nvSpPr>
+          <p:cNvPr id="593259895" name="Notatki Symbol zastępczy 2"/>
+          <p:cNvSpPr>
+            <a:spLocks noGrp="1"/>
+          </p:cNvSpPr>
+          <p:nvPr>
+            <p:ph type="body" idx="1"/>
+          </p:nvPr>
+        </p:nvSpPr>
+        <p:spPr bwMode="auto"/>
+        <p:txBody>
+          <a:bodyPr/>
+          <a:lstStyle/>
+          <a:p>
+            <a:pPr>
+              <a:defRPr/>
+            </a:pPr>
+            <a:endParaRPr lang="pl-PL">
+              <a:latin typeface="Arial"/>
+              <a:cs typeface="Arial"/>
+            </a:endParaRPr>
+          </a:p>
+        </p:txBody>
+      </p:sp>
+      <p:sp>
+        <p:nvSpPr>
+          <p:cNvPr id="458960209" name="Symbol zastępczy numeru slajdu 3"/>
+          <p:cNvSpPr>
+            <a:spLocks noGrp="1"/>
+          </p:cNvSpPr>
+          <p:nvPr>
+            <p:ph type="sldNum" sz="quarter" idx="10"/>
+          </p:nvPr>
+        </p:nvSpPr>
+        <p:spPr bwMode="auto"/>
+        <p:txBody>
+          <a:bodyPr/>
+          <a:lstStyle/>
+          <a:p>
+            <a:pPr>
+              <a:defRPr/>
+            </a:pPr>
+            <a:fld id="{CBB001A8-9337-6BAC-237F-EA1714E699D4}" type="slidenum">
+              <a:rPr lang="pl-PL"/>
+              <a:t/>
+            </a:fld>
+            <a:endParaRPr lang="pl-PL"/>
+          </a:p>
+        </p:txBody>
+      </p:sp>
+    </p:spTree>
+  </p:cSld>
+</p:notes>
+</file>
+
+<file path=ppt/notesSlides/notesSlide17.xml><?xml version="1.0" encoding="utf-8"?>
+<p:notes xmlns:a="http://schemas.openxmlformats.org/drawingml/2006/main" xmlns:r="http://schemas.openxmlformats.org/officeDocument/2006/relationships" xmlns:p="http://schemas.openxmlformats.org/presentationml/2006/main" xmlns:m="http://schemas.openxmlformats.org/officeDocument/2006/math" xmlns:w="http://schemas.openxmlformats.org/wordprocessingml/2006/main">
+  <p:cSld name="">
+    <p:spTree>
+      <p:nvGrpSpPr>
+        <p:cNvPr id="1" name=""/>
+        <p:cNvGrpSpPr/>
+        <p:nvPr/>
+      </p:nvGrpSpPr>
+      <p:grpSpPr bwMode="auto">
+        <a:xfrm>
+          <a:off x="0" y="0"/>
+          <a:ext cx="0" cy="0"/>
+          <a:chOff x="0" y="0"/>
+          <a:chExt cx="0" cy="0"/>
+        </a:xfrm>
+      </p:grpSpPr>
+      <p:sp>
+        <p:nvSpPr>
+          <p:cNvPr id="1710310118" name="Symbol zastępczy obrazu slajdu 1"/>
+          <p:cNvSpPr>
+            <a:spLocks noChangeAspect="1" noGrp="1" noRot="1"/>
+          </p:cNvSpPr>
+          <p:nvPr>
+            <p:ph type="sldImg"/>
+          </p:nvPr>
+        </p:nvSpPr>
+        <p:spPr bwMode="auto">
+          <a:xfrm>
+            <a:off x="685800" y="1143000"/>
+            <a:ext cx="5486400" cy="3086100"/>
+          </a:xfrm>
+        </p:spPr>
+      </p:sp>
+      <p:sp>
+        <p:nvSpPr>
+          <p:cNvPr id="736191085" name="Notatki Symbol zastępczy 2"/>
+          <p:cNvSpPr>
+            <a:spLocks noGrp="1"/>
+          </p:cNvSpPr>
+          <p:nvPr>
+            <p:ph type="body" idx="1"/>
+          </p:nvPr>
+        </p:nvSpPr>
+        <p:spPr bwMode="auto"/>
+        <p:txBody>
+          <a:bodyPr/>
+          <a:lstStyle/>
+          <a:p>
+            <a:pPr>
+              <a:defRPr/>
+            </a:pPr>
+            <a:endParaRPr lang="pl-PL">
+              <a:latin typeface="Arial"/>
+              <a:cs typeface="Arial"/>
+            </a:endParaRPr>
+          </a:p>
+        </p:txBody>
+      </p:sp>
+      <p:sp>
+        <p:nvSpPr>
+          <p:cNvPr id="142895523" name="Symbol zastępczy numeru slajdu 3"/>
+          <p:cNvSpPr>
+            <a:spLocks noGrp="1"/>
+          </p:cNvSpPr>
+          <p:nvPr>
+            <p:ph type="sldNum" sz="quarter" idx="10"/>
+          </p:nvPr>
+        </p:nvSpPr>
+        <p:spPr bwMode="auto"/>
+        <p:txBody>
+          <a:bodyPr/>
+          <a:lstStyle/>
+          <a:p>
+            <a:pPr>
+              <a:defRPr/>
+            </a:pPr>
+            <a:fld id="{792C3EFF-2711-9DDA-CF3F-5630BD994262}" type="slidenum">
+              <a:rPr lang="pl-PL"/>
+              <a:t/>
+            </a:fld>
+            <a:endParaRPr lang="pl-PL"/>
+          </a:p>
+        </p:txBody>
+      </p:sp>
+    </p:spTree>
+  </p:cSld>
+</p:notes>
+</file>
+
+<file path=ppt/notesSlides/notesSlide18.xml><?xml version="1.0" encoding="utf-8"?>
+<p:notes xmlns:a="http://schemas.openxmlformats.org/drawingml/2006/main" xmlns:r="http://schemas.openxmlformats.org/officeDocument/2006/relationships" xmlns:p="http://schemas.openxmlformats.org/presentationml/2006/main" xmlns:m="http://schemas.openxmlformats.org/officeDocument/2006/math" xmlns:w="http://schemas.openxmlformats.org/wordprocessingml/2006/main">
+  <p:cSld name="">
+    <p:spTree>
+      <p:nvGrpSpPr>
+        <p:cNvPr id="1" name=""/>
+        <p:cNvGrpSpPr/>
+        <p:nvPr/>
+      </p:nvGrpSpPr>
+      <p:grpSpPr bwMode="auto">
+        <a:xfrm>
+          <a:off x="0" y="0"/>
+          <a:ext cx="0" cy="0"/>
+          <a:chOff x="0" y="0"/>
+          <a:chExt cx="0" cy="0"/>
+        </a:xfrm>
+      </p:grpSpPr>
+      <p:sp>
+        <p:nvSpPr>
+          <p:cNvPr id="1533672051" name="Symbol zastępczy obrazu slajdu 1"/>
+          <p:cNvSpPr>
+            <a:spLocks noChangeAspect="1" noGrp="1" noRot="1"/>
+          </p:cNvSpPr>
+          <p:nvPr>
+            <p:ph type="sldImg"/>
+          </p:nvPr>
+        </p:nvSpPr>
+        <p:spPr bwMode="auto">
+          <a:xfrm>
+            <a:off x="685800" y="1143000"/>
+            <a:ext cx="5486400" cy="3086100"/>
+          </a:xfrm>
+        </p:spPr>
+      </p:sp>
+      <p:sp>
+        <p:nvSpPr>
+          <p:cNvPr id="1367648492" name="Notatki Symbol zastępczy 2"/>
+          <p:cNvSpPr>
+            <a:spLocks noGrp="1"/>
+          </p:cNvSpPr>
+          <p:nvPr>
+            <p:ph type="body" idx="1"/>
+          </p:nvPr>
+        </p:nvSpPr>
+        <p:spPr bwMode="auto"/>
+        <p:txBody>
+          <a:bodyPr/>
+          <a:lstStyle/>
+          <a:p>
+            <a:pPr>
+              <a:defRPr/>
+            </a:pPr>
+            <a:endParaRPr lang="pl-PL">
+              <a:latin typeface="Arial"/>
+              <a:cs typeface="Arial"/>
+            </a:endParaRPr>
+          </a:p>
+        </p:txBody>
+      </p:sp>
+      <p:sp>
+        <p:nvSpPr>
+          <p:cNvPr id="845421186" name="Symbol zastępczy numeru slajdu 3"/>
+          <p:cNvSpPr>
+            <a:spLocks noGrp="1"/>
+          </p:cNvSpPr>
+          <p:nvPr>
+            <p:ph type="sldNum" sz="quarter" idx="10"/>
+          </p:nvPr>
+        </p:nvSpPr>
+        <p:spPr bwMode="auto"/>
+        <p:txBody>
+          <a:bodyPr/>
+          <a:lstStyle/>
+          <a:p>
+            <a:pPr>
+              <a:defRPr/>
+            </a:pPr>
+            <a:fld id="{17F5F790-C25B-C40B-EB64-0EB5843B90C7}" type="slidenum">
+              <a:rPr lang="pl-PL"/>
+              <a:t/>
+            </a:fld>
+            <a:endParaRPr lang="pl-PL"/>
+          </a:p>
+        </p:txBody>
+      </p:sp>
+    </p:spTree>
+  </p:cSld>
+</p:notes>
+</file>
+
+<file path=ppt/notesSlides/notesSlide19.xml><?xml version="1.0" encoding="utf-8"?>
+<p:notes xmlns:a="http://schemas.openxmlformats.org/drawingml/2006/main" xmlns:r="http://schemas.openxmlformats.org/officeDocument/2006/relationships" xmlns:p="http://schemas.openxmlformats.org/presentationml/2006/main" xmlns:m="http://schemas.openxmlformats.org/officeDocument/2006/math" xmlns:w="http://schemas.openxmlformats.org/wordprocessingml/2006/main">
+  <p:cSld name="">
+    <p:spTree>
+      <p:nvGrpSpPr>
+        <p:cNvPr id="1" name=""/>
+        <p:cNvGrpSpPr/>
+        <p:nvPr/>
+      </p:nvGrpSpPr>
+      <p:grpSpPr bwMode="auto">
+        <a:xfrm>
+          <a:off x="0" y="0"/>
+          <a:ext cx="0" cy="0"/>
+          <a:chOff x="0" y="0"/>
+          <a:chExt cx="0" cy="0"/>
+        </a:xfrm>
+      </p:grpSpPr>
+      <p:sp>
+        <p:nvSpPr>
+          <p:cNvPr id="1830690393" name="Symbol zastępczy obrazu slajdu 1"/>
+          <p:cNvSpPr>
+            <a:spLocks noChangeAspect="1" noGrp="1" noRot="1"/>
+          </p:cNvSpPr>
+          <p:nvPr>
+            <p:ph type="sldImg"/>
+          </p:nvPr>
+        </p:nvSpPr>
+        <p:spPr bwMode="auto">
+          <a:xfrm>
+            <a:off x="685800" y="1143000"/>
+            <a:ext cx="5486400" cy="3086100"/>
+          </a:xfrm>
+        </p:spPr>
+      </p:sp>
+      <p:sp>
+        <p:nvSpPr>
+          <p:cNvPr id="512358877" name="Notatki Symbol zastępczy 2"/>
+          <p:cNvSpPr>
+            <a:spLocks noGrp="1"/>
+          </p:cNvSpPr>
+          <p:nvPr>
+            <p:ph type="body" idx="1"/>
+          </p:nvPr>
+        </p:nvSpPr>
+        <p:spPr bwMode="auto"/>
+        <p:txBody>
+          <a:bodyPr/>
+          <a:lstStyle/>
+          <a:p>
+            <a:pPr>
+              <a:defRPr/>
+            </a:pPr>
+            <a:endParaRPr lang="pl-PL">
+              <a:latin typeface="Arial"/>
+              <a:cs typeface="Arial"/>
+            </a:endParaRPr>
+          </a:p>
+        </p:txBody>
+      </p:sp>
+      <p:sp>
+        <p:nvSpPr>
+          <p:cNvPr id="540620139" name="Symbol zastępczy numeru slajdu 3"/>
+          <p:cNvSpPr>
+            <a:spLocks noGrp="1"/>
+          </p:cNvSpPr>
+          <p:nvPr>
+            <p:ph type="sldNum" sz="quarter" idx="10"/>
+          </p:nvPr>
+        </p:nvSpPr>
+        <p:spPr bwMode="auto"/>
+        <p:txBody>
+          <a:bodyPr/>
+          <a:lstStyle/>
+          <a:p>
+            <a:pPr>
+              <a:defRPr/>
+            </a:pPr>
+            <a:fld id="{AB06D6F9-1F9A-ACE9-2D10-2BF5BB5D0912}" type="slidenum">
+              <a:rPr lang="pl-PL"/>
+              <a:t/>
+            </a:fld>
+            <a:endParaRPr lang="pl-PL"/>
+          </a:p>
+        </p:txBody>
+      </p:sp>
+    </p:spTree>
+  </p:cSld>
+</p:notes>
+</file>
+
+<file path=ppt/notesSlides/notesSlide2.xml><?xml version="1.0" encoding="utf-8"?>
+<p:notes xmlns:a="http://schemas.openxmlformats.org/drawingml/2006/main" xmlns:r="http://schemas.openxmlformats.org/officeDocument/2006/relationships" xmlns:p="http://schemas.openxmlformats.org/presentationml/2006/main" xmlns:m="http://schemas.openxmlformats.org/officeDocument/2006/math" xmlns:w="http://schemas.openxmlformats.org/wordprocessingml/2006/main">
+  <p:cSld name="">
+    <p:spTree>
+      <p:nvGrpSpPr>
+        <p:cNvPr id="1" name=""/>
+        <p:cNvGrpSpPr/>
+        <p:nvPr/>
+      </p:nvGrpSpPr>
+      <p:grpSpPr bwMode="auto">
+        <a:xfrm>
+          <a:off x="0" y="0"/>
+          <a:ext cx="0" cy="0"/>
+          <a:chOff x="0" y="0"/>
+          <a:chExt cx="0" cy="0"/>
+        </a:xfrm>
+      </p:grpSpPr>
+      <p:sp>
+        <p:nvSpPr>
+          <p:cNvPr id="2056985748" name="Symbol zastępczy obrazu slajdu 1"/>
+          <p:cNvSpPr>
+            <a:spLocks noChangeAspect="1" noGrp="1" noRot="1"/>
+          </p:cNvSpPr>
+          <p:nvPr>
+            <p:ph type="sldImg"/>
+          </p:nvPr>
+        </p:nvSpPr>
+        <p:spPr bwMode="auto">
+          <a:xfrm>
+            <a:off x="685800" y="1143000"/>
+            <a:ext cx="5486400" cy="3086100"/>
+          </a:xfrm>
+        </p:spPr>
+      </p:sp>
+      <p:sp>
+        <p:nvSpPr>
+          <p:cNvPr id="337501404" name="Notatki Symbol zastępczy 2"/>
+          <p:cNvSpPr>
+            <a:spLocks noGrp="1"/>
+          </p:cNvSpPr>
+          <p:nvPr>
+            <p:ph type="body" idx="1"/>
+          </p:nvPr>
+        </p:nvSpPr>
+        <p:spPr bwMode="auto"/>
+        <p:txBody>
+          <a:bodyPr/>
+          <a:lstStyle/>
+          <a:p>
+            <a:pPr>
+              <a:defRPr/>
+            </a:pPr>
+            <a:endParaRPr lang="pl-PL">
+              <a:latin typeface="Arial"/>
+              <a:cs typeface="Arial"/>
+            </a:endParaRPr>
+          </a:p>
+        </p:txBody>
+      </p:sp>
+      <p:sp>
+        <p:nvSpPr>
+          <p:cNvPr id="1396334575" name="Symbol zastępczy numeru slajdu 3"/>
+          <p:cNvSpPr>
+            <a:spLocks noGrp="1"/>
+          </p:cNvSpPr>
+          <p:nvPr>
+            <p:ph type="sldNum" sz="quarter" idx="10"/>
+          </p:nvPr>
+        </p:nvSpPr>
+        <p:spPr bwMode="auto"/>
+        <p:txBody>
+          <a:bodyPr/>
+          <a:lstStyle/>
+          <a:p>
+            <a:pPr>
+              <a:defRPr/>
+            </a:pPr>
+            <a:fld id="{56C0063A-ACFB-41D9-8238-C78DB2094802}" type="slidenum">
+              <a:rPr lang="pl-PL"/>
+              <a:t/>
+            </a:fld>
+            <a:endParaRPr lang="pl-PL"/>
+          </a:p>
+        </p:txBody>
+      </p:sp>
+    </p:spTree>
+  </p:cSld>
+</p:notes>
+</file>
+
+<file path=ppt/notesSlides/notesSlide20.xml><?xml version="1.0" encoding="utf-8"?>
+<p:notes xmlns:a="http://schemas.openxmlformats.org/drawingml/2006/main" xmlns:r="http://schemas.openxmlformats.org/officeDocument/2006/relationships" xmlns:p="http://schemas.openxmlformats.org/presentationml/2006/main" xmlns:m="http://schemas.openxmlformats.org/officeDocument/2006/math" xmlns:w="http://schemas.openxmlformats.org/wordprocessingml/2006/main">
+  <p:cSld name="">
+    <p:spTree>
+      <p:nvGrpSpPr>
+        <p:cNvPr id="1" name=""/>
+        <p:cNvGrpSpPr/>
+        <p:nvPr/>
+      </p:nvGrpSpPr>
+      <p:grpSpPr bwMode="auto">
+        <a:xfrm>
+          <a:off x="0" y="0"/>
+          <a:ext cx="0" cy="0"/>
+          <a:chOff x="0" y="0"/>
+          <a:chExt cx="0" cy="0"/>
+        </a:xfrm>
+      </p:grpSpPr>
+      <p:sp>
+        <p:nvSpPr>
+          <p:cNvPr id="889763442" name="Symbol zastępczy obrazu slajdu 1"/>
+          <p:cNvSpPr>
+            <a:spLocks noChangeAspect="1" noGrp="1" noRot="1"/>
+          </p:cNvSpPr>
+          <p:nvPr>
+            <p:ph type="sldImg"/>
+          </p:nvPr>
+        </p:nvSpPr>
+        <p:spPr bwMode="auto">
+          <a:xfrm>
+            <a:off x="685800" y="1143000"/>
+            <a:ext cx="5486400" cy="3086100"/>
+          </a:xfrm>
+        </p:spPr>
+      </p:sp>
+      <p:sp>
+        <p:nvSpPr>
+          <p:cNvPr id="1142984314" name="Notatki Symbol zastępczy 2"/>
+          <p:cNvSpPr>
+            <a:spLocks noGrp="1"/>
+          </p:cNvSpPr>
+          <p:nvPr>
+            <p:ph type="body" idx="1"/>
+          </p:nvPr>
+        </p:nvSpPr>
+        <p:spPr bwMode="auto"/>
+        <p:txBody>
+          <a:bodyPr/>
+          <a:lstStyle/>
+          <a:p>
+            <a:pPr>
+              <a:defRPr/>
+            </a:pPr>
+            <a:endParaRPr lang="pl-PL">
+              <a:latin typeface="Arial"/>
+              <a:cs typeface="Arial"/>
+            </a:endParaRPr>
+          </a:p>
+        </p:txBody>
+      </p:sp>
+      <p:sp>
+        <p:nvSpPr>
+          <p:cNvPr id="764343585" name="Symbol zastępczy numeru slajdu 3"/>
+          <p:cNvSpPr>
+            <a:spLocks noGrp="1"/>
+          </p:cNvSpPr>
+          <p:nvPr>
+            <p:ph type="sldNum" sz="quarter" idx="10"/>
+          </p:nvPr>
+        </p:nvSpPr>
+        <p:spPr bwMode="auto"/>
+        <p:txBody>
+          <a:bodyPr/>
+          <a:lstStyle/>
+          <a:p>
+            <a:pPr>
+              <a:defRPr/>
+            </a:pPr>
+            <a:fld id="{DB08053C-6E94-97B3-AC32-E6FED8E7097B}" type="slidenum">
+              <a:rPr lang="pl-PL"/>
+              <a:t/>
+            </a:fld>
+            <a:endParaRPr lang="pl-PL"/>
+          </a:p>
+        </p:txBody>
+      </p:sp>
+    </p:spTree>
+  </p:cSld>
+</p:notes>
+</file>
+
+<file path=ppt/notesSlides/notesSlide21.xml><?xml version="1.0" encoding="utf-8"?>
+<p:notes xmlns:a="http://schemas.openxmlformats.org/drawingml/2006/main" xmlns:r="http://schemas.openxmlformats.org/officeDocument/2006/relationships" xmlns:p="http://schemas.openxmlformats.org/presentationml/2006/main" xmlns:m="http://schemas.openxmlformats.org/officeDocument/2006/math" xmlns:w="http://schemas.openxmlformats.org/wordprocessingml/2006/main">
+  <p:cSld name="">
+    <p:spTree>
+      <p:nvGrpSpPr>
+        <p:cNvPr id="1" name=""/>
+        <p:cNvGrpSpPr/>
+        <p:nvPr/>
+      </p:nvGrpSpPr>
+      <p:grpSpPr bwMode="auto">
+        <a:xfrm>
+          <a:off x="0" y="0"/>
+          <a:ext cx="0" cy="0"/>
+          <a:chOff x="0" y="0"/>
+          <a:chExt cx="0" cy="0"/>
+        </a:xfrm>
+      </p:grpSpPr>
+      <p:sp>
+        <p:nvSpPr>
+          <p:cNvPr id="982699815" name="Symbol zastępczy obrazu slajdu 1"/>
+          <p:cNvSpPr>
+            <a:spLocks noChangeAspect="1" noGrp="1" noRot="1"/>
+          </p:cNvSpPr>
+          <p:nvPr>
+            <p:ph type="sldImg"/>
+          </p:nvPr>
+        </p:nvSpPr>
+        <p:spPr bwMode="auto">
+          <a:xfrm>
+            <a:off x="685800" y="1143000"/>
+            <a:ext cx="5486400" cy="3086100"/>
+          </a:xfrm>
+        </p:spPr>
+      </p:sp>
+      <p:sp>
+        <p:nvSpPr>
+          <p:cNvPr id="863970882" name="Notatki Symbol zastępczy 2"/>
+          <p:cNvSpPr>
+            <a:spLocks noGrp="1"/>
+          </p:cNvSpPr>
+          <p:nvPr>
+            <p:ph type="body" idx="1"/>
+          </p:nvPr>
+        </p:nvSpPr>
+        <p:spPr bwMode="auto"/>
+        <p:txBody>
+          <a:bodyPr/>
+          <a:lstStyle/>
+          <a:p>
+            <a:pPr>
+              <a:defRPr/>
+            </a:pPr>
+            <a:endParaRPr lang="pl-PL">
+              <a:latin typeface="Arial"/>
+              <a:cs typeface="Arial"/>
+            </a:endParaRPr>
+          </a:p>
+        </p:txBody>
+      </p:sp>
+      <p:sp>
+        <p:nvSpPr>
+          <p:cNvPr id="553797878" name="Symbol zastępczy numeru slajdu 3"/>
+          <p:cNvSpPr>
+            <a:spLocks noGrp="1"/>
+          </p:cNvSpPr>
+          <p:nvPr>
+            <p:ph type="sldNum" sz="quarter" idx="10"/>
+          </p:nvPr>
+        </p:nvSpPr>
+        <p:spPr bwMode="auto"/>
+        <p:txBody>
+          <a:bodyPr/>
+          <a:lstStyle/>
+          <a:p>
+            <a:pPr>
+              <a:defRPr/>
+            </a:pPr>
+            <a:fld id="{40D45BE1-6EDD-ED5B-37FB-CB6819ADC396}" type="slidenum">
+              <a:rPr lang="pl-PL"/>
+              <a:t/>
+            </a:fld>
+            <a:endParaRPr lang="pl-PL"/>
+          </a:p>
+        </p:txBody>
+      </p:sp>
+    </p:spTree>
+  </p:cSld>
+</p:notes>
+</file>
+
+<file path=ppt/notesSlides/notesSlide22.xml><?xml version="1.0" encoding="utf-8"?>
+<p:notes xmlns:a="http://schemas.openxmlformats.org/drawingml/2006/main" xmlns:r="http://schemas.openxmlformats.org/officeDocument/2006/relationships" xmlns:p="http://schemas.openxmlformats.org/presentationml/2006/main" xmlns:m="http://schemas.openxmlformats.org/officeDocument/2006/math" xmlns:w="http://schemas.openxmlformats.org/wordprocessingml/2006/main">
+  <p:cSld name="">
+    <p:spTree>
+      <p:nvGrpSpPr>
+        <p:cNvPr id="1" name=""/>
+        <p:cNvGrpSpPr/>
+        <p:nvPr/>
+      </p:nvGrpSpPr>
+      <p:grpSpPr bwMode="auto">
+        <a:xfrm>
+          <a:off x="0" y="0"/>
+          <a:ext cx="0" cy="0"/>
+          <a:chOff x="0" y="0"/>
+          <a:chExt cx="0" cy="0"/>
+        </a:xfrm>
+      </p:grpSpPr>
+      <p:sp>
+        <p:nvSpPr>
+          <p:cNvPr id="1080929768" name="Symbol zastępczy obrazu slajdu 1"/>
+          <p:cNvSpPr>
+            <a:spLocks noChangeAspect="1" noGrp="1" noRot="1"/>
+          </p:cNvSpPr>
+          <p:nvPr>
+            <p:ph type="sldImg"/>
+          </p:nvPr>
+        </p:nvSpPr>
+        <p:spPr bwMode="auto">
+          <a:xfrm>
+            <a:off x="685800" y="1143000"/>
+            <a:ext cx="5486400" cy="3086100"/>
+          </a:xfrm>
+        </p:spPr>
+      </p:sp>
+      <p:sp>
+        <p:nvSpPr>
+          <p:cNvPr id="1300796053" name="Notatki Symbol zastępczy 2"/>
+          <p:cNvSpPr>
+            <a:spLocks noGrp="1"/>
+          </p:cNvSpPr>
+          <p:nvPr>
+            <p:ph type="body" idx="1"/>
+          </p:nvPr>
+        </p:nvSpPr>
+        <p:spPr bwMode="auto"/>
+        <p:txBody>
+          <a:bodyPr/>
+          <a:lstStyle/>
+          <a:p>
+            <a:pPr>
+              <a:defRPr/>
+            </a:pPr>
+            <a:endParaRPr lang="pl-PL">
+              <a:latin typeface="Arial"/>
+              <a:cs typeface="Arial"/>
+            </a:endParaRPr>
+          </a:p>
+        </p:txBody>
+      </p:sp>
+      <p:sp>
+        <p:nvSpPr>
+          <p:cNvPr id="500082398" name="Symbol zastępczy numeru slajdu 3"/>
+          <p:cNvSpPr>
+            <a:spLocks noGrp="1"/>
+          </p:cNvSpPr>
+          <p:nvPr>
+            <p:ph type="sldNum" sz="quarter" idx="10"/>
+          </p:nvPr>
+        </p:nvSpPr>
+        <p:spPr bwMode="auto"/>
+        <p:txBody>
+          <a:bodyPr/>
+          <a:lstStyle/>
+          <a:p>
+            <a:pPr>
+              <a:defRPr/>
+            </a:pPr>
+            <a:fld id="{8629D46B-E132-0EB3-3DED-AA936318ED31}" type="slidenum">
+              <a:rPr lang="pl-PL"/>
+              <a:t/>
+            </a:fld>
+            <a:endParaRPr lang="pl-PL"/>
+          </a:p>
+        </p:txBody>
+      </p:sp>
+    </p:spTree>
+  </p:cSld>
+</p:notes>
+</file>
+
+<file path=ppt/notesSlides/notesSlide23.xml><?xml version="1.0" encoding="utf-8"?>
+<p:notes xmlns:a="http://schemas.openxmlformats.org/drawingml/2006/main" xmlns:r="http://schemas.openxmlformats.org/officeDocument/2006/relationships" xmlns:p="http://schemas.openxmlformats.org/presentationml/2006/main" xmlns:m="http://schemas.openxmlformats.org/officeDocument/2006/math" xmlns:w="http://schemas.openxmlformats.org/wordprocessingml/2006/main">
+  <p:cSld name="">
+    <p:spTree>
+      <p:nvGrpSpPr>
+        <p:cNvPr id="1" name=""/>
+        <p:cNvGrpSpPr/>
+        <p:nvPr/>
+      </p:nvGrpSpPr>
+      <p:grpSpPr bwMode="auto">
+        <a:xfrm>
+          <a:off x="0" y="0"/>
+          <a:ext cx="0" cy="0"/>
+          <a:chOff x="0" y="0"/>
+          <a:chExt cx="0" cy="0"/>
+        </a:xfrm>
+      </p:grpSpPr>
+      <p:sp>
+        <p:nvSpPr>
+          <p:cNvPr id="908113890" name="Symbol zastępczy obrazu slajdu 1"/>
+          <p:cNvSpPr>
+            <a:spLocks noChangeAspect="1" noGrp="1" noRot="1"/>
+          </p:cNvSpPr>
+          <p:nvPr>
+            <p:ph type="sldImg"/>
+          </p:nvPr>
+        </p:nvSpPr>
+        <p:spPr bwMode="auto">
+          <a:xfrm>
+            <a:off x="685800" y="1143000"/>
+            <a:ext cx="5486400" cy="3086100"/>
+          </a:xfrm>
+        </p:spPr>
+      </p:sp>
+      <p:sp>
+        <p:nvSpPr>
+          <p:cNvPr id="2064851968" name="Notatki Symbol zastępczy 2"/>
+          <p:cNvSpPr>
+            <a:spLocks noGrp="1"/>
+          </p:cNvSpPr>
+          <p:nvPr>
+            <p:ph type="body" idx="1"/>
+          </p:nvPr>
+        </p:nvSpPr>
+        <p:spPr bwMode="auto"/>
+        <p:txBody>
+          <a:bodyPr/>
+          <a:lstStyle/>
+          <a:p>
+            <a:pPr>
+              <a:defRPr/>
+            </a:pPr>
+            <a:endParaRPr lang="pl-PL">
+              <a:latin typeface="Arial"/>
+              <a:cs typeface="Arial"/>
+            </a:endParaRPr>
+          </a:p>
+        </p:txBody>
+      </p:sp>
+      <p:sp>
+        <p:nvSpPr>
+          <p:cNvPr id="1344584124" name="Symbol zastępczy numeru slajdu 3"/>
+          <p:cNvSpPr>
+            <a:spLocks noGrp="1"/>
+          </p:cNvSpPr>
+          <p:nvPr>
+            <p:ph type="sldNum" sz="quarter" idx="10"/>
+          </p:nvPr>
+        </p:nvSpPr>
+        <p:spPr bwMode="auto"/>
+        <p:txBody>
+          <a:bodyPr/>
+          <a:lstStyle/>
+          <a:p>
+            <a:pPr>
+              <a:defRPr/>
+            </a:pPr>
+            <a:fld id="{B84320AD-813A-03FC-B9B0-79DA299F662B}" type="slidenum">
+              <a:rPr lang="pl-PL"/>
+              <a:t/>
+            </a:fld>
+            <a:endParaRPr lang="pl-PL"/>
+          </a:p>
+        </p:txBody>
+      </p:sp>
+    </p:spTree>
+  </p:cSld>
+</p:notes>
+</file>
+
+<file path=ppt/notesSlides/notesSlide24.xml><?xml version="1.0" encoding="utf-8"?>
+<p:notes xmlns:a="http://schemas.openxmlformats.org/drawingml/2006/main" xmlns:r="http://schemas.openxmlformats.org/officeDocument/2006/relationships" xmlns:p="http://schemas.openxmlformats.org/presentationml/2006/main" xmlns:m="http://schemas.openxmlformats.org/officeDocument/2006/math" xmlns:w="http://schemas.openxmlformats.org/wordprocessingml/2006/main">
+  <p:cSld name="">
+    <p:spTree>
+      <p:nvGrpSpPr>
+        <p:cNvPr id="1" name=""/>
+        <p:cNvGrpSpPr/>
+        <p:nvPr/>
+      </p:nvGrpSpPr>
+      <p:grpSpPr bwMode="auto">
+        <a:xfrm>
+          <a:off x="0" y="0"/>
+          <a:ext cx="0" cy="0"/>
+          <a:chOff x="0" y="0"/>
+          <a:chExt cx="0" cy="0"/>
+        </a:xfrm>
+      </p:grpSpPr>
+      <p:sp>
+        <p:nvSpPr>
+          <p:cNvPr id="1038459019" name="Symbol zastępczy obrazu slajdu 1"/>
+          <p:cNvSpPr>
+            <a:spLocks noChangeAspect="1" noGrp="1" noRot="1"/>
+          </p:cNvSpPr>
+          <p:nvPr>
+            <p:ph type="sldImg"/>
+          </p:nvPr>
+        </p:nvSpPr>
+        <p:spPr bwMode="auto">
+          <a:xfrm>
+            <a:off x="685800" y="1143000"/>
+            <a:ext cx="5486400" cy="3086100"/>
+          </a:xfrm>
+        </p:spPr>
+      </p:sp>
+      <p:sp>
+        <p:nvSpPr>
+          <p:cNvPr id="516511358" name="Notatki Symbol zastępczy 2"/>
+          <p:cNvSpPr>
+            <a:spLocks noGrp="1"/>
+          </p:cNvSpPr>
+          <p:nvPr>
+            <p:ph type="body" idx="1"/>
+          </p:nvPr>
+        </p:nvSpPr>
+        <p:spPr bwMode="auto"/>
+        <p:txBody>
+          <a:bodyPr/>
+          <a:lstStyle/>
+          <a:p>
+            <a:pPr>
+              <a:defRPr/>
+            </a:pPr>
+            <a:endParaRPr lang="pl-PL">
+              <a:latin typeface="Arial"/>
+              <a:cs typeface="Arial"/>
+            </a:endParaRPr>
+          </a:p>
+        </p:txBody>
+      </p:sp>
+      <p:sp>
+        <p:nvSpPr>
+          <p:cNvPr id="1232469885" name="Symbol zastępczy numeru slajdu 3"/>
+          <p:cNvSpPr>
+            <a:spLocks noGrp="1"/>
+          </p:cNvSpPr>
+          <p:nvPr>
+            <p:ph type="sldNum" sz="quarter" idx="10"/>
+          </p:nvPr>
+        </p:nvSpPr>
+        <p:spPr bwMode="auto"/>
+        <p:txBody>
+          <a:bodyPr/>
+          <a:lstStyle/>
+          <a:p>
+            <a:pPr>
+              <a:defRPr/>
+            </a:pPr>
+            <a:fld id="{EBE6D1BB-543D-8532-B707-012D91A30BE8}" type="slidenum">
+              <a:rPr lang="pl-PL"/>
+              <a:t/>
+            </a:fld>
+            <a:endParaRPr lang="pl-PL"/>
+          </a:p>
+        </p:txBody>
+      </p:sp>
+    </p:spTree>
+  </p:cSld>
+</p:notes>
+</file>
+
+<file path=ppt/notesSlides/notesSlide3.xml><?xml version="1.0" encoding="utf-8"?>
+<p:notes xmlns:a="http://schemas.openxmlformats.org/drawingml/2006/main" xmlns:r="http://schemas.openxmlformats.org/officeDocument/2006/relationships" xmlns:p="http://schemas.openxmlformats.org/presentationml/2006/main" xmlns:m="http://schemas.openxmlformats.org/officeDocument/2006/math" xmlns:w="http://schemas.openxmlformats.org/wordprocessingml/2006/main">
+  <p:cSld name="">
+    <p:spTree>
+      <p:nvGrpSpPr>
+        <p:cNvPr id="1" name=""/>
+        <p:cNvGrpSpPr/>
+        <p:nvPr/>
+      </p:nvGrpSpPr>
+      <p:grpSpPr bwMode="auto">
+        <a:xfrm>
+          <a:off x="0" y="0"/>
+          <a:ext cx="0" cy="0"/>
+          <a:chOff x="0" y="0"/>
+          <a:chExt cx="0" cy="0"/>
+        </a:xfrm>
+      </p:grpSpPr>
+      <p:sp>
+        <p:nvSpPr>
+          <p:cNvPr id="189874874" name="Symbol zastępczy obrazu slajdu 1"/>
+          <p:cNvSpPr>
+            <a:spLocks noChangeAspect="1" noGrp="1" noRot="1"/>
+          </p:cNvSpPr>
+          <p:nvPr>
+            <p:ph type="sldImg"/>
+          </p:nvPr>
+        </p:nvSpPr>
+        <p:spPr bwMode="auto">
+          <a:xfrm>
+            <a:off x="685800" y="1143000"/>
+            <a:ext cx="5486400" cy="3086100"/>
+          </a:xfrm>
+        </p:spPr>
+      </p:sp>
+      <p:sp>
+        <p:nvSpPr>
+          <p:cNvPr id="1891197225" name="Notatki Symbol zastępczy 2"/>
+          <p:cNvSpPr>
+            <a:spLocks noGrp="1"/>
+          </p:cNvSpPr>
+          <p:nvPr>
+            <p:ph type="body" idx="1"/>
+          </p:nvPr>
+        </p:nvSpPr>
+        <p:spPr bwMode="auto"/>
+        <p:txBody>
+          <a:bodyPr/>
+          <a:lstStyle/>
+          <a:p>
+            <a:pPr>
+              <a:defRPr/>
+            </a:pPr>
+            <a:endParaRPr lang="pl-PL">
+              <a:latin typeface="Arial"/>
+              <a:cs typeface="Arial"/>
+            </a:endParaRPr>
+          </a:p>
+        </p:txBody>
+      </p:sp>
+      <p:sp>
+        <p:nvSpPr>
+          <p:cNvPr id="1848756920" name="Symbol zastępczy numeru slajdu 3"/>
+          <p:cNvSpPr>
+            <a:spLocks noGrp="1"/>
+          </p:cNvSpPr>
+          <p:nvPr>
+            <p:ph type="sldNum" sz="quarter" idx="10"/>
+          </p:nvPr>
+        </p:nvSpPr>
+        <p:spPr bwMode="auto"/>
+        <p:txBody>
+          <a:bodyPr/>
+          <a:lstStyle/>
+          <a:p>
+            <a:pPr>
+              <a:defRPr/>
+            </a:pPr>
+            <a:fld id="{1B314004-A7FD-AA43-3D74-5AED283EAD2E}" type="slidenum">
+              <a:rPr lang="pl-PL"/>
+              <a:t/>
+            </a:fld>
+            <a:endParaRPr lang="pl-PL"/>
+          </a:p>
+        </p:txBody>
+      </p:sp>
+    </p:spTree>
+  </p:cSld>
+</p:notes>
+</file>
+
+<file path=ppt/notesSlides/notesSlide4.xml><?xml version="1.0" encoding="utf-8"?>
+<p:notes xmlns:a="http://schemas.openxmlformats.org/drawingml/2006/main" xmlns:r="http://schemas.openxmlformats.org/officeDocument/2006/relationships" xmlns:p="http://schemas.openxmlformats.org/presentationml/2006/main" xmlns:m="http://schemas.openxmlformats.org/officeDocument/2006/math" xmlns:w="http://schemas.openxmlformats.org/wordprocessingml/2006/main">
+  <p:cSld name="">
+    <p:spTree>
+      <p:nvGrpSpPr>
+        <p:cNvPr id="1" name=""/>
+        <p:cNvGrpSpPr/>
+        <p:nvPr/>
+      </p:nvGrpSpPr>
+      <p:grpSpPr bwMode="auto">
+        <a:xfrm>
+          <a:off x="0" y="0"/>
+          <a:ext cx="0" cy="0"/>
+          <a:chOff x="0" y="0"/>
+          <a:chExt cx="0" cy="0"/>
+        </a:xfrm>
+      </p:grpSpPr>
+      <p:sp>
+        <p:nvSpPr>
+          <p:cNvPr id="922489595" name="Symbol zastępczy obrazu slajdu 1"/>
+          <p:cNvSpPr>
+            <a:spLocks noChangeAspect="1" noGrp="1" noRot="1"/>
+          </p:cNvSpPr>
+          <p:nvPr>
+            <p:ph type="sldImg"/>
+          </p:nvPr>
+        </p:nvSpPr>
+        <p:spPr bwMode="auto">
+          <a:xfrm>
+            <a:off x="685800" y="1143000"/>
+            <a:ext cx="5486400" cy="3086100"/>
+          </a:xfrm>
+        </p:spPr>
+      </p:sp>
+      <p:sp>
+        <p:nvSpPr>
+          <p:cNvPr id="613224992" name="Notatki Symbol zastępczy 2"/>
+          <p:cNvSpPr>
+            <a:spLocks noGrp="1"/>
+          </p:cNvSpPr>
+          <p:nvPr>
+            <p:ph type="body" idx="1"/>
+          </p:nvPr>
+        </p:nvSpPr>
+        <p:spPr bwMode="auto"/>
+        <p:txBody>
+          <a:bodyPr/>
+          <a:lstStyle/>
+          <a:p>
+            <a:pPr>
+              <a:defRPr/>
+            </a:pPr>
+            <a:endParaRPr lang="pl-PL">
+              <a:latin typeface="Arial"/>
+              <a:cs typeface="Arial"/>
+            </a:endParaRPr>
+          </a:p>
+        </p:txBody>
+      </p:sp>
+      <p:sp>
+        <p:nvSpPr>
+          <p:cNvPr id="2102205235" name="Symbol zastępczy numeru slajdu 3"/>
+          <p:cNvSpPr>
+            <a:spLocks noGrp="1"/>
+          </p:cNvSpPr>
+          <p:nvPr>
+            <p:ph type="sldNum" sz="quarter" idx="10"/>
+          </p:nvPr>
+        </p:nvSpPr>
+        <p:spPr bwMode="auto"/>
+        <p:txBody>
+          <a:bodyPr/>
+          <a:lstStyle/>
+          <a:p>
+            <a:pPr>
+              <a:defRPr/>
+            </a:pPr>
+            <a:fld id="{DD91ABD0-1500-A76E-4112-96EEF564663F}" type="slidenum">
+              <a:rPr lang="pl-PL"/>
+              <a:t/>
+            </a:fld>
+            <a:endParaRPr lang="pl-PL"/>
+          </a:p>
+        </p:txBody>
+      </p:sp>
+    </p:spTree>
+  </p:cSld>
+</p:notes>
+</file>
+
+<file path=ppt/notesSlides/notesSlide5.xml><?xml version="1.0" encoding="utf-8"?>
+<p:notes xmlns:a="http://schemas.openxmlformats.org/drawingml/2006/main" xmlns:r="http://schemas.openxmlformats.org/officeDocument/2006/relationships" xmlns:p="http://schemas.openxmlformats.org/presentationml/2006/main" xmlns:m="http://schemas.openxmlformats.org/officeDocument/2006/math" xmlns:w="http://schemas.openxmlformats.org/wordprocessingml/2006/main">
+  <p:cSld name="">
+    <p:spTree>
+      <p:nvGrpSpPr>
+        <p:cNvPr id="1" name=""/>
+        <p:cNvGrpSpPr/>
+        <p:nvPr/>
+      </p:nvGrpSpPr>
+      <p:grpSpPr bwMode="auto">
+        <a:xfrm>
+          <a:off x="0" y="0"/>
+          <a:ext cx="0" cy="0"/>
+          <a:chOff x="0" y="0"/>
+          <a:chExt cx="0" cy="0"/>
+        </a:xfrm>
+      </p:grpSpPr>
+      <p:sp>
+        <p:nvSpPr>
+          <p:cNvPr id="24239183" name="Symbol zastępczy obrazu slajdu 1"/>
+          <p:cNvSpPr>
+            <a:spLocks noChangeAspect="1" noGrp="1" noRot="1"/>
+          </p:cNvSpPr>
+          <p:nvPr>
+            <p:ph type="sldImg"/>
+          </p:nvPr>
+        </p:nvSpPr>
+        <p:spPr bwMode="auto">
+          <a:xfrm>
+            <a:off x="685800" y="1143000"/>
+            <a:ext cx="5486400" cy="3086100"/>
+          </a:xfrm>
+        </p:spPr>
+      </p:sp>
+      <p:sp>
+        <p:nvSpPr>
+          <p:cNvPr id="2110576091" name="Notatki Symbol zastępczy 2"/>
+          <p:cNvSpPr>
+            <a:spLocks noGrp="1"/>
+          </p:cNvSpPr>
+          <p:nvPr>
+            <p:ph type="body" idx="1"/>
+          </p:nvPr>
+        </p:nvSpPr>
+        <p:spPr bwMode="auto"/>
+        <p:txBody>
+          <a:bodyPr/>
+          <a:lstStyle/>
+          <a:p>
+            <a:pPr>
+              <a:defRPr/>
+            </a:pPr>
+            <a:endParaRPr lang="pl-PL">
+              <a:latin typeface="Arial"/>
+              <a:cs typeface="Arial"/>
+            </a:endParaRPr>
+          </a:p>
+        </p:txBody>
+      </p:sp>
+      <p:sp>
+        <p:nvSpPr>
+          <p:cNvPr id="1815058831" name="Symbol zastępczy numeru slajdu 3"/>
+          <p:cNvSpPr>
+            <a:spLocks noGrp="1"/>
+          </p:cNvSpPr>
+          <p:nvPr>
+            <p:ph type="sldNum" sz="quarter" idx="10"/>
+          </p:nvPr>
+        </p:nvSpPr>
+        <p:spPr bwMode="auto"/>
+        <p:txBody>
+          <a:bodyPr/>
+          <a:lstStyle/>
+          <a:p>
+            <a:pPr>
+              <a:defRPr/>
+            </a:pPr>
+            <a:fld id="{C4BC560F-D334-951C-FD1F-967D69C4E87E}" type="slidenum">
+              <a:rPr lang="pl-PL"/>
+              <a:t/>
+            </a:fld>
+            <a:endParaRPr lang="pl-PL"/>
+          </a:p>
+        </p:txBody>
+      </p:sp>
+    </p:spTree>
+  </p:cSld>
+</p:notes>
+</file>
+
+<file path=ppt/notesSlides/notesSlide6.xml><?xml version="1.0" encoding="utf-8"?>
+<p:notes xmlns:a="http://schemas.openxmlformats.org/drawingml/2006/main" xmlns:r="http://schemas.openxmlformats.org/officeDocument/2006/relationships" xmlns:p="http://schemas.openxmlformats.org/presentationml/2006/main" xmlns:m="http://schemas.openxmlformats.org/officeDocument/2006/math" xmlns:w="http://schemas.openxmlformats.org/wordprocessingml/2006/main">
+  <p:cSld name="">
+    <p:spTree>
+      <p:nvGrpSpPr>
+        <p:cNvPr id="1" name=""/>
+        <p:cNvGrpSpPr/>
+        <p:nvPr/>
+      </p:nvGrpSpPr>
+      <p:grpSpPr bwMode="auto">
+        <a:xfrm>
+          <a:off x="0" y="0"/>
+          <a:ext cx="0" cy="0"/>
+          <a:chOff x="0" y="0"/>
+          <a:chExt cx="0" cy="0"/>
+        </a:xfrm>
+      </p:grpSpPr>
+      <p:sp>
+        <p:nvSpPr>
+          <p:cNvPr id="1719896156" name="Symbol zastępczy obrazu slajdu 1"/>
+          <p:cNvSpPr>
+            <a:spLocks noChangeAspect="1" noGrp="1" noRot="1"/>
+          </p:cNvSpPr>
+          <p:nvPr>
+            <p:ph type="sldImg"/>
+          </p:nvPr>
+        </p:nvSpPr>
+        <p:spPr bwMode="auto">
+          <a:xfrm>
+            <a:off x="685800" y="1143000"/>
+            <a:ext cx="5486400" cy="3086100"/>
+          </a:xfrm>
+        </p:spPr>
+      </p:sp>
+      <p:sp>
+        <p:nvSpPr>
+          <p:cNvPr id="876110406" name="Notatki Symbol zastępczy 2"/>
+          <p:cNvSpPr>
+            <a:spLocks noGrp="1"/>
+          </p:cNvSpPr>
+          <p:nvPr>
+            <p:ph type="body" idx="1"/>
+          </p:nvPr>
+        </p:nvSpPr>
+        <p:spPr bwMode="auto"/>
+        <p:txBody>
+          <a:bodyPr/>
+          <a:lstStyle/>
+          <a:p>
+            <a:pPr>
+              <a:defRPr/>
+            </a:pPr>
+            <a:endParaRPr lang="pl-PL">
+              <a:latin typeface="Arial"/>
+              <a:cs typeface="Arial"/>
+            </a:endParaRPr>
+          </a:p>
+        </p:txBody>
+      </p:sp>
+      <p:sp>
+        <p:nvSpPr>
+          <p:cNvPr id="1871567125" name="Symbol zastępczy numeru slajdu 3"/>
+          <p:cNvSpPr>
+            <a:spLocks noGrp="1"/>
+          </p:cNvSpPr>
+          <p:nvPr>
+            <p:ph type="sldNum" sz="quarter" idx="10"/>
+          </p:nvPr>
+        </p:nvSpPr>
+        <p:spPr bwMode="auto"/>
+        <p:txBody>
+          <a:bodyPr/>
+          <a:lstStyle/>
+          <a:p>
+            <a:pPr>
+              <a:defRPr/>
+            </a:pPr>
+            <a:fld id="{0792E972-4B83-6030-A4FC-AD56E9A7DDCA}" type="slidenum">
+              <a:rPr lang="pl-PL"/>
+              <a:t/>
+            </a:fld>
+            <a:endParaRPr lang="pl-PL"/>
+          </a:p>
+        </p:txBody>
+      </p:sp>
+    </p:spTree>
+  </p:cSld>
+</p:notes>
+</file>
+
+<file path=ppt/notesSlides/notesSlide7.xml><?xml version="1.0" encoding="utf-8"?>
+<p:notes xmlns:a="http://schemas.openxmlformats.org/drawingml/2006/main" xmlns:r="http://schemas.openxmlformats.org/officeDocument/2006/relationships" xmlns:p="http://schemas.openxmlformats.org/presentationml/2006/main" xmlns:m="http://schemas.openxmlformats.org/officeDocument/2006/math" xmlns:w="http://schemas.openxmlformats.org/wordprocessingml/2006/main">
+  <p:cSld name="">
+    <p:spTree>
+      <p:nvGrpSpPr>
+        <p:cNvPr id="1" name=""/>
+        <p:cNvGrpSpPr/>
+        <p:nvPr/>
+      </p:nvGrpSpPr>
+      <p:grpSpPr bwMode="auto">
+        <a:xfrm>
+          <a:off x="0" y="0"/>
+          <a:ext cx="0" cy="0"/>
+          <a:chOff x="0" y="0"/>
+          <a:chExt cx="0" cy="0"/>
+        </a:xfrm>
+      </p:grpSpPr>
+      <p:sp>
+        <p:nvSpPr>
+          <p:cNvPr id="106898487" name="Symbol zastępczy obrazu slajdu 1"/>
+          <p:cNvSpPr>
+            <a:spLocks noChangeAspect="1" noGrp="1" noRot="1"/>
+          </p:cNvSpPr>
+          <p:nvPr>
+            <p:ph type="sldImg"/>
+          </p:nvPr>
+        </p:nvSpPr>
+        <p:spPr bwMode="auto">
+          <a:xfrm>
+            <a:off x="685800" y="1143000"/>
+            <a:ext cx="5486400" cy="3086100"/>
+          </a:xfrm>
+        </p:spPr>
+      </p:sp>
+      <p:sp>
+        <p:nvSpPr>
+          <p:cNvPr id="1361226039" name="Notatki Symbol zastępczy 2"/>
+          <p:cNvSpPr>
+            <a:spLocks noGrp="1"/>
+          </p:cNvSpPr>
+          <p:nvPr>
+            <p:ph type="body" idx="1"/>
+          </p:nvPr>
+        </p:nvSpPr>
+        <p:spPr bwMode="auto"/>
+        <p:txBody>
+          <a:bodyPr/>
+          <a:lstStyle/>
+          <a:p>
+            <a:pPr>
+              <a:defRPr/>
+            </a:pPr>
+            <a:endParaRPr lang="pl-PL">
+              <a:latin typeface="Arial"/>
+              <a:cs typeface="Arial"/>
+            </a:endParaRPr>
+          </a:p>
+        </p:txBody>
+      </p:sp>
+      <p:sp>
+        <p:nvSpPr>
+          <p:cNvPr id="46408799" name="Symbol zastępczy numeru slajdu 3"/>
+          <p:cNvSpPr>
+            <a:spLocks noGrp="1"/>
+          </p:cNvSpPr>
+          <p:nvPr>
+            <p:ph type="sldNum" sz="quarter" idx="10"/>
+          </p:nvPr>
+        </p:nvSpPr>
+        <p:spPr bwMode="auto"/>
+        <p:txBody>
+          <a:bodyPr/>
+          <a:lstStyle/>
+          <a:p>
+            <a:pPr>
+              <a:defRPr/>
+            </a:pPr>
+            <a:fld id="{A5950806-2E91-AE2F-6DC7-CFD621013280}" type="slidenum">
+              <a:rPr lang="pl-PL"/>
+              <a:t/>
+            </a:fld>
+            <a:endParaRPr lang="pl-PL"/>
+          </a:p>
+        </p:txBody>
+      </p:sp>
+    </p:spTree>
+  </p:cSld>
+</p:notes>
+</file>
+
+<file path=ppt/notesSlides/notesSlide8.xml><?xml version="1.0" encoding="utf-8"?>
+<p:notes xmlns:a="http://schemas.openxmlformats.org/drawingml/2006/main" xmlns:r="http://schemas.openxmlformats.org/officeDocument/2006/relationships" xmlns:p="http://schemas.openxmlformats.org/presentationml/2006/main" xmlns:m="http://schemas.openxmlformats.org/officeDocument/2006/math" xmlns:w="http://schemas.openxmlformats.org/wordprocessingml/2006/main">
+  <p:cSld name="">
+    <p:spTree>
+      <p:nvGrpSpPr>
+        <p:cNvPr id="1" name=""/>
+        <p:cNvGrpSpPr/>
+        <p:nvPr/>
+      </p:nvGrpSpPr>
+      <p:grpSpPr bwMode="auto">
+        <a:xfrm>
+          <a:off x="0" y="0"/>
+          <a:ext cx="0" cy="0"/>
+          <a:chOff x="0" y="0"/>
+          <a:chExt cx="0" cy="0"/>
+        </a:xfrm>
+      </p:grpSpPr>
+      <p:sp>
+        <p:nvSpPr>
+          <p:cNvPr id="839808441" name="Symbol zastępczy obrazu slajdu 1"/>
+          <p:cNvSpPr>
+            <a:spLocks noChangeAspect="1" noGrp="1" noRot="1"/>
+          </p:cNvSpPr>
+          <p:nvPr>
+            <p:ph type="sldImg"/>
+          </p:nvPr>
+        </p:nvSpPr>
+        <p:spPr bwMode="auto">
+          <a:xfrm>
+            <a:off x="685800" y="1143000"/>
+            <a:ext cx="5486400" cy="3086100"/>
+          </a:xfrm>
+        </p:spPr>
+      </p:sp>
+      <p:sp>
+        <p:nvSpPr>
+          <p:cNvPr id="1926845319" name="Notatki Symbol zastępczy 2"/>
+          <p:cNvSpPr>
+            <a:spLocks noGrp="1"/>
+          </p:cNvSpPr>
+          <p:nvPr>
+            <p:ph type="body" idx="1"/>
+          </p:nvPr>
+        </p:nvSpPr>
+        <p:spPr bwMode="auto"/>
+        <p:txBody>
+          <a:bodyPr/>
+          <a:lstStyle/>
+          <a:p>
+            <a:pPr>
+              <a:defRPr/>
+            </a:pPr>
+            <a:endParaRPr lang="pl-PL">
+              <a:latin typeface="Arial"/>
+              <a:cs typeface="Arial"/>
+            </a:endParaRPr>
+          </a:p>
+        </p:txBody>
+      </p:sp>
+      <p:sp>
+        <p:nvSpPr>
+          <p:cNvPr id="1984933683" name="Symbol zastępczy numeru slajdu 3"/>
+          <p:cNvSpPr>
+            <a:spLocks noGrp="1"/>
+          </p:cNvSpPr>
+          <p:nvPr>
+            <p:ph type="sldNum" sz="quarter" idx="10"/>
+          </p:nvPr>
+        </p:nvSpPr>
+        <p:spPr bwMode="auto"/>
+        <p:txBody>
+          <a:bodyPr/>
+          <a:lstStyle/>
+          <a:p>
+            <a:pPr>
+              <a:defRPr/>
+            </a:pPr>
+            <a:fld id="{E339FC7D-93E3-CD1F-5DB2-A150DEB2D79C}" type="slidenum">
+              <a:rPr lang="pl-PL"/>
+              <a:t/>
+            </a:fld>
+            <a:endParaRPr lang="pl-PL"/>
+          </a:p>
+        </p:txBody>
+      </p:sp>
+    </p:spTree>
+  </p:cSld>
+</p:notes>
+</file>
+
+<file path=ppt/notesSlides/notesSlide9.xml><?xml version="1.0" encoding="utf-8"?>
+<p:notes xmlns:a="http://schemas.openxmlformats.org/drawingml/2006/main" xmlns:r="http://schemas.openxmlformats.org/officeDocument/2006/relationships" xmlns:p="http://schemas.openxmlformats.org/presentationml/2006/main" xmlns:m="http://schemas.openxmlformats.org/officeDocument/2006/math" xmlns:w="http://schemas.openxmlformats.org/wordprocessingml/2006/main">
+  <p:cSld name="">
+    <p:spTree>
+      <p:nvGrpSpPr>
+        <p:cNvPr id="1" name=""/>
+        <p:cNvGrpSpPr/>
+        <p:nvPr/>
+      </p:nvGrpSpPr>
+      <p:grpSpPr bwMode="auto">
+        <a:xfrm>
+          <a:off x="0" y="0"/>
+          <a:ext cx="0" cy="0"/>
+          <a:chOff x="0" y="0"/>
+          <a:chExt cx="0" cy="0"/>
+        </a:xfrm>
+      </p:grpSpPr>
+      <p:sp>
+        <p:nvSpPr>
+          <p:cNvPr id="1389863806" name="Symbol zastępczy obrazu slajdu 1"/>
+          <p:cNvSpPr>
+            <a:spLocks noChangeAspect="1" noGrp="1" noRot="1"/>
+          </p:cNvSpPr>
+          <p:nvPr>
+            <p:ph type="sldImg"/>
+          </p:nvPr>
+        </p:nvSpPr>
+        <p:spPr bwMode="auto">
+          <a:xfrm>
+            <a:off x="685800" y="1143000"/>
+            <a:ext cx="5486400" cy="3086100"/>
+          </a:xfrm>
+        </p:spPr>
+      </p:sp>
+      <p:sp>
+        <p:nvSpPr>
+          <p:cNvPr id="1907879105" name="Notatki Symbol zastępczy 2"/>
+          <p:cNvSpPr>
+            <a:spLocks noGrp="1"/>
+          </p:cNvSpPr>
+          <p:nvPr>
+            <p:ph type="body" idx="1"/>
+          </p:nvPr>
+        </p:nvSpPr>
+        <p:spPr bwMode="auto"/>
+        <p:txBody>
+          <a:bodyPr/>
+          <a:lstStyle/>
+          <a:p>
+            <a:pPr>
+              <a:defRPr/>
+            </a:pPr>
+            <a:endParaRPr lang="pl-PL">
+              <a:latin typeface="Arial"/>
+              <a:cs typeface="Arial"/>
+            </a:endParaRPr>
+          </a:p>
+        </p:txBody>
+      </p:sp>
+      <p:sp>
+        <p:nvSpPr>
+          <p:cNvPr id="706074471" name="Symbol zastępczy numeru slajdu 3"/>
+          <p:cNvSpPr>
+            <a:spLocks noGrp="1"/>
+          </p:cNvSpPr>
+          <p:nvPr>
+            <p:ph type="sldNum" sz="quarter" idx="10"/>
+          </p:nvPr>
+        </p:nvSpPr>
+        <p:spPr bwMode="auto"/>
+        <p:txBody>
+          <a:bodyPr/>
+          <a:lstStyle/>
+          <a:p>
+            <a:pPr>
+              <a:defRPr/>
+            </a:pPr>
+            <a:fld id="{521E8D57-8BC4-05EC-EAC2-8A524E0E5F1B}" type="slidenum">
+              <a:rPr lang="pl-PL"/>
+              <a:t/>
             </a:fld>
             <a:endParaRPr lang="pl-PL"/>
           </a:p>
@@ -3673,12 +5766,220 @@
       </p:grpSpPr>
       <p:sp>
         <p:nvSpPr>
-          <p:cNvPr id="2" name="Title 1"/>
-          <p:cNvSpPr>
-            <a:spLocks noGrp="1"/>
-          </p:cNvSpPr>
-          <p:nvPr>
-            <p:ph type="ctrTitle"/>
+          <p:cNvPr id="135217185" name="Title 1"/>
+          <p:cNvSpPr>
+            <a:spLocks noGrp="1"/>
+          </p:cNvSpPr>
+          <p:nvPr/>
+        </p:nvSpPr>
+        <p:spPr bwMode="auto">
+          <a:xfrm flipH="0" flipV="0">
+            <a:off x="2221499" y="1744791"/>
+            <a:ext cx="7749000" cy="1910994"/>
+          </a:xfrm>
+          <a:prstGeom prst="roundRect">
+            <a:avLst>
+              <a:gd name="adj" fmla="val 16667"/>
+            </a:avLst>
+          </a:prstGeom>
+          <a:solidFill>
+            <a:schemeClr val="tx1">
+              <a:alpha val="63999"/>
+            </a:schemeClr>
+          </a:solidFill>
+          <a:ln w="12700">
+            <a:solidFill>
+              <a:srgbClr val="000000">
+                <a:alpha val="55999"/>
+              </a:srgbClr>
+            </a:solidFill>
+          </a:ln>
+        </p:spPr>
+        <p:txBody>
+          <a:bodyPr vertOverflow="overflow" horzOverflow="overflow" vert="horz" wrap="square" lIns="91440" tIns="45720" rIns="91440" bIns="45720" numCol="1" spcCol="0" rtlCol="0" fromWordArt="0" anchor="ctr" anchorCtr="0" forceAA="0" upright="0" compatLnSpc="0">
+            <a:normAutofit/>
+          </a:bodyPr>
+          <a:lstStyle>
+            <a:lvl1pPr algn="ctr" defTabSz="914400">
+              <a:lnSpc>
+                <a:spcPct val="90000"/>
+              </a:lnSpc>
+              <a:spcBef>
+                <a:spcPts val="0"/>
+              </a:spcBef>
+              <a:buNone/>
+              <a:defRPr sz="6000">
+                <a:solidFill>
+                  <a:schemeClr val="tx1"/>
+                </a:solidFill>
+                <a:latin typeface="+mj-lt"/>
+                <a:ea typeface="+mj-ea"/>
+                <a:cs typeface="+mj-cs"/>
+              </a:defRPr>
+            </a:lvl1pPr>
+          </a:lstStyle>
+          <a:p>
+            <a:pPr>
+              <a:defRPr/>
+            </a:pPr>
+            <a:r>
+              <a:rPr lang="pl-PL">
+                <a:ln w="12700">
+                  <a:solidFill>
+                    <a:schemeClr val="accent6"/>
+                  </a:solidFill>
+                </a:ln>
+                <a:solidFill>
+                  <a:schemeClr val="accent6">
+                    <a:lumMod val="60000"/>
+                    <a:lumOff val="40000"/>
+                  </a:schemeClr>
+                </a:solidFill>
+              </a:rPr>
+              <a:t>MATURA 2</a:t>
+            </a:r>
+            <a:endParaRPr>
+              <a:solidFill>
+                <a:schemeClr val="bg1"/>
+              </a:solidFill>
+            </a:endParaRPr>
+          </a:p>
+        </p:txBody>
+      </p:sp>
+      <p:sp>
+        <p:nvSpPr>
+          <p:cNvPr id="933195840" name="Title 1"/>
+          <p:cNvSpPr>
+            <a:spLocks noGrp="1"/>
+          </p:cNvSpPr>
+          <p:nvPr/>
+        </p:nvSpPr>
+        <p:spPr bwMode="auto">
+          <a:xfrm flipH="0" flipV="0">
+            <a:off x="3780050" y="3717524"/>
+            <a:ext cx="4631897" cy="610339"/>
+          </a:xfrm>
+          <a:prstGeom prst="roundRect">
+            <a:avLst>
+              <a:gd name="adj" fmla="val 16667"/>
+            </a:avLst>
+          </a:prstGeom>
+          <a:solidFill>
+            <a:schemeClr val="tx1">
+              <a:alpha val="63999"/>
+            </a:schemeClr>
+          </a:solidFill>
+          <a:ln w="12700">
+            <a:solidFill>
+              <a:srgbClr val="000000">
+                <a:alpha val="55999"/>
+              </a:srgbClr>
+            </a:solidFill>
+          </a:ln>
+        </p:spPr>
+        <p:txBody>
+          <a:bodyPr vertOverflow="overflow" horzOverflow="overflow" vert="horz" wrap="square" lIns="91440" tIns="45720" rIns="91440" bIns="45720" numCol="1" spcCol="0" rtlCol="0" fromWordArt="0" anchor="ctr" anchorCtr="0" forceAA="0" upright="0" compatLnSpc="0">
+            <a:normAutofit fontScale="65000" lnSpcReduction="7000"/>
+          </a:bodyPr>
+          <a:lstStyle>
+            <a:lvl1pPr algn="ctr" defTabSz="914400">
+              <a:lnSpc>
+                <a:spcPct val="90000"/>
+              </a:lnSpc>
+              <a:spcBef>
+                <a:spcPts val="0"/>
+              </a:spcBef>
+              <a:buNone/>
+              <a:defRPr sz="6000">
+                <a:solidFill>
+                  <a:schemeClr val="tx1"/>
+                </a:solidFill>
+                <a:latin typeface="+mj-lt"/>
+                <a:ea typeface="+mj-ea"/>
+                <a:cs typeface="+mj-cs"/>
+              </a:defRPr>
+            </a:lvl1pPr>
+          </a:lstStyle>
+          <a:p>
+            <a:pPr>
+              <a:defRPr/>
+            </a:pPr>
+            <a:r>
+              <a:rPr lang="pl-PL">
+                <a:ln w="6349">
+                  <a:solidFill>
+                    <a:schemeClr val="accent6"/>
+                  </a:solidFill>
+                  <a:prstDash val="solid"/>
+                </a:ln>
+                <a:solidFill>
+                  <a:schemeClr val="accent6">
+                    <a:lumMod val="60000"/>
+                    <a:lumOff val="40000"/>
+                  </a:schemeClr>
+                </a:solidFill>
+              </a:rPr>
+              <a:t>Zemsta CKE</a:t>
+            </a:r>
+            <a:endParaRPr>
+              <a:solidFill>
+                <a:schemeClr val="bg1"/>
+              </a:solidFill>
+            </a:endParaRPr>
+          </a:p>
+        </p:txBody>
+      </p:sp>
+    </p:spTree>
+  </p:cSld>
+  <p:clrMapOvr>
+    <a:masterClrMapping/>
+  </p:clrMapOvr>
+  <mc:AlternateContent xmlns:mc="http://schemas.openxmlformats.org/markup-compatibility/2006">
+    <mc:Choice xmlns:p159="http://schemas.microsoft.com/office/powerpoint/2015/09/main" xmlns:p14="http://schemas.microsoft.com/office/powerpoint/2010/main" Requires="p159">
+      <p:transition p14:dur="2000" advClick="1"/>
+    </mc:Choice>
+    <mc:Fallback>
+      <p:transition advClick="1"/>
+    </mc:Fallback>
+  </mc:AlternateContent>
+</p:sld>
+</file>
+
+<file path=ppt/slides/slide10.xml><?xml version="1.0" encoding="utf-8"?>
+<p:sld xmlns:a="http://schemas.openxmlformats.org/drawingml/2006/main" xmlns:r="http://schemas.openxmlformats.org/officeDocument/2006/relationships" xmlns:p="http://schemas.openxmlformats.org/presentationml/2006/main" xmlns:m="http://schemas.openxmlformats.org/officeDocument/2006/math" xmlns:w="http://schemas.openxmlformats.org/wordprocessingml/2006/main" showMasterPhAnim="0" show="1">
+  <p:cSld name="">
+    <p:bg>
+      <p:bgPr shadeToTitle="0">
+        <a:blipFill>
+          <a:blip r:embed="rId3">
+            <a:alphaModFix amt="23000"/>
+          </a:blip>
+          <a:stretch/>
+        </a:blipFill>
+      </p:bgPr>
+    </p:bg>
+    <p:spTree>
+      <p:nvGrpSpPr>
+        <p:cNvPr id="1" name=""/>
+        <p:cNvGrpSpPr/>
+        <p:nvPr/>
+      </p:nvGrpSpPr>
+      <p:grpSpPr bwMode="auto">
+        <a:xfrm>
+          <a:off x="0" y="0"/>
+          <a:ext cx="0" cy="0"/>
+          <a:chOff x="0" y="0"/>
+          <a:chExt cx="0" cy="0"/>
+        </a:xfrm>
+      </p:grpSpPr>
+      <p:sp>
+        <p:nvSpPr>
+          <p:cNvPr id="1399121685" name="Tytuł 1"/>
+          <p:cNvSpPr>
+            <a:spLocks noGrp="1"/>
+          </p:cNvSpPr>
+          <p:nvPr>
+            <p:ph type="title"/>
           </p:nvPr>
         </p:nvSpPr>
         <p:spPr bwMode="auto"/>
@@ -3689,18 +5990,135 @@
             <a:pPr>
               <a:defRPr/>
             </a:pPr>
-            <a:endParaRPr lang="pl-PL"/>
-          </a:p>
-        </p:txBody>
-      </p:sp>
-      <p:sp>
-        <p:nvSpPr>
-          <p:cNvPr id="3" name="Subtitle 2"/>
-          <p:cNvSpPr>
-            <a:spLocks noGrp="1"/>
-          </p:cNvSpPr>
-          <p:nvPr>
-            <p:ph type="subTitle" idx="1"/>
+            <a:r>
+              <a:rPr/>
+              <a:t>Rozwiązanie</a:t>
+            </a:r>
+            <a:endParaRPr/>
+          </a:p>
+        </p:txBody>
+      </p:sp>
+      <p:sp>
+        <p:nvSpPr>
+          <p:cNvPr id="693810844" name="Symbol zastępczy zawartości 2"/>
+          <p:cNvSpPr>
+            <a:spLocks noGrp="1"/>
+          </p:cNvSpPr>
+          <p:nvPr>
+            <p:ph idx="1"/>
+          </p:nvPr>
+        </p:nvSpPr>
+        <p:spPr bwMode="auto">
+          <a:xfrm flipH="0" flipV="0">
+            <a:off x="838199" y="1753199"/>
+            <a:ext cx="10515597" cy="4562472"/>
+          </a:xfrm>
+        </p:spPr>
+        <p:txBody>
+          <a:bodyPr/>
+          <a:lstStyle/>
+          <a:p>
+            <a:pPr>
+              <a:defRPr/>
+            </a:pPr>
+            <a:r>
+              <a:rPr/>
+              <a:t>Nie musimy liczyć bloków jako takich</a:t>
+            </a:r>
+            <a:endParaRPr/>
+          </a:p>
+          <a:p>
+            <a:pPr>
+              <a:defRPr/>
+            </a:pPr>
+            <a:r>
+              <a:rPr/>
+              <a:t>Wystarczy, że policzymy ile razy nowy blok się rozpoczął</a:t>
+            </a:r>
+            <a:endParaRPr/>
+          </a:p>
+          <a:p>
+            <a:pPr>
+              <a:defRPr/>
+            </a:pPr>
+            <a:r>
+              <a:rPr lang="pl-PL" sz="2800" b="0" i="0" u="none" strike="noStrike" cap="none" spc="0">
+                <a:solidFill>
+                  <a:schemeClr val="tx1"/>
+                </a:solidFill>
+                <a:latin typeface="+mn-lt"/>
+                <a:ea typeface="+mn-ea"/>
+                <a:cs typeface="+mn-cs"/>
+              </a:rPr>
+              <a:t>W jaki sposób można rozpoznać rozpoczęcie bloku?</a:t>
+            </a:r>
+            <a:endParaRPr/>
+          </a:p>
+          <a:p>
+            <a:pPr marL="0" indent="0">
+              <a:buFont typeface="Arial"/>
+              <a:buNone/>
+              <a:defRPr/>
+            </a:pPr>
+            <a:r>
+              <a:rPr/>
+              <a:t>...</a:t>
+            </a:r>
+            <a:endParaRPr/>
+          </a:p>
+        </p:txBody>
+      </p:sp>
+    </p:spTree>
+  </p:cSld>
+  <p:clrMapOvr>
+    <a:masterClrMapping/>
+  </p:clrMapOvr>
+  <mc:AlternateContent xmlns:mc="http://schemas.openxmlformats.org/markup-compatibility/2006">
+    <mc:Choice xmlns:p159="http://schemas.microsoft.com/office/powerpoint/2015/09/main" xmlns:p14="http://schemas.microsoft.com/office/powerpoint/2010/main" Requires="p159">
+      <p:transition p14:dur="2000" advClick="1"/>
+    </mc:Choice>
+    <mc:Fallback>
+      <p:transition advClick="1"/>
+    </mc:Fallback>
+  </mc:AlternateContent>
+</p:sld>
+</file>
+
+<file path=ppt/slides/slide11.xml><?xml version="1.0" encoding="utf-8"?>
+<p:sld xmlns:a="http://schemas.openxmlformats.org/drawingml/2006/main" xmlns:r="http://schemas.openxmlformats.org/officeDocument/2006/relationships" xmlns:p="http://schemas.openxmlformats.org/presentationml/2006/main" xmlns:m="http://schemas.openxmlformats.org/officeDocument/2006/math" xmlns:w="http://schemas.openxmlformats.org/wordprocessingml/2006/main" showMasterPhAnim="0" show="1">
+  <p:cSld name="">
+    <p:bg>
+      <p:bgPr shadeToTitle="0">
+        <a:blipFill>
+          <a:blip r:embed="rId3">
+            <a:alphaModFix amt="23000"/>
+          </a:blip>
+          <a:stretch/>
+        </a:blipFill>
+      </p:bgPr>
+    </p:bg>
+    <p:spTree>
+      <p:nvGrpSpPr>
+        <p:cNvPr id="1" name=""/>
+        <p:cNvGrpSpPr/>
+        <p:nvPr/>
+      </p:nvGrpSpPr>
+      <p:grpSpPr bwMode="auto">
+        <a:xfrm>
+          <a:off x="0" y="0"/>
+          <a:ext cx="0" cy="0"/>
+          <a:chOff x="0" y="0"/>
+          <a:chExt cx="0" cy="0"/>
+        </a:xfrm>
+      </p:grpSpPr>
+      <p:sp>
+        <p:nvSpPr>
+          <p:cNvPr id="472864151" name="Tytuł 1"/>
+          <p:cNvSpPr>
+            <a:spLocks noGrp="1"/>
+          </p:cNvSpPr>
+          <p:nvPr>
+            <p:ph type="title"/>
           </p:nvPr>
         </p:nvSpPr>
         <p:spPr bwMode="auto"/>
@@ -3711,10 +6129,4872 @@
             <a:pPr>
               <a:defRPr/>
             </a:pPr>
-            <a:endParaRPr lang="pl-PL"/>
-          </a:p>
-        </p:txBody>
-      </p:sp>
+            <a:r>
+              <a:rPr/>
+              <a:t>Rozwiązanie</a:t>
+            </a:r>
+            <a:endParaRPr/>
+          </a:p>
+        </p:txBody>
+      </p:sp>
+      <p:sp>
+        <p:nvSpPr>
+          <p:cNvPr id="1954989059" name="Symbol zastępczy zawartości 2"/>
+          <p:cNvSpPr>
+            <a:spLocks noGrp="1"/>
+          </p:cNvSpPr>
+          <p:nvPr>
+            <p:ph idx="1"/>
+          </p:nvPr>
+        </p:nvSpPr>
+        <p:spPr bwMode="auto">
+          <a:xfrm flipH="0" flipV="0">
+            <a:off x="838199" y="1753199"/>
+            <a:ext cx="10515597" cy="4562472"/>
+          </a:xfrm>
+        </p:spPr>
+        <p:txBody>
+          <a:bodyPr/>
+          <a:lstStyle/>
+          <a:p>
+            <a:pPr>
+              <a:defRPr/>
+            </a:pPr>
+            <a:r>
+              <a:rPr/>
+              <a:t>Nie musimy liczyć bloków jako takich</a:t>
+            </a:r>
+            <a:endParaRPr/>
+          </a:p>
+          <a:p>
+            <a:pPr>
+              <a:defRPr/>
+            </a:pPr>
+            <a:r>
+              <a:rPr/>
+              <a:t>Wystarczy, że policzymy ile razy nowy blok się rozpoczął</a:t>
+            </a:r>
+            <a:endParaRPr/>
+          </a:p>
+          <a:p>
+            <a:pPr>
+              <a:defRPr/>
+            </a:pPr>
+            <a:r>
+              <a:rPr/>
+              <a:t>W jaki sposób można rozpoznać rozpoczęcie bloku?</a:t>
+            </a:r>
+            <a:endParaRPr/>
+          </a:p>
+          <a:p>
+            <a:pPr>
+              <a:defRPr/>
+            </a:pPr>
+            <a:r>
+              <a:rPr b="1"/>
+              <a:t>Każdy blok (oprócz pierwszego) zaczyna się tam, gdzie sąsiadują ze sobą dwie różne cyfry</a:t>
+            </a:r>
+            <a:endParaRPr/>
+          </a:p>
+          <a:p>
+            <a:pPr>
+              <a:defRPr/>
+            </a:pPr>
+            <a:r>
+              <a:rPr/>
+              <a:t>Jak można wykryć taką sytuację, skoro umiemy wyznaczyć</a:t>
+            </a:r>
+            <a:r>
+              <a:rPr/>
+              <a:t> po kolei wszystkie cyfry liczby binarnej?</a:t>
+            </a:r>
+            <a:endParaRPr/>
+          </a:p>
+          <a:p>
+            <a:pPr marL="0" indent="0">
+              <a:buFont typeface="Arial"/>
+              <a:buNone/>
+              <a:defRPr/>
+            </a:pPr>
+            <a:r>
+              <a:rPr/>
+              <a:t>...</a:t>
+            </a:r>
+            <a:endParaRPr/>
+          </a:p>
+          <a:p>
+            <a:pPr>
+              <a:defRPr/>
+            </a:pPr>
+            <a:endParaRPr/>
+          </a:p>
+        </p:txBody>
+      </p:sp>
+    </p:spTree>
+  </p:cSld>
+  <p:clrMapOvr>
+    <a:masterClrMapping/>
+  </p:clrMapOvr>
+  <mc:AlternateContent xmlns:mc="http://schemas.openxmlformats.org/markup-compatibility/2006">
+    <mc:Choice xmlns:p159="http://schemas.microsoft.com/office/powerpoint/2015/09/main" xmlns:p14="http://schemas.microsoft.com/office/powerpoint/2010/main" Requires="p159">
+      <p:transition p14:dur="2000" advClick="1"/>
+    </mc:Choice>
+    <mc:Fallback>
+      <p:transition advClick="1"/>
+    </mc:Fallback>
+  </mc:AlternateContent>
+</p:sld>
+</file>
+
+<file path=ppt/slides/slide12.xml><?xml version="1.0" encoding="utf-8"?>
+<p:sld xmlns:a="http://schemas.openxmlformats.org/drawingml/2006/main" xmlns:r="http://schemas.openxmlformats.org/officeDocument/2006/relationships" xmlns:p="http://schemas.openxmlformats.org/presentationml/2006/main" xmlns:m="http://schemas.openxmlformats.org/officeDocument/2006/math" xmlns:w="http://schemas.openxmlformats.org/wordprocessingml/2006/main" showMasterPhAnim="0" show="1">
+  <p:cSld name="">
+    <p:bg>
+      <p:bgPr shadeToTitle="0">
+        <a:blipFill>
+          <a:blip r:embed="rId3">
+            <a:alphaModFix amt="23000"/>
+          </a:blip>
+          <a:stretch/>
+        </a:blipFill>
+      </p:bgPr>
+    </p:bg>
+    <p:spTree>
+      <p:nvGrpSpPr>
+        <p:cNvPr id="1" name=""/>
+        <p:cNvGrpSpPr/>
+        <p:nvPr/>
+      </p:nvGrpSpPr>
+      <p:grpSpPr bwMode="auto">
+        <a:xfrm>
+          <a:off x="0" y="0"/>
+          <a:ext cx="0" cy="0"/>
+          <a:chOff x="0" y="0"/>
+          <a:chExt cx="0" cy="0"/>
+        </a:xfrm>
+      </p:grpSpPr>
+      <p:sp>
+        <p:nvSpPr>
+          <p:cNvPr id="504359274" name="Tytuł 1"/>
+          <p:cNvSpPr>
+            <a:spLocks noGrp="1"/>
+          </p:cNvSpPr>
+          <p:nvPr>
+            <p:ph type="title"/>
+          </p:nvPr>
+        </p:nvSpPr>
+        <p:spPr bwMode="auto"/>
+        <p:txBody>
+          <a:bodyPr/>
+          <a:lstStyle/>
+          <a:p>
+            <a:pPr>
+              <a:defRPr/>
+            </a:pPr>
+            <a:r>
+              <a:rPr/>
+              <a:t>Rozwiązanie</a:t>
+            </a:r>
+            <a:endParaRPr/>
+          </a:p>
+        </p:txBody>
+      </p:sp>
+      <p:sp>
+        <p:nvSpPr>
+          <p:cNvPr id="878670636" name="Symbol zastępczy zawartości 2"/>
+          <p:cNvSpPr>
+            <a:spLocks noGrp="1"/>
+          </p:cNvSpPr>
+          <p:nvPr>
+            <p:ph idx="1"/>
+          </p:nvPr>
+        </p:nvSpPr>
+        <p:spPr bwMode="auto">
+          <a:xfrm flipH="0" flipV="0">
+            <a:off x="838199" y="1753199"/>
+            <a:ext cx="10515597" cy="4562472"/>
+          </a:xfrm>
+        </p:spPr>
+        <p:txBody>
+          <a:bodyPr vertOverflow="overflow" horzOverflow="overflow" vert="horz" wrap="square" lIns="91440" tIns="45720" rIns="91440" bIns="45720" numCol="1" spcCol="0" rtlCol="0" fromWordArt="0" anchor="t" anchorCtr="0" forceAA="0" upright="0" compatLnSpc="0">
+            <a:normAutofit fontScale="95000" lnSpcReduction="1000"/>
+          </a:bodyPr>
+          <a:lstStyle/>
+          <a:p>
+            <a:pPr>
+              <a:defRPr/>
+            </a:pPr>
+            <a:r>
+              <a:rPr/>
+              <a:t>Nie musimy liczyć bloków jako takich</a:t>
+            </a:r>
+            <a:endParaRPr/>
+          </a:p>
+          <a:p>
+            <a:pPr>
+              <a:defRPr/>
+            </a:pPr>
+            <a:r>
+              <a:rPr/>
+              <a:t>Wystarczy, że policzymy ile razy nowy blok się rozpoczął</a:t>
+            </a:r>
+            <a:endParaRPr/>
+          </a:p>
+          <a:p>
+            <a:pPr>
+              <a:defRPr/>
+            </a:pPr>
+            <a:r>
+              <a:rPr/>
+              <a:t>W jaki sposób można rozpoznać rozpoczęcie bloku?</a:t>
+            </a:r>
+            <a:endParaRPr/>
+          </a:p>
+          <a:p>
+            <a:pPr>
+              <a:defRPr/>
+            </a:pPr>
+            <a:r>
+              <a:rPr b="1"/>
+              <a:t>Każdy blok (oprócz pierwszego) zaczyna się tam, gdzie sąsiadują ze sobą dwie różne cyfry</a:t>
+            </a:r>
+            <a:endParaRPr/>
+          </a:p>
+          <a:p>
+            <a:pPr>
+              <a:defRPr/>
+            </a:pPr>
+            <a:r>
+              <a:rPr/>
+              <a:t>Jak można wykryć taką sytuację, skoro umiemy wyznaczyć</a:t>
+            </a:r>
+            <a:r>
+              <a:rPr/>
+              <a:t> po kolei wszystkie cyfry liczby binarnej?</a:t>
+            </a:r>
+            <a:endParaRPr/>
+          </a:p>
+          <a:p>
+            <a:pPr>
+              <a:defRPr/>
+            </a:pPr>
+            <a:r>
+              <a:rPr b="1"/>
+              <a:t>Przy wyznaczaniu nowej, musimy pamiętać poprzednią cyfrę. Wtedy możemy je porównać. Jeśli są różne, zaczął się blok</a:t>
+            </a:r>
+            <a:endParaRPr/>
+          </a:p>
+          <a:p>
+            <a:pPr>
+              <a:defRPr/>
+            </a:pPr>
+            <a:endParaRPr/>
+          </a:p>
+        </p:txBody>
+      </p:sp>
+    </p:spTree>
+  </p:cSld>
+  <p:clrMapOvr>
+    <a:masterClrMapping/>
+  </p:clrMapOvr>
+  <mc:AlternateContent xmlns:mc="http://schemas.openxmlformats.org/markup-compatibility/2006">
+    <mc:Choice xmlns:p159="http://schemas.microsoft.com/office/powerpoint/2015/09/main" xmlns:p14="http://schemas.microsoft.com/office/powerpoint/2010/main" Requires="p159">
+      <p:transition p14:dur="2000" advClick="1"/>
+    </mc:Choice>
+    <mc:Fallback>
+      <p:transition advClick="1"/>
+    </mc:Fallback>
+  </mc:AlternateContent>
+</p:sld>
+</file>
+
+<file path=ppt/slides/slide13.xml><?xml version="1.0" encoding="utf-8"?>
+<p:sld xmlns:a="http://schemas.openxmlformats.org/drawingml/2006/main" xmlns:r="http://schemas.openxmlformats.org/officeDocument/2006/relationships" xmlns:p="http://schemas.openxmlformats.org/presentationml/2006/main" xmlns:m="http://schemas.openxmlformats.org/officeDocument/2006/math" xmlns:w="http://schemas.openxmlformats.org/wordprocessingml/2006/main" showMasterPhAnim="0" show="1">
+  <p:cSld name="">
+    <p:bg>
+      <p:bgPr shadeToTitle="0">
+        <a:blipFill>
+          <a:blip r:embed="rId3">
+            <a:alphaModFix amt="23000"/>
+          </a:blip>
+          <a:stretch/>
+        </a:blipFill>
+      </p:bgPr>
+    </p:bg>
+    <p:spTree>
+      <p:nvGrpSpPr>
+        <p:cNvPr id="1" name=""/>
+        <p:cNvGrpSpPr/>
+        <p:nvPr/>
+      </p:nvGrpSpPr>
+      <p:grpSpPr bwMode="auto">
+        <a:xfrm>
+          <a:off x="0" y="0"/>
+          <a:ext cx="0" cy="0"/>
+          <a:chOff x="0" y="0"/>
+          <a:chExt cx="0" cy="0"/>
+        </a:xfrm>
+      </p:grpSpPr>
+      <p:sp>
+        <p:nvSpPr>
+          <p:cNvPr id="1906930427" name="Tytuł 1"/>
+          <p:cNvSpPr>
+            <a:spLocks noGrp="1"/>
+          </p:cNvSpPr>
+          <p:nvPr>
+            <p:ph type="title"/>
+          </p:nvPr>
+        </p:nvSpPr>
+        <p:spPr bwMode="auto"/>
+        <p:txBody>
+          <a:bodyPr/>
+          <a:lstStyle/>
+          <a:p>
+            <a:pPr>
+              <a:defRPr/>
+            </a:pPr>
+            <a:r>
+              <a:rPr/>
+              <a:t>Rozwiązanie</a:t>
+            </a:r>
+            <a:endParaRPr/>
+          </a:p>
+        </p:txBody>
+      </p:sp>
+      <p:pic>
+        <p:nvPicPr>
+          <p:cNvPr id="850310945" name=""/>
+          <p:cNvPicPr>
+            <a:picLocks noChangeAspect="1"/>
+          </p:cNvPicPr>
+          <p:nvPr/>
+        </p:nvPicPr>
+        <p:blipFill>
+          <a:blip r:embed="rId4"/>
+          <a:stretch/>
+        </p:blipFill>
+        <p:spPr bwMode="auto">
+          <a:xfrm flipH="0" flipV="0">
+            <a:off x="1936241" y="1451868"/>
+            <a:ext cx="8516497" cy="4752832"/>
+          </a:xfrm>
+          <a:prstGeom prst="rect">
+            <a:avLst/>
+          </a:prstGeom>
+        </p:spPr>
+      </p:pic>
+    </p:spTree>
+  </p:cSld>
+  <p:clrMapOvr>
+    <a:masterClrMapping/>
+  </p:clrMapOvr>
+  <mc:AlternateContent xmlns:mc="http://schemas.openxmlformats.org/markup-compatibility/2006">
+    <mc:Choice xmlns:p159="http://schemas.microsoft.com/office/powerpoint/2015/09/main" xmlns:p14="http://schemas.microsoft.com/office/powerpoint/2010/main" Requires="p159">
+      <p:transition p14:dur="2000" advClick="1"/>
+    </mc:Choice>
+    <mc:Fallback>
+      <p:transition advClick="1"/>
+    </mc:Fallback>
+  </mc:AlternateContent>
+</p:sld>
+</file>
+
+<file path=ppt/slides/slide14.xml><?xml version="1.0" encoding="utf-8"?>
+<p:sld xmlns:a="http://schemas.openxmlformats.org/drawingml/2006/main" xmlns:r="http://schemas.openxmlformats.org/officeDocument/2006/relationships" xmlns:p="http://schemas.openxmlformats.org/presentationml/2006/main" xmlns:m="http://schemas.openxmlformats.org/officeDocument/2006/math" xmlns:w="http://schemas.openxmlformats.org/wordprocessingml/2006/main" showMasterPhAnim="0" show="1">
+  <p:cSld name="">
+    <p:bg>
+      <p:bgPr shadeToTitle="0">
+        <a:blipFill>
+          <a:blip r:embed="rId3">
+            <a:alphaModFix amt="23000"/>
+          </a:blip>
+          <a:stretch/>
+        </a:blipFill>
+      </p:bgPr>
+    </p:bg>
+    <p:spTree>
+      <p:nvGrpSpPr>
+        <p:cNvPr id="1" name=""/>
+        <p:cNvGrpSpPr/>
+        <p:nvPr/>
+      </p:nvGrpSpPr>
+      <p:grpSpPr bwMode="auto">
+        <a:xfrm>
+          <a:off x="0" y="0"/>
+          <a:ext cx="0" cy="0"/>
+          <a:chOff x="0" y="0"/>
+          <a:chExt cx="0" cy="0"/>
+        </a:xfrm>
+      </p:grpSpPr>
+      <p:sp>
+        <p:nvSpPr>
+          <p:cNvPr id="370595263" name="Tytuł 1"/>
+          <p:cNvSpPr>
+            <a:spLocks noGrp="1"/>
+          </p:cNvSpPr>
+          <p:nvPr>
+            <p:ph type="title"/>
+          </p:nvPr>
+        </p:nvSpPr>
+        <p:spPr bwMode="auto"/>
+        <p:txBody>
+          <a:bodyPr/>
+          <a:lstStyle/>
+          <a:p>
+            <a:pPr>
+              <a:defRPr/>
+            </a:pPr>
+            <a:r>
+              <a:rPr/>
+              <a:t>Jedziemy dalej</a:t>
+            </a:r>
+            <a:endParaRPr/>
+          </a:p>
+        </p:txBody>
+      </p:sp>
+      <p:sp>
+        <p:nvSpPr>
+          <p:cNvPr id="1908840604" name="Symbol zastępczy zawartości 2"/>
+          <p:cNvSpPr>
+            <a:spLocks noGrp="1"/>
+          </p:cNvSpPr>
+          <p:nvPr>
+            <p:ph idx="1"/>
+          </p:nvPr>
+        </p:nvSpPr>
+        <p:spPr bwMode="auto">
+          <a:xfrm flipH="0" flipV="0">
+            <a:off x="838199" y="1753199"/>
+            <a:ext cx="6024445" cy="4562472"/>
+          </a:xfrm>
+        </p:spPr>
+        <p:txBody>
+          <a:bodyPr/>
+          <a:lstStyle/>
+          <a:p>
+            <a:pPr>
+              <a:defRPr/>
+            </a:pPr>
+            <a:r>
+              <a:rPr sz="2600"/>
+              <a:t>Kolejne zadanie jest banalne, jeśli rozwiązaliśmy poprzednie – pomińmy je:</a:t>
+            </a:r>
+            <a:endParaRPr sz="2600"/>
+          </a:p>
+          <a:p>
+            <a:pPr>
+              <a:defRPr/>
+            </a:pPr>
+            <a:endParaRPr sz="2600"/>
+          </a:p>
+          <a:p>
+            <a:pPr>
+              <a:defRPr/>
+            </a:pPr>
+            <a:r>
+              <a:rPr sz="2600"/>
+              <a:t>To jest dużo ciekawsze:</a:t>
+            </a:r>
+            <a:endParaRPr sz="2600"/>
+          </a:p>
+          <a:p>
+            <a:pPr>
+              <a:defRPr/>
+            </a:pPr>
+            <a:endParaRPr sz="2600"/>
+          </a:p>
+        </p:txBody>
+      </p:sp>
+      <p:pic>
+        <p:nvPicPr>
+          <p:cNvPr id="1016089304" name=""/>
+          <p:cNvPicPr>
+            <a:picLocks noChangeAspect="1"/>
+          </p:cNvPicPr>
+          <p:nvPr/>
+        </p:nvPicPr>
+        <p:blipFill>
+          <a:blip r:embed="rId4"/>
+          <a:srcRect l="23763" t="0" r="15581" b="0"/>
+          <a:stretch/>
+        </p:blipFill>
+        <p:spPr bwMode="auto">
+          <a:xfrm flipH="0" flipV="0">
+            <a:off x="6955121" y="1753199"/>
+            <a:ext cx="4929014" cy="4571031"/>
+          </a:xfrm>
+          <a:prstGeom prst="rect">
+            <a:avLst/>
+          </a:prstGeom>
+        </p:spPr>
+      </p:pic>
+      <p:pic>
+        <p:nvPicPr>
+          <p:cNvPr id="606893265" name=""/>
+          <p:cNvPicPr>
+            <a:picLocks noChangeAspect="1"/>
+          </p:cNvPicPr>
+          <p:nvPr/>
+        </p:nvPicPr>
+        <p:blipFill>
+          <a:blip r:embed="rId5"/>
+          <a:stretch/>
+        </p:blipFill>
+        <p:spPr bwMode="auto">
+          <a:xfrm rot="0" flipH="0" flipV="0">
+            <a:off x="1730242" y="2551460"/>
+            <a:ext cx="4069834" cy="830369"/>
+          </a:xfrm>
+          <a:prstGeom prst="rect">
+            <a:avLst/>
+          </a:prstGeom>
+        </p:spPr>
+      </p:pic>
+      <p:pic>
+        <p:nvPicPr>
+          <p:cNvPr id="1803089115" name=""/>
+          <p:cNvPicPr>
+            <a:picLocks noChangeAspect="1"/>
+          </p:cNvPicPr>
+          <p:nvPr/>
+        </p:nvPicPr>
+        <p:blipFill>
+          <a:blip r:embed="rId6"/>
+          <a:stretch/>
+        </p:blipFill>
+        <p:spPr bwMode="auto">
+          <a:xfrm>
+            <a:off x="838199" y="3985703"/>
+            <a:ext cx="5514975" cy="1428750"/>
+          </a:xfrm>
+          <a:prstGeom prst="rect">
+            <a:avLst/>
+          </a:prstGeom>
+        </p:spPr>
+      </p:pic>
+    </p:spTree>
+  </p:cSld>
+  <p:clrMapOvr>
+    <a:masterClrMapping/>
+  </p:clrMapOvr>
+  <mc:AlternateContent xmlns:mc="http://schemas.openxmlformats.org/markup-compatibility/2006">
+    <mc:Choice xmlns:p159="http://schemas.microsoft.com/office/powerpoint/2015/09/main" xmlns:p14="http://schemas.microsoft.com/office/powerpoint/2010/main" Requires="p159">
+      <p:transition p14:dur="2000" advClick="1"/>
+    </mc:Choice>
+    <mc:Fallback>
+      <p:transition advClick="1"/>
+    </mc:Fallback>
+  </mc:AlternateContent>
+</p:sld>
+</file>
+
+<file path=ppt/slides/slide15.xml><?xml version="1.0" encoding="utf-8"?>
+<p:sld xmlns:a="http://schemas.openxmlformats.org/drawingml/2006/main" xmlns:r="http://schemas.openxmlformats.org/officeDocument/2006/relationships" xmlns:p="http://schemas.openxmlformats.org/presentationml/2006/main" xmlns:m="http://schemas.openxmlformats.org/officeDocument/2006/math" xmlns:w="http://schemas.openxmlformats.org/wordprocessingml/2006/main" showMasterPhAnim="0" show="1">
+  <p:cSld name="">
+    <p:bg>
+      <p:bgPr shadeToTitle="0">
+        <a:blipFill>
+          <a:blip r:embed="rId3">
+            <a:alphaModFix amt="23000"/>
+          </a:blip>
+          <a:stretch/>
+        </a:blipFill>
+      </p:bgPr>
+    </p:bg>
+    <p:spTree>
+      <p:nvGrpSpPr>
+        <p:cNvPr id="1" name=""/>
+        <p:cNvGrpSpPr/>
+        <p:nvPr/>
+      </p:nvGrpSpPr>
+      <p:grpSpPr bwMode="auto">
+        <a:xfrm>
+          <a:off x="0" y="0"/>
+          <a:ext cx="0" cy="0"/>
+          <a:chOff x="0" y="0"/>
+          <a:chExt cx="0" cy="0"/>
+        </a:xfrm>
+      </p:grpSpPr>
+      <p:sp>
+        <p:nvSpPr>
+          <p:cNvPr id="449887559" name="Tytuł 1"/>
+          <p:cNvSpPr>
+            <a:spLocks noGrp="1"/>
+          </p:cNvSpPr>
+          <p:nvPr>
+            <p:ph type="title"/>
+          </p:nvPr>
+        </p:nvSpPr>
+        <p:spPr bwMode="auto"/>
+        <p:txBody>
+          <a:bodyPr/>
+          <a:lstStyle/>
+          <a:p>
+            <a:pPr>
+              <a:defRPr/>
+            </a:pPr>
+            <a:r>
+              <a:rPr/>
+              <a:t>Porównywanie liczb binarnych</a:t>
+            </a:r>
+            <a:endParaRPr/>
+          </a:p>
+        </p:txBody>
+      </p:sp>
+      <p:sp>
+        <p:nvSpPr>
+          <p:cNvPr id="1346780412" name="Symbol zastępczy zawartości 2"/>
+          <p:cNvSpPr>
+            <a:spLocks noGrp="1"/>
+          </p:cNvSpPr>
+          <p:nvPr>
+            <p:ph idx="1"/>
+          </p:nvPr>
+        </p:nvSpPr>
+        <p:spPr bwMode="auto">
+          <a:xfrm flipH="0" flipV="0">
+            <a:off x="838199" y="1753199"/>
+            <a:ext cx="10515597" cy="4562472"/>
+          </a:xfrm>
+        </p:spPr>
+        <p:txBody>
+          <a:bodyPr/>
+          <a:lstStyle/>
+          <a:p>
+            <a:pPr>
+              <a:defRPr/>
+            </a:pPr>
+            <a:r>
+              <a:rPr/>
+              <a:t>Treść pliku zostanie odczytana jako zbiór liczb dziesiętnych złożonych z zer i jedynek</a:t>
+            </a:r>
+            <a:endParaRPr/>
+          </a:p>
+          <a:p>
+            <a:pPr>
+              <a:defRPr/>
+            </a:pPr>
+            <a:r>
+              <a:rPr/>
+              <a:t>Wartości będą zatem niepoprawne</a:t>
+            </a:r>
+            <a:endParaRPr/>
+          </a:p>
+          <a:p>
+            <a:pPr>
+              <a:defRPr/>
+            </a:pPr>
+            <a:r>
+              <a:rPr/>
+              <a:t>Moglibyśmy tłumaczyć liczby binarne na dziesiętne – jest to pierwsze przychodzące na myśl rozwiązanie </a:t>
+            </a:r>
+            <a:endParaRPr/>
+          </a:p>
+          <a:p>
+            <a:pPr>
+              <a:defRPr/>
+            </a:pPr>
+            <a:r>
+              <a:rPr/>
+              <a:t>Zależy nam jednak na czasie</a:t>
+            </a:r>
+            <a:endParaRPr/>
+          </a:p>
+          <a:p>
+            <a:pPr>
+              <a:defRPr/>
+            </a:pPr>
+            <a:r>
+              <a:rPr/>
+              <a:t>Czy da się to zrobić szybciej, niż implementując algorytm konwersji dec-bin?</a:t>
+            </a:r>
+            <a:endParaRPr/>
+          </a:p>
+        </p:txBody>
+      </p:sp>
+    </p:spTree>
+  </p:cSld>
+  <p:clrMapOvr>
+    <a:masterClrMapping/>
+  </p:clrMapOvr>
+  <mc:AlternateContent xmlns:mc="http://schemas.openxmlformats.org/markup-compatibility/2006">
+    <mc:Choice xmlns:p159="http://schemas.microsoft.com/office/powerpoint/2015/09/main" xmlns:p14="http://schemas.microsoft.com/office/powerpoint/2010/main" Requires="p159">
+      <p:transition p14:dur="2000" advClick="1"/>
+    </mc:Choice>
+    <mc:Fallback>
+      <p:transition advClick="1"/>
+    </mc:Fallback>
+  </mc:AlternateContent>
+</p:sld>
+</file>
+
+<file path=ppt/slides/slide16.xml><?xml version="1.0" encoding="utf-8"?>
+<p:sld xmlns:a="http://schemas.openxmlformats.org/drawingml/2006/main" xmlns:r="http://schemas.openxmlformats.org/officeDocument/2006/relationships" xmlns:p="http://schemas.openxmlformats.org/presentationml/2006/main" xmlns:m="http://schemas.openxmlformats.org/officeDocument/2006/math" xmlns:w="http://schemas.openxmlformats.org/wordprocessingml/2006/main" showMasterPhAnim="0" show="1">
+  <p:cSld name="">
+    <p:bg>
+      <p:bgPr shadeToTitle="0">
+        <a:blipFill>
+          <a:blip r:embed="rId3">
+            <a:alphaModFix amt="23000"/>
+          </a:blip>
+          <a:stretch/>
+        </a:blipFill>
+      </p:bgPr>
+    </p:bg>
+    <p:spTree>
+      <p:nvGrpSpPr>
+        <p:cNvPr id="1" name=""/>
+        <p:cNvGrpSpPr/>
+        <p:nvPr/>
+      </p:nvGrpSpPr>
+      <p:grpSpPr bwMode="auto">
+        <a:xfrm>
+          <a:off x="0" y="0"/>
+          <a:ext cx="0" cy="0"/>
+          <a:chOff x="0" y="0"/>
+          <a:chExt cx="0" cy="0"/>
+        </a:xfrm>
+      </p:grpSpPr>
+      <p:sp>
+        <p:nvSpPr>
+          <p:cNvPr id="1442152817" name="Tytuł 1"/>
+          <p:cNvSpPr>
+            <a:spLocks noGrp="1"/>
+          </p:cNvSpPr>
+          <p:nvPr>
+            <p:ph type="title"/>
+          </p:nvPr>
+        </p:nvSpPr>
+        <p:spPr bwMode="auto"/>
+        <p:txBody>
+          <a:bodyPr/>
+          <a:lstStyle/>
+          <a:p>
+            <a:pPr>
+              <a:defRPr/>
+            </a:pPr>
+            <a:r>
+              <a:rPr/>
+              <a:t>Porównywanie liczb binarnych</a:t>
+            </a:r>
+            <a:endParaRPr/>
+          </a:p>
+        </p:txBody>
+      </p:sp>
+      <p:sp>
+        <p:nvSpPr>
+          <p:cNvPr id="1842324133" name="Symbol zastępczy zawartości 2"/>
+          <p:cNvSpPr>
+            <a:spLocks noGrp="1"/>
+          </p:cNvSpPr>
+          <p:nvPr>
+            <p:ph idx="1"/>
+          </p:nvPr>
+        </p:nvSpPr>
+        <p:spPr bwMode="auto">
+          <a:xfrm flipH="0" flipV="0">
+            <a:off x="838199" y="1753199"/>
+            <a:ext cx="10515597" cy="4562472"/>
+          </a:xfrm>
+        </p:spPr>
+        <p:txBody>
+          <a:bodyPr/>
+          <a:lstStyle/>
+          <a:p>
+            <a:pPr>
+              <a:defRPr/>
+            </a:pPr>
+            <a:r>
+              <a:rPr/>
+              <a:t>Jeśli zamierzamy tylko porównywać liczby, to nie musimy ich wcale konwertować</a:t>
+            </a:r>
+            <a:endParaRPr/>
+          </a:p>
+          <a:p>
+            <a:pPr>
+              <a:defRPr/>
+            </a:pPr>
+            <a:r>
+              <a:rPr/>
+              <a:t>Porównywanie liczb zawsze przebiega identycznie, niezależnie od systemu liczbowego</a:t>
+            </a:r>
+            <a:endParaRPr/>
+          </a:p>
+          <a:p>
+            <a:pPr>
+              <a:defRPr/>
+            </a:pPr>
+            <a:r>
+              <a:rPr/>
+              <a:t>Przykładowo 111 będzie zawsze </a:t>
+            </a:r>
+            <a:br>
+              <a:rPr/>
+            </a:br>
+            <a:r>
+              <a:rPr/>
+              <a:t>większe od 110</a:t>
+            </a:r>
+            <a:endParaRPr/>
+          </a:p>
+        </p:txBody>
+      </p:sp>
+      <p:pic>
+        <p:nvPicPr>
+          <p:cNvPr id="646226227" name=""/>
+          <p:cNvPicPr>
+            <a:picLocks noChangeAspect="1"/>
+          </p:cNvPicPr>
+          <p:nvPr/>
+        </p:nvPicPr>
+        <p:blipFill>
+          <a:blip r:embed="rId4"/>
+          <a:stretch/>
+        </p:blipFill>
+        <p:spPr bwMode="auto">
+          <a:xfrm flipH="0" flipV="0">
+            <a:off x="6581795" y="3398463"/>
+            <a:ext cx="5352204" cy="3183446"/>
+          </a:xfrm>
+          <a:prstGeom prst="rect">
+            <a:avLst/>
+          </a:prstGeom>
+        </p:spPr>
+      </p:pic>
+    </p:spTree>
+  </p:cSld>
+  <p:clrMapOvr>
+    <a:masterClrMapping/>
+  </p:clrMapOvr>
+  <mc:AlternateContent xmlns:mc="http://schemas.openxmlformats.org/markup-compatibility/2006">
+    <mc:Choice xmlns:p159="http://schemas.microsoft.com/office/powerpoint/2015/09/main" xmlns:p14="http://schemas.microsoft.com/office/powerpoint/2010/main" Requires="p159">
+      <p:transition p14:dur="2000" advClick="1"/>
+    </mc:Choice>
+    <mc:Fallback>
+      <p:transition advClick="1"/>
+    </mc:Fallback>
+  </mc:AlternateContent>
+</p:sld>
+</file>
+
+<file path=ppt/slides/slide17.xml><?xml version="1.0" encoding="utf-8"?>
+<p:sld xmlns:a="http://schemas.openxmlformats.org/drawingml/2006/main" xmlns:r="http://schemas.openxmlformats.org/officeDocument/2006/relationships" xmlns:p="http://schemas.openxmlformats.org/presentationml/2006/main" xmlns:m="http://schemas.openxmlformats.org/officeDocument/2006/math" xmlns:w="http://schemas.openxmlformats.org/wordprocessingml/2006/main" showMasterPhAnim="0" show="1">
+  <p:cSld name="">
+    <p:bg>
+      <p:bgPr shadeToTitle="0">
+        <a:blipFill>
+          <a:blip r:embed="rId3">
+            <a:alphaModFix amt="23000"/>
+          </a:blip>
+          <a:stretch/>
+        </a:blipFill>
+      </p:bgPr>
+    </p:bg>
+    <p:spTree>
+      <p:nvGrpSpPr>
+        <p:cNvPr id="1" name=""/>
+        <p:cNvGrpSpPr/>
+        <p:nvPr/>
+      </p:nvGrpSpPr>
+      <p:grpSpPr bwMode="auto">
+        <a:xfrm>
+          <a:off x="0" y="0"/>
+          <a:ext cx="0" cy="0"/>
+          <a:chOff x="0" y="0"/>
+          <a:chExt cx="0" cy="0"/>
+        </a:xfrm>
+      </p:grpSpPr>
+      <p:sp>
+        <p:nvSpPr>
+          <p:cNvPr id="66811697" name="Tytuł 1"/>
+          <p:cNvSpPr>
+            <a:spLocks noGrp="1"/>
+          </p:cNvSpPr>
+          <p:nvPr>
+            <p:ph type="title"/>
+          </p:nvPr>
+        </p:nvSpPr>
+        <p:spPr bwMode="auto"/>
+        <p:txBody>
+          <a:bodyPr/>
+          <a:lstStyle/>
+          <a:p>
+            <a:pPr>
+              <a:defRPr/>
+            </a:pPr>
+            <a:r>
+              <a:rPr/>
+              <a:t>Rozwiązanie</a:t>
+            </a:r>
+            <a:endParaRPr/>
+          </a:p>
+        </p:txBody>
+      </p:sp>
+      <p:pic>
+        <p:nvPicPr>
+          <p:cNvPr id="1333646418" name=""/>
+          <p:cNvPicPr>
+            <a:picLocks noChangeAspect="1"/>
+          </p:cNvPicPr>
+          <p:nvPr/>
+        </p:nvPicPr>
+        <p:blipFill>
+          <a:blip r:embed="rId4"/>
+          <a:stretch/>
+        </p:blipFill>
+        <p:spPr bwMode="auto">
+          <a:xfrm flipH="0" flipV="0">
+            <a:off x="864576" y="2476499"/>
+            <a:ext cx="10462845" cy="2909454"/>
+          </a:xfrm>
+          <a:prstGeom prst="rect">
+            <a:avLst/>
+          </a:prstGeom>
+        </p:spPr>
+      </p:pic>
+    </p:spTree>
+  </p:cSld>
+  <p:clrMapOvr>
+    <a:masterClrMapping/>
+  </p:clrMapOvr>
+  <mc:AlternateContent xmlns:mc="http://schemas.openxmlformats.org/markup-compatibility/2006">
+    <mc:Choice xmlns:p159="http://schemas.microsoft.com/office/powerpoint/2015/09/main" xmlns:p14="http://schemas.microsoft.com/office/powerpoint/2010/main" Requires="p159">
+      <p:transition p14:dur="2000" advClick="1"/>
+    </mc:Choice>
+    <mc:Fallback>
+      <p:transition advClick="1"/>
+    </mc:Fallback>
+  </mc:AlternateContent>
+</p:sld>
+</file>
+
+<file path=ppt/slides/slide18.xml><?xml version="1.0" encoding="utf-8"?>
+<p:sld xmlns:a="http://schemas.openxmlformats.org/drawingml/2006/main" xmlns:r="http://schemas.openxmlformats.org/officeDocument/2006/relationships" xmlns:p="http://schemas.openxmlformats.org/presentationml/2006/main" xmlns:m="http://schemas.openxmlformats.org/officeDocument/2006/math" xmlns:w="http://schemas.openxmlformats.org/wordprocessingml/2006/main" showMasterPhAnim="0" show="1">
+  <p:cSld name="">
+    <p:bg>
+      <p:bgPr shadeToTitle="0">
+        <a:blipFill>
+          <a:blip r:embed="rId3">
+            <a:alphaModFix amt="23000"/>
+          </a:blip>
+          <a:stretch/>
+        </a:blipFill>
+      </p:bgPr>
+    </p:bg>
+    <p:spTree>
+      <p:nvGrpSpPr>
+        <p:cNvPr id="1" name=""/>
+        <p:cNvGrpSpPr/>
+        <p:nvPr/>
+      </p:nvGrpSpPr>
+      <p:grpSpPr bwMode="auto">
+        <a:xfrm>
+          <a:off x="0" y="0"/>
+          <a:ext cx="0" cy="0"/>
+          <a:chOff x="0" y="0"/>
+          <a:chExt cx="0" cy="0"/>
+        </a:xfrm>
+      </p:grpSpPr>
+      <p:sp>
+        <p:nvSpPr>
+          <p:cNvPr id="528846367" name="Tytuł 1"/>
+          <p:cNvSpPr>
+            <a:spLocks noGrp="1"/>
+          </p:cNvSpPr>
+          <p:nvPr>
+            <p:ph type="title"/>
+          </p:nvPr>
+        </p:nvSpPr>
+        <p:spPr bwMode="auto"/>
+        <p:txBody>
+          <a:bodyPr/>
+          <a:lstStyle/>
+          <a:p>
+            <a:pPr>
+              <a:defRPr/>
+            </a:pPr>
+            <a:r>
+              <a:rPr/>
+              <a:t>Kolejne zadanie</a:t>
+            </a:r>
+            <a:endParaRPr/>
+          </a:p>
+        </p:txBody>
+      </p:sp>
+      <p:pic>
+        <p:nvPicPr>
+          <p:cNvPr id="150860453" name=""/>
+          <p:cNvPicPr>
+            <a:picLocks noChangeAspect="1"/>
+          </p:cNvPicPr>
+          <p:nvPr/>
+        </p:nvPicPr>
+        <p:blipFill>
+          <a:blip r:embed="rId4"/>
+          <a:srcRect l="0" t="0" r="4550" b="0"/>
+          <a:stretch/>
+        </p:blipFill>
+        <p:spPr bwMode="auto">
+          <a:xfrm flipH="0" flipV="0">
+            <a:off x="562840" y="1690687"/>
+            <a:ext cx="6902181" cy="2974283"/>
+          </a:xfrm>
+          <a:prstGeom prst="rect">
+            <a:avLst/>
+          </a:prstGeom>
+        </p:spPr>
+      </p:pic>
+      <p:pic>
+        <p:nvPicPr>
+          <p:cNvPr id="1782395396" name=""/>
+          <p:cNvPicPr>
+            <a:picLocks noChangeAspect="1"/>
+          </p:cNvPicPr>
+          <p:nvPr/>
+        </p:nvPicPr>
+        <p:blipFill>
+          <a:blip r:embed="rId5"/>
+          <a:stretch/>
+        </p:blipFill>
+        <p:spPr bwMode="auto">
+          <a:xfrm flipH="0" flipV="0">
+            <a:off x="7646863" y="1451256"/>
+            <a:ext cx="4053972" cy="4566227"/>
+          </a:xfrm>
+          <a:prstGeom prst="rect">
+            <a:avLst/>
+          </a:prstGeom>
+        </p:spPr>
+      </p:pic>
+    </p:spTree>
+  </p:cSld>
+  <p:clrMapOvr>
+    <a:masterClrMapping/>
+  </p:clrMapOvr>
+  <mc:AlternateContent xmlns:mc="http://schemas.openxmlformats.org/markup-compatibility/2006">
+    <mc:Choice xmlns:p159="http://schemas.microsoft.com/office/powerpoint/2015/09/main" xmlns:p14="http://schemas.microsoft.com/office/powerpoint/2010/main" Requires="p159">
+      <p:transition p14:dur="2000" advClick="1"/>
+    </mc:Choice>
+    <mc:Fallback>
+      <p:transition advClick="1"/>
+    </mc:Fallback>
+  </mc:AlternateContent>
+</p:sld>
+</file>
+
+<file path=ppt/slides/slide19.xml><?xml version="1.0" encoding="utf-8"?>
+<p:sld xmlns:a="http://schemas.openxmlformats.org/drawingml/2006/main" xmlns:r="http://schemas.openxmlformats.org/officeDocument/2006/relationships" xmlns:p="http://schemas.openxmlformats.org/presentationml/2006/main" xmlns:m="http://schemas.openxmlformats.org/officeDocument/2006/math" xmlns:w="http://schemas.openxmlformats.org/wordprocessingml/2006/main" showMasterPhAnim="0" show="1">
+  <p:cSld name="">
+    <p:bg>
+      <p:bgPr shadeToTitle="0">
+        <a:blipFill>
+          <a:blip r:embed="rId3">
+            <a:alphaModFix amt="23000"/>
+          </a:blip>
+          <a:stretch/>
+        </a:blipFill>
+      </p:bgPr>
+    </p:bg>
+    <p:spTree>
+      <p:nvGrpSpPr>
+        <p:cNvPr id="1" name=""/>
+        <p:cNvGrpSpPr/>
+        <p:nvPr/>
+      </p:nvGrpSpPr>
+      <p:grpSpPr bwMode="auto">
+        <a:xfrm>
+          <a:off x="0" y="0"/>
+          <a:ext cx="0" cy="0"/>
+          <a:chOff x="0" y="0"/>
+          <a:chExt cx="0" cy="0"/>
+        </a:xfrm>
+      </p:grpSpPr>
+      <p:sp>
+        <p:nvSpPr>
+          <p:cNvPr id="1489915233" name="Tytuł 1"/>
+          <p:cNvSpPr>
+            <a:spLocks noGrp="1"/>
+          </p:cNvSpPr>
+          <p:nvPr>
+            <p:ph type="title"/>
+          </p:nvPr>
+        </p:nvSpPr>
+        <p:spPr bwMode="auto"/>
+        <p:txBody>
+          <a:bodyPr/>
+          <a:lstStyle/>
+          <a:p>
+            <a:pPr>
+              <a:defRPr/>
+            </a:pPr>
+            <a:r>
+              <a:rPr/>
+              <a:t>XOR – Exclusive OR</a:t>
+            </a:r>
+            <a:endParaRPr/>
+          </a:p>
+        </p:txBody>
+      </p:sp>
+      <p:sp>
+        <p:nvSpPr>
+          <p:cNvPr id="2059464844" name="Symbol zastępczy zawartości 2"/>
+          <p:cNvSpPr>
+            <a:spLocks noGrp="1"/>
+          </p:cNvSpPr>
+          <p:nvPr>
+            <p:ph idx="1"/>
+          </p:nvPr>
+        </p:nvSpPr>
+        <p:spPr bwMode="auto">
+          <a:xfrm flipH="0" flipV="0">
+            <a:off x="838199" y="1753199"/>
+            <a:ext cx="10515597" cy="4562472"/>
+          </a:xfrm>
+        </p:spPr>
+        <p:txBody>
+          <a:bodyPr/>
+          <a:lstStyle/>
+          <a:p>
+            <a:pPr>
+              <a:defRPr/>
+            </a:pPr>
+            <a:r>
+              <a:rPr/>
+              <a:t>XOR to operacja przeprowadzana na 2</a:t>
+            </a:r>
+            <a:r>
+              <a:rPr baseline="30000"/>
+              <a:t>*</a:t>
+            </a:r>
+            <a:r>
+              <a:rPr/>
+              <a:t> bitach</a:t>
+            </a:r>
+            <a:endParaRPr/>
+          </a:p>
+          <a:p>
+            <a:pPr>
+              <a:defRPr/>
+            </a:pPr>
+            <a:r>
+              <a:rPr/>
+              <a:t>Operacja zwraca 1, kiedy bity są różne i 0, gdy są takie same</a:t>
+            </a:r>
+            <a:endParaRPr/>
+          </a:p>
+          <a:p>
+            <a:pPr>
+              <a:defRPr/>
+            </a:pPr>
+            <a:r>
+              <a:rPr/>
+              <a:t>Jeśli poddajemy tej operacji dwie liczby, to porównujemy parami bity na tych samych pozycjach</a:t>
+            </a:r>
+            <a:endParaRPr/>
+          </a:p>
+          <a:p>
+            <a:pPr>
+              <a:defRPr/>
+            </a:pPr>
+            <a:r>
+              <a:rPr/>
+              <a:t>Jeśli jedna z liczb jest mniejsza, to na jej początku stawiamy odpowiednio wiele zer (nie wpływa to na jej wartość)</a:t>
+            </a:r>
+            <a:endParaRPr/>
+          </a:p>
+        </p:txBody>
+      </p:sp>
+      <p:sp>
+        <p:nvSpPr>
+          <p:cNvPr id="2115462384" name=""/>
+          <p:cNvSpPr txBox="1"/>
+          <p:nvPr/>
+        </p:nvSpPr>
+        <p:spPr bwMode="auto">
+          <a:xfrm flipH="0" flipV="0">
+            <a:off x="1445528" y="6199908"/>
+            <a:ext cx="9301303" cy="518519"/>
+          </a:xfrm>
+          <a:prstGeom prst="rect">
+            <a:avLst/>
+          </a:prstGeom>
+          <a:noFill/>
+        </p:spPr>
+        <p:txBody>
+          <a:bodyPr vertOverflow="overflow" horzOverflow="overflow" vert="horz" wrap="square" lIns="91440" tIns="45720" rIns="91440" bIns="45720" numCol="1" spcCol="0" rtlCol="0" fromWordArt="0" anchor="t" anchorCtr="0" forceAA="0" upright="0" compatLnSpc="0">
+            <a:spAutoFit/>
+          </a:bodyPr>
+          <a:p>
+            <a:pPr algn="ctr">
+              <a:defRPr/>
+            </a:pPr>
+            <a:r>
+              <a:rPr sz="1400"/>
+              <a:t>*Zdarzają się przypadki wykonywania XOR na więcej niż dwóch bitach - rabini są jednak niezgodni co do oczekiwanego wyniku takiej operacji</a:t>
+            </a:r>
+            <a:endParaRPr/>
+          </a:p>
+        </p:txBody>
+      </p:sp>
+      <p:pic>
+        <p:nvPicPr>
+          <p:cNvPr id="2127010521" name=""/>
+          <p:cNvPicPr>
+            <a:picLocks noChangeAspect="1"/>
+          </p:cNvPicPr>
+          <p:nvPr/>
+        </p:nvPicPr>
+        <p:blipFill>
+          <a:blip r:embed="rId4"/>
+          <a:stretch/>
+        </p:blipFill>
+        <p:spPr bwMode="auto">
+          <a:xfrm>
+            <a:off x="3990974" y="4693227"/>
+            <a:ext cx="3990974" cy="1343025"/>
+          </a:xfrm>
+          <a:prstGeom prst="rect">
+            <a:avLst/>
+          </a:prstGeom>
+        </p:spPr>
+      </p:pic>
+    </p:spTree>
+  </p:cSld>
+  <p:clrMapOvr>
+    <a:masterClrMapping/>
+  </p:clrMapOvr>
+  <mc:AlternateContent xmlns:mc="http://schemas.openxmlformats.org/markup-compatibility/2006">
+    <mc:Choice xmlns:p159="http://schemas.microsoft.com/office/powerpoint/2015/09/main" xmlns:p14="http://schemas.microsoft.com/office/powerpoint/2010/main" Requires="p159">
+      <p:transition p14:dur="2000" advClick="1"/>
+    </mc:Choice>
+    <mc:Fallback>
+      <p:transition advClick="1"/>
+    </mc:Fallback>
+  </mc:AlternateContent>
+</p:sld>
+</file>
+
+<file path=ppt/slides/slide2.xml><?xml version="1.0" encoding="utf-8"?>
+<p:sld xmlns:a="http://schemas.openxmlformats.org/drawingml/2006/main" xmlns:r="http://schemas.openxmlformats.org/officeDocument/2006/relationships" xmlns:p="http://schemas.openxmlformats.org/presentationml/2006/main" xmlns:m="http://schemas.openxmlformats.org/officeDocument/2006/math" xmlns:w="http://schemas.openxmlformats.org/wordprocessingml/2006/main" showMasterPhAnim="0" show="1">
+  <p:cSld name="">
+    <p:bg>
+      <p:bgPr shadeToTitle="0">
+        <a:blipFill>
+          <a:blip r:embed="rId3">
+            <a:alphaModFix amt="23000"/>
+          </a:blip>
+          <a:stretch/>
+        </a:blipFill>
+      </p:bgPr>
+    </p:bg>
+    <p:spTree>
+      <p:nvGrpSpPr>
+        <p:cNvPr id="1" name=""/>
+        <p:cNvGrpSpPr/>
+        <p:nvPr/>
+      </p:nvGrpSpPr>
+      <p:grpSpPr bwMode="auto">
+        <a:xfrm>
+          <a:off x="0" y="0"/>
+          <a:ext cx="0" cy="0"/>
+          <a:chOff x="0" y="0"/>
+          <a:chExt cx="0" cy="0"/>
+        </a:xfrm>
+      </p:grpSpPr>
+      <p:sp>
+        <p:nvSpPr>
+          <p:cNvPr id="1478356" name="Tytuł 1"/>
+          <p:cNvSpPr>
+            <a:spLocks noGrp="1"/>
+          </p:cNvSpPr>
+          <p:nvPr>
+            <p:ph type="title"/>
+          </p:nvPr>
+        </p:nvSpPr>
+        <p:spPr bwMode="auto"/>
+        <p:txBody>
+          <a:bodyPr/>
+          <a:lstStyle/>
+          <a:p>
+            <a:pPr>
+              <a:defRPr/>
+            </a:pPr>
+            <a:r>
+              <a:rPr/>
+              <a:t>Do boju!</a:t>
+            </a:r>
+            <a:endParaRPr/>
+          </a:p>
+        </p:txBody>
+      </p:sp>
+      <p:pic>
+        <p:nvPicPr>
+          <p:cNvPr id="771134299" name=""/>
+          <p:cNvPicPr>
+            <a:picLocks noChangeAspect="1"/>
+          </p:cNvPicPr>
+          <p:nvPr/>
+        </p:nvPicPr>
+        <p:blipFill>
+          <a:blip r:embed="rId4"/>
+          <a:stretch/>
+        </p:blipFill>
+        <p:spPr bwMode="auto">
+          <a:xfrm flipH="0" flipV="0">
+            <a:off x="623900" y="1528318"/>
+            <a:ext cx="6932312" cy="5036146"/>
+          </a:xfrm>
+          <a:prstGeom prst="rect">
+            <a:avLst/>
+          </a:prstGeom>
+        </p:spPr>
+      </p:pic>
+      <p:pic>
+        <p:nvPicPr>
+          <p:cNvPr id="1423777989" name=""/>
+          <p:cNvPicPr>
+            <a:picLocks noChangeAspect="1"/>
+          </p:cNvPicPr>
+          <p:nvPr/>
+        </p:nvPicPr>
+        <p:blipFill>
+          <a:blip r:embed="rId5"/>
+          <a:srcRect l="22341" t="0" r="18000" b="0"/>
+          <a:stretch/>
+        </p:blipFill>
+        <p:spPr bwMode="auto">
+          <a:xfrm flipH="0" flipV="0">
+            <a:off x="7750412" y="2048916"/>
+            <a:ext cx="4301700" cy="4055986"/>
+          </a:xfrm>
+          <a:prstGeom prst="rect">
+            <a:avLst/>
+          </a:prstGeom>
+        </p:spPr>
+      </p:pic>
+    </p:spTree>
+  </p:cSld>
+  <p:clrMapOvr>
+    <a:masterClrMapping/>
+  </p:clrMapOvr>
+  <mc:AlternateContent xmlns:mc="http://schemas.openxmlformats.org/markup-compatibility/2006">
+    <mc:Choice xmlns:p159="http://schemas.microsoft.com/office/powerpoint/2015/09/main" xmlns:p14="http://schemas.microsoft.com/office/powerpoint/2010/main" Requires="p159">
+      <p:transition p14:dur="2000" advClick="1"/>
+    </mc:Choice>
+    <mc:Fallback>
+      <p:transition advClick="1"/>
+    </mc:Fallback>
+  </mc:AlternateContent>
+</p:sld>
+</file>
+
+<file path=ppt/slides/slide20.xml><?xml version="1.0" encoding="utf-8"?>
+<p:sld xmlns:a="http://schemas.openxmlformats.org/drawingml/2006/main" xmlns:r="http://schemas.openxmlformats.org/officeDocument/2006/relationships" xmlns:p="http://schemas.openxmlformats.org/presentationml/2006/main" xmlns:m="http://schemas.openxmlformats.org/officeDocument/2006/math" xmlns:w="http://schemas.openxmlformats.org/wordprocessingml/2006/main" showMasterPhAnim="0" show="1">
+  <p:cSld name="">
+    <p:bg>
+      <p:bgPr shadeToTitle="0">
+        <a:blipFill>
+          <a:blip r:embed="rId3">
+            <a:alphaModFix amt="23000"/>
+          </a:blip>
+          <a:stretch/>
+        </a:blipFill>
+      </p:bgPr>
+    </p:bg>
+    <p:spTree>
+      <p:nvGrpSpPr>
+        <p:cNvPr id="1" name=""/>
+        <p:cNvGrpSpPr/>
+        <p:nvPr/>
+      </p:nvGrpSpPr>
+      <p:grpSpPr bwMode="auto">
+        <a:xfrm>
+          <a:off x="0" y="0"/>
+          <a:ext cx="0" cy="0"/>
+          <a:chOff x="0" y="0"/>
+          <a:chExt cx="0" cy="0"/>
+        </a:xfrm>
+      </p:grpSpPr>
+      <p:sp>
+        <p:nvSpPr>
+          <p:cNvPr id="1804579095" name="Tytuł 1"/>
+          <p:cNvSpPr>
+            <a:spLocks noGrp="1"/>
+          </p:cNvSpPr>
+          <p:nvPr>
+            <p:ph type="title"/>
+          </p:nvPr>
+        </p:nvSpPr>
+        <p:spPr bwMode="auto"/>
+        <p:txBody>
+          <a:bodyPr/>
+          <a:lstStyle/>
+          <a:p>
+            <a:pPr>
+              <a:defRPr/>
+            </a:pPr>
+            <a:r>
+              <a:rPr/>
+              <a:t>Dzielenie</a:t>
+            </a:r>
+            <a:endParaRPr/>
+          </a:p>
+        </p:txBody>
+      </p:sp>
+      <p:sp>
+        <p:nvSpPr>
+          <p:cNvPr id="510151624" name="Symbol zastępczy zawartości 2"/>
+          <p:cNvSpPr>
+            <a:spLocks noGrp="1"/>
+          </p:cNvSpPr>
+          <p:nvPr>
+            <p:ph idx="1"/>
+          </p:nvPr>
+        </p:nvSpPr>
+        <p:spPr bwMode="auto">
+          <a:xfrm flipH="0" flipV="0">
+            <a:off x="838199" y="1753199"/>
+            <a:ext cx="10515597" cy="4562472"/>
+          </a:xfrm>
+        </p:spPr>
+        <p:txBody>
+          <a:bodyPr/>
+          <a:lstStyle/>
+          <a:p>
+            <a:pPr>
+              <a:defRPr/>
+            </a:pPr>
+            <a:r>
+              <a:rPr/>
+              <a:t>Jeśli w treści zadania pojawia się takie sformułowanie:</a:t>
+            </a:r>
+            <a:br>
+              <a:rPr/>
+            </a:br>
+            <a:endParaRPr/>
+          </a:p>
+          <a:p>
+            <a:pPr marL="0" indent="0">
+              <a:buFont typeface="Arial"/>
+              <a:buNone/>
+              <a:defRPr/>
+            </a:pPr>
+            <a:r>
+              <a:rPr/>
+              <a:t>To zawsze chodzi o wynik operacji dzielenia całkowitego (w Pythonie operator // )</a:t>
+            </a:r>
+            <a:endParaRPr/>
+          </a:p>
+          <a:p>
+            <a:pPr>
+              <a:defRPr/>
+            </a:pPr>
+            <a:r>
+              <a:rPr/>
+              <a:t>Większość języków programowania domyślnie stosuje takie dzielenie podczas pracy na liczbach całkowitych</a:t>
+            </a:r>
+            <a:endParaRPr/>
+          </a:p>
+          <a:p>
+            <a:pPr>
+              <a:defRPr/>
+            </a:pPr>
+            <a:r>
+              <a:rPr/>
+              <a:t>Python jednak stara się nam ułatwić życie i przy dzieleniu automatycznie zamienia liczby całkowite na zmiennoprzecinkowe – należy na to uważać</a:t>
+            </a:r>
+            <a:endParaRPr/>
+          </a:p>
+          <a:p>
+            <a:pPr>
+              <a:defRPr/>
+            </a:pPr>
+            <a:endParaRPr/>
+          </a:p>
+        </p:txBody>
+      </p:sp>
+      <p:pic>
+        <p:nvPicPr>
+          <p:cNvPr id="1964423158" name=""/>
+          <p:cNvPicPr>
+            <a:picLocks noChangeAspect="1"/>
+          </p:cNvPicPr>
+          <p:nvPr/>
+        </p:nvPicPr>
+        <p:blipFill>
+          <a:blip r:embed="rId4"/>
+          <a:srcRect l="0" t="21253" r="0" b="0"/>
+          <a:stretch/>
+        </p:blipFill>
+        <p:spPr bwMode="auto">
+          <a:xfrm flipH="0" flipV="0">
+            <a:off x="1151659" y="2190533"/>
+            <a:ext cx="4968312" cy="424511"/>
+          </a:xfrm>
+          <a:prstGeom prst="rect">
+            <a:avLst/>
+          </a:prstGeom>
+        </p:spPr>
+      </p:pic>
+    </p:spTree>
+  </p:cSld>
+  <p:clrMapOvr>
+    <a:masterClrMapping/>
+  </p:clrMapOvr>
+  <mc:AlternateContent xmlns:mc="http://schemas.openxmlformats.org/markup-compatibility/2006">
+    <mc:Choice xmlns:p159="http://schemas.microsoft.com/office/powerpoint/2015/09/main" xmlns:p14="http://schemas.microsoft.com/office/powerpoint/2010/main" Requires="p159">
+      <p:transition p14:dur="2000" advClick="1"/>
+    </mc:Choice>
+    <mc:Fallback>
+      <p:transition advClick="1"/>
+    </mc:Fallback>
+  </mc:AlternateContent>
+</p:sld>
+</file>
+
+<file path=ppt/slides/slide21.xml><?xml version="1.0" encoding="utf-8"?>
+<p:sld xmlns:a="http://schemas.openxmlformats.org/drawingml/2006/main" xmlns:r="http://schemas.openxmlformats.org/officeDocument/2006/relationships" xmlns:p="http://schemas.openxmlformats.org/presentationml/2006/main" xmlns:m="http://schemas.openxmlformats.org/officeDocument/2006/math" xmlns:w="http://schemas.openxmlformats.org/wordprocessingml/2006/main" showMasterPhAnim="0" show="1">
+  <p:cSld name="">
+    <p:bg>
+      <p:bgPr shadeToTitle="0">
+        <a:blipFill>
+          <a:blip r:embed="rId3">
+            <a:alphaModFix amt="23000"/>
+          </a:blip>
+          <a:stretch/>
+        </a:blipFill>
+      </p:bgPr>
+    </p:bg>
+    <p:spTree>
+      <p:nvGrpSpPr>
+        <p:cNvPr id="1" name=""/>
+        <p:cNvGrpSpPr/>
+        <p:nvPr/>
+      </p:nvGrpSpPr>
+      <p:grpSpPr bwMode="auto">
+        <a:xfrm>
+          <a:off x="0" y="0"/>
+          <a:ext cx="0" cy="0"/>
+          <a:chOff x="0" y="0"/>
+          <a:chExt cx="0" cy="0"/>
+        </a:xfrm>
+      </p:grpSpPr>
+      <p:sp>
+        <p:nvSpPr>
+          <p:cNvPr id="5423486" name="Tytuł 1"/>
+          <p:cNvSpPr>
+            <a:spLocks noGrp="1"/>
+          </p:cNvSpPr>
+          <p:nvPr>
+            <p:ph type="title"/>
+          </p:nvPr>
+        </p:nvSpPr>
+        <p:spPr bwMode="auto">
+          <a:xfrm flipH="0" flipV="0">
+            <a:off x="838199" y="365124"/>
+            <a:ext cx="10229004" cy="1325562"/>
+          </a:xfrm>
+        </p:spPr>
+        <p:txBody>
+          <a:bodyPr/>
+          <a:lstStyle/>
+          <a:p>
+            <a:pPr>
+              <a:defRPr/>
+            </a:pPr>
+            <a:r>
+              <a:rPr/>
+              <a:t>Dzielenie</a:t>
+            </a:r>
+            <a:endParaRPr/>
+          </a:p>
+        </p:txBody>
+      </p:sp>
+      <p:sp>
+        <p:nvSpPr>
+          <p:cNvPr id="156103038" name="Symbol zastępczy zawartości 2"/>
+          <p:cNvSpPr>
+            <a:spLocks noGrp="1"/>
+          </p:cNvSpPr>
+          <p:nvPr>
+            <p:ph idx="1"/>
+          </p:nvPr>
+        </p:nvSpPr>
+        <p:spPr bwMode="auto">
+          <a:xfrm flipH="0" flipV="0">
+            <a:off x="838199" y="1753199"/>
+            <a:ext cx="10229004" cy="4562472"/>
+          </a:xfrm>
+        </p:spPr>
+        <p:txBody>
+          <a:bodyPr/>
+          <a:lstStyle/>
+          <a:p>
+            <a:pPr>
+              <a:defRPr/>
+            </a:pPr>
+            <a:r>
+              <a:rPr/>
+              <a:t>Jak wiecie, aby wykonać dzielenie całkowite przez 10 na liczbie dziesiętnej, wystarczy „przesunąć przecinek” o jedno miejsce w lewo i zignorować wszystko, co za nim</a:t>
+            </a:r>
+            <a:endParaRPr/>
+          </a:p>
+          <a:p>
+            <a:pPr marL="0" indent="0" algn="ctr">
+              <a:buFont typeface="Arial"/>
+              <a:buNone/>
+              <a:defRPr/>
+            </a:pPr>
+            <a:r>
+              <a:rPr/>
+              <a:t>12345 // 10 = 1234</a:t>
+            </a:r>
+            <a:endParaRPr/>
+          </a:p>
+          <a:p>
+            <a:pPr algn="l">
+              <a:defRPr/>
+            </a:pPr>
+            <a:r>
+              <a:rPr/>
+              <a:t>Podobnie wygląda sytuacja z dzieleniem liczby binarnej przez 2</a:t>
+            </a:r>
+            <a:endParaRPr/>
+          </a:p>
+          <a:p>
+            <a:pPr algn="l">
+              <a:defRPr/>
+            </a:pPr>
+            <a:r>
+              <a:rPr/>
+              <a:t>W jaki sposób zrealizować to w programie?</a:t>
+            </a:r>
+            <a:endParaRPr/>
+          </a:p>
+          <a:p>
+            <a:pPr marL="0" indent="0" algn="l">
+              <a:buFont typeface="Arial"/>
+              <a:buNone/>
+              <a:defRPr/>
+            </a:pPr>
+            <a:endParaRPr/>
+          </a:p>
+        </p:txBody>
+      </p:sp>
+    </p:spTree>
+  </p:cSld>
+  <p:clrMapOvr>
+    <a:masterClrMapping/>
+  </p:clrMapOvr>
+  <mc:AlternateContent xmlns:mc="http://schemas.openxmlformats.org/markup-compatibility/2006">
+    <mc:Choice xmlns:p159="http://schemas.microsoft.com/office/powerpoint/2015/09/main" xmlns:p14="http://schemas.microsoft.com/office/powerpoint/2010/main" Requires="p159">
+      <p:transition p14:dur="2000" advClick="1"/>
+    </mc:Choice>
+    <mc:Fallback>
+      <p:transition advClick="1"/>
+    </mc:Fallback>
+  </mc:AlternateContent>
+</p:sld>
+</file>
+
+<file path=ppt/slides/slide22.xml><?xml version="1.0" encoding="utf-8"?>
+<p:sld xmlns:a="http://schemas.openxmlformats.org/drawingml/2006/main" xmlns:r="http://schemas.openxmlformats.org/officeDocument/2006/relationships" xmlns:p="http://schemas.openxmlformats.org/presentationml/2006/main" xmlns:m="http://schemas.openxmlformats.org/officeDocument/2006/math" xmlns:w="http://schemas.openxmlformats.org/wordprocessingml/2006/main" showMasterPhAnim="0" show="1">
+  <p:cSld name="">
+    <p:bg>
+      <p:bgPr shadeToTitle="0">
+        <a:blipFill>
+          <a:blip r:embed="rId3">
+            <a:alphaModFix amt="23000"/>
+          </a:blip>
+          <a:stretch/>
+        </a:blipFill>
+      </p:bgPr>
+    </p:bg>
+    <p:spTree>
+      <p:nvGrpSpPr>
+        <p:cNvPr id="1" name=""/>
+        <p:cNvGrpSpPr/>
+        <p:nvPr/>
+      </p:nvGrpSpPr>
+      <p:grpSpPr bwMode="auto">
+        <a:xfrm>
+          <a:off x="0" y="0"/>
+          <a:ext cx="0" cy="0"/>
+          <a:chOff x="0" y="0"/>
+          <a:chExt cx="0" cy="0"/>
+        </a:xfrm>
+      </p:grpSpPr>
+      <p:sp>
+        <p:nvSpPr>
+          <p:cNvPr id="233346787" name="Tytuł 1"/>
+          <p:cNvSpPr>
+            <a:spLocks noGrp="1"/>
+          </p:cNvSpPr>
+          <p:nvPr>
+            <p:ph type="title"/>
+          </p:nvPr>
+        </p:nvSpPr>
+        <p:spPr bwMode="auto">
+          <a:xfrm flipH="0" flipV="0">
+            <a:off x="838199" y="365124"/>
+            <a:ext cx="10159731" cy="1325562"/>
+          </a:xfrm>
+        </p:spPr>
+        <p:txBody>
+          <a:bodyPr/>
+          <a:lstStyle/>
+          <a:p>
+            <a:pPr>
+              <a:defRPr/>
+            </a:pPr>
+            <a:r>
+              <a:rPr/>
+              <a:t>Dzielenie</a:t>
+            </a:r>
+            <a:endParaRPr/>
+          </a:p>
+        </p:txBody>
+      </p:sp>
+      <p:sp>
+        <p:nvSpPr>
+          <p:cNvPr id="1166299378" name="Symbol zastępczy zawartości 2"/>
+          <p:cNvSpPr>
+            <a:spLocks noGrp="1"/>
+          </p:cNvSpPr>
+          <p:nvPr>
+            <p:ph idx="1"/>
+          </p:nvPr>
+        </p:nvSpPr>
+        <p:spPr bwMode="auto">
+          <a:xfrm flipH="0" flipV="0">
+            <a:off x="838199" y="1753199"/>
+            <a:ext cx="10159731" cy="4562472"/>
+          </a:xfrm>
+        </p:spPr>
+        <p:txBody>
+          <a:bodyPr/>
+          <a:lstStyle/>
+          <a:p>
+            <a:pPr algn="l">
+              <a:defRPr/>
+            </a:pPr>
+            <a:r>
+              <a:rPr lang="pl-PL" sz="2800" b="0" i="0" u="none" strike="noStrike" cap="none" spc="0">
+                <a:solidFill>
+                  <a:schemeClr val="tx1"/>
+                </a:solidFill>
+                <a:latin typeface="+mn-lt"/>
+                <a:ea typeface="+mn-ea"/>
+                <a:cs typeface="+mn-cs"/>
+              </a:rPr>
+              <a:t>Bardzo prosto – znów skorzystamy z faktu, że Python domyślnie stosuje system dziesiętny</a:t>
+            </a:r>
+            <a:endParaRPr lang="pl-PL" sz="2800" b="0" i="0" u="none" strike="noStrike" cap="none" spc="0">
+              <a:solidFill>
+                <a:schemeClr val="tx1"/>
+              </a:solidFill>
+              <a:latin typeface="Times New Roman"/>
+              <a:cs typeface="Times New Roman"/>
+            </a:endParaRPr>
+          </a:p>
+          <a:p>
+            <a:pPr algn="l">
+              <a:defRPr/>
+            </a:pPr>
+            <a:r>
+              <a:rPr lang="pl-PL" sz="2800" b="0" i="0" u="none" strike="noStrike" cap="none" spc="0">
+                <a:solidFill>
+                  <a:schemeClr val="tx1"/>
+                </a:solidFill>
+                <a:latin typeface="Arial"/>
+                <a:ea typeface="Arial"/>
+                <a:cs typeface="Arial"/>
+              </a:rPr>
+              <a:t>Aby wykonać dzielenie </a:t>
+            </a:r>
+            <a:r>
+              <a:rPr lang="pl-PL" sz="2800" b="0" i="0" u="none" strike="noStrike" cap="none" spc="0">
+                <a:solidFill>
+                  <a:schemeClr val="tx1"/>
+                </a:solidFill>
+                <a:latin typeface="Courier New"/>
+                <a:ea typeface="Courier New"/>
+                <a:cs typeface="Courier New"/>
+              </a:rPr>
+              <a:t>//2</a:t>
+            </a:r>
+            <a:r>
+              <a:rPr lang="pl-PL" sz="2800" b="0" i="0" u="none" strike="noStrike" cap="none" spc="0">
+                <a:solidFill>
+                  <a:schemeClr val="tx1"/>
+                </a:solidFill>
+                <a:latin typeface="Arial"/>
+                <a:ea typeface="Arial"/>
+                <a:cs typeface="Arial"/>
+              </a:rPr>
+              <a:t>, możemy na liczbach wczytanych z pliku wykonać operację </a:t>
+            </a:r>
+            <a:r>
+              <a:rPr lang="pl-PL" sz="2800" b="0" i="0" u="none" strike="noStrike" cap="none" spc="0">
+                <a:solidFill>
+                  <a:schemeClr val="tx1"/>
+                </a:solidFill>
+                <a:latin typeface="Courier New"/>
+                <a:ea typeface="Courier New"/>
+                <a:cs typeface="Courier New"/>
+              </a:rPr>
+              <a:t>//10</a:t>
+            </a:r>
+            <a:endParaRPr lang="pl-PL" sz="2800" b="0" i="0" u="none" strike="noStrike" cap="none" spc="0">
+              <a:solidFill>
+                <a:schemeClr val="tx1"/>
+              </a:solidFill>
+              <a:latin typeface="Times New Roman"/>
+              <a:cs typeface="Times New Roman"/>
+            </a:endParaRPr>
+          </a:p>
+          <a:p>
+            <a:pPr marL="0" indent="0" algn="ctr">
+              <a:buFont typeface="Arial"/>
+              <a:buNone/>
+              <a:defRPr/>
+            </a:pPr>
+            <a:r>
+              <a:rPr lang="pl-PL" sz="2800" b="0" i="0" u="none" strike="noStrike" cap="none" spc="0">
+                <a:solidFill>
+                  <a:schemeClr val="tx1"/>
+                </a:solidFill>
+                <a:latin typeface="Arial"/>
+                <a:ea typeface="Arial"/>
+                <a:cs typeface="Arial"/>
+              </a:rPr>
+              <a:t>11010 (26) // 10 = 1101 (13)</a:t>
+            </a:r>
+            <a:endParaRPr lang="pl-PL" sz="2800" b="0" i="0" u="none" strike="noStrike" cap="none" spc="0">
+              <a:solidFill>
+                <a:schemeClr val="tx1"/>
+              </a:solidFill>
+              <a:latin typeface="Times New Roman"/>
+              <a:cs typeface="Times New Roman"/>
+            </a:endParaRPr>
+          </a:p>
+          <a:p>
+            <a:pPr marL="0" indent="0" algn="ctr">
+              <a:buFont typeface="Arial"/>
+              <a:buNone/>
+              <a:defRPr/>
+            </a:pPr>
+            <a:endParaRPr lang="pl-PL" sz="2800" b="0" i="0" u="none" strike="noStrike" cap="none" spc="0">
+              <a:solidFill>
+                <a:schemeClr val="tx1"/>
+              </a:solidFill>
+              <a:latin typeface="Times New Roman"/>
+              <a:cs typeface="Times New Roman"/>
+            </a:endParaRPr>
+          </a:p>
+          <a:p>
+            <a:pPr marL="0" indent="0" algn="ctr">
+              <a:buFont typeface="Arial"/>
+              <a:buNone/>
+              <a:defRPr/>
+            </a:pPr>
+            <a:endParaRPr lang="pl-PL" sz="2800" b="0" i="0" u="none" strike="noStrike" cap="none" spc="0">
+              <a:solidFill>
+                <a:schemeClr val="tx1"/>
+              </a:solidFill>
+              <a:latin typeface="Times New Roman"/>
+              <a:cs typeface="Times New Roman"/>
+            </a:endParaRPr>
+          </a:p>
+        </p:txBody>
+      </p:sp>
+    </p:spTree>
+  </p:cSld>
+  <p:clrMapOvr>
+    <a:masterClrMapping/>
+  </p:clrMapOvr>
+  <mc:AlternateContent xmlns:mc="http://schemas.openxmlformats.org/markup-compatibility/2006">
+    <mc:Choice xmlns:p159="http://schemas.microsoft.com/office/powerpoint/2015/09/main" xmlns:p14="http://schemas.microsoft.com/office/powerpoint/2010/main" Requires="p159">
+      <p:transition p14:dur="2000" advClick="1"/>
+    </mc:Choice>
+    <mc:Fallback>
+      <p:transition advClick="1"/>
+    </mc:Fallback>
+  </mc:AlternateContent>
+</p:sld>
+</file>
+
+<file path=ppt/slides/slide23.xml><?xml version="1.0" encoding="utf-8"?>
+<p:sld xmlns:a="http://schemas.openxmlformats.org/drawingml/2006/main" xmlns:r="http://schemas.openxmlformats.org/officeDocument/2006/relationships" xmlns:p="http://schemas.openxmlformats.org/presentationml/2006/main" xmlns:m="http://schemas.openxmlformats.org/officeDocument/2006/math" xmlns:w="http://schemas.openxmlformats.org/wordprocessingml/2006/main" showMasterPhAnim="0" show="1">
+  <p:cSld name="">
+    <p:bg>
+      <p:bgPr shadeToTitle="0">
+        <a:blipFill>
+          <a:blip r:embed="rId3">
+            <a:alphaModFix amt="23000"/>
+          </a:blip>
+          <a:stretch/>
+        </a:blipFill>
+      </p:bgPr>
+    </p:bg>
+    <p:spTree>
+      <p:nvGrpSpPr>
+        <p:cNvPr id="1" name=""/>
+        <p:cNvGrpSpPr/>
+        <p:nvPr/>
+      </p:nvGrpSpPr>
+      <p:grpSpPr bwMode="auto">
+        <a:xfrm>
+          <a:off x="0" y="0"/>
+          <a:ext cx="0" cy="0"/>
+          <a:chOff x="0" y="0"/>
+          <a:chExt cx="0" cy="0"/>
+        </a:xfrm>
+      </p:grpSpPr>
+      <p:sp>
+        <p:nvSpPr>
+          <p:cNvPr id="1713058042" name="Tytuł 1"/>
+          <p:cNvSpPr>
+            <a:spLocks noGrp="1"/>
+          </p:cNvSpPr>
+          <p:nvPr>
+            <p:ph type="title"/>
+          </p:nvPr>
+        </p:nvSpPr>
+        <p:spPr bwMode="auto">
+          <a:xfrm flipH="0" flipV="0">
+            <a:off x="838199" y="365124"/>
+            <a:ext cx="9839345" cy="1325562"/>
+          </a:xfrm>
+        </p:spPr>
+        <p:txBody>
+          <a:bodyPr/>
+          <a:lstStyle/>
+          <a:p>
+            <a:pPr>
+              <a:defRPr/>
+            </a:pPr>
+            <a:r>
+              <a:rPr/>
+              <a:t>Dzielenie</a:t>
+            </a:r>
+            <a:endParaRPr/>
+          </a:p>
+        </p:txBody>
+      </p:sp>
+      <p:sp>
+        <p:nvSpPr>
+          <p:cNvPr id="1499340676" name="Symbol zastępczy zawartości 2"/>
+          <p:cNvSpPr>
+            <a:spLocks noGrp="1"/>
+          </p:cNvSpPr>
+          <p:nvPr>
+            <p:ph idx="1"/>
+          </p:nvPr>
+        </p:nvSpPr>
+        <p:spPr bwMode="auto">
+          <a:xfrm flipH="0" flipV="0">
+            <a:off x="838199" y="1753199"/>
+            <a:ext cx="9839345" cy="4562472"/>
+          </a:xfrm>
+        </p:spPr>
+        <p:txBody>
+          <a:bodyPr/>
+          <a:lstStyle/>
+          <a:p>
+            <a:pPr algn="l">
+              <a:defRPr/>
+            </a:pPr>
+            <a:r>
+              <a:rPr lang="pl-PL" sz="2800" b="0" i="0" u="none" strike="noStrike" cap="none" spc="0">
+                <a:solidFill>
+                  <a:schemeClr val="tx1"/>
+                </a:solidFill>
+                <a:latin typeface="Arial"/>
+                <a:ea typeface="Arial"/>
+                <a:cs typeface="Arial"/>
+              </a:rPr>
+              <a:t>Napisać o dzieleniu na cyfry przez modulo </a:t>
+            </a:r>
+            <a:endParaRPr lang="pl-PL" sz="2800" b="0" i="0" u="none" strike="noStrike" cap="none" spc="0">
+              <a:solidFill>
+                <a:schemeClr val="tx1"/>
+              </a:solidFill>
+              <a:latin typeface="Times New Roman"/>
+              <a:cs typeface="Times New Roman"/>
+            </a:endParaRPr>
+          </a:p>
+          <a:p>
+            <a:pPr algn="l">
+              <a:defRPr/>
+            </a:pPr>
+            <a:r>
+              <a:rPr lang="pl-PL" sz="2800" b="0" i="0" u="none" strike="noStrike" cap="none" spc="0">
+                <a:solidFill>
+                  <a:schemeClr val="tx1"/>
+                </a:solidFill>
+                <a:latin typeface="Arial"/>
+                <a:ea typeface="Arial"/>
+                <a:cs typeface="Arial"/>
+              </a:rPr>
+              <a:t>I o tym, że xor jest równoważny b1+b2mod2</a:t>
+            </a:r>
+            <a:endParaRPr/>
+          </a:p>
+        </p:txBody>
+      </p:sp>
+    </p:spTree>
+  </p:cSld>
+  <p:clrMapOvr>
+    <a:masterClrMapping/>
+  </p:clrMapOvr>
+  <mc:AlternateContent xmlns:mc="http://schemas.openxmlformats.org/markup-compatibility/2006">
+    <mc:Choice xmlns:p159="http://schemas.microsoft.com/office/powerpoint/2015/09/main" xmlns:p14="http://schemas.microsoft.com/office/powerpoint/2010/main" Requires="p159">
+      <p:transition p14:dur="2000" advClick="1"/>
+    </mc:Choice>
+    <mc:Fallback>
+      <p:transition advClick="1"/>
+    </mc:Fallback>
+  </mc:AlternateContent>
+</p:sld>
+</file>
+
+<file path=ppt/slides/slide24.xml><?xml version="1.0" encoding="utf-8"?>
+<p:sld xmlns:a="http://schemas.openxmlformats.org/drawingml/2006/main" xmlns:r="http://schemas.openxmlformats.org/officeDocument/2006/relationships" xmlns:p="http://schemas.openxmlformats.org/presentationml/2006/main" xmlns:m="http://schemas.openxmlformats.org/officeDocument/2006/math" xmlns:w="http://schemas.openxmlformats.org/wordprocessingml/2006/main" showMasterPhAnim="0" show="1">
+  <p:cSld name="">
+    <p:bg>
+      <p:bgPr shadeToTitle="0">
+        <a:blipFill>
+          <a:blip r:embed="rId3">
+            <a:alphaModFix amt="23000"/>
+          </a:blip>
+          <a:stretch/>
+        </a:blipFill>
+      </p:bgPr>
+    </p:bg>
+    <p:spTree>
+      <p:nvGrpSpPr>
+        <p:cNvPr id="1" name=""/>
+        <p:cNvGrpSpPr/>
+        <p:nvPr/>
+      </p:nvGrpSpPr>
+      <p:grpSpPr bwMode="auto">
+        <a:xfrm>
+          <a:off x="0" y="0"/>
+          <a:ext cx="0" cy="0"/>
+          <a:chOff x="0" y="0"/>
+          <a:chExt cx="0" cy="0"/>
+        </a:xfrm>
+      </p:grpSpPr>
+      <p:sp>
+        <p:nvSpPr>
+          <p:cNvPr id="1833595675" name="Tytuł 1"/>
+          <p:cNvSpPr>
+            <a:spLocks noGrp="1"/>
+          </p:cNvSpPr>
+          <p:nvPr>
+            <p:ph type="title"/>
+          </p:nvPr>
+        </p:nvSpPr>
+        <p:spPr bwMode="auto">
+          <a:xfrm flipH="0" flipV="0">
+            <a:off x="838199" y="365124"/>
+            <a:ext cx="9839345" cy="1325562"/>
+          </a:xfrm>
+        </p:spPr>
+        <p:txBody>
+          <a:bodyPr/>
+          <a:lstStyle/>
+          <a:p>
+            <a:pPr>
+              <a:defRPr/>
+            </a:pPr>
+            <a:r>
+              <a:rPr/>
+              <a:t>Dzielenie</a:t>
+            </a:r>
+            <a:endParaRPr/>
+          </a:p>
+        </p:txBody>
+      </p:sp>
+      <p:sp>
+        <p:nvSpPr>
+          <p:cNvPr id="1724212002" name="Symbol zastępczy zawartości 2"/>
+          <p:cNvSpPr>
+            <a:spLocks noGrp="1"/>
+          </p:cNvSpPr>
+          <p:nvPr>
+            <p:ph idx="1"/>
+          </p:nvPr>
+        </p:nvSpPr>
+        <p:spPr bwMode="auto">
+          <a:xfrm flipH="0" flipV="0">
+            <a:off x="838199" y="1753199"/>
+            <a:ext cx="9839345" cy="4562472"/>
+          </a:xfrm>
+        </p:spPr>
+        <p:txBody>
+          <a:bodyPr/>
+          <a:lstStyle/>
+          <a:p>
+            <a:pPr algn="l">
+              <a:defRPr/>
+            </a:pPr>
+            <a:r>
+              <a:rPr lang="pl-PL" sz="2800" b="0" i="0" u="none" strike="noStrike" cap="none" spc="0">
+                <a:solidFill>
+                  <a:schemeClr val="tx1"/>
+                </a:solidFill>
+                <a:latin typeface="Arial"/>
+                <a:ea typeface="Arial"/>
+                <a:cs typeface="Arial"/>
+              </a:rPr>
+              <a:t>Bardzo prosto – znów skorzystamy z faktu, że python domyślnie stosuje </a:t>
+            </a:r>
+            <a:endParaRPr/>
+          </a:p>
+        </p:txBody>
+      </p:sp>
+    </p:spTree>
+  </p:cSld>
+  <p:clrMapOvr>
+    <a:masterClrMapping/>
+  </p:clrMapOvr>
+  <mc:AlternateContent xmlns:mc="http://schemas.openxmlformats.org/markup-compatibility/2006">
+    <mc:Choice xmlns:p159="http://schemas.microsoft.com/office/powerpoint/2015/09/main" xmlns:p14="http://schemas.microsoft.com/office/powerpoint/2010/main" Requires="p159">
+      <p:transition p14:dur="2000" advClick="1"/>
+    </mc:Choice>
+    <mc:Fallback>
+      <p:transition advClick="1"/>
+    </mc:Fallback>
+  </mc:AlternateContent>
+</p:sld>
+</file>
+
+<file path=ppt/slides/slide3.xml><?xml version="1.0" encoding="utf-8"?>
+<p:sld xmlns:a="http://schemas.openxmlformats.org/drawingml/2006/main" xmlns:r="http://schemas.openxmlformats.org/officeDocument/2006/relationships" xmlns:p="http://schemas.openxmlformats.org/presentationml/2006/main" xmlns:m="http://schemas.openxmlformats.org/officeDocument/2006/math" xmlns:w="http://schemas.openxmlformats.org/wordprocessingml/2006/main" showMasterPhAnim="0" show="1">
+  <p:cSld name="">
+    <p:bg>
+      <p:bgPr shadeToTitle="0">
+        <a:blipFill>
+          <a:blip r:embed="rId3">
+            <a:alphaModFix amt="23000"/>
+          </a:blip>
+          <a:stretch/>
+        </a:blipFill>
+      </p:bgPr>
+    </p:bg>
+    <p:spTree>
+      <p:nvGrpSpPr>
+        <p:cNvPr id="1" name=""/>
+        <p:cNvGrpSpPr/>
+        <p:nvPr/>
+      </p:nvGrpSpPr>
+      <p:grpSpPr bwMode="auto">
+        <a:xfrm>
+          <a:off x="0" y="0"/>
+          <a:ext cx="0" cy="0"/>
+          <a:chOff x="0" y="0"/>
+          <a:chExt cx="0" cy="0"/>
+        </a:xfrm>
+      </p:grpSpPr>
+      <p:sp>
+        <p:nvSpPr>
+          <p:cNvPr id="240025619" name="Tytuł 1"/>
+          <p:cNvSpPr>
+            <a:spLocks noGrp="1"/>
+          </p:cNvSpPr>
+          <p:nvPr>
+            <p:ph type="title"/>
+          </p:nvPr>
+        </p:nvSpPr>
+        <p:spPr bwMode="auto"/>
+        <p:txBody>
+          <a:bodyPr/>
+          <a:lstStyle/>
+          <a:p>
+            <a:pPr>
+              <a:defRPr/>
+            </a:pPr>
+            <a:r>
+              <a:rPr/>
+              <a:t>O co chodzi w poleceniu? - Pseudokod</a:t>
+            </a:r>
+            <a:endParaRPr/>
+          </a:p>
+        </p:txBody>
+      </p:sp>
+      <p:sp>
+        <p:nvSpPr>
+          <p:cNvPr id="196008476" name="Symbol zastępczy zawartości 2"/>
+          <p:cNvSpPr>
+            <a:spLocks noGrp="1"/>
+          </p:cNvSpPr>
+          <p:nvPr>
+            <p:ph idx="1"/>
+          </p:nvPr>
+        </p:nvSpPr>
+        <p:spPr bwMode="auto">
+          <a:xfrm flipH="0" flipV="0">
+            <a:off x="657524" y="1614487"/>
+            <a:ext cx="10696275" cy="4562474"/>
+          </a:xfrm>
+        </p:spPr>
+        <p:txBody>
+          <a:bodyPr vertOverflow="overflow" horzOverflow="overflow" vert="horz" wrap="square" lIns="91440" tIns="45720" rIns="91440" bIns="45720" numCol="1" spcCol="0" rtlCol="0" fromWordArt="0" anchor="t" anchorCtr="0" forceAA="0" upright="0" compatLnSpc="0">
+            <a:normAutofit fontScale="95000" lnSpcReduction="1000"/>
+          </a:bodyPr>
+          <a:lstStyle/>
+          <a:p>
+            <a:pPr>
+              <a:defRPr/>
+            </a:pPr>
+            <a:endParaRPr/>
+          </a:p>
+          <a:p>
+            <a:pPr>
+              <a:defRPr/>
+            </a:pPr>
+            <a:r>
+              <a:rPr/>
+              <a:t>Pseudokod z założenia jest prostszy i bardziej zwięzły od większości prawdziwych języków</a:t>
+            </a:r>
+            <a:endParaRPr/>
+          </a:p>
+          <a:p>
+            <a:pPr>
+              <a:defRPr/>
+            </a:pPr>
+            <a:r>
+              <a:rPr/>
+              <a:t>Kartka papieru nie sprawdzi błędów</a:t>
+            </a:r>
+            <a:endParaRPr/>
+          </a:p>
+          <a:p>
+            <a:pPr>
+              <a:defRPr/>
+            </a:pPr>
+            <a:r>
+              <a:rPr/>
+              <a:t>My jednak posługujemy się Pythonem, którego składnia jest na tyle łatwa, że pseudokod nie jest konieczny</a:t>
+            </a:r>
+            <a:endParaRPr/>
+          </a:p>
+          <a:p>
+            <a:pPr>
+              <a:defRPr/>
+            </a:pPr>
+            <a:r>
+              <a:rPr/>
+              <a:t>Ponadto nie narażamy się na złą interpretację</a:t>
+            </a:r>
+            <a:endParaRPr/>
+          </a:p>
+          <a:p>
+            <a:pPr>
+              <a:defRPr/>
+            </a:pPr>
+            <a:r>
+              <a:rPr/>
+              <a:t>Należy bardzo uważać na wcięcia – komputer tego za nas nie dopilnuje (warto używać kratek)</a:t>
+            </a:r>
+            <a:endParaRPr/>
+          </a:p>
+          <a:p>
+            <a:pPr>
+              <a:defRPr/>
+            </a:pPr>
+            <a:r>
+              <a:rPr/>
+              <a:t>Warto zaznaczyć, że piszecie w Pythonie</a:t>
+            </a:r>
+            <a:endParaRPr/>
+          </a:p>
+        </p:txBody>
+      </p:sp>
+      <p:pic>
+        <p:nvPicPr>
+          <p:cNvPr id="381568636" name=""/>
+          <p:cNvPicPr>
+            <a:picLocks noChangeAspect="1"/>
+          </p:cNvPicPr>
+          <p:nvPr/>
+        </p:nvPicPr>
+        <p:blipFill>
+          <a:blip r:embed="rId4"/>
+          <a:stretch/>
+        </p:blipFill>
+        <p:spPr bwMode="auto">
+          <a:xfrm flipH="0" flipV="0">
+            <a:off x="3236649" y="1690687"/>
+            <a:ext cx="6492646" cy="325282"/>
+          </a:xfrm>
+          <a:prstGeom prst="rect">
+            <a:avLst/>
+          </a:prstGeom>
+        </p:spPr>
+      </p:pic>
+    </p:spTree>
+  </p:cSld>
+  <p:clrMapOvr>
+    <a:masterClrMapping/>
+  </p:clrMapOvr>
+  <mc:AlternateContent xmlns:mc="http://schemas.openxmlformats.org/markup-compatibility/2006">
+    <mc:Choice xmlns:p159="http://schemas.microsoft.com/office/powerpoint/2015/09/main" xmlns:p14="http://schemas.microsoft.com/office/powerpoint/2010/main" Requires="p159">
+      <p:transition p14:dur="2000" advClick="1"/>
+    </mc:Choice>
+    <mc:Fallback>
+      <p:transition advClick="1"/>
+    </mc:Fallback>
+  </mc:AlternateContent>
+</p:sld>
+</file>
+
+<file path=ppt/slides/slide4.xml><?xml version="1.0" encoding="utf-8"?>
+<p:sld xmlns:a="http://schemas.openxmlformats.org/drawingml/2006/main" xmlns:r="http://schemas.openxmlformats.org/officeDocument/2006/relationships" xmlns:p="http://schemas.openxmlformats.org/presentationml/2006/main" xmlns:m="http://schemas.openxmlformats.org/officeDocument/2006/math" xmlns:w="http://schemas.openxmlformats.org/wordprocessingml/2006/main" showMasterPhAnim="0" show="1">
+  <p:cSld name="">
+    <p:bg>
+      <p:bgPr shadeToTitle="0">
+        <a:blipFill>
+          <a:blip r:embed="rId3">
+            <a:alphaModFix amt="23000"/>
+          </a:blip>
+          <a:stretch/>
+        </a:blipFill>
+      </p:bgPr>
+    </p:bg>
+    <p:spTree>
+      <p:nvGrpSpPr>
+        <p:cNvPr id="1" name=""/>
+        <p:cNvGrpSpPr/>
+        <p:nvPr/>
+      </p:nvGrpSpPr>
+      <p:grpSpPr bwMode="auto">
+        <a:xfrm>
+          <a:off x="0" y="0"/>
+          <a:ext cx="0" cy="0"/>
+          <a:chOff x="0" y="0"/>
+          <a:chExt cx="0" cy="0"/>
+        </a:xfrm>
+      </p:grpSpPr>
+      <p:sp>
+        <p:nvSpPr>
+          <p:cNvPr id="441707161" name="Tytuł 1"/>
+          <p:cNvSpPr>
+            <a:spLocks noGrp="1"/>
+          </p:cNvSpPr>
+          <p:nvPr>
+            <p:ph type="title"/>
+          </p:nvPr>
+        </p:nvSpPr>
+        <p:spPr bwMode="auto"/>
+        <p:txBody>
+          <a:bodyPr/>
+          <a:lstStyle/>
+          <a:p>
+            <a:pPr>
+              <a:defRPr/>
+            </a:pPr>
+            <a:r>
+              <a:rPr lang="pl-PL" sz="4400" b="0" i="0" u="none" strike="noStrike" cap="none" spc="0">
+                <a:solidFill>
+                  <a:schemeClr val="tx1"/>
+                </a:solidFill>
+                <a:latin typeface="+mj-lt"/>
+                <a:ea typeface="+mj-ea"/>
+                <a:cs typeface="+mj-cs"/>
+              </a:rPr>
+              <a:t>O co chodzi w poleceniu? - Ograniczenia</a:t>
+            </a:r>
+            <a:endParaRPr/>
+          </a:p>
+        </p:txBody>
+      </p:sp>
+      <p:sp>
+        <p:nvSpPr>
+          <p:cNvPr id="620876401" name="Symbol zastępczy zawartości 2"/>
+          <p:cNvSpPr>
+            <a:spLocks noGrp="1"/>
+          </p:cNvSpPr>
+          <p:nvPr>
+            <p:ph idx="1"/>
+          </p:nvPr>
+        </p:nvSpPr>
+        <p:spPr bwMode="auto">
+          <a:xfrm flipH="0" flipV="0">
+            <a:off x="657523" y="1614486"/>
+            <a:ext cx="10696275" cy="4562473"/>
+          </a:xfrm>
+        </p:spPr>
+        <p:txBody>
+          <a:bodyPr vertOverflow="overflow" horzOverflow="overflow" vert="horz" wrap="square" lIns="91440" tIns="45720" rIns="91440" bIns="45720" numCol="1" spcCol="0" rtlCol="0" fromWordArt="0" anchor="t" anchorCtr="0" forceAA="0" upright="0" compatLnSpc="0">
+            <a:normAutofit fontScale="70000" lnSpcReduction="6000"/>
+          </a:bodyPr>
+          <a:lstStyle/>
+          <a:p>
+            <a:pPr>
+              <a:defRPr/>
+            </a:pPr>
+            <a:endParaRPr/>
+          </a:p>
+          <a:p>
+            <a:pPr>
+              <a:defRPr/>
+            </a:pPr>
+            <a:endParaRPr/>
+          </a:p>
+          <a:p>
+            <a:pPr>
+              <a:defRPr/>
+            </a:pPr>
+            <a:endParaRPr/>
+          </a:p>
+          <a:p>
+            <a:pPr>
+              <a:defRPr/>
+            </a:pPr>
+            <a:endParaRPr/>
+          </a:p>
+          <a:p>
+            <a:pPr>
+              <a:defRPr/>
+            </a:pPr>
+            <a:r>
+              <a:rPr/>
+              <a:t>To zadanie ma na celu sprawdzić zdolność tworzenia algorytmu</a:t>
+            </a:r>
+            <a:endParaRPr/>
+          </a:p>
+          <a:p>
+            <a:pPr>
+              <a:defRPr/>
+            </a:pPr>
+            <a:r>
+              <a:rPr/>
+              <a:t>Korzystamy zatem z podstawowych operacji:</a:t>
+            </a:r>
+            <a:endParaRPr/>
+          </a:p>
+          <a:p>
+            <a:pPr lvl="1">
+              <a:defRPr/>
+            </a:pPr>
+            <a:r>
+              <a:rPr/>
+              <a:t>Przypisanie: </a:t>
+            </a:r>
+            <a:r>
+              <a:rPr>
+                <a:latin typeface="Courier New"/>
+                <a:ea typeface="Courier New"/>
+                <a:cs typeface="Courier New"/>
+              </a:rPr>
+              <a:t>x = 123</a:t>
+            </a:r>
+            <a:endParaRPr/>
+          </a:p>
+          <a:p>
+            <a:pPr lvl="1">
+              <a:defRPr/>
+            </a:pPr>
+            <a:r>
+              <a:rPr/>
+              <a:t>Operatory arytmetyczne: </a:t>
+            </a:r>
+            <a:r>
+              <a:rPr>
+                <a:latin typeface="Courier New"/>
+                <a:ea typeface="Courier New"/>
+                <a:cs typeface="Courier New"/>
+              </a:rPr>
+              <a:t>+  -  *  /  //  %</a:t>
+            </a:r>
+            <a:endParaRPr/>
+          </a:p>
+          <a:p>
+            <a:pPr lvl="1">
+              <a:defRPr/>
+            </a:pPr>
+            <a:r>
+              <a:rPr/>
+              <a:t>Operatory logiczne: </a:t>
+            </a:r>
+            <a:r>
+              <a:rPr>
+                <a:latin typeface="Courier New"/>
+                <a:ea typeface="Courier New"/>
+                <a:cs typeface="Courier New"/>
+              </a:rPr>
+              <a:t>and  or  not</a:t>
+            </a:r>
+            <a:endParaRPr/>
+          </a:p>
+          <a:p>
+            <a:pPr lvl="1">
+              <a:defRPr/>
+            </a:pPr>
+            <a:r>
+              <a:rPr/>
+              <a:t>Porównania:  </a:t>
+            </a:r>
+            <a:r>
+              <a:rPr>
+                <a:latin typeface="Courier New"/>
+                <a:ea typeface="Courier New"/>
+                <a:cs typeface="Courier New"/>
+              </a:rPr>
+              <a:t>&gt;  &lt;  &gt;=  &lt;=  ==  !=</a:t>
+            </a:r>
+            <a:endParaRPr/>
+          </a:p>
+          <a:p>
+            <a:pPr lvl="1">
+              <a:defRPr/>
+            </a:pPr>
+            <a:r>
+              <a:rPr/>
+              <a:t>Instrukcje sterujące: </a:t>
+            </a:r>
+            <a:r>
+              <a:rPr>
+                <a:latin typeface="Courier New"/>
+                <a:ea typeface="Courier New"/>
+                <a:cs typeface="Courier New"/>
+              </a:rPr>
+              <a:t>for  while  if  else  elif</a:t>
+            </a:r>
+            <a:r>
+              <a:rPr/>
+              <a:t>  </a:t>
+            </a:r>
+            <a:endParaRPr/>
+          </a:p>
+          <a:p>
+            <a:pPr>
+              <a:defRPr/>
+            </a:pPr>
+            <a:r>
+              <a:rPr/>
+              <a:t>Nie wolno używać niczego więcej</a:t>
+            </a:r>
+            <a:endParaRPr/>
+          </a:p>
+          <a:p>
+            <a:pPr>
+              <a:defRPr/>
+            </a:pPr>
+            <a:r>
+              <a:rPr/>
+              <a:t>Lepiej też nie używać ‘pythonicznych’ sztuczek (jak pętla wewnątrz tablicy)</a:t>
+            </a:r>
+            <a:endParaRPr/>
+          </a:p>
+        </p:txBody>
+      </p:sp>
+      <p:pic>
+        <p:nvPicPr>
+          <p:cNvPr id="370189859" name=""/>
+          <p:cNvPicPr>
+            <a:picLocks noChangeAspect="1"/>
+          </p:cNvPicPr>
+          <p:nvPr/>
+        </p:nvPicPr>
+        <p:blipFill>
+          <a:blip r:embed="rId4"/>
+          <a:stretch/>
+        </p:blipFill>
+        <p:spPr bwMode="auto">
+          <a:xfrm flipH="0" flipV="0">
+            <a:off x="2699424" y="1307345"/>
+            <a:ext cx="6793151" cy="1543477"/>
+          </a:xfrm>
+          <a:prstGeom prst="rect">
+            <a:avLst/>
+          </a:prstGeom>
+        </p:spPr>
+      </p:pic>
+    </p:spTree>
+  </p:cSld>
+  <p:clrMapOvr>
+    <a:masterClrMapping/>
+  </p:clrMapOvr>
+  <mc:AlternateContent xmlns:mc="http://schemas.openxmlformats.org/markup-compatibility/2006">
+    <mc:Choice xmlns:p159="http://schemas.microsoft.com/office/powerpoint/2015/09/main" xmlns:p14="http://schemas.microsoft.com/office/powerpoint/2010/main" Requires="p159">
+      <p:transition p14:dur="2000" advClick="1"/>
+    </mc:Choice>
+    <mc:Fallback>
+      <p:transition advClick="1"/>
+    </mc:Fallback>
+  </mc:AlternateContent>
+</p:sld>
+</file>
+
+<file path=ppt/slides/slide5.xml><?xml version="1.0" encoding="utf-8"?>
+<p:sld xmlns:a="http://schemas.openxmlformats.org/drawingml/2006/main" xmlns:r="http://schemas.openxmlformats.org/officeDocument/2006/relationships" xmlns:p="http://schemas.openxmlformats.org/presentationml/2006/main" xmlns:m="http://schemas.openxmlformats.org/officeDocument/2006/math" xmlns:w="http://schemas.openxmlformats.org/wordprocessingml/2006/main" showMasterPhAnim="0" show="1">
+  <p:cSld name="">
+    <p:bg>
+      <p:bgPr shadeToTitle="0">
+        <a:blipFill>
+          <a:blip r:embed="rId3">
+            <a:alphaModFix amt="23000"/>
+          </a:blip>
+          <a:stretch/>
+        </a:blipFill>
+      </p:bgPr>
+    </p:bg>
+    <p:spTree>
+      <p:nvGrpSpPr>
+        <p:cNvPr id="1" name=""/>
+        <p:cNvGrpSpPr/>
+        <p:nvPr/>
+      </p:nvGrpSpPr>
+      <p:grpSpPr bwMode="auto">
+        <a:xfrm>
+          <a:off x="0" y="0"/>
+          <a:ext cx="0" cy="0"/>
+          <a:chOff x="0" y="0"/>
+          <a:chExt cx="0" cy="0"/>
+        </a:xfrm>
+      </p:grpSpPr>
+      <p:sp>
+        <p:nvSpPr>
+          <p:cNvPr id="372707383" name="Tytuł 1"/>
+          <p:cNvSpPr>
+            <a:spLocks noGrp="1"/>
+          </p:cNvSpPr>
+          <p:nvPr>
+            <p:ph type="title"/>
+          </p:nvPr>
+        </p:nvSpPr>
+        <p:spPr bwMode="auto"/>
+        <p:txBody>
+          <a:bodyPr/>
+          <a:lstStyle/>
+          <a:p>
+            <a:pPr>
+              <a:defRPr/>
+            </a:pPr>
+            <a:r>
+              <a:rPr/>
+              <a:t>System binarny - przypomnienie</a:t>
+            </a:r>
+            <a:endParaRPr/>
+          </a:p>
+        </p:txBody>
+      </p:sp>
+      <p:sp>
+        <p:nvSpPr>
+          <p:cNvPr id="2023592611" name="Symbol zastępczy zawartości 2"/>
+          <p:cNvSpPr>
+            <a:spLocks noGrp="1"/>
+          </p:cNvSpPr>
+          <p:nvPr>
+            <p:ph idx="1"/>
+          </p:nvPr>
+        </p:nvSpPr>
+        <p:spPr bwMode="auto">
+          <a:xfrm flipH="0" flipV="0">
+            <a:off x="657523" y="1614486"/>
+            <a:ext cx="10696275" cy="4562473"/>
+          </a:xfrm>
+        </p:spPr>
+        <p:txBody>
+          <a:bodyPr/>
+          <a:lstStyle/>
+          <a:p>
+            <a:pPr>
+              <a:defRPr/>
+            </a:pPr>
+            <a:r>
+              <a:rPr sz="2400"/>
+              <a:t>System dziesiętny i binarny są do siebie zaskakująco podobne</a:t>
+            </a:r>
+            <a:endParaRPr sz="2400"/>
+          </a:p>
+          <a:p>
+            <a:pPr>
+              <a:defRPr/>
+            </a:pPr>
+            <a:r>
+              <a:rPr sz="2400"/>
+              <a:t>Oba są systemami pozycyjnymi – to znaczy, że każdej </a:t>
+            </a:r>
+            <a:r>
+              <a:rPr sz="2400" b="1"/>
+              <a:t>pozycji </a:t>
+            </a:r>
+            <a:r>
+              <a:rPr sz="2400"/>
+              <a:t>w liczbie </a:t>
+            </a:r>
+            <a:r>
+              <a:rPr sz="2400" b="1"/>
+              <a:t>odpowiada </a:t>
+            </a:r>
+            <a:r>
+              <a:rPr sz="2400"/>
+              <a:t>pewna </a:t>
+            </a:r>
+            <a:r>
+              <a:rPr sz="2400" b="1"/>
+              <a:t>wartość </a:t>
+            </a:r>
+            <a:r>
+              <a:rPr sz="2400" b="0"/>
+              <a:t>(wartości to kolejne potęgi podstawy systemu)</a:t>
+            </a:r>
+            <a:endParaRPr sz="2400" b="0"/>
+          </a:p>
+          <a:p>
+            <a:pPr>
+              <a:defRPr/>
+            </a:pPr>
+            <a:r>
+              <a:rPr sz="2400" b="1"/>
+              <a:t>Cyfra </a:t>
+            </a:r>
+            <a:r>
+              <a:rPr sz="2400"/>
+              <a:t>na tej pozycji mówi </a:t>
+            </a:r>
+            <a:r>
+              <a:rPr sz="2400" b="1"/>
+              <a:t>ile </a:t>
+            </a:r>
+            <a:r>
+              <a:rPr sz="2400" b="1"/>
+              <a:t>razy </a:t>
+            </a:r>
+            <a:r>
+              <a:rPr sz="2400"/>
+              <a:t>dodajemy do liczby daną wartość</a:t>
+            </a:r>
+            <a:endParaRPr sz="2400"/>
+          </a:p>
+          <a:p>
+            <a:pPr>
+              <a:defRPr/>
+            </a:pPr>
+            <a:r>
+              <a:rPr sz="2400"/>
+              <a:t>Przykład:</a:t>
+            </a:r>
+            <a:endParaRPr sz="2600"/>
+          </a:p>
+          <a:p>
+            <a:pPr>
+              <a:defRPr/>
+            </a:pPr>
+            <a:endParaRPr/>
+          </a:p>
+        </p:txBody>
+      </p:sp>
+      <p:sp>
+        <p:nvSpPr>
+          <p:cNvPr id="941500759" name=""/>
+          <p:cNvSpPr txBox="1"/>
+          <p:nvPr/>
+        </p:nvSpPr>
+        <p:spPr bwMode="auto">
+          <a:xfrm flipH="0" flipV="0">
+            <a:off x="1822718" y="3948713"/>
+            <a:ext cx="8089443" cy="1615799"/>
+          </a:xfrm>
+          <a:prstGeom prst="rect">
+            <a:avLst/>
+          </a:prstGeom>
+          <a:noFill/>
+        </p:spPr>
+        <p:txBody>
+          <a:bodyPr vertOverflow="overflow" horzOverflow="overflow" vert="horz" wrap="square" lIns="91440" tIns="45720" rIns="91440" bIns="45720" numCol="1" spcCol="0" rtlCol="0" fromWordArt="0" anchor="t" anchorCtr="0" forceAA="0" upright="0" compatLnSpc="0">
+            <a:spAutoFit/>
+          </a:bodyPr>
+          <a:p>
+            <a:pPr algn="ctr">
+              <a:defRPr/>
+            </a:pPr>
+            <a:r>
+              <a:rPr sz="10000"/>
+              <a:t>2137</a:t>
+            </a:r>
+            <a:endParaRPr sz="2200"/>
+          </a:p>
+        </p:txBody>
+      </p:sp>
+      <p:sp>
+        <p:nvSpPr>
+          <p:cNvPr id="2056253664" name=""/>
+          <p:cNvSpPr txBox="1"/>
+          <p:nvPr/>
+        </p:nvSpPr>
+        <p:spPr bwMode="auto">
+          <a:xfrm flipH="0" flipV="0">
+            <a:off x="1822718" y="3895723"/>
+            <a:ext cx="1267544" cy="366119"/>
+          </a:xfrm>
+          <a:prstGeom prst="rect">
+            <a:avLst/>
+          </a:prstGeom>
+          <a:noFill/>
+        </p:spPr>
+        <p:txBody>
+          <a:bodyPr vertOverflow="overflow" horzOverflow="overflow" vert="horz" wrap="square" lIns="91440" tIns="45720" rIns="91440" bIns="45720" numCol="1" spcCol="0" rtlCol="0" fromWordArt="0" anchor="t" anchorCtr="0" forceAA="0" upright="0" compatLnSpc="0">
+            <a:spAutoFit/>
+          </a:bodyPr>
+          <a:p>
+            <a:pPr>
+              <a:defRPr/>
+            </a:pPr>
+            <a:r>
+              <a:rPr/>
+              <a:t>Wartości:</a:t>
+            </a:r>
+            <a:endParaRPr/>
+          </a:p>
+        </p:txBody>
+      </p:sp>
+      <p:sp>
+        <p:nvSpPr>
+          <p:cNvPr id="1380392210" name=""/>
+          <p:cNvSpPr txBox="1"/>
+          <p:nvPr/>
+        </p:nvSpPr>
+        <p:spPr bwMode="auto">
+          <a:xfrm flipH="0" flipV="0">
+            <a:off x="6658949" y="3743323"/>
+            <a:ext cx="523350" cy="518519"/>
+          </a:xfrm>
+          <a:prstGeom prst="rect">
+            <a:avLst/>
+          </a:prstGeom>
+          <a:noFill/>
+        </p:spPr>
+        <p:txBody>
+          <a:bodyPr vertOverflow="overflow" horzOverflow="overflow" vert="horz" wrap="square" lIns="91440" tIns="45720" rIns="91440" bIns="45720" numCol="1" spcCol="0" rtlCol="0" fromWordArt="0" anchor="t" anchorCtr="0" forceAA="0" upright="0" compatLnSpc="0">
+            <a:spAutoFit/>
+          </a:bodyPr>
+          <a:p>
+            <a:pPr algn="ctr">
+              <a:defRPr/>
+            </a:pPr>
+            <a:r>
+              <a:rPr sz="1400"/>
+              <a:t>1</a:t>
+            </a:r>
+            <a:br>
+              <a:rPr sz="1400"/>
+            </a:br>
+            <a:r>
+              <a:rPr sz="1400"/>
+              <a:t>10</a:t>
+            </a:r>
+            <a:r>
+              <a:rPr sz="1400" baseline="30000"/>
+              <a:t>0</a:t>
+            </a:r>
+            <a:endParaRPr baseline="30000"/>
+          </a:p>
+        </p:txBody>
+      </p:sp>
+      <p:sp>
+        <p:nvSpPr>
+          <p:cNvPr id="1286359678" name=""/>
+          <p:cNvSpPr txBox="1"/>
+          <p:nvPr/>
+        </p:nvSpPr>
+        <p:spPr bwMode="auto">
+          <a:xfrm flipH="0" flipV="0">
+            <a:off x="5249250" y="3743323"/>
+            <a:ext cx="572580" cy="518519"/>
+          </a:xfrm>
+          <a:prstGeom prst="rect">
+            <a:avLst/>
+          </a:prstGeom>
+          <a:noFill/>
+        </p:spPr>
+        <p:txBody>
+          <a:bodyPr vertOverflow="overflow" horzOverflow="overflow" vert="horz" wrap="square" lIns="91440" tIns="45720" rIns="91440" bIns="45720" numCol="1" spcCol="0" rtlCol="0" fromWordArt="0" anchor="t" anchorCtr="0" forceAA="0" upright="0" compatLnSpc="0">
+            <a:spAutoFit/>
+          </a:bodyPr>
+          <a:p>
+            <a:pPr algn="ctr">
+              <a:defRPr/>
+            </a:pPr>
+            <a:r>
+              <a:rPr sz="1400"/>
+              <a:t>100</a:t>
+            </a:r>
+            <a:endParaRPr sz="1400"/>
+          </a:p>
+          <a:p>
+            <a:pPr algn="ctr">
+              <a:defRPr/>
+            </a:pPr>
+            <a:r>
+              <a:rPr sz="1400"/>
+              <a:t>10</a:t>
+            </a:r>
+            <a:r>
+              <a:rPr sz="1400" baseline="30000"/>
+              <a:t>2</a:t>
+            </a:r>
+            <a:endParaRPr baseline="30000"/>
+          </a:p>
+        </p:txBody>
+      </p:sp>
+      <p:sp>
+        <p:nvSpPr>
+          <p:cNvPr id="479143330" name=""/>
+          <p:cNvSpPr txBox="1"/>
+          <p:nvPr/>
+        </p:nvSpPr>
+        <p:spPr bwMode="auto">
+          <a:xfrm flipH="0" flipV="0">
+            <a:off x="4503336" y="3743323"/>
+            <a:ext cx="625964" cy="518519"/>
+          </a:xfrm>
+          <a:prstGeom prst="rect">
+            <a:avLst/>
+          </a:prstGeom>
+          <a:noFill/>
+        </p:spPr>
+        <p:txBody>
+          <a:bodyPr vertOverflow="overflow" horzOverflow="overflow" vert="horz" wrap="square" lIns="91440" tIns="45720" rIns="91440" bIns="45720" numCol="1" spcCol="0" rtlCol="0" fromWordArt="0" anchor="t" anchorCtr="0" forceAA="0" upright="0" compatLnSpc="0">
+            <a:spAutoFit/>
+          </a:bodyPr>
+          <a:p>
+            <a:pPr algn="ctr">
+              <a:defRPr/>
+            </a:pPr>
+            <a:r>
+              <a:rPr sz="1400"/>
+              <a:t>1000</a:t>
+            </a:r>
+            <a:endParaRPr sz="1400"/>
+          </a:p>
+          <a:p>
+            <a:pPr algn="ctr">
+              <a:defRPr/>
+            </a:pPr>
+            <a:r>
+              <a:rPr sz="1400"/>
+              <a:t>10</a:t>
+            </a:r>
+            <a:r>
+              <a:rPr sz="1400" baseline="30000"/>
+              <a:t>3</a:t>
+            </a:r>
+            <a:endParaRPr baseline="30000"/>
+          </a:p>
+        </p:txBody>
+      </p:sp>
+      <p:sp>
+        <p:nvSpPr>
+          <p:cNvPr id="909746673" name=""/>
+          <p:cNvSpPr txBox="1"/>
+          <p:nvPr/>
+        </p:nvSpPr>
+        <p:spPr bwMode="auto">
+          <a:xfrm flipH="0" flipV="0">
+            <a:off x="5924761" y="3743323"/>
+            <a:ext cx="574068" cy="518519"/>
+          </a:xfrm>
+          <a:prstGeom prst="rect">
+            <a:avLst/>
+          </a:prstGeom>
+          <a:noFill/>
+        </p:spPr>
+        <p:txBody>
+          <a:bodyPr vertOverflow="overflow" horzOverflow="overflow" vert="horz" wrap="square" lIns="91440" tIns="45720" rIns="91440" bIns="45720" numCol="1" spcCol="0" rtlCol="0" fromWordArt="0" anchor="t" anchorCtr="0" forceAA="0" upright="0" compatLnSpc="0">
+            <a:spAutoFit/>
+          </a:bodyPr>
+          <a:p>
+            <a:pPr algn="ctr">
+              <a:defRPr/>
+            </a:pPr>
+            <a:r>
+              <a:rPr sz="1400"/>
+              <a:t>1</a:t>
+            </a:r>
+            <a:r>
+              <a:rPr sz="1400"/>
+              <a:t>0</a:t>
+            </a:r>
+            <a:br>
+              <a:rPr sz="1400"/>
+            </a:br>
+            <a:r>
+              <a:rPr sz="1400"/>
+              <a:t>10</a:t>
+            </a:r>
+            <a:r>
+              <a:rPr sz="1400" baseline="30000"/>
+              <a:t>1</a:t>
+            </a:r>
+            <a:endParaRPr sz="1200" baseline="30000"/>
+          </a:p>
+        </p:txBody>
+      </p:sp>
+      <p:sp>
+        <p:nvSpPr>
+          <p:cNvPr id="584735412" name=""/>
+          <p:cNvSpPr txBox="1"/>
+          <p:nvPr/>
+        </p:nvSpPr>
+        <p:spPr bwMode="auto">
+          <a:xfrm flipH="0" flipV="0">
+            <a:off x="6580424" y="5377642"/>
+            <a:ext cx="601875" cy="488039"/>
+          </a:xfrm>
+          <a:prstGeom prst="rect">
+            <a:avLst/>
+          </a:prstGeom>
+          <a:noFill/>
+        </p:spPr>
+        <p:txBody>
+          <a:bodyPr vertOverflow="overflow" horzOverflow="overflow" vert="horz" wrap="square" lIns="91440" tIns="45720" rIns="91440" bIns="45720" numCol="1" spcCol="0" rtlCol="0" fromWordArt="0" anchor="t" anchorCtr="0" forceAA="0" upright="0" compatLnSpc="0">
+            <a:spAutoFit/>
+          </a:bodyPr>
+          <a:p>
+            <a:pPr algn="ctr">
+              <a:defRPr/>
+            </a:pPr>
+            <a:r>
+              <a:rPr sz="1400"/>
+              <a:t>7</a:t>
+            </a:r>
+            <a:br>
+              <a:rPr sz="1400"/>
+            </a:br>
+            <mc:AlternateContent xmlns:mc="http://schemas.openxmlformats.org/markup-compatibility/2006" xmlns:m="http://schemas.openxmlformats.org/officeDocument/2006/math">
+              <mc:Choice xmlns:a14="http://schemas.microsoft.com/office/drawing/2010/main" Requires="a14">
+                <a14:m>
+                  <m:oMathPara>
+                    <m:oMathParaPr/>
+                    <m:oMath>
+                      <m:r>
+                        <m:rPr>
+                          <m:sty m:val="p"/>
+                        </m:rPr>
+                        <a:rPr lang="pl-PL" sz="1200" u="none" strike="noStrike" cap="none" spc="0">
+                          <a:solidFill>
+                            <a:schemeClr val="tx1"/>
+                          </a:solidFill>
+                          <a:latin typeface="Cambria Math"/>
+                          <a:ea typeface="Cambria Math"/>
+                          <a:cs typeface="Cambria Math"/>
+                        </a:rPr>
+                        <m:t>1</m:t>
+                      </m:r>
+                      <m:r>
+                        <m:rPr>
+                          <m:sty m:val="p"/>
+                        </m:rPr>
+                        <a:rPr lang="pl-PL" sz="1200" u="none" strike="noStrike" cap="none" spc="0">
+                          <a:solidFill>
+                            <a:schemeClr val="tx1"/>
+                          </a:solidFill>
+                          <a:latin typeface="Cambria Math"/>
+                          <a:ea typeface="Cambria Math"/>
+                          <a:cs typeface="Cambria Math"/>
+                        </a:rPr>
+                        <m:t>×7</m:t>
+                      </m:r>
+                    </m:oMath>
+                  </m:oMathPara>
+                </a14:m>
+              </mc:Choice>
+              <mc:Fallback/>
+            </mc:AlternateContent>
+            <a:endParaRPr/>
+          </a:p>
+        </p:txBody>
+      </p:sp>
+      <p:sp>
+        <p:nvSpPr>
+          <p:cNvPr id="1736187894" name=""/>
+          <p:cNvSpPr txBox="1"/>
+          <p:nvPr/>
+        </p:nvSpPr>
+        <p:spPr bwMode="auto">
+          <a:xfrm flipH="0" flipV="0">
+            <a:off x="5867439" y="5377642"/>
+            <a:ext cx="649433" cy="488039"/>
+          </a:xfrm>
+          <a:prstGeom prst="rect">
+            <a:avLst/>
+          </a:prstGeom>
+          <a:noFill/>
+        </p:spPr>
+        <p:txBody>
+          <a:bodyPr vertOverflow="overflow" horzOverflow="overflow" vert="horz" wrap="square" lIns="91440" tIns="45720" rIns="91440" bIns="45720" numCol="1" spcCol="0" rtlCol="0" fromWordArt="0" anchor="t" anchorCtr="0" forceAA="0" upright="0" compatLnSpc="0">
+            <a:spAutoFit/>
+          </a:bodyPr>
+          <a:p>
+            <a:pPr algn="ctr">
+              <a:defRPr/>
+            </a:pPr>
+            <a:r>
+              <a:rPr sz="1400"/>
+              <a:t>30</a:t>
+            </a:r>
+            <a:br>
+              <a:rPr sz="1400"/>
+            </a:br>
+            <mc:AlternateContent xmlns:mc="http://schemas.openxmlformats.org/markup-compatibility/2006" xmlns:m="http://schemas.openxmlformats.org/officeDocument/2006/math">
+              <mc:Choice xmlns:a14="http://schemas.microsoft.com/office/drawing/2010/main" Requires="a14">
+                <a14:m>
+                  <m:oMathPara>
+                    <m:oMathParaPr/>
+                    <m:oMath>
+                      <m:r>
+                        <m:rPr>
+                          <m:sty m:val="p"/>
+                        </m:rPr>
+                        <a:rPr lang="pl-PL" sz="1200" u="none" strike="noStrike" cap="none" spc="0">
+                          <a:solidFill>
+                            <a:schemeClr val="tx1"/>
+                          </a:solidFill>
+                          <a:latin typeface="Cambria Math"/>
+                          <a:ea typeface="Cambria Math"/>
+                          <a:cs typeface="Cambria Math"/>
+                        </a:rPr>
+                        <m:t>10</m:t>
+                      </m:r>
+                      <m:r>
+                        <m:rPr>
+                          <m:sty m:val="p"/>
+                        </m:rPr>
+                        <a:rPr lang="pl-PL" sz="1200" u="none" strike="noStrike" cap="none" spc="0">
+                          <a:solidFill>
+                            <a:schemeClr val="tx1"/>
+                          </a:solidFill>
+                          <a:latin typeface="Cambria Math"/>
+                          <a:ea typeface="Cambria Math"/>
+                          <a:cs typeface="Cambria Math"/>
+                        </a:rPr>
+                        <m:t>×3</m:t>
+                      </m:r>
+                    </m:oMath>
+                  </m:oMathPara>
+                </a14:m>
+              </mc:Choice>
+              <mc:Fallback/>
+            </mc:AlternateContent>
+            <a:endParaRPr/>
+          </a:p>
+        </p:txBody>
+      </p:sp>
+      <p:sp>
+        <p:nvSpPr>
+          <p:cNvPr id="1570102680" name=""/>
+          <p:cNvSpPr txBox="1"/>
+          <p:nvPr/>
+        </p:nvSpPr>
+        <p:spPr bwMode="auto">
+          <a:xfrm flipH="0" flipV="0">
+            <a:off x="5168172" y="5377642"/>
+            <a:ext cx="734734" cy="488039"/>
+          </a:xfrm>
+          <a:prstGeom prst="rect">
+            <a:avLst/>
+          </a:prstGeom>
+          <a:noFill/>
+        </p:spPr>
+        <p:txBody>
+          <a:bodyPr vertOverflow="overflow" horzOverflow="overflow" vert="horz" wrap="square" lIns="91440" tIns="45720" rIns="91440" bIns="45720" numCol="1" spcCol="0" rtlCol="0" fromWordArt="0" anchor="t" anchorCtr="0" forceAA="0" upright="0" compatLnSpc="0">
+            <a:spAutoFit/>
+          </a:bodyPr>
+          <a:p>
+            <a:pPr algn="ctr">
+              <a:defRPr/>
+            </a:pPr>
+            <a:r>
+              <a:rPr sz="1400"/>
+              <a:t>100</a:t>
+            </a:r>
+            <a:br>
+              <a:rPr sz="1400"/>
+            </a:br>
+            <mc:AlternateContent xmlns:mc="http://schemas.openxmlformats.org/markup-compatibility/2006" xmlns:m="http://schemas.openxmlformats.org/officeDocument/2006/math">
+              <mc:Choice xmlns:a14="http://schemas.microsoft.com/office/drawing/2010/main" Requires="a14">
+                <a14:m>
+                  <m:oMathPara>
+                    <m:oMathParaPr/>
+                    <m:oMath>
+                      <m:r>
+                        <m:rPr>
+                          <m:sty m:val="p"/>
+                        </m:rPr>
+                        <a:rPr lang="pl-PL" sz="1200" u="none" strike="noStrike" cap="none" spc="0">
+                          <a:solidFill>
+                            <a:schemeClr val="tx1"/>
+                          </a:solidFill>
+                          <a:latin typeface="Cambria Math"/>
+                          <a:ea typeface="Cambria Math"/>
+                          <a:cs typeface="Cambria Math"/>
+                        </a:rPr>
+                        <m:t>100</m:t>
+                      </m:r>
+                      <m:r>
+                        <m:rPr>
+                          <m:sty m:val="p"/>
+                        </m:rPr>
+                        <a:rPr lang="pl-PL" sz="1200" u="none" strike="noStrike" cap="none" spc="0">
+                          <a:solidFill>
+                            <a:schemeClr val="tx1"/>
+                          </a:solidFill>
+                          <a:latin typeface="Cambria Math"/>
+                          <a:ea typeface="Cambria Math"/>
+                          <a:cs typeface="Cambria Math"/>
+                        </a:rPr>
+                        <m:t>×1</m:t>
+                      </m:r>
+                    </m:oMath>
+                  </m:oMathPara>
+                </a14:m>
+              </mc:Choice>
+              <mc:Fallback/>
+            </mc:AlternateContent>
+            <a:endParaRPr/>
+          </a:p>
+        </p:txBody>
+      </p:sp>
+      <p:sp>
+        <p:nvSpPr>
+          <p:cNvPr id="335532030" name=""/>
+          <p:cNvSpPr txBox="1"/>
+          <p:nvPr/>
+        </p:nvSpPr>
+        <p:spPr bwMode="auto">
+          <a:xfrm flipH="0" flipV="0">
+            <a:off x="4353899" y="5377642"/>
+            <a:ext cx="832846" cy="488039"/>
+          </a:xfrm>
+          <a:prstGeom prst="rect">
+            <a:avLst/>
+          </a:prstGeom>
+          <a:noFill/>
+        </p:spPr>
+        <p:txBody>
+          <a:bodyPr vertOverflow="overflow" horzOverflow="overflow" vert="horz" wrap="square" lIns="91440" tIns="45720" rIns="91440" bIns="45720" numCol="1" spcCol="0" rtlCol="0" fromWordArt="0" anchor="t" anchorCtr="0" forceAA="0" upright="0" compatLnSpc="0">
+            <a:spAutoFit/>
+          </a:bodyPr>
+          <a:p>
+            <a:pPr algn="ctr">
+              <a:defRPr/>
+            </a:pPr>
+            <a:r>
+              <a:rPr sz="1400"/>
+              <a:t>2000</a:t>
+            </a:r>
+            <a:br>
+              <a:rPr sz="1400"/>
+            </a:br>
+            <mc:AlternateContent xmlns:mc="http://schemas.openxmlformats.org/markup-compatibility/2006" xmlns:m="http://schemas.openxmlformats.org/officeDocument/2006/math">
+              <mc:Choice xmlns:a14="http://schemas.microsoft.com/office/drawing/2010/main" Requires="a14">
+                <a14:m>
+                  <m:oMathPara>
+                    <m:oMathParaPr/>
+                    <m:oMath>
+                      <m:r>
+                        <m:rPr>
+                          <m:sty m:val="p"/>
+                        </m:rPr>
+                        <a:rPr lang="pl-PL" sz="1200" u="none" strike="noStrike" cap="none" spc="0">
+                          <a:solidFill>
+                            <a:schemeClr val="tx1"/>
+                          </a:solidFill>
+                          <a:latin typeface="Cambria Math"/>
+                          <a:ea typeface="Cambria Math"/>
+                          <a:cs typeface="Cambria Math"/>
+                        </a:rPr>
+                        <m:t>10</m:t>
+                      </m:r>
+                      <m:r>
+                        <m:rPr>
+                          <m:sty m:val="p"/>
+                        </m:rPr>
+                        <a:rPr lang="pl-PL" sz="1200" u="none" strike="noStrike" cap="none" spc="0">
+                          <a:solidFill>
+                            <a:schemeClr val="tx1"/>
+                          </a:solidFill>
+                          <a:latin typeface="Cambria Math"/>
+                          <a:ea typeface="Cambria Math"/>
+                          <a:cs typeface="Cambria Math"/>
+                        </a:rPr>
+                        <m:t>00</m:t>
+                      </m:r>
+                      <m:r>
+                        <m:rPr>
+                          <m:sty m:val="p"/>
+                        </m:rPr>
+                        <a:rPr lang="pl-PL" sz="1200" u="none" strike="noStrike" cap="none" spc="0">
+                          <a:solidFill>
+                            <a:schemeClr val="tx1"/>
+                          </a:solidFill>
+                          <a:latin typeface="Cambria Math"/>
+                          <a:ea typeface="Cambria Math"/>
+                          <a:cs typeface="Cambria Math"/>
+                        </a:rPr>
+                        <m:t>×2</m:t>
+                      </m:r>
+                    </m:oMath>
+                  </m:oMathPara>
+                </a14:m>
+              </mc:Choice>
+              <mc:Fallback/>
+            </mc:AlternateContent>
+            <a:endParaRPr/>
+          </a:p>
+        </p:txBody>
+      </p:sp>
+      <p:sp>
+        <p:nvSpPr>
+          <p:cNvPr id="807729377" name=""/>
+          <p:cNvSpPr txBox="1"/>
+          <p:nvPr/>
+        </p:nvSpPr>
+        <p:spPr bwMode="auto">
+          <a:xfrm flipH="0" flipV="0">
+            <a:off x="5052529" y="5381453"/>
+            <a:ext cx="268434" cy="366119"/>
+          </a:xfrm>
+          <a:prstGeom prst="rect">
+            <a:avLst/>
+          </a:prstGeom>
+          <a:noFill/>
+        </p:spPr>
+        <p:txBody>
+          <a:bodyPr vertOverflow="overflow" horzOverflow="overflow" vert="horz" wrap="square" lIns="91440" tIns="45720" rIns="91440" bIns="45720" numCol="1" spcCol="0" rtlCol="0" fromWordArt="0" anchor="t" anchorCtr="0" forceAA="0" upright="0" compatLnSpc="0">
+            <a:spAutoFit/>
+          </a:bodyPr>
+          <a:p>
+            <a:pPr>
+              <a:defRPr/>
+            </a:pPr>
+            <a:r>
+              <a:rPr/>
+              <a:t>+</a:t>
+            </a:r>
+            <a:endParaRPr/>
+          </a:p>
+        </p:txBody>
+      </p:sp>
+      <p:sp>
+        <p:nvSpPr>
+          <p:cNvPr id="1274673492" name=""/>
+          <p:cNvSpPr txBox="1"/>
+          <p:nvPr/>
+        </p:nvSpPr>
+        <p:spPr bwMode="auto">
+          <a:xfrm flipH="0" flipV="0">
+            <a:off x="5736867" y="5381453"/>
+            <a:ext cx="268794" cy="366119"/>
+          </a:xfrm>
+          <a:prstGeom prst="rect">
+            <a:avLst/>
+          </a:prstGeom>
+          <a:noFill/>
+        </p:spPr>
+        <p:txBody>
+          <a:bodyPr vertOverflow="overflow" horzOverflow="overflow" vert="horz" wrap="square" lIns="91440" tIns="45720" rIns="91440" bIns="45720" numCol="1" spcCol="0" rtlCol="0" fromWordArt="0" anchor="t" anchorCtr="0" forceAA="0" upright="0" compatLnSpc="0">
+            <a:spAutoFit/>
+          </a:bodyPr>
+          <a:p>
+            <a:pPr>
+              <a:defRPr/>
+            </a:pPr>
+            <a:r>
+              <a:rPr/>
+              <a:t>+</a:t>
+            </a:r>
+            <a:endParaRPr/>
+          </a:p>
+        </p:txBody>
+      </p:sp>
+      <p:sp>
+        <p:nvSpPr>
+          <p:cNvPr id="1366491660" name=""/>
+          <p:cNvSpPr txBox="1"/>
+          <p:nvPr/>
+        </p:nvSpPr>
+        <p:spPr bwMode="auto">
+          <a:xfrm flipH="0" flipV="0">
+            <a:off x="6446027" y="5381453"/>
+            <a:ext cx="268794" cy="366119"/>
+          </a:xfrm>
+          <a:prstGeom prst="rect">
+            <a:avLst/>
+          </a:prstGeom>
+          <a:noFill/>
+        </p:spPr>
+        <p:txBody>
+          <a:bodyPr vertOverflow="overflow" horzOverflow="overflow" vert="horz" wrap="square" lIns="91440" tIns="45720" rIns="91440" bIns="45720" numCol="1" spcCol="0" rtlCol="0" fromWordArt="0" anchor="t" anchorCtr="0" forceAA="0" upright="0" compatLnSpc="0">
+            <a:spAutoFit/>
+          </a:bodyPr>
+          <a:p>
+            <a:pPr>
+              <a:defRPr/>
+            </a:pPr>
+            <a:r>
+              <a:rPr/>
+              <a:t>+</a:t>
+            </a:r>
+            <a:endParaRPr/>
+          </a:p>
+        </p:txBody>
+      </p:sp>
+    </p:spTree>
+  </p:cSld>
+  <p:clrMapOvr>
+    <a:masterClrMapping/>
+  </p:clrMapOvr>
+  <mc:AlternateContent xmlns:mc="http://schemas.openxmlformats.org/markup-compatibility/2006">
+    <mc:Choice xmlns:p159="http://schemas.microsoft.com/office/powerpoint/2015/09/main" xmlns:p14="http://schemas.microsoft.com/office/powerpoint/2010/main" Requires="p159">
+      <p:transition p14:dur="2000" advClick="1"/>
+    </mc:Choice>
+    <mc:Fallback>
+      <p:transition advClick="1"/>
+    </mc:Fallback>
+  </mc:AlternateContent>
+</p:sld>
+</file>
+
+<file path=ppt/slides/slide6.xml><?xml version="1.0" encoding="utf-8"?>
+<p:sld xmlns:a="http://schemas.openxmlformats.org/drawingml/2006/main" xmlns:r="http://schemas.openxmlformats.org/officeDocument/2006/relationships" xmlns:p="http://schemas.openxmlformats.org/presentationml/2006/main" xmlns:m="http://schemas.openxmlformats.org/officeDocument/2006/math" xmlns:w="http://schemas.openxmlformats.org/wordprocessingml/2006/main" showMasterPhAnim="0" show="1">
+  <p:cSld name="">
+    <p:bg>
+      <p:bgPr shadeToTitle="0">
+        <a:blipFill>
+          <a:blip r:embed="rId3">
+            <a:alphaModFix amt="23000"/>
+          </a:blip>
+          <a:stretch/>
+        </a:blipFill>
+      </p:bgPr>
+    </p:bg>
+    <p:spTree>
+      <p:nvGrpSpPr>
+        <p:cNvPr id="1" name=""/>
+        <p:cNvGrpSpPr/>
+        <p:nvPr/>
+      </p:nvGrpSpPr>
+      <p:grpSpPr bwMode="auto">
+        <a:xfrm>
+          <a:off x="0" y="0"/>
+          <a:ext cx="0" cy="0"/>
+          <a:chOff x="0" y="0"/>
+          <a:chExt cx="0" cy="0"/>
+        </a:xfrm>
+      </p:grpSpPr>
+      <p:sp>
+        <p:nvSpPr>
+          <p:cNvPr id="454727728" name="Tytuł 1"/>
+          <p:cNvSpPr>
+            <a:spLocks noGrp="1"/>
+          </p:cNvSpPr>
+          <p:nvPr>
+            <p:ph type="title"/>
+          </p:nvPr>
+        </p:nvSpPr>
+        <p:spPr bwMode="auto"/>
+        <p:txBody>
+          <a:bodyPr/>
+          <a:lstStyle/>
+          <a:p>
+            <a:pPr>
+              <a:defRPr/>
+            </a:pPr>
+            <a:r>
+              <a:rPr/>
+              <a:t>System binarny - przypomnienie</a:t>
+            </a:r>
+            <a:endParaRPr/>
+          </a:p>
+        </p:txBody>
+      </p:sp>
+      <p:sp>
+        <p:nvSpPr>
+          <p:cNvPr id="1593818242" name="Symbol zastępczy zawartości 2"/>
+          <p:cNvSpPr>
+            <a:spLocks noGrp="1"/>
+          </p:cNvSpPr>
+          <p:nvPr>
+            <p:ph idx="1"/>
+          </p:nvPr>
+        </p:nvSpPr>
+        <p:spPr bwMode="auto">
+          <a:xfrm flipH="0" flipV="0">
+            <a:off x="657523" y="1614486"/>
+            <a:ext cx="10696275" cy="4562473"/>
+          </a:xfrm>
+        </p:spPr>
+        <p:txBody>
+          <a:bodyPr/>
+          <a:lstStyle/>
+          <a:p>
+            <a:pPr>
+              <a:defRPr/>
+            </a:pPr>
+            <a:r>
+              <a:rPr/>
+              <a:t>Analogicznie działa to w systemie binarnym, z tym, że:</a:t>
+            </a:r>
+            <a:endParaRPr/>
+          </a:p>
+          <a:p>
+            <a:pPr lvl="1">
+              <a:defRPr/>
+            </a:pPr>
+            <a:r>
+              <a:rPr/>
+              <a:t>Są tylko dwie cyfry: 0 i 1</a:t>
+            </a:r>
+            <a:endParaRPr/>
+          </a:p>
+          <a:p>
+            <a:pPr lvl="1">
+              <a:defRPr/>
+            </a:pPr>
+            <a:r>
+              <a:rPr/>
+              <a:t>Kolejne pozycje odpowiadają potęgom dwójki (1,2,3,8,16...) zamiast potęgom dziesiątki (1,10,100...)</a:t>
+            </a:r>
+            <a:endParaRPr/>
+          </a:p>
+          <a:p>
+            <a:pPr lvl="0">
+              <a:defRPr/>
+            </a:pPr>
+            <a:r>
+              <a:rPr/>
+              <a:t>Przykład:</a:t>
+            </a:r>
+            <a:endParaRPr/>
+          </a:p>
+          <a:p>
+            <a:pPr lvl="0">
+              <a:defRPr/>
+            </a:pPr>
+            <a:endParaRPr/>
+          </a:p>
+        </p:txBody>
+      </p:sp>
+      <p:sp>
+        <p:nvSpPr>
+          <p:cNvPr id="560057169" name=""/>
+          <p:cNvSpPr txBox="1"/>
+          <p:nvPr/>
+        </p:nvSpPr>
+        <p:spPr bwMode="auto">
+          <a:xfrm flipH="0" flipV="0">
+            <a:off x="1775848" y="3948712"/>
+            <a:ext cx="8095562" cy="1615799"/>
+          </a:xfrm>
+          <a:prstGeom prst="rect">
+            <a:avLst/>
+          </a:prstGeom>
+          <a:noFill/>
+        </p:spPr>
+        <p:txBody>
+          <a:bodyPr vertOverflow="overflow" horzOverflow="overflow" vert="horz" wrap="square" lIns="91440" tIns="45720" rIns="91440" bIns="45720" numCol="1" spcCol="0" rtlCol="0" fromWordArt="0" anchor="t" anchorCtr="0" forceAA="0" upright="0" compatLnSpc="0">
+            <a:spAutoFit/>
+          </a:bodyPr>
+          <a:p>
+            <a:pPr algn="ctr">
+              <a:defRPr/>
+            </a:pPr>
+            <a:r>
+              <a:rPr sz="10000"/>
+              <a:t>1101</a:t>
+            </a:r>
+            <a:endParaRPr sz="2200"/>
+          </a:p>
+        </p:txBody>
+      </p:sp>
+      <p:sp>
+        <p:nvSpPr>
+          <p:cNvPr id="2058105413" name=""/>
+          <p:cNvSpPr txBox="1"/>
+          <p:nvPr/>
+        </p:nvSpPr>
+        <p:spPr bwMode="auto">
+          <a:xfrm flipH="0" flipV="0">
+            <a:off x="6658948" y="3743322"/>
+            <a:ext cx="526229" cy="518519"/>
+          </a:xfrm>
+          <a:prstGeom prst="rect">
+            <a:avLst/>
+          </a:prstGeom>
+          <a:noFill/>
+        </p:spPr>
+        <p:txBody>
+          <a:bodyPr vertOverflow="overflow" horzOverflow="overflow" vert="horz" wrap="square" lIns="91440" tIns="45720" rIns="91440" bIns="45720" numCol="1" spcCol="0" rtlCol="0" fromWordArt="0" anchor="t" anchorCtr="0" forceAA="0" upright="0" compatLnSpc="0">
+            <a:spAutoFit/>
+          </a:bodyPr>
+          <a:p>
+            <a:pPr algn="ctr">
+              <a:defRPr/>
+            </a:pPr>
+            <a:r>
+              <a:rPr sz="1400"/>
+              <a:t>1</a:t>
+            </a:r>
+            <a:br>
+              <a:rPr sz="1400"/>
+            </a:br>
+            <a:r>
+              <a:rPr sz="1400"/>
+              <a:t>2</a:t>
+            </a:r>
+            <a:r>
+              <a:rPr sz="1400" baseline="30000"/>
+              <a:t>0</a:t>
+            </a:r>
+            <a:endParaRPr baseline="30000"/>
+          </a:p>
+        </p:txBody>
+      </p:sp>
+      <p:sp>
+        <p:nvSpPr>
+          <p:cNvPr id="892125606" name=""/>
+          <p:cNvSpPr txBox="1"/>
+          <p:nvPr/>
+        </p:nvSpPr>
+        <p:spPr bwMode="auto">
+          <a:xfrm flipH="0" flipV="0">
+            <a:off x="5187105" y="3743322"/>
+            <a:ext cx="575459" cy="518519"/>
+          </a:xfrm>
+          <a:prstGeom prst="rect">
+            <a:avLst/>
+          </a:prstGeom>
+          <a:noFill/>
+        </p:spPr>
+        <p:txBody>
+          <a:bodyPr vertOverflow="overflow" horzOverflow="overflow" vert="horz" wrap="square" lIns="91440" tIns="45720" rIns="91440" bIns="45720" numCol="1" spcCol="0" rtlCol="0" fromWordArt="0" anchor="t" anchorCtr="0" forceAA="0" upright="0" compatLnSpc="0">
+            <a:spAutoFit/>
+          </a:bodyPr>
+          <a:p>
+            <a:pPr algn="ctr">
+              <a:defRPr/>
+            </a:pPr>
+            <a:r>
+              <a:rPr sz="1400"/>
+              <a:t>4</a:t>
+            </a:r>
+            <a:endParaRPr sz="1400"/>
+          </a:p>
+          <a:p>
+            <a:pPr algn="ctr">
+              <a:defRPr/>
+            </a:pPr>
+            <a:r>
+              <a:rPr sz="1400"/>
+              <a:t>2</a:t>
+            </a:r>
+            <a:r>
+              <a:rPr sz="1400" baseline="30000"/>
+              <a:t>2</a:t>
+            </a:r>
+            <a:endParaRPr baseline="30000"/>
+          </a:p>
+        </p:txBody>
+      </p:sp>
+      <p:sp>
+        <p:nvSpPr>
+          <p:cNvPr id="1006517850" name=""/>
+          <p:cNvSpPr txBox="1"/>
+          <p:nvPr/>
+        </p:nvSpPr>
+        <p:spPr bwMode="auto">
+          <a:xfrm flipH="0" flipV="0">
+            <a:off x="4503336" y="3743322"/>
+            <a:ext cx="632084" cy="579479"/>
+          </a:xfrm>
+          <a:prstGeom prst="rect">
+            <a:avLst/>
+          </a:prstGeom>
+          <a:noFill/>
+        </p:spPr>
+        <p:txBody>
+          <a:bodyPr vertOverflow="overflow" horzOverflow="overflow" vert="horz" wrap="square" lIns="91440" tIns="45720" rIns="91440" bIns="45720" numCol="1" spcCol="0" rtlCol="0" fromWordArt="0" anchor="t" anchorCtr="0" forceAA="0" upright="0" compatLnSpc="0">
+            <a:spAutoFit/>
+          </a:bodyPr>
+          <a:p>
+            <a:pPr algn="ctr">
+              <a:defRPr/>
+            </a:pPr>
+            <a:r>
+              <a:rPr sz="1400"/>
+              <a:t>8</a:t>
+            </a:r>
+            <a:endParaRPr sz="1400"/>
+          </a:p>
+          <a:p>
+            <a:pPr algn="ctr">
+              <a:defRPr/>
+            </a:pPr>
+            <a:r>
+              <a:rPr sz="1400"/>
+              <a:t>2</a:t>
+            </a:r>
+            <a:r>
+              <a:rPr baseline="30000"/>
+              <a:t>3</a:t>
+            </a:r>
+            <a:endParaRPr baseline="30000"/>
+          </a:p>
+        </p:txBody>
+      </p:sp>
+      <p:sp>
+        <p:nvSpPr>
+          <p:cNvPr id="1128202756" name=""/>
+          <p:cNvSpPr txBox="1"/>
+          <p:nvPr/>
+        </p:nvSpPr>
+        <p:spPr bwMode="auto">
+          <a:xfrm flipH="0" flipV="0">
+            <a:off x="5924761" y="3743322"/>
+            <a:ext cx="577307" cy="518519"/>
+          </a:xfrm>
+          <a:prstGeom prst="rect">
+            <a:avLst/>
+          </a:prstGeom>
+          <a:noFill/>
+        </p:spPr>
+        <p:txBody>
+          <a:bodyPr vertOverflow="overflow" horzOverflow="overflow" vert="horz" wrap="square" lIns="91440" tIns="45720" rIns="91440" bIns="45720" numCol="1" spcCol="0" rtlCol="0" fromWordArt="0" anchor="t" anchorCtr="0" forceAA="0" upright="0" compatLnSpc="0">
+            <a:spAutoFit/>
+          </a:bodyPr>
+          <a:p>
+            <a:pPr algn="ctr">
+              <a:defRPr/>
+            </a:pPr>
+            <a:r>
+              <a:rPr sz="1400"/>
+              <a:t>2</a:t>
+            </a:r>
+            <a:br>
+              <a:rPr sz="1400"/>
+            </a:br>
+            <a:r>
+              <a:rPr sz="1400"/>
+              <a:t>2</a:t>
+            </a:r>
+            <a:r>
+              <a:rPr sz="1400" baseline="30000"/>
+              <a:t>1</a:t>
+            </a:r>
+            <a:endParaRPr sz="1200" baseline="30000"/>
+          </a:p>
+        </p:txBody>
+      </p:sp>
+      <p:sp>
+        <p:nvSpPr>
+          <p:cNvPr id="1851653689" name=""/>
+          <p:cNvSpPr txBox="1"/>
+          <p:nvPr/>
+        </p:nvSpPr>
+        <p:spPr bwMode="auto">
+          <a:xfrm flipH="0" flipV="0">
+            <a:off x="6580424" y="5377642"/>
+            <a:ext cx="605115" cy="488039"/>
+          </a:xfrm>
+          <a:prstGeom prst="rect">
+            <a:avLst/>
+          </a:prstGeom>
+          <a:noFill/>
+        </p:spPr>
+        <p:txBody>
+          <a:bodyPr vertOverflow="overflow" horzOverflow="overflow" vert="horz" wrap="square" lIns="91440" tIns="45720" rIns="91440" bIns="45720" numCol="1" spcCol="0" rtlCol="0" fromWordArt="0" anchor="t" anchorCtr="0" forceAA="0" upright="0" compatLnSpc="0">
+            <a:spAutoFit/>
+          </a:bodyPr>
+          <a:p>
+            <a:pPr algn="ctr">
+              <a:defRPr/>
+            </a:pPr>
+            <a:r>
+              <a:rPr sz="1400"/>
+              <a:t>1</a:t>
+            </a:r>
+            <a:br>
+              <a:rPr sz="1400"/>
+            </a:br>
+            <mc:AlternateContent xmlns:mc="http://schemas.openxmlformats.org/markup-compatibility/2006" xmlns:m="http://schemas.openxmlformats.org/officeDocument/2006/math">
+              <mc:Choice xmlns:a14="http://schemas.microsoft.com/office/drawing/2010/main" Requires="a14">
+                <a14:m>
+                  <m:oMathPara>
+                    <m:oMathParaPr/>
+                    <m:oMath>
+                      <m:r>
+                        <m:rPr>
+                          <m:sty m:val="p"/>
+                        </m:rPr>
+                        <a:rPr lang="pl-PL" sz="1200" u="none" strike="noStrike" cap="none" spc="0">
+                          <a:solidFill>
+                            <a:schemeClr val="tx1"/>
+                          </a:solidFill>
+                          <a:latin typeface="Cambria Math"/>
+                          <a:ea typeface="Cambria Math"/>
+                          <a:cs typeface="Cambria Math"/>
+                        </a:rPr>
+                        <m:t>1</m:t>
+                      </m:r>
+                      <m:r>
+                        <m:rPr>
+                          <m:sty m:val="p"/>
+                        </m:rPr>
+                        <a:rPr lang="pl-PL" sz="1200" u="none" strike="noStrike" cap="none" spc="0">
+                          <a:solidFill>
+                            <a:schemeClr val="tx1"/>
+                          </a:solidFill>
+                          <a:latin typeface="Cambria Math"/>
+                          <a:ea typeface="Cambria Math"/>
+                          <a:cs typeface="Cambria Math"/>
+                        </a:rPr>
+                        <m:t>×1</m:t>
+                      </m:r>
+                    </m:oMath>
+                  </m:oMathPara>
+                </a14:m>
+              </mc:Choice>
+              <mc:Fallback/>
+            </mc:AlternateContent>
+            <a:endParaRPr/>
+          </a:p>
+        </p:txBody>
+      </p:sp>
+      <p:sp>
+        <p:nvSpPr>
+          <p:cNvPr id="189437162" name=""/>
+          <p:cNvSpPr txBox="1"/>
+          <p:nvPr/>
+        </p:nvSpPr>
+        <p:spPr bwMode="auto">
+          <a:xfrm flipH="0" flipV="0">
+            <a:off x="5867439" y="5377642"/>
+            <a:ext cx="654832" cy="488039"/>
+          </a:xfrm>
+          <a:prstGeom prst="rect">
+            <a:avLst/>
+          </a:prstGeom>
+          <a:noFill/>
+        </p:spPr>
+        <p:txBody>
+          <a:bodyPr vertOverflow="overflow" horzOverflow="overflow" vert="horz" wrap="square" lIns="91440" tIns="45720" rIns="91440" bIns="45720" numCol="1" spcCol="0" rtlCol="0" fromWordArt="0" anchor="t" anchorCtr="0" forceAA="0" upright="0" compatLnSpc="0">
+            <a:spAutoFit/>
+          </a:bodyPr>
+          <a:p>
+            <a:pPr algn="ctr">
+              <a:defRPr/>
+            </a:pPr>
+            <a:r>
+              <a:rPr sz="1400"/>
+              <a:t>0</a:t>
+            </a:r>
+            <a:br>
+              <a:rPr sz="1400"/>
+            </a:br>
+            <mc:AlternateContent xmlns:mc="http://schemas.openxmlformats.org/markup-compatibility/2006" xmlns:m="http://schemas.openxmlformats.org/officeDocument/2006/math">
+              <mc:Choice xmlns:a14="http://schemas.microsoft.com/office/drawing/2010/main" Requires="a14">
+                <a14:m>
+                  <m:oMathPara>
+                    <m:oMathParaPr/>
+                    <m:oMath>
+                      <m:r>
+                        <m:rPr>
+                          <m:sty m:val="p"/>
+                        </m:rPr>
+                        <a:rPr lang="pl-PL" sz="1200" u="none" strike="noStrike" cap="none" spc="0">
+                          <a:solidFill>
+                            <a:schemeClr val="tx1"/>
+                          </a:solidFill>
+                          <a:latin typeface="Cambria Math"/>
+                          <a:ea typeface="Cambria Math"/>
+                          <a:cs typeface="Cambria Math"/>
+                        </a:rPr>
+                        <m:t>2</m:t>
+                      </m:r>
+                      <m:r>
+                        <m:rPr>
+                          <m:sty m:val="p"/>
+                        </m:rPr>
+                        <a:rPr lang="pl-PL" sz="1200" u="none" strike="noStrike" cap="none" spc="0">
+                          <a:solidFill>
+                            <a:schemeClr val="tx1"/>
+                          </a:solidFill>
+                          <a:latin typeface="Cambria Math"/>
+                          <a:ea typeface="Cambria Math"/>
+                          <a:cs typeface="Cambria Math"/>
+                        </a:rPr>
+                        <m:t>×0</m:t>
+                      </m:r>
+                    </m:oMath>
+                  </m:oMathPara>
+                </a14:m>
+              </mc:Choice>
+              <mc:Fallback/>
+            </mc:AlternateContent>
+            <a:endParaRPr/>
+          </a:p>
+        </p:txBody>
+      </p:sp>
+      <p:sp>
+        <p:nvSpPr>
+          <p:cNvPr id="429026460" name=""/>
+          <p:cNvSpPr txBox="1"/>
+          <p:nvPr/>
+        </p:nvSpPr>
+        <p:spPr bwMode="auto">
+          <a:xfrm flipH="0" flipV="0">
+            <a:off x="5168171" y="5377642"/>
+            <a:ext cx="740133" cy="488039"/>
+          </a:xfrm>
+          <a:prstGeom prst="rect">
+            <a:avLst/>
+          </a:prstGeom>
+          <a:noFill/>
+        </p:spPr>
+        <p:txBody>
+          <a:bodyPr vertOverflow="overflow" horzOverflow="overflow" vert="horz" wrap="square" lIns="91440" tIns="45720" rIns="91440" bIns="45720" numCol="1" spcCol="0" rtlCol="0" fromWordArt="0" anchor="t" anchorCtr="0" forceAA="0" upright="0" compatLnSpc="0">
+            <a:spAutoFit/>
+          </a:bodyPr>
+          <a:p>
+            <a:pPr algn="ctr">
+              <a:defRPr/>
+            </a:pPr>
+            <a:r>
+              <a:rPr sz="1400"/>
+              <a:t>4</a:t>
+            </a:r>
+            <a:br>
+              <a:rPr sz="1400"/>
+            </a:br>
+            <mc:AlternateContent xmlns:mc="http://schemas.openxmlformats.org/markup-compatibility/2006" xmlns:m="http://schemas.openxmlformats.org/officeDocument/2006/math">
+              <mc:Choice xmlns:a14="http://schemas.microsoft.com/office/drawing/2010/main" Requires="a14">
+                <a14:m>
+                  <m:oMathPara>
+                    <m:oMathParaPr/>
+                    <m:oMath>
+                      <m:r>
+                        <m:rPr>
+                          <m:sty m:val="p"/>
+                        </m:rPr>
+                        <a:rPr lang="pl-PL" sz="1200" u="none" strike="noStrike" cap="none" spc="0">
+                          <a:solidFill>
+                            <a:schemeClr val="tx1"/>
+                          </a:solidFill>
+                          <a:latin typeface="Cambria Math"/>
+                          <a:ea typeface="Cambria Math"/>
+                          <a:cs typeface="Cambria Math"/>
+                        </a:rPr>
+                        <m:t>4</m:t>
+                      </m:r>
+                      <m:r>
+                        <m:rPr>
+                          <m:sty m:val="p"/>
+                        </m:rPr>
+                        <a:rPr lang="pl-PL" sz="1200" u="none" strike="noStrike" cap="none" spc="0">
+                          <a:solidFill>
+                            <a:schemeClr val="tx1"/>
+                          </a:solidFill>
+                          <a:latin typeface="Cambria Math"/>
+                          <a:ea typeface="Cambria Math"/>
+                          <a:cs typeface="Cambria Math"/>
+                        </a:rPr>
+                        <m:t>×1</m:t>
+                      </m:r>
+                    </m:oMath>
+                  </m:oMathPara>
+                </a14:m>
+              </mc:Choice>
+              <mc:Fallback/>
+            </mc:AlternateContent>
+            <a:endParaRPr/>
+          </a:p>
+        </p:txBody>
+      </p:sp>
+      <p:sp>
+        <p:nvSpPr>
+          <p:cNvPr id="894615945" name=""/>
+          <p:cNvSpPr txBox="1"/>
+          <p:nvPr/>
+        </p:nvSpPr>
+        <p:spPr bwMode="auto">
+          <a:xfrm flipH="0" flipV="0">
+            <a:off x="4353899" y="5377642"/>
+            <a:ext cx="836084" cy="488039"/>
+          </a:xfrm>
+          <a:prstGeom prst="rect">
+            <a:avLst/>
+          </a:prstGeom>
+          <a:noFill/>
+        </p:spPr>
+        <p:txBody>
+          <a:bodyPr vertOverflow="overflow" horzOverflow="overflow" vert="horz" wrap="square" lIns="91440" tIns="45720" rIns="91440" bIns="45720" numCol="1" spcCol="0" rtlCol="0" fromWordArt="0" anchor="t" anchorCtr="0" forceAA="0" upright="0" compatLnSpc="0">
+            <a:spAutoFit/>
+          </a:bodyPr>
+          <a:p>
+            <a:pPr algn="ctr">
+              <a:defRPr/>
+            </a:pPr>
+            <a:r>
+              <a:rPr sz="1400"/>
+              <a:t>8</a:t>
+            </a:r>
+            <a:br>
+              <a:rPr sz="1400"/>
+            </a:br>
+            <mc:AlternateContent xmlns:mc="http://schemas.openxmlformats.org/markup-compatibility/2006" xmlns:m="http://schemas.openxmlformats.org/officeDocument/2006/math">
+              <mc:Choice xmlns:a14="http://schemas.microsoft.com/office/drawing/2010/main" Requires="a14">
+                <a14:m>
+                  <m:oMathPara>
+                    <m:oMathParaPr/>
+                    <m:oMath>
+                      <m:r>
+                        <m:rPr>
+                          <m:sty m:val="p"/>
+                        </m:rPr>
+                        <a:rPr lang="pl-PL" sz="1200" u="none" strike="noStrike" cap="none" spc="0">
+                          <a:solidFill>
+                            <a:schemeClr val="tx1"/>
+                          </a:solidFill>
+                          <a:latin typeface="Cambria Math"/>
+                          <a:ea typeface="Cambria Math"/>
+                          <a:cs typeface="Cambria Math"/>
+                        </a:rPr>
+                        <m:t>8</m:t>
+                      </m:r>
+                      <m:r>
+                        <m:rPr>
+                          <m:sty m:val="p"/>
+                        </m:rPr>
+                        <a:rPr lang="pl-PL" sz="1200" u="none" strike="noStrike" cap="none" spc="0">
+                          <a:solidFill>
+                            <a:schemeClr val="tx1"/>
+                          </a:solidFill>
+                          <a:latin typeface="Cambria Math"/>
+                          <a:ea typeface="Cambria Math"/>
+                          <a:cs typeface="Cambria Math"/>
+                        </a:rPr>
+                        <m:t>×1</m:t>
+                      </m:r>
+                    </m:oMath>
+                  </m:oMathPara>
+                </a14:m>
+              </mc:Choice>
+              <mc:Fallback/>
+            </mc:AlternateContent>
+            <a:endParaRPr/>
+          </a:p>
+        </p:txBody>
+      </p:sp>
+      <p:sp>
+        <p:nvSpPr>
+          <p:cNvPr id="1139355237" name=""/>
+          <p:cNvSpPr txBox="1"/>
+          <p:nvPr/>
+        </p:nvSpPr>
+        <p:spPr bwMode="auto">
+          <a:xfrm flipH="0" flipV="0">
+            <a:off x="5052528" y="5381452"/>
+            <a:ext cx="268794" cy="366119"/>
+          </a:xfrm>
+          <a:prstGeom prst="rect">
+            <a:avLst/>
+          </a:prstGeom>
+          <a:noFill/>
+        </p:spPr>
+        <p:txBody>
+          <a:bodyPr vertOverflow="overflow" horzOverflow="overflow" vert="horz" wrap="square" lIns="91440" tIns="45720" rIns="91440" bIns="45720" numCol="1" spcCol="0" rtlCol="0" fromWordArt="0" anchor="t" anchorCtr="0" forceAA="0" upright="0" compatLnSpc="0">
+            <a:spAutoFit/>
+          </a:bodyPr>
+          <a:p>
+            <a:pPr>
+              <a:defRPr/>
+            </a:pPr>
+            <a:r>
+              <a:rPr/>
+              <a:t>+</a:t>
+            </a:r>
+            <a:endParaRPr/>
+          </a:p>
+        </p:txBody>
+      </p:sp>
+      <p:sp>
+        <p:nvSpPr>
+          <p:cNvPr id="1488967978" name=""/>
+          <p:cNvSpPr txBox="1"/>
+          <p:nvPr/>
+        </p:nvSpPr>
+        <p:spPr bwMode="auto">
+          <a:xfrm flipH="0" flipV="0">
+            <a:off x="5736867" y="5381452"/>
+            <a:ext cx="269154" cy="366119"/>
+          </a:xfrm>
+          <a:prstGeom prst="rect">
+            <a:avLst/>
+          </a:prstGeom>
+          <a:noFill/>
+        </p:spPr>
+        <p:txBody>
+          <a:bodyPr vertOverflow="overflow" horzOverflow="overflow" vert="horz" wrap="square" lIns="91440" tIns="45720" rIns="91440" bIns="45720" numCol="1" spcCol="0" rtlCol="0" fromWordArt="0" anchor="t" anchorCtr="0" forceAA="0" upright="0" compatLnSpc="0">
+            <a:spAutoFit/>
+          </a:bodyPr>
+          <a:p>
+            <a:pPr>
+              <a:defRPr/>
+            </a:pPr>
+            <a:r>
+              <a:rPr/>
+              <a:t>+</a:t>
+            </a:r>
+            <a:endParaRPr/>
+          </a:p>
+        </p:txBody>
+      </p:sp>
+      <p:sp>
+        <p:nvSpPr>
+          <p:cNvPr id="524523901" name=""/>
+          <p:cNvSpPr txBox="1"/>
+          <p:nvPr/>
+        </p:nvSpPr>
+        <p:spPr bwMode="auto">
+          <a:xfrm flipH="0" flipV="0">
+            <a:off x="6446027" y="5381452"/>
+            <a:ext cx="269154" cy="366119"/>
+          </a:xfrm>
+          <a:prstGeom prst="rect">
+            <a:avLst/>
+          </a:prstGeom>
+          <a:noFill/>
+        </p:spPr>
+        <p:txBody>
+          <a:bodyPr vertOverflow="overflow" horzOverflow="overflow" vert="horz" wrap="square" lIns="91440" tIns="45720" rIns="91440" bIns="45720" numCol="1" spcCol="0" rtlCol="0" fromWordArt="0" anchor="t" anchorCtr="0" forceAA="0" upright="0" compatLnSpc="0">
+            <a:spAutoFit/>
+          </a:bodyPr>
+          <a:p>
+            <a:pPr>
+              <a:defRPr/>
+            </a:pPr>
+            <a:r>
+              <a:rPr/>
+              <a:t>+</a:t>
+            </a:r>
+            <a:endParaRPr/>
+          </a:p>
+        </p:txBody>
+      </p:sp>
+      <p:sp>
+        <p:nvSpPr>
+          <p:cNvPr id="258218194" name=""/>
+          <p:cNvSpPr txBox="1"/>
+          <p:nvPr/>
+        </p:nvSpPr>
+        <p:spPr bwMode="auto">
+          <a:xfrm flipH="0" flipV="0">
+            <a:off x="8335350" y="4462882"/>
+            <a:ext cx="2705819" cy="914760"/>
+          </a:xfrm>
+          <a:prstGeom prst="rect">
+            <a:avLst/>
+          </a:prstGeom>
+          <a:noFill/>
+        </p:spPr>
+        <p:txBody>
+          <a:bodyPr vertOverflow="overflow" horzOverflow="overflow" vert="horz" wrap="square" lIns="91440" tIns="45720" rIns="91440" bIns="45720" numCol="1" spcCol="0" rtlCol="0" fromWordArt="0" anchor="t" anchorCtr="0" forceAA="0" upright="0" compatLnSpc="0">
+            <a:spAutoFit/>
+          </a:bodyPr>
+          <a:p>
+            <a:pPr>
+              <a:defRPr/>
+            </a:pPr>
+            <a:r>
+              <a:rPr/>
+              <a:t>... a zatem po przetłumaczeniu na dziesiętny, 1101 = 13</a:t>
+            </a:r>
+            <a:endParaRPr/>
+          </a:p>
+        </p:txBody>
+      </p:sp>
+    </p:spTree>
+  </p:cSld>
+  <p:clrMapOvr>
+    <a:masterClrMapping/>
+  </p:clrMapOvr>
+  <mc:AlternateContent xmlns:mc="http://schemas.openxmlformats.org/markup-compatibility/2006">
+    <mc:Choice xmlns:p159="http://schemas.microsoft.com/office/powerpoint/2015/09/main" xmlns:p14="http://schemas.microsoft.com/office/powerpoint/2010/main" Requires="p159">
+      <p:transition p14:dur="2000" advClick="1"/>
+    </mc:Choice>
+    <mc:Fallback>
+      <p:transition advClick="1"/>
+    </mc:Fallback>
+  </mc:AlternateContent>
+</p:sld>
+</file>
+
+<file path=ppt/slides/slide7.xml><?xml version="1.0" encoding="utf-8"?>
+<p:sld xmlns:a="http://schemas.openxmlformats.org/drawingml/2006/main" xmlns:r="http://schemas.openxmlformats.org/officeDocument/2006/relationships" xmlns:p="http://schemas.openxmlformats.org/presentationml/2006/main" xmlns:m="http://schemas.openxmlformats.org/officeDocument/2006/math" xmlns:w="http://schemas.openxmlformats.org/wordprocessingml/2006/main" showMasterPhAnim="0" show="1">
+  <p:cSld name="">
+    <p:bg>
+      <p:bgPr shadeToTitle="0">
+        <a:blipFill>
+          <a:blip r:embed="rId3">
+            <a:alphaModFix amt="23000"/>
+          </a:blip>
+          <a:stretch/>
+        </a:blipFill>
+      </p:bgPr>
+    </p:bg>
+    <p:spTree>
+      <p:nvGrpSpPr>
+        <p:cNvPr id="1" name=""/>
+        <p:cNvGrpSpPr/>
+        <p:nvPr/>
+      </p:nvGrpSpPr>
+      <p:grpSpPr bwMode="auto">
+        <a:xfrm>
+          <a:off x="0" y="0"/>
+          <a:ext cx="0" cy="0"/>
+          <a:chOff x="0" y="0"/>
+          <a:chExt cx="0" cy="0"/>
+        </a:xfrm>
+      </p:grpSpPr>
+      <p:sp>
+        <p:nvSpPr>
+          <p:cNvPr id="984137867" name="Tytuł 1"/>
+          <p:cNvSpPr>
+            <a:spLocks noGrp="1"/>
+          </p:cNvSpPr>
+          <p:nvPr>
+            <p:ph type="title"/>
+          </p:nvPr>
+        </p:nvSpPr>
+        <p:spPr bwMode="auto"/>
+        <p:txBody>
+          <a:bodyPr/>
+          <a:lstStyle/>
+          <a:p>
+            <a:pPr>
+              <a:defRPr/>
+            </a:pPr>
+            <a:r>
+              <a:rPr/>
+              <a:t>Algorytm zamiany DEC-BIN</a:t>
+            </a:r>
+            <a:endParaRPr/>
+          </a:p>
+        </p:txBody>
+      </p:sp>
+      <p:sp>
+        <p:nvSpPr>
+          <p:cNvPr id="487377977" name="Symbol zastępczy zawartości 2"/>
+          <p:cNvSpPr>
+            <a:spLocks noGrp="1"/>
+          </p:cNvSpPr>
+          <p:nvPr>
+            <p:ph idx="1"/>
+          </p:nvPr>
+        </p:nvSpPr>
+        <p:spPr bwMode="auto">
+          <a:xfrm flipH="0" flipV="0">
+            <a:off x="838199" y="1753199"/>
+            <a:ext cx="10515597" cy="4562472"/>
+          </a:xfrm>
+        </p:spPr>
+        <p:txBody>
+          <a:bodyPr/>
+          <a:lstStyle/>
+          <a:p>
+            <a:pPr>
+              <a:defRPr/>
+            </a:pPr>
+            <a:r>
+              <a:rPr/>
+              <a:t>Aby zamienić liczbę dziesiętną na binarną, musimy wiedzieć co wpisać na każdej pozycji</a:t>
+            </a:r>
+            <a:endParaRPr/>
+          </a:p>
+          <a:p>
+            <a:pPr>
+              <a:defRPr/>
+            </a:pPr>
+            <a:r>
+              <a:rPr/>
+              <a:t>Weźmy za przykład liczbę 25</a:t>
+            </a:r>
+            <a:endParaRPr/>
+          </a:p>
+          <a:p>
+            <a:pPr>
+              <a:defRPr/>
+            </a:pPr>
+            <a:r>
+              <a:rPr/>
+              <a:t>Będziemy dzielić ją przez dwa, aż nie zredukujemy jej do 0</a:t>
+            </a:r>
+            <a:endParaRPr/>
+          </a:p>
+          <a:p>
+            <a:pPr>
+              <a:defRPr/>
+            </a:pPr>
+            <a:r>
+              <a:rPr/>
+              <a:t>Reszty zapisane po kolei ułożą się w liczbę binarną</a:t>
+            </a:r>
+            <a:endParaRPr/>
+          </a:p>
+          <a:p>
+            <a:pPr>
+              <a:defRPr/>
+            </a:pPr>
+            <a:r>
+              <a:rPr/>
+              <a:t>Zwróćcie uwagę, że podobnie wygląda rozbijanie na cyfry liczby w systemie dziesiętnym (z tą różnicą, że dzielimy przez potęgi dziesiątki, nie dwójki)</a:t>
+            </a:r>
+            <a:endParaRPr/>
+          </a:p>
+        </p:txBody>
+      </p:sp>
+    </p:spTree>
+  </p:cSld>
+  <p:clrMapOvr>
+    <a:masterClrMapping/>
+  </p:clrMapOvr>
+  <mc:AlternateContent xmlns:mc="http://schemas.openxmlformats.org/markup-compatibility/2006">
+    <mc:Choice xmlns:p159="http://schemas.microsoft.com/office/powerpoint/2015/09/main" xmlns:p14="http://schemas.microsoft.com/office/powerpoint/2010/main" Requires="p159">
+      <p:transition p14:dur="2000" advClick="1"/>
+    </mc:Choice>
+    <mc:Fallback>
+      <p:transition advClick="1"/>
+    </mc:Fallback>
+  </mc:AlternateContent>
+</p:sld>
+</file>
+
+<file path=ppt/slides/slide8.xml><?xml version="1.0" encoding="utf-8"?>
+<p:sld xmlns:a="http://schemas.openxmlformats.org/drawingml/2006/main" xmlns:r="http://schemas.openxmlformats.org/officeDocument/2006/relationships" xmlns:p="http://schemas.openxmlformats.org/presentationml/2006/main" xmlns:m="http://schemas.openxmlformats.org/officeDocument/2006/math" xmlns:w="http://schemas.openxmlformats.org/wordprocessingml/2006/main" showMasterPhAnim="0" show="1">
+  <p:cSld name="">
+    <p:bg>
+      <p:bgPr shadeToTitle="0">
+        <a:blipFill>
+          <a:blip r:embed="rId3">
+            <a:alphaModFix amt="23000"/>
+          </a:blip>
+          <a:stretch/>
+        </a:blipFill>
+      </p:bgPr>
+    </p:bg>
+    <p:spTree>
+      <p:nvGrpSpPr>
+        <p:cNvPr id="1" name=""/>
+        <p:cNvGrpSpPr/>
+        <p:nvPr/>
+      </p:nvGrpSpPr>
+      <p:grpSpPr bwMode="auto">
+        <a:xfrm>
+          <a:off x="0" y="0"/>
+          <a:ext cx="0" cy="0"/>
+          <a:chOff x="0" y="0"/>
+          <a:chExt cx="0" cy="0"/>
+        </a:xfrm>
+      </p:grpSpPr>
+      <p:sp>
+        <p:nvSpPr>
+          <p:cNvPr id="1006722001" name="Tytuł 1"/>
+          <p:cNvSpPr>
+            <a:spLocks noGrp="1"/>
+          </p:cNvSpPr>
+          <p:nvPr>
+            <p:ph type="title"/>
+          </p:nvPr>
+        </p:nvSpPr>
+        <p:spPr bwMode="auto"/>
+        <p:txBody>
+          <a:bodyPr/>
+          <a:lstStyle/>
+          <a:p>
+            <a:pPr>
+              <a:defRPr/>
+            </a:pPr>
+            <a:r>
+              <a:rPr/>
+              <a:t>Algorytm zamiany DEC-BIN</a:t>
+            </a:r>
+            <a:endParaRPr/>
+          </a:p>
+        </p:txBody>
+      </p:sp>
+      <p:sp>
+        <p:nvSpPr>
+          <p:cNvPr id="213513456" name="Symbol zastępczy zawartości 2"/>
+          <p:cNvSpPr>
+            <a:spLocks noGrp="1"/>
+          </p:cNvSpPr>
+          <p:nvPr>
+            <p:ph idx="1"/>
+          </p:nvPr>
+        </p:nvSpPr>
+        <p:spPr bwMode="auto">
+          <a:xfrm flipH="0" flipV="0">
+            <a:off x="838199" y="1753199"/>
+            <a:ext cx="10515597" cy="4562472"/>
+          </a:xfrm>
+        </p:spPr>
+        <p:txBody>
+          <a:bodyPr vertOverflow="overflow" horzOverflow="overflow" vert="horz" wrap="square" lIns="91440" tIns="45720" rIns="91440" bIns="45720" numCol="1" spcCol="0" rtlCol="0" fromWordArt="0" anchor="t" anchorCtr="0" forceAA="0" upright="0" compatLnSpc="0">
+            <a:normAutofit fontScale="70000" lnSpcReduction="6000"/>
+          </a:bodyPr>
+          <a:lstStyle/>
+          <a:p>
+            <a:pPr marL="0" indent="0">
+              <a:buFont typeface="Arial"/>
+              <a:buNone/>
+              <a:defRPr/>
+            </a:pPr>
+            <a:r>
+              <a:rPr b="1">
+                <a:latin typeface="Courier New"/>
+                <a:ea typeface="Courier New"/>
+                <a:cs typeface="Courier New"/>
+              </a:rPr>
+              <a:t>25 % 2 = 1    </a:t>
+            </a:r>
+            <a:r>
+              <a:rPr b="0">
+                <a:latin typeface="Courier New"/>
+                <a:ea typeface="Courier New"/>
+                <a:cs typeface="Courier New"/>
+              </a:rPr>
+              <a:t>#cyfra nr 1:1		1</a:t>
+            </a:r>
+            <a:endParaRPr b="0">
+              <a:latin typeface="Courier New"/>
+              <a:cs typeface="Courier New"/>
+            </a:endParaRPr>
+          </a:p>
+          <a:p>
+            <a:pPr marL="0" indent="0">
+              <a:buFont typeface="Arial"/>
+              <a:buNone/>
+              <a:defRPr/>
+            </a:pPr>
+            <a:r>
+              <a:rPr b="1">
+                <a:latin typeface="Courier New"/>
+                <a:ea typeface="Courier New"/>
+                <a:cs typeface="Courier New"/>
+              </a:rPr>
+              <a:t>25 // 2 = 12  </a:t>
+            </a:r>
+            <a:r>
+              <a:rPr b="0">
+                <a:latin typeface="Courier New"/>
+                <a:ea typeface="Courier New"/>
+                <a:cs typeface="Courier New"/>
+              </a:rPr>
+              <a:t>#25//2 </a:t>
+            </a:r>
+            <a:r>
+              <a:rPr b="1">
+                <a:latin typeface="Courier New"/>
+                <a:ea typeface="Courier New"/>
+                <a:cs typeface="Courier New"/>
+              </a:rPr>
+              <a:t>  </a:t>
+            </a:r>
+            <a:endParaRPr b="1">
+              <a:latin typeface="Courier New"/>
+              <a:cs typeface="Courier New"/>
+            </a:endParaRPr>
+          </a:p>
+          <a:p>
+            <a:pPr marL="0" indent="0">
+              <a:buFont typeface="Arial"/>
+              <a:buNone/>
+              <a:defRPr/>
+            </a:pPr>
+            <a:r>
+              <a:rPr b="1">
+                <a:latin typeface="Courier New"/>
+                <a:ea typeface="Courier New"/>
+                <a:cs typeface="Courier New"/>
+              </a:rPr>
+              <a:t>12%2=0        </a:t>
+            </a:r>
+            <a:r>
+              <a:rPr b="0">
+                <a:latin typeface="Courier New"/>
+                <a:ea typeface="Courier New"/>
+                <a:cs typeface="Courier New"/>
+              </a:rPr>
+              <a:t>#cyfra nr 2:0		01</a:t>
+            </a:r>
+            <a:endParaRPr b="0">
+              <a:latin typeface="Courier New"/>
+              <a:cs typeface="Courier New"/>
+            </a:endParaRPr>
+          </a:p>
+          <a:p>
+            <a:pPr marL="0" indent="0">
+              <a:buFont typeface="Arial"/>
+              <a:buNone/>
+              <a:defRPr/>
+            </a:pPr>
+            <a:r>
+              <a:rPr b="1">
+                <a:latin typeface="Courier New"/>
+                <a:ea typeface="Courier New"/>
+                <a:cs typeface="Courier New"/>
+              </a:rPr>
+              <a:t>12//2=6  	  </a:t>
+            </a:r>
+            <a:r>
+              <a:rPr b="0">
+                <a:latin typeface="Courier New"/>
+                <a:ea typeface="Courier New"/>
+                <a:cs typeface="Courier New"/>
+              </a:rPr>
+              <a:t>#25//4</a:t>
+            </a:r>
+            <a:endParaRPr b="0">
+              <a:latin typeface="Courier New"/>
+              <a:cs typeface="Courier New"/>
+            </a:endParaRPr>
+          </a:p>
+          <a:p>
+            <a:pPr marL="0" indent="0">
+              <a:buFont typeface="Arial"/>
+              <a:buNone/>
+              <a:defRPr/>
+            </a:pPr>
+            <a:r>
+              <a:rPr b="1">
+                <a:latin typeface="Courier New"/>
+                <a:ea typeface="Courier New"/>
+                <a:cs typeface="Courier New"/>
+              </a:rPr>
+              <a:t>6%2=0		  </a:t>
+            </a:r>
+            <a:r>
+              <a:rPr b="0">
+                <a:latin typeface="Courier New"/>
+                <a:ea typeface="Courier New"/>
+                <a:cs typeface="Courier New"/>
+              </a:rPr>
+              <a:t>#cyfra nr 3:0		001</a:t>
+            </a:r>
+            <a:endParaRPr b="0">
+              <a:latin typeface="Courier New"/>
+              <a:cs typeface="Courier New"/>
+            </a:endParaRPr>
+          </a:p>
+          <a:p>
+            <a:pPr marL="0" indent="0">
+              <a:buFont typeface="Arial"/>
+              <a:buNone/>
+              <a:defRPr/>
+            </a:pPr>
+            <a:r>
+              <a:rPr b="1">
+                <a:latin typeface="Courier New"/>
+                <a:ea typeface="Courier New"/>
+                <a:cs typeface="Courier New"/>
+              </a:rPr>
+              <a:t>6//2=3  	  </a:t>
+            </a:r>
+            <a:r>
+              <a:rPr b="0">
+                <a:latin typeface="Courier New"/>
+                <a:ea typeface="Courier New"/>
+                <a:cs typeface="Courier New"/>
+              </a:rPr>
+              <a:t>#25//8</a:t>
+            </a:r>
+            <a:endParaRPr b="0">
+              <a:latin typeface="Courier New"/>
+              <a:cs typeface="Courier New"/>
+            </a:endParaRPr>
+          </a:p>
+          <a:p>
+            <a:pPr marL="0" indent="0">
+              <a:buFont typeface="Arial"/>
+              <a:buNone/>
+              <a:defRPr/>
+            </a:pPr>
+            <a:r>
+              <a:rPr b="1">
+                <a:latin typeface="Courier New"/>
+                <a:ea typeface="Courier New"/>
+                <a:cs typeface="Courier New"/>
+              </a:rPr>
+              <a:t>3%2=1   	  </a:t>
+            </a:r>
+            <a:r>
+              <a:rPr b="0">
+                <a:latin typeface="Courier New"/>
+                <a:ea typeface="Courier New"/>
+                <a:cs typeface="Courier New"/>
+              </a:rPr>
+              <a:t>#cyfra nr 4:1		1001</a:t>
+            </a:r>
+            <a:endParaRPr b="0">
+              <a:latin typeface="Courier New"/>
+              <a:cs typeface="Courier New"/>
+            </a:endParaRPr>
+          </a:p>
+          <a:p>
+            <a:pPr marL="0" indent="0">
+              <a:buFont typeface="Arial"/>
+              <a:buNone/>
+              <a:defRPr/>
+            </a:pPr>
+            <a:r>
+              <a:rPr b="1">
+                <a:latin typeface="Courier New"/>
+                <a:ea typeface="Courier New"/>
+                <a:cs typeface="Courier New"/>
+              </a:rPr>
+              <a:t>3//2=1	  </a:t>
+            </a:r>
+            <a:r>
+              <a:rPr b="0">
+                <a:latin typeface="Courier New"/>
+                <a:ea typeface="Courier New"/>
+                <a:cs typeface="Courier New"/>
+              </a:rPr>
+              <a:t>#25//16</a:t>
+            </a:r>
+            <a:endParaRPr b="0">
+              <a:latin typeface="Courier New"/>
+              <a:cs typeface="Courier New"/>
+            </a:endParaRPr>
+          </a:p>
+          <a:p>
+            <a:pPr marL="0" indent="0">
+              <a:buFont typeface="Arial"/>
+              <a:buNone/>
+              <a:defRPr/>
+            </a:pPr>
+            <a:r>
+              <a:rPr b="1">
+                <a:latin typeface="Courier New"/>
+                <a:ea typeface="Courier New"/>
+                <a:cs typeface="Courier New"/>
+              </a:rPr>
+              <a:t>1%2=1		  </a:t>
+            </a:r>
+            <a:r>
+              <a:rPr b="0">
+                <a:latin typeface="Courier New"/>
+                <a:ea typeface="Courier New"/>
+                <a:cs typeface="Courier New"/>
+              </a:rPr>
+              <a:t>#cyfra nr 5:1		11001</a:t>
+            </a:r>
+            <a:endParaRPr b="1">
+              <a:latin typeface="Courier New"/>
+              <a:cs typeface="Courier New"/>
+            </a:endParaRPr>
+          </a:p>
+          <a:p>
+            <a:pPr marL="0" indent="0">
+              <a:buFont typeface="Arial"/>
+              <a:buNone/>
+              <a:defRPr/>
+            </a:pPr>
+            <a:r>
+              <a:rPr b="1">
+                <a:latin typeface="Courier New"/>
+                <a:ea typeface="Courier New"/>
+                <a:cs typeface="Courier New"/>
+              </a:rPr>
+              <a:t>1//2=0  	  </a:t>
+            </a:r>
+            <a:r>
+              <a:rPr b="0">
+                <a:latin typeface="Courier New"/>
+                <a:ea typeface="Courier New"/>
+                <a:cs typeface="Courier New"/>
+              </a:rPr>
+              <a:t>#25 // 32			koniec</a:t>
+            </a:r>
+            <a:endParaRPr b="0">
+              <a:latin typeface="Courier New"/>
+              <a:ea typeface="Courier New"/>
+              <a:cs typeface="Courier New"/>
+            </a:endParaRPr>
+          </a:p>
+          <a:p>
+            <a:pPr>
+              <a:defRPr/>
+            </a:pPr>
+            <a:endParaRPr/>
+          </a:p>
+          <a:p>
+            <a:pPr>
+              <a:defRPr/>
+            </a:pPr>
+            <a:endParaRPr/>
+          </a:p>
+        </p:txBody>
+      </p:sp>
+    </p:spTree>
+  </p:cSld>
+  <p:clrMapOvr>
+    <a:masterClrMapping/>
+  </p:clrMapOvr>
+  <mc:AlternateContent xmlns:mc="http://schemas.openxmlformats.org/markup-compatibility/2006">
+    <mc:Choice xmlns:p159="http://schemas.microsoft.com/office/powerpoint/2015/09/main" xmlns:p14="http://schemas.microsoft.com/office/powerpoint/2010/main" Requires="p159">
+      <p:transition p14:dur="2000" advClick="1"/>
+    </mc:Choice>
+    <mc:Fallback>
+      <p:transition advClick="1"/>
+    </mc:Fallback>
+  </mc:AlternateContent>
+</p:sld>
+</file>
+
+<file path=ppt/slides/slide9.xml><?xml version="1.0" encoding="utf-8"?>
+<p:sld xmlns:a="http://schemas.openxmlformats.org/drawingml/2006/main" xmlns:r="http://schemas.openxmlformats.org/officeDocument/2006/relationships" xmlns:p="http://schemas.openxmlformats.org/presentationml/2006/main" xmlns:m="http://schemas.openxmlformats.org/officeDocument/2006/math" xmlns:w="http://schemas.openxmlformats.org/wordprocessingml/2006/main" showMasterPhAnim="0" show="1">
+  <p:cSld name="">
+    <p:bg>
+      <p:bgPr shadeToTitle="0">
+        <a:blipFill>
+          <a:blip r:embed="rId3">
+            <a:alphaModFix amt="23000"/>
+          </a:blip>
+          <a:stretch/>
+        </a:blipFill>
+      </p:bgPr>
+    </p:bg>
+    <p:spTree>
+      <p:nvGrpSpPr>
+        <p:cNvPr id="1" name=""/>
+        <p:cNvGrpSpPr/>
+        <p:nvPr/>
+      </p:nvGrpSpPr>
+      <p:grpSpPr bwMode="auto">
+        <a:xfrm>
+          <a:off x="0" y="0"/>
+          <a:ext cx="0" cy="0"/>
+          <a:chOff x="0" y="0"/>
+          <a:chExt cx="0" cy="0"/>
+        </a:xfrm>
+      </p:grpSpPr>
+      <p:sp>
+        <p:nvSpPr>
+          <p:cNvPr id="16030098" name="Tytuł 1"/>
+          <p:cNvSpPr>
+            <a:spLocks noGrp="1"/>
+          </p:cNvSpPr>
+          <p:nvPr>
+            <p:ph type="title"/>
+          </p:nvPr>
+        </p:nvSpPr>
+        <p:spPr bwMode="auto"/>
+        <p:txBody>
+          <a:bodyPr/>
+          <a:lstStyle/>
+          <a:p>
+            <a:pPr>
+              <a:defRPr/>
+            </a:pPr>
+            <a:r>
+              <a:rPr/>
+              <a:t>A jak to się ma do zadania?</a:t>
+            </a:r>
+            <a:endParaRPr/>
+          </a:p>
+        </p:txBody>
+      </p:sp>
+      <p:sp>
+        <p:nvSpPr>
+          <p:cNvPr id="1768267660" name="Symbol zastępczy zawartości 2"/>
+          <p:cNvSpPr>
+            <a:spLocks noGrp="1"/>
+          </p:cNvSpPr>
+          <p:nvPr>
+            <p:ph idx="1"/>
+          </p:nvPr>
+        </p:nvSpPr>
+        <p:spPr bwMode="auto">
+          <a:xfrm flipH="0" flipV="0">
+            <a:off x="838199" y="1753199"/>
+            <a:ext cx="10515597" cy="4562472"/>
+          </a:xfrm>
+        </p:spPr>
+        <p:txBody>
+          <a:bodyPr/>
+          <a:lstStyle/>
+          <a:p>
+            <a:pPr>
+              <a:defRPr/>
+            </a:pPr>
+            <a:r>
+              <a:rPr/>
+              <a:t>Powyższy algorytm ma zastosowanie w tym i w wielu innych zadaniach maturalnych</a:t>
+            </a:r>
+            <a:endParaRPr/>
+          </a:p>
+          <a:p>
+            <a:pPr>
+              <a:defRPr/>
+            </a:pPr>
+            <a:r>
+              <a:rPr/>
+              <a:t>Musimy go sprytnie wykorzystać, aby policzyć „bloki”</a:t>
+            </a:r>
+            <a:endParaRPr/>
+          </a:p>
+          <a:p>
+            <a:pPr>
+              <a:defRPr/>
+            </a:pPr>
+            <a:r>
+              <a:rPr/>
+              <a:t>Pomysły?</a:t>
+            </a:r>
+            <a:endParaRPr/>
+          </a:p>
+          <a:p>
+            <a:pPr>
+              <a:defRPr/>
+            </a:pPr>
+            <a:r>
+              <a:rPr/>
+              <a:t>Podpowiedź: tworzenie reprezentacji liczby binarnej w pamięci będzie dość trudne</a:t>
+            </a:r>
+            <a:endParaRPr/>
+          </a:p>
+        </p:txBody>
+      </p:sp>
+      <p:pic>
+        <p:nvPicPr>
+          <p:cNvPr id="1445522976" name=""/>
+          <p:cNvPicPr>
+            <a:picLocks noChangeAspect="1"/>
+          </p:cNvPicPr>
+          <p:nvPr/>
+        </p:nvPicPr>
+        <p:blipFill>
+          <a:blip r:embed="rId4"/>
+          <a:stretch/>
+        </p:blipFill>
+        <p:spPr bwMode="auto">
+          <a:xfrm>
+            <a:off x="2737281" y="4644358"/>
+            <a:ext cx="6915150" cy="1819274"/>
+          </a:xfrm>
+          <a:prstGeom prst="rect">
+            <a:avLst/>
+          </a:prstGeom>
+        </p:spPr>
+      </p:pic>
     </p:spTree>
   </p:cSld>
   <p:clrMapOvr>

--- a/prezentacje/Prezentacja2.pptx
+++ b/prezentacje/Prezentacja2.pptx
@@ -5,7 +5,7 @@
     <p:sldMasterId id="2147483648" r:id="rId1"/>
   </p:sldMasterIdLst>
   <p:notesMasterIdLst>
-    <p:notesMasterId r:id="rId28"/>
+    <p:notesMasterId r:id="rId39"/>
   </p:notesMasterIdLst>
   <p:sldIdLst>
     <p:sldId id="256" r:id="rId4"/>
@@ -32,6 +32,17 @@
     <p:sldId id="277" r:id="rId25"/>
     <p:sldId id="278" r:id="rId26"/>
     <p:sldId id="279" r:id="rId27"/>
+    <p:sldId id="280" r:id="rId28"/>
+    <p:sldId id="281" r:id="rId29"/>
+    <p:sldId id="282" r:id="rId30"/>
+    <p:sldId id="283" r:id="rId31"/>
+    <p:sldId id="284" r:id="rId32"/>
+    <p:sldId id="285" r:id="rId33"/>
+    <p:sldId id="286" r:id="rId34"/>
+    <p:sldId id="287" r:id="rId35"/>
+    <p:sldId id="288" r:id="rId36"/>
+    <p:sldId id="289" r:id="rId37"/>
+    <p:sldId id="290" r:id="rId38"/>
   </p:sldIdLst>
   <p:sldSz cx="12192000" cy="6858000"/>
   <p:notesSz cx="6858000" cy="9144000"/>
@@ -976,7 +987,7 @@
       </p:grpSpPr>
       <p:sp>
         <p:nvSpPr>
-          <p:cNvPr id="1738587039" name="Symbol zastępczy obrazu slajdu 1"/>
+          <p:cNvPr id="2132449127" name="Symbol zastępczy obrazu slajdu 1"/>
           <p:cNvSpPr>
             <a:spLocks noChangeAspect="1" noGrp="1" noRot="1"/>
           </p:cNvSpPr>
@@ -993,7 +1004,7 @@
       </p:sp>
       <p:sp>
         <p:nvSpPr>
-          <p:cNvPr id="1267143731" name="Notatki Symbol zastępczy 2"/>
+          <p:cNvPr id="569160889" name="Notatki Symbol zastępczy 2"/>
           <p:cNvSpPr>
             <a:spLocks noGrp="1"/>
           </p:cNvSpPr>
@@ -1018,7 +1029,7 @@
       </p:sp>
       <p:sp>
         <p:nvSpPr>
-          <p:cNvPr id="56070423" name="Symbol zastępczy numeru slajdu 3"/>
+          <p:cNvPr id="1163276343" name="Symbol zastępczy numeru slajdu 3"/>
           <p:cNvSpPr>
             <a:spLocks noGrp="1"/>
           </p:cNvSpPr>
@@ -1034,7 +1045,7 @@
             <a:pPr>
               <a:defRPr/>
             </a:pPr>
-            <a:fld id="{87556B0D-CCB6-F580-9A6A-A76049BE1947}" type="slidenum">
+            <a:fld id="{485E06D7-EAE8-13EA-B6ED-F80C13F3E45A}" type="slidenum">
               <a:rPr lang="pl-PL"/>
               <a:t/>
             </a:fld>
@@ -1066,7 +1077,7 @@
       </p:grpSpPr>
       <p:sp>
         <p:nvSpPr>
-          <p:cNvPr id="957317030" name="Symbol zastępczy obrazu slajdu 1"/>
+          <p:cNvPr id="1738587039" name="Symbol zastępczy obrazu slajdu 1"/>
           <p:cNvSpPr>
             <a:spLocks noChangeAspect="1" noGrp="1" noRot="1"/>
           </p:cNvSpPr>
@@ -1083,7 +1094,7 @@
       </p:sp>
       <p:sp>
         <p:nvSpPr>
-          <p:cNvPr id="1620042619" name="Notatki Symbol zastępczy 2"/>
+          <p:cNvPr id="1267143731" name="Notatki Symbol zastępczy 2"/>
           <p:cNvSpPr>
             <a:spLocks noGrp="1"/>
           </p:cNvSpPr>
@@ -1108,7 +1119,7 @@
       </p:sp>
       <p:sp>
         <p:nvSpPr>
-          <p:cNvPr id="399743087" name="Symbol zastępczy numeru slajdu 3"/>
+          <p:cNvPr id="56070423" name="Symbol zastępczy numeru slajdu 3"/>
           <p:cNvSpPr>
             <a:spLocks noGrp="1"/>
           </p:cNvSpPr>
@@ -1124,7 +1135,7 @@
             <a:pPr>
               <a:defRPr/>
             </a:pPr>
-            <a:fld id="{32097AFE-CE3F-D5BC-6A63-C7929036E219}" type="slidenum">
+            <a:fld id="{87556B0D-CCB6-F580-9A6A-A76049BE1947}" type="slidenum">
               <a:rPr lang="pl-PL"/>
               <a:t/>
             </a:fld>
@@ -1156,7 +1167,7 @@
       </p:grpSpPr>
       <p:sp>
         <p:nvSpPr>
-          <p:cNvPr id="1584657507" name="Symbol zastępczy obrazu slajdu 1"/>
+          <p:cNvPr id="957317030" name="Symbol zastępczy obrazu slajdu 1"/>
           <p:cNvSpPr>
             <a:spLocks noChangeAspect="1" noGrp="1" noRot="1"/>
           </p:cNvSpPr>
@@ -1173,7 +1184,7 @@
       </p:sp>
       <p:sp>
         <p:nvSpPr>
-          <p:cNvPr id="593259895" name="Notatki Symbol zastępczy 2"/>
+          <p:cNvPr id="1620042619" name="Notatki Symbol zastępczy 2"/>
           <p:cNvSpPr>
             <a:spLocks noGrp="1"/>
           </p:cNvSpPr>
@@ -1198,7 +1209,7 @@
       </p:sp>
       <p:sp>
         <p:nvSpPr>
-          <p:cNvPr id="458960209" name="Symbol zastępczy numeru slajdu 3"/>
+          <p:cNvPr id="399743087" name="Symbol zastępczy numeru slajdu 3"/>
           <p:cNvSpPr>
             <a:spLocks noGrp="1"/>
           </p:cNvSpPr>
@@ -1214,7 +1225,7 @@
             <a:pPr>
               <a:defRPr/>
             </a:pPr>
-            <a:fld id="{CBB001A8-9337-6BAC-237F-EA1714E699D4}" type="slidenum">
+            <a:fld id="{32097AFE-CE3F-D5BC-6A63-C7929036E219}" type="slidenum">
               <a:rPr lang="pl-PL"/>
               <a:t/>
             </a:fld>
@@ -1246,7 +1257,7 @@
       </p:grpSpPr>
       <p:sp>
         <p:nvSpPr>
-          <p:cNvPr id="1710310118" name="Symbol zastępczy obrazu slajdu 1"/>
+          <p:cNvPr id="1584657507" name="Symbol zastępczy obrazu slajdu 1"/>
           <p:cNvSpPr>
             <a:spLocks noChangeAspect="1" noGrp="1" noRot="1"/>
           </p:cNvSpPr>
@@ -1263,7 +1274,7 @@
       </p:sp>
       <p:sp>
         <p:nvSpPr>
-          <p:cNvPr id="736191085" name="Notatki Symbol zastępczy 2"/>
+          <p:cNvPr id="593259895" name="Notatki Symbol zastępczy 2"/>
           <p:cNvSpPr>
             <a:spLocks noGrp="1"/>
           </p:cNvSpPr>
@@ -1288,7 +1299,7 @@
       </p:sp>
       <p:sp>
         <p:nvSpPr>
-          <p:cNvPr id="142895523" name="Symbol zastępczy numeru slajdu 3"/>
+          <p:cNvPr id="458960209" name="Symbol zastępczy numeru slajdu 3"/>
           <p:cNvSpPr>
             <a:spLocks noGrp="1"/>
           </p:cNvSpPr>
@@ -1304,7 +1315,7 @@
             <a:pPr>
               <a:defRPr/>
             </a:pPr>
-            <a:fld id="{792C3EFF-2711-9DDA-CF3F-5630BD994262}" type="slidenum">
+            <a:fld id="{CBB001A8-9337-6BAC-237F-EA1714E699D4}" type="slidenum">
               <a:rPr lang="pl-PL"/>
               <a:t/>
             </a:fld>
@@ -1336,7 +1347,7 @@
       </p:grpSpPr>
       <p:sp>
         <p:nvSpPr>
-          <p:cNvPr id="1533672051" name="Symbol zastępczy obrazu slajdu 1"/>
+          <p:cNvPr id="1710310118" name="Symbol zastępczy obrazu slajdu 1"/>
           <p:cNvSpPr>
             <a:spLocks noChangeAspect="1" noGrp="1" noRot="1"/>
           </p:cNvSpPr>
@@ -1353,7 +1364,7 @@
       </p:sp>
       <p:sp>
         <p:nvSpPr>
-          <p:cNvPr id="1367648492" name="Notatki Symbol zastępczy 2"/>
+          <p:cNvPr id="736191085" name="Notatki Symbol zastępczy 2"/>
           <p:cNvSpPr>
             <a:spLocks noGrp="1"/>
           </p:cNvSpPr>
@@ -1378,7 +1389,7 @@
       </p:sp>
       <p:sp>
         <p:nvSpPr>
-          <p:cNvPr id="845421186" name="Symbol zastępczy numeru slajdu 3"/>
+          <p:cNvPr id="142895523" name="Symbol zastępczy numeru slajdu 3"/>
           <p:cNvSpPr>
             <a:spLocks noGrp="1"/>
           </p:cNvSpPr>
@@ -1394,7 +1405,7 @@
             <a:pPr>
               <a:defRPr/>
             </a:pPr>
-            <a:fld id="{17F5F790-C25B-C40B-EB64-0EB5843B90C7}" type="slidenum">
+            <a:fld id="{792C3EFF-2711-9DDA-CF3F-5630BD994262}" type="slidenum">
               <a:rPr lang="pl-PL"/>
               <a:t/>
             </a:fld>
@@ -1426,7 +1437,7 @@
       </p:grpSpPr>
       <p:sp>
         <p:nvSpPr>
-          <p:cNvPr id="1830690393" name="Symbol zastępczy obrazu slajdu 1"/>
+          <p:cNvPr id="503687842" name="Symbol zastępczy obrazu slajdu 1"/>
           <p:cNvSpPr>
             <a:spLocks noChangeAspect="1" noGrp="1" noRot="1"/>
           </p:cNvSpPr>
@@ -1443,7 +1454,7 @@
       </p:sp>
       <p:sp>
         <p:nvSpPr>
-          <p:cNvPr id="512358877" name="Notatki Symbol zastępczy 2"/>
+          <p:cNvPr id="1045349638" name="Notatki Symbol zastępczy 2"/>
           <p:cNvSpPr>
             <a:spLocks noGrp="1"/>
           </p:cNvSpPr>
@@ -1468,7 +1479,7 @@
       </p:sp>
       <p:sp>
         <p:nvSpPr>
-          <p:cNvPr id="540620139" name="Symbol zastępczy numeru slajdu 3"/>
+          <p:cNvPr id="240873218" name="Symbol zastępczy numeru slajdu 3"/>
           <p:cNvSpPr>
             <a:spLocks noGrp="1"/>
           </p:cNvSpPr>
@@ -1484,7 +1495,7 @@
             <a:pPr>
               <a:defRPr/>
             </a:pPr>
-            <a:fld id="{AB06D6F9-1F9A-ACE9-2D10-2BF5BB5D0912}" type="slidenum">
+            <a:fld id="{A8B34A1E-920C-478C-8A05-19C5DA148AD2}" type="slidenum">
               <a:rPr lang="pl-PL"/>
               <a:t/>
             </a:fld>
@@ -1606,7 +1617,7 @@
       </p:grpSpPr>
       <p:sp>
         <p:nvSpPr>
-          <p:cNvPr id="889763442" name="Symbol zastępczy obrazu slajdu 1"/>
+          <p:cNvPr id="1533672051" name="Symbol zastępczy obrazu slajdu 1"/>
           <p:cNvSpPr>
             <a:spLocks noChangeAspect="1" noGrp="1" noRot="1"/>
           </p:cNvSpPr>
@@ -1623,7 +1634,7 @@
       </p:sp>
       <p:sp>
         <p:nvSpPr>
-          <p:cNvPr id="1142984314" name="Notatki Symbol zastępczy 2"/>
+          <p:cNvPr id="1367648492" name="Notatki Symbol zastępczy 2"/>
           <p:cNvSpPr>
             <a:spLocks noGrp="1"/>
           </p:cNvSpPr>
@@ -1648,7 +1659,7 @@
       </p:sp>
       <p:sp>
         <p:nvSpPr>
-          <p:cNvPr id="764343585" name="Symbol zastępczy numeru slajdu 3"/>
+          <p:cNvPr id="845421186" name="Symbol zastępczy numeru slajdu 3"/>
           <p:cNvSpPr>
             <a:spLocks noGrp="1"/>
           </p:cNvSpPr>
@@ -1664,7 +1675,7 @@
             <a:pPr>
               <a:defRPr/>
             </a:pPr>
-            <a:fld id="{DB08053C-6E94-97B3-AC32-E6FED8E7097B}" type="slidenum">
+            <a:fld id="{17F5F790-C25B-C40B-EB64-0EB5843B90C7}" type="slidenum">
               <a:rPr lang="pl-PL"/>
               <a:t/>
             </a:fld>
@@ -1696,7 +1707,7 @@
       </p:grpSpPr>
       <p:sp>
         <p:nvSpPr>
-          <p:cNvPr id="982699815" name="Symbol zastępczy obrazu slajdu 1"/>
+          <p:cNvPr id="1830690393" name="Symbol zastępczy obrazu slajdu 1"/>
           <p:cNvSpPr>
             <a:spLocks noChangeAspect="1" noGrp="1" noRot="1"/>
           </p:cNvSpPr>
@@ -1713,7 +1724,7 @@
       </p:sp>
       <p:sp>
         <p:nvSpPr>
-          <p:cNvPr id="863970882" name="Notatki Symbol zastępczy 2"/>
+          <p:cNvPr id="512358877" name="Notatki Symbol zastępczy 2"/>
           <p:cNvSpPr>
             <a:spLocks noGrp="1"/>
           </p:cNvSpPr>
@@ -1738,7 +1749,7 @@
       </p:sp>
       <p:sp>
         <p:nvSpPr>
-          <p:cNvPr id="553797878" name="Symbol zastępczy numeru slajdu 3"/>
+          <p:cNvPr id="540620139" name="Symbol zastępczy numeru slajdu 3"/>
           <p:cNvSpPr>
             <a:spLocks noGrp="1"/>
           </p:cNvSpPr>
@@ -1754,7 +1765,7 @@
             <a:pPr>
               <a:defRPr/>
             </a:pPr>
-            <a:fld id="{40D45BE1-6EDD-ED5B-37FB-CB6819ADC396}" type="slidenum">
+            <a:fld id="{AB06D6F9-1F9A-ACE9-2D10-2BF5BB5D0912}" type="slidenum">
               <a:rPr lang="pl-PL"/>
               <a:t/>
             </a:fld>
@@ -1786,7 +1797,7 @@
       </p:grpSpPr>
       <p:sp>
         <p:nvSpPr>
-          <p:cNvPr id="1080929768" name="Symbol zastępczy obrazu slajdu 1"/>
+          <p:cNvPr id="1666735690" name="Symbol zastępczy obrazu slajdu 1"/>
           <p:cNvSpPr>
             <a:spLocks noChangeAspect="1" noGrp="1" noRot="1"/>
           </p:cNvSpPr>
@@ -1803,7 +1814,7 @@
       </p:sp>
       <p:sp>
         <p:nvSpPr>
-          <p:cNvPr id="1300796053" name="Notatki Symbol zastępczy 2"/>
+          <p:cNvPr id="1665907319" name="Notatki Symbol zastępczy 2"/>
           <p:cNvSpPr>
             <a:spLocks noGrp="1"/>
           </p:cNvSpPr>
@@ -1828,7 +1839,7 @@
       </p:sp>
       <p:sp>
         <p:nvSpPr>
-          <p:cNvPr id="500082398" name="Symbol zastępczy numeru slajdu 3"/>
+          <p:cNvPr id="647273029" name="Symbol zastępczy numeru slajdu 3"/>
           <p:cNvSpPr>
             <a:spLocks noGrp="1"/>
           </p:cNvSpPr>
@@ -1844,7 +1855,7 @@
             <a:pPr>
               <a:defRPr/>
             </a:pPr>
-            <a:fld id="{8629D46B-E132-0EB3-3DED-AA936318ED31}" type="slidenum">
+            <a:fld id="{CA23D019-6CBF-8937-573A-5EFA18AC9298}" type="slidenum">
               <a:rPr lang="pl-PL"/>
               <a:t/>
             </a:fld>
@@ -1876,7 +1887,7 @@
       </p:grpSpPr>
       <p:sp>
         <p:nvSpPr>
-          <p:cNvPr id="908113890" name="Symbol zastępczy obrazu slajdu 1"/>
+          <p:cNvPr id="889763442" name="Symbol zastępczy obrazu slajdu 1"/>
           <p:cNvSpPr>
             <a:spLocks noChangeAspect="1" noGrp="1" noRot="1"/>
           </p:cNvSpPr>
@@ -1893,7 +1904,7 @@
       </p:sp>
       <p:sp>
         <p:nvSpPr>
-          <p:cNvPr id="2064851968" name="Notatki Symbol zastępczy 2"/>
+          <p:cNvPr id="1142984314" name="Notatki Symbol zastępczy 2"/>
           <p:cNvSpPr>
             <a:spLocks noGrp="1"/>
           </p:cNvSpPr>
@@ -1918,7 +1929,7 @@
       </p:sp>
       <p:sp>
         <p:nvSpPr>
-          <p:cNvPr id="1344584124" name="Symbol zastępczy numeru slajdu 3"/>
+          <p:cNvPr id="764343585" name="Symbol zastępczy numeru slajdu 3"/>
           <p:cNvSpPr>
             <a:spLocks noGrp="1"/>
           </p:cNvSpPr>
@@ -1934,7 +1945,7 @@
             <a:pPr>
               <a:defRPr/>
             </a:pPr>
-            <a:fld id="{B84320AD-813A-03FC-B9B0-79DA299F662B}" type="slidenum">
+            <a:fld id="{DB08053C-6E94-97B3-AC32-E6FED8E7097B}" type="slidenum">
               <a:rPr lang="pl-PL"/>
               <a:t/>
             </a:fld>
@@ -1966,6 +1977,456 @@
       </p:grpSpPr>
       <p:sp>
         <p:nvSpPr>
+          <p:cNvPr id="982699815" name="Symbol zastępczy obrazu slajdu 1"/>
+          <p:cNvSpPr>
+            <a:spLocks noChangeAspect="1" noGrp="1" noRot="1"/>
+          </p:cNvSpPr>
+          <p:nvPr>
+            <p:ph type="sldImg"/>
+          </p:nvPr>
+        </p:nvSpPr>
+        <p:spPr bwMode="auto">
+          <a:xfrm>
+            <a:off x="685800" y="1143000"/>
+            <a:ext cx="5486400" cy="3086100"/>
+          </a:xfrm>
+        </p:spPr>
+      </p:sp>
+      <p:sp>
+        <p:nvSpPr>
+          <p:cNvPr id="863970882" name="Notatki Symbol zastępczy 2"/>
+          <p:cNvSpPr>
+            <a:spLocks noGrp="1"/>
+          </p:cNvSpPr>
+          <p:nvPr>
+            <p:ph type="body" idx="1"/>
+          </p:nvPr>
+        </p:nvSpPr>
+        <p:spPr bwMode="auto"/>
+        <p:txBody>
+          <a:bodyPr/>
+          <a:lstStyle/>
+          <a:p>
+            <a:pPr>
+              <a:defRPr/>
+            </a:pPr>
+            <a:endParaRPr lang="pl-PL">
+              <a:latin typeface="Arial"/>
+              <a:cs typeface="Arial"/>
+            </a:endParaRPr>
+          </a:p>
+        </p:txBody>
+      </p:sp>
+      <p:sp>
+        <p:nvSpPr>
+          <p:cNvPr id="553797878" name="Symbol zastępczy numeru slajdu 3"/>
+          <p:cNvSpPr>
+            <a:spLocks noGrp="1"/>
+          </p:cNvSpPr>
+          <p:nvPr>
+            <p:ph type="sldNum" sz="quarter" idx="10"/>
+          </p:nvPr>
+        </p:nvSpPr>
+        <p:spPr bwMode="auto"/>
+        <p:txBody>
+          <a:bodyPr/>
+          <a:lstStyle/>
+          <a:p>
+            <a:pPr>
+              <a:defRPr/>
+            </a:pPr>
+            <a:fld id="{40D45BE1-6EDD-ED5B-37FB-CB6819ADC396}" type="slidenum">
+              <a:rPr lang="pl-PL"/>
+              <a:t/>
+            </a:fld>
+            <a:endParaRPr lang="pl-PL"/>
+          </a:p>
+        </p:txBody>
+      </p:sp>
+    </p:spTree>
+  </p:cSld>
+</p:notes>
+</file>
+
+<file path=ppt/notesSlides/notesSlide25.xml><?xml version="1.0" encoding="utf-8"?>
+<p:notes xmlns:a="http://schemas.openxmlformats.org/drawingml/2006/main" xmlns:r="http://schemas.openxmlformats.org/officeDocument/2006/relationships" xmlns:p="http://schemas.openxmlformats.org/presentationml/2006/main" xmlns:m="http://schemas.openxmlformats.org/officeDocument/2006/math" xmlns:w="http://schemas.openxmlformats.org/wordprocessingml/2006/main">
+  <p:cSld name="">
+    <p:spTree>
+      <p:nvGrpSpPr>
+        <p:cNvPr id="1" name=""/>
+        <p:cNvGrpSpPr/>
+        <p:nvPr/>
+      </p:nvGrpSpPr>
+      <p:grpSpPr bwMode="auto">
+        <a:xfrm>
+          <a:off x="0" y="0"/>
+          <a:ext cx="0" cy="0"/>
+          <a:chOff x="0" y="0"/>
+          <a:chExt cx="0" cy="0"/>
+        </a:xfrm>
+      </p:grpSpPr>
+      <p:sp>
+        <p:nvSpPr>
+          <p:cNvPr id="1080929768" name="Symbol zastępczy obrazu slajdu 1"/>
+          <p:cNvSpPr>
+            <a:spLocks noChangeAspect="1" noGrp="1" noRot="1"/>
+          </p:cNvSpPr>
+          <p:nvPr>
+            <p:ph type="sldImg"/>
+          </p:nvPr>
+        </p:nvSpPr>
+        <p:spPr bwMode="auto">
+          <a:xfrm>
+            <a:off x="685800" y="1143000"/>
+            <a:ext cx="5486400" cy="3086100"/>
+          </a:xfrm>
+        </p:spPr>
+      </p:sp>
+      <p:sp>
+        <p:nvSpPr>
+          <p:cNvPr id="1300796053" name="Notatki Symbol zastępczy 2"/>
+          <p:cNvSpPr>
+            <a:spLocks noGrp="1"/>
+          </p:cNvSpPr>
+          <p:nvPr>
+            <p:ph type="body" idx="1"/>
+          </p:nvPr>
+        </p:nvSpPr>
+        <p:spPr bwMode="auto"/>
+        <p:txBody>
+          <a:bodyPr/>
+          <a:lstStyle/>
+          <a:p>
+            <a:pPr>
+              <a:defRPr/>
+            </a:pPr>
+            <a:endParaRPr lang="pl-PL">
+              <a:latin typeface="Arial"/>
+              <a:cs typeface="Arial"/>
+            </a:endParaRPr>
+          </a:p>
+        </p:txBody>
+      </p:sp>
+      <p:sp>
+        <p:nvSpPr>
+          <p:cNvPr id="500082398" name="Symbol zastępczy numeru slajdu 3"/>
+          <p:cNvSpPr>
+            <a:spLocks noGrp="1"/>
+          </p:cNvSpPr>
+          <p:nvPr>
+            <p:ph type="sldNum" sz="quarter" idx="10"/>
+          </p:nvPr>
+        </p:nvSpPr>
+        <p:spPr bwMode="auto"/>
+        <p:txBody>
+          <a:bodyPr/>
+          <a:lstStyle/>
+          <a:p>
+            <a:pPr>
+              <a:defRPr/>
+            </a:pPr>
+            <a:fld id="{8629D46B-E132-0EB3-3DED-AA936318ED31}" type="slidenum">
+              <a:rPr lang="pl-PL"/>
+              <a:t/>
+            </a:fld>
+            <a:endParaRPr lang="pl-PL"/>
+          </a:p>
+        </p:txBody>
+      </p:sp>
+    </p:spTree>
+  </p:cSld>
+</p:notes>
+</file>
+
+<file path=ppt/notesSlides/notesSlide26.xml><?xml version="1.0" encoding="utf-8"?>
+<p:notes xmlns:a="http://schemas.openxmlformats.org/drawingml/2006/main" xmlns:r="http://schemas.openxmlformats.org/officeDocument/2006/relationships" xmlns:p="http://schemas.openxmlformats.org/presentationml/2006/main" xmlns:m="http://schemas.openxmlformats.org/officeDocument/2006/math" xmlns:w="http://schemas.openxmlformats.org/wordprocessingml/2006/main">
+  <p:cSld name="">
+    <p:spTree>
+      <p:nvGrpSpPr>
+        <p:cNvPr id="1" name=""/>
+        <p:cNvGrpSpPr/>
+        <p:nvPr/>
+      </p:nvGrpSpPr>
+      <p:grpSpPr bwMode="auto">
+        <a:xfrm>
+          <a:off x="0" y="0"/>
+          <a:ext cx="0" cy="0"/>
+          <a:chOff x="0" y="0"/>
+          <a:chExt cx="0" cy="0"/>
+        </a:xfrm>
+      </p:grpSpPr>
+      <p:sp>
+        <p:nvSpPr>
+          <p:cNvPr id="908113890" name="Symbol zastępczy obrazu slajdu 1"/>
+          <p:cNvSpPr>
+            <a:spLocks noChangeAspect="1" noGrp="1" noRot="1"/>
+          </p:cNvSpPr>
+          <p:nvPr>
+            <p:ph type="sldImg"/>
+          </p:nvPr>
+        </p:nvSpPr>
+        <p:spPr bwMode="auto">
+          <a:xfrm>
+            <a:off x="685800" y="1143000"/>
+            <a:ext cx="5486400" cy="3086100"/>
+          </a:xfrm>
+        </p:spPr>
+      </p:sp>
+      <p:sp>
+        <p:nvSpPr>
+          <p:cNvPr id="2064851968" name="Notatki Symbol zastępczy 2"/>
+          <p:cNvSpPr>
+            <a:spLocks noGrp="1"/>
+          </p:cNvSpPr>
+          <p:nvPr>
+            <p:ph type="body" idx="1"/>
+          </p:nvPr>
+        </p:nvSpPr>
+        <p:spPr bwMode="auto"/>
+        <p:txBody>
+          <a:bodyPr/>
+          <a:lstStyle/>
+          <a:p>
+            <a:pPr>
+              <a:defRPr/>
+            </a:pPr>
+            <a:endParaRPr lang="pl-PL">
+              <a:latin typeface="Arial"/>
+              <a:cs typeface="Arial"/>
+            </a:endParaRPr>
+          </a:p>
+        </p:txBody>
+      </p:sp>
+      <p:sp>
+        <p:nvSpPr>
+          <p:cNvPr id="1344584124" name="Symbol zastępczy numeru slajdu 3"/>
+          <p:cNvSpPr>
+            <a:spLocks noGrp="1"/>
+          </p:cNvSpPr>
+          <p:nvPr>
+            <p:ph type="sldNum" sz="quarter" idx="10"/>
+          </p:nvPr>
+        </p:nvSpPr>
+        <p:spPr bwMode="auto"/>
+        <p:txBody>
+          <a:bodyPr/>
+          <a:lstStyle/>
+          <a:p>
+            <a:pPr>
+              <a:defRPr/>
+            </a:pPr>
+            <a:fld id="{B84320AD-813A-03FC-B9B0-79DA299F662B}" type="slidenum">
+              <a:rPr lang="pl-PL"/>
+              <a:t/>
+            </a:fld>
+            <a:endParaRPr lang="pl-PL"/>
+          </a:p>
+        </p:txBody>
+      </p:sp>
+    </p:spTree>
+  </p:cSld>
+</p:notes>
+</file>
+
+<file path=ppt/notesSlides/notesSlide27.xml><?xml version="1.0" encoding="utf-8"?>
+<p:notes xmlns:a="http://schemas.openxmlformats.org/drawingml/2006/main" xmlns:r="http://schemas.openxmlformats.org/officeDocument/2006/relationships" xmlns:p="http://schemas.openxmlformats.org/presentationml/2006/main" xmlns:m="http://schemas.openxmlformats.org/officeDocument/2006/math" xmlns:w="http://schemas.openxmlformats.org/wordprocessingml/2006/main">
+  <p:cSld name="">
+    <p:spTree>
+      <p:nvGrpSpPr>
+        <p:cNvPr id="1" name=""/>
+        <p:cNvGrpSpPr/>
+        <p:nvPr/>
+      </p:nvGrpSpPr>
+      <p:grpSpPr bwMode="auto">
+        <a:xfrm>
+          <a:off x="0" y="0"/>
+          <a:ext cx="0" cy="0"/>
+          <a:chOff x="0" y="0"/>
+          <a:chExt cx="0" cy="0"/>
+        </a:xfrm>
+      </p:grpSpPr>
+      <p:sp>
+        <p:nvSpPr>
+          <p:cNvPr id="1269445701" name="Symbol zastępczy obrazu slajdu 1"/>
+          <p:cNvSpPr>
+            <a:spLocks noChangeAspect="1" noGrp="1" noRot="1"/>
+          </p:cNvSpPr>
+          <p:nvPr>
+            <p:ph type="sldImg"/>
+          </p:nvPr>
+        </p:nvSpPr>
+        <p:spPr bwMode="auto">
+          <a:xfrm>
+            <a:off x="685800" y="1143000"/>
+            <a:ext cx="5486400" cy="3086100"/>
+          </a:xfrm>
+        </p:spPr>
+      </p:sp>
+      <p:sp>
+        <p:nvSpPr>
+          <p:cNvPr id="1434671370" name="Notatki Symbol zastępczy 2"/>
+          <p:cNvSpPr>
+            <a:spLocks noGrp="1"/>
+          </p:cNvSpPr>
+          <p:nvPr>
+            <p:ph type="body" idx="1"/>
+          </p:nvPr>
+        </p:nvSpPr>
+        <p:spPr bwMode="auto"/>
+        <p:txBody>
+          <a:bodyPr/>
+          <a:lstStyle/>
+          <a:p>
+            <a:pPr>
+              <a:defRPr/>
+            </a:pPr>
+            <a:endParaRPr lang="pl-PL">
+              <a:latin typeface="Arial"/>
+              <a:cs typeface="Arial"/>
+            </a:endParaRPr>
+          </a:p>
+        </p:txBody>
+      </p:sp>
+      <p:sp>
+        <p:nvSpPr>
+          <p:cNvPr id="1230038422" name="Symbol zastępczy numeru slajdu 3"/>
+          <p:cNvSpPr>
+            <a:spLocks noGrp="1"/>
+          </p:cNvSpPr>
+          <p:nvPr>
+            <p:ph type="sldNum" sz="quarter" idx="10"/>
+          </p:nvPr>
+        </p:nvSpPr>
+        <p:spPr bwMode="auto"/>
+        <p:txBody>
+          <a:bodyPr/>
+          <a:lstStyle/>
+          <a:p>
+            <a:pPr>
+              <a:defRPr/>
+            </a:pPr>
+            <a:fld id="{A3952F74-6C95-4583-C95E-939887E25AFD}" type="slidenum">
+              <a:rPr lang="pl-PL"/>
+              <a:t/>
+            </a:fld>
+            <a:endParaRPr lang="pl-PL"/>
+          </a:p>
+        </p:txBody>
+      </p:sp>
+    </p:spTree>
+  </p:cSld>
+</p:notes>
+</file>
+
+<file path=ppt/notesSlides/notesSlide28.xml><?xml version="1.0" encoding="utf-8"?>
+<p:notes xmlns:a="http://schemas.openxmlformats.org/drawingml/2006/main" xmlns:r="http://schemas.openxmlformats.org/officeDocument/2006/relationships" xmlns:p="http://schemas.openxmlformats.org/presentationml/2006/main" xmlns:m="http://schemas.openxmlformats.org/officeDocument/2006/math" xmlns:w="http://schemas.openxmlformats.org/wordprocessingml/2006/main">
+  <p:cSld name="">
+    <p:spTree>
+      <p:nvGrpSpPr>
+        <p:cNvPr id="1" name=""/>
+        <p:cNvGrpSpPr/>
+        <p:nvPr/>
+      </p:nvGrpSpPr>
+      <p:grpSpPr bwMode="auto">
+        <a:xfrm>
+          <a:off x="0" y="0"/>
+          <a:ext cx="0" cy="0"/>
+          <a:chOff x="0" y="0"/>
+          <a:chExt cx="0" cy="0"/>
+        </a:xfrm>
+      </p:grpSpPr>
+      <p:sp>
+        <p:nvSpPr>
+          <p:cNvPr id="1994668273" name="Symbol zastępczy obrazu slajdu 1"/>
+          <p:cNvSpPr>
+            <a:spLocks noChangeAspect="1" noGrp="1" noRot="1"/>
+          </p:cNvSpPr>
+          <p:nvPr>
+            <p:ph type="sldImg"/>
+          </p:nvPr>
+        </p:nvSpPr>
+        <p:spPr bwMode="auto">
+          <a:xfrm>
+            <a:off x="685800" y="1143000"/>
+            <a:ext cx="5486400" cy="3086100"/>
+          </a:xfrm>
+        </p:spPr>
+      </p:sp>
+      <p:sp>
+        <p:nvSpPr>
+          <p:cNvPr id="1091195823" name="Notatki Symbol zastępczy 2"/>
+          <p:cNvSpPr>
+            <a:spLocks noGrp="1"/>
+          </p:cNvSpPr>
+          <p:nvPr>
+            <p:ph type="body" idx="1"/>
+          </p:nvPr>
+        </p:nvSpPr>
+        <p:spPr bwMode="auto"/>
+        <p:txBody>
+          <a:bodyPr/>
+          <a:lstStyle/>
+          <a:p>
+            <a:pPr>
+              <a:defRPr/>
+            </a:pPr>
+            <a:endParaRPr lang="pl-PL">
+              <a:latin typeface="Arial"/>
+              <a:cs typeface="Arial"/>
+            </a:endParaRPr>
+          </a:p>
+        </p:txBody>
+      </p:sp>
+      <p:sp>
+        <p:nvSpPr>
+          <p:cNvPr id="113457593" name="Symbol zastępczy numeru slajdu 3"/>
+          <p:cNvSpPr>
+            <a:spLocks noGrp="1"/>
+          </p:cNvSpPr>
+          <p:nvPr>
+            <p:ph type="sldNum" sz="quarter" idx="10"/>
+          </p:nvPr>
+        </p:nvSpPr>
+        <p:spPr bwMode="auto"/>
+        <p:txBody>
+          <a:bodyPr/>
+          <a:lstStyle/>
+          <a:p>
+            <a:pPr>
+              <a:defRPr/>
+            </a:pPr>
+            <a:fld id="{18DE2EFA-7E50-E4DC-33C4-A2ECAE549311}" type="slidenum">
+              <a:rPr lang="pl-PL"/>
+              <a:t/>
+            </a:fld>
+            <a:endParaRPr lang="pl-PL"/>
+          </a:p>
+        </p:txBody>
+      </p:sp>
+    </p:spTree>
+  </p:cSld>
+</p:notes>
+</file>
+
+<file path=ppt/notesSlides/notesSlide29.xml><?xml version="1.0" encoding="utf-8"?>
+<p:notes xmlns:a="http://schemas.openxmlformats.org/drawingml/2006/main" xmlns:r="http://schemas.openxmlformats.org/officeDocument/2006/relationships" xmlns:p="http://schemas.openxmlformats.org/presentationml/2006/main" xmlns:m="http://schemas.openxmlformats.org/officeDocument/2006/math" xmlns:w="http://schemas.openxmlformats.org/wordprocessingml/2006/main">
+  <p:cSld name="">
+    <p:spTree>
+      <p:nvGrpSpPr>
+        <p:cNvPr id="1" name=""/>
+        <p:cNvGrpSpPr/>
+        <p:nvPr/>
+      </p:nvGrpSpPr>
+      <p:grpSpPr bwMode="auto">
+        <a:xfrm>
+          <a:off x="0" y="0"/>
+          <a:ext cx="0" cy="0"/>
+          <a:chOff x="0" y="0"/>
+          <a:chExt cx="0" cy="0"/>
+        </a:xfrm>
+      </p:grpSpPr>
+      <p:sp>
+        <p:nvSpPr>
           <p:cNvPr id="1038459019" name="Symbol zastępczy obrazu slajdu 1"/>
           <p:cNvSpPr>
             <a:spLocks noChangeAspect="1" noGrp="1" noRot="1"/>
@@ -2115,6 +2576,546 @@
               <a:defRPr/>
             </a:pPr>
             <a:fld id="{1B314004-A7FD-AA43-3D74-5AED283EAD2E}" type="slidenum">
+              <a:rPr lang="pl-PL"/>
+              <a:t/>
+            </a:fld>
+            <a:endParaRPr lang="pl-PL"/>
+          </a:p>
+        </p:txBody>
+      </p:sp>
+    </p:spTree>
+  </p:cSld>
+</p:notes>
+</file>
+
+<file path=ppt/notesSlides/notesSlide30.xml><?xml version="1.0" encoding="utf-8"?>
+<p:notes xmlns:a="http://schemas.openxmlformats.org/drawingml/2006/main" xmlns:r="http://schemas.openxmlformats.org/officeDocument/2006/relationships" xmlns:p="http://schemas.openxmlformats.org/presentationml/2006/main" xmlns:m="http://schemas.openxmlformats.org/officeDocument/2006/math" xmlns:w="http://schemas.openxmlformats.org/wordprocessingml/2006/main">
+  <p:cSld name="">
+    <p:spTree>
+      <p:nvGrpSpPr>
+        <p:cNvPr id="1" name=""/>
+        <p:cNvGrpSpPr/>
+        <p:nvPr/>
+      </p:nvGrpSpPr>
+      <p:grpSpPr bwMode="auto">
+        <a:xfrm>
+          <a:off x="0" y="0"/>
+          <a:ext cx="0" cy="0"/>
+          <a:chOff x="0" y="0"/>
+          <a:chExt cx="0" cy="0"/>
+        </a:xfrm>
+      </p:grpSpPr>
+      <p:sp>
+        <p:nvSpPr>
+          <p:cNvPr id="427731150" name="Symbol zastępczy obrazu slajdu 1"/>
+          <p:cNvSpPr>
+            <a:spLocks noChangeAspect="1" noGrp="1" noRot="1"/>
+          </p:cNvSpPr>
+          <p:nvPr>
+            <p:ph type="sldImg"/>
+          </p:nvPr>
+        </p:nvSpPr>
+        <p:spPr bwMode="auto">
+          <a:xfrm>
+            <a:off x="685800" y="1143000"/>
+            <a:ext cx="5486400" cy="3086100"/>
+          </a:xfrm>
+        </p:spPr>
+      </p:sp>
+      <p:sp>
+        <p:nvSpPr>
+          <p:cNvPr id="1486426136" name="Notatki Symbol zastępczy 2"/>
+          <p:cNvSpPr>
+            <a:spLocks noGrp="1"/>
+          </p:cNvSpPr>
+          <p:nvPr>
+            <p:ph type="body" idx="1"/>
+          </p:nvPr>
+        </p:nvSpPr>
+        <p:spPr bwMode="auto"/>
+        <p:txBody>
+          <a:bodyPr/>
+          <a:lstStyle/>
+          <a:p>
+            <a:pPr>
+              <a:defRPr/>
+            </a:pPr>
+            <a:endParaRPr lang="pl-PL">
+              <a:latin typeface="Arial"/>
+              <a:cs typeface="Arial"/>
+            </a:endParaRPr>
+          </a:p>
+        </p:txBody>
+      </p:sp>
+      <p:sp>
+        <p:nvSpPr>
+          <p:cNvPr id="138759083" name="Symbol zastępczy numeru slajdu 3"/>
+          <p:cNvSpPr>
+            <a:spLocks noGrp="1"/>
+          </p:cNvSpPr>
+          <p:nvPr>
+            <p:ph type="sldNum" sz="quarter" idx="10"/>
+          </p:nvPr>
+        </p:nvSpPr>
+        <p:spPr bwMode="auto"/>
+        <p:txBody>
+          <a:bodyPr/>
+          <a:lstStyle/>
+          <a:p>
+            <a:pPr>
+              <a:defRPr/>
+            </a:pPr>
+            <a:fld id="{8CD577A0-07E9-F492-1588-7ACE26ACC03E}" type="slidenum">
+              <a:rPr lang="pl-PL"/>
+              <a:t/>
+            </a:fld>
+            <a:endParaRPr lang="pl-PL"/>
+          </a:p>
+        </p:txBody>
+      </p:sp>
+    </p:spTree>
+  </p:cSld>
+</p:notes>
+</file>
+
+<file path=ppt/notesSlides/notesSlide31.xml><?xml version="1.0" encoding="utf-8"?>
+<p:notes xmlns:a="http://schemas.openxmlformats.org/drawingml/2006/main" xmlns:r="http://schemas.openxmlformats.org/officeDocument/2006/relationships" xmlns:p="http://schemas.openxmlformats.org/presentationml/2006/main" xmlns:m="http://schemas.openxmlformats.org/officeDocument/2006/math" xmlns:w="http://schemas.openxmlformats.org/wordprocessingml/2006/main">
+  <p:cSld name="">
+    <p:spTree>
+      <p:nvGrpSpPr>
+        <p:cNvPr id="1" name=""/>
+        <p:cNvGrpSpPr/>
+        <p:nvPr/>
+      </p:nvGrpSpPr>
+      <p:grpSpPr bwMode="auto">
+        <a:xfrm>
+          <a:off x="0" y="0"/>
+          <a:ext cx="0" cy="0"/>
+          <a:chOff x="0" y="0"/>
+          <a:chExt cx="0" cy="0"/>
+        </a:xfrm>
+      </p:grpSpPr>
+      <p:sp>
+        <p:nvSpPr>
+          <p:cNvPr id="677120517" name="Symbol zastępczy obrazu slajdu 1"/>
+          <p:cNvSpPr>
+            <a:spLocks noChangeAspect="1" noGrp="1" noRot="1"/>
+          </p:cNvSpPr>
+          <p:nvPr>
+            <p:ph type="sldImg"/>
+          </p:nvPr>
+        </p:nvSpPr>
+        <p:spPr bwMode="auto">
+          <a:xfrm>
+            <a:off x="685800" y="1143000"/>
+            <a:ext cx="5486400" cy="3086100"/>
+          </a:xfrm>
+        </p:spPr>
+      </p:sp>
+      <p:sp>
+        <p:nvSpPr>
+          <p:cNvPr id="121067371" name="Notatki Symbol zastępczy 2"/>
+          <p:cNvSpPr>
+            <a:spLocks noGrp="1"/>
+          </p:cNvSpPr>
+          <p:nvPr>
+            <p:ph type="body" idx="1"/>
+          </p:nvPr>
+        </p:nvSpPr>
+        <p:spPr bwMode="auto"/>
+        <p:txBody>
+          <a:bodyPr/>
+          <a:lstStyle/>
+          <a:p>
+            <a:pPr>
+              <a:defRPr/>
+            </a:pPr>
+            <a:endParaRPr lang="pl-PL">
+              <a:latin typeface="Arial"/>
+              <a:cs typeface="Arial"/>
+            </a:endParaRPr>
+          </a:p>
+        </p:txBody>
+      </p:sp>
+      <p:sp>
+        <p:nvSpPr>
+          <p:cNvPr id="1419906908" name="Symbol zastępczy numeru slajdu 3"/>
+          <p:cNvSpPr>
+            <a:spLocks noGrp="1"/>
+          </p:cNvSpPr>
+          <p:nvPr>
+            <p:ph type="sldNum" sz="quarter" idx="10"/>
+          </p:nvPr>
+        </p:nvSpPr>
+        <p:spPr bwMode="auto"/>
+        <p:txBody>
+          <a:bodyPr/>
+          <a:lstStyle/>
+          <a:p>
+            <a:pPr>
+              <a:defRPr/>
+            </a:pPr>
+            <a:fld id="{121F9536-C0FB-1551-4445-CC362B6A0416}" type="slidenum">
+              <a:rPr lang="pl-PL"/>
+              <a:t/>
+            </a:fld>
+            <a:endParaRPr lang="pl-PL"/>
+          </a:p>
+        </p:txBody>
+      </p:sp>
+    </p:spTree>
+  </p:cSld>
+</p:notes>
+</file>
+
+<file path=ppt/notesSlides/notesSlide32.xml><?xml version="1.0" encoding="utf-8"?>
+<p:notes xmlns:a="http://schemas.openxmlformats.org/drawingml/2006/main" xmlns:r="http://schemas.openxmlformats.org/officeDocument/2006/relationships" xmlns:p="http://schemas.openxmlformats.org/presentationml/2006/main" xmlns:m="http://schemas.openxmlformats.org/officeDocument/2006/math" xmlns:w="http://schemas.openxmlformats.org/wordprocessingml/2006/main">
+  <p:cSld name="">
+    <p:spTree>
+      <p:nvGrpSpPr>
+        <p:cNvPr id="1" name=""/>
+        <p:cNvGrpSpPr/>
+        <p:nvPr/>
+      </p:nvGrpSpPr>
+      <p:grpSpPr bwMode="auto">
+        <a:xfrm>
+          <a:off x="0" y="0"/>
+          <a:ext cx="0" cy="0"/>
+          <a:chOff x="0" y="0"/>
+          <a:chExt cx="0" cy="0"/>
+        </a:xfrm>
+      </p:grpSpPr>
+      <p:sp>
+        <p:nvSpPr>
+          <p:cNvPr id="1440201035" name="Symbol zastępczy obrazu slajdu 1"/>
+          <p:cNvSpPr>
+            <a:spLocks noChangeAspect="1" noGrp="1" noRot="1"/>
+          </p:cNvSpPr>
+          <p:nvPr>
+            <p:ph type="sldImg"/>
+          </p:nvPr>
+        </p:nvSpPr>
+        <p:spPr bwMode="auto">
+          <a:xfrm>
+            <a:off x="685800" y="1143000"/>
+            <a:ext cx="5486400" cy="3086100"/>
+          </a:xfrm>
+        </p:spPr>
+      </p:sp>
+      <p:sp>
+        <p:nvSpPr>
+          <p:cNvPr id="1053561981" name="Notatki Symbol zastępczy 2"/>
+          <p:cNvSpPr>
+            <a:spLocks noGrp="1"/>
+          </p:cNvSpPr>
+          <p:nvPr>
+            <p:ph type="body" idx="1"/>
+          </p:nvPr>
+        </p:nvSpPr>
+        <p:spPr bwMode="auto"/>
+        <p:txBody>
+          <a:bodyPr/>
+          <a:lstStyle/>
+          <a:p>
+            <a:pPr>
+              <a:defRPr/>
+            </a:pPr>
+            <a:endParaRPr lang="pl-PL">
+              <a:latin typeface="Arial"/>
+              <a:cs typeface="Arial"/>
+            </a:endParaRPr>
+          </a:p>
+        </p:txBody>
+      </p:sp>
+      <p:sp>
+        <p:nvSpPr>
+          <p:cNvPr id="508983834" name="Symbol zastępczy numeru slajdu 3"/>
+          <p:cNvSpPr>
+            <a:spLocks noGrp="1"/>
+          </p:cNvSpPr>
+          <p:nvPr>
+            <p:ph type="sldNum" sz="quarter" idx="10"/>
+          </p:nvPr>
+        </p:nvSpPr>
+        <p:spPr bwMode="auto"/>
+        <p:txBody>
+          <a:bodyPr/>
+          <a:lstStyle/>
+          <a:p>
+            <a:pPr>
+              <a:defRPr/>
+            </a:pPr>
+            <a:fld id="{8839D74E-CAFC-E086-C73D-1D9B8E4098EF}" type="slidenum">
+              <a:rPr lang="pl-PL"/>
+              <a:t/>
+            </a:fld>
+            <a:endParaRPr lang="pl-PL"/>
+          </a:p>
+        </p:txBody>
+      </p:sp>
+    </p:spTree>
+  </p:cSld>
+</p:notes>
+</file>
+
+<file path=ppt/notesSlides/notesSlide33.xml><?xml version="1.0" encoding="utf-8"?>
+<p:notes xmlns:a="http://schemas.openxmlformats.org/drawingml/2006/main" xmlns:r="http://schemas.openxmlformats.org/officeDocument/2006/relationships" xmlns:p="http://schemas.openxmlformats.org/presentationml/2006/main" xmlns:m="http://schemas.openxmlformats.org/officeDocument/2006/math" xmlns:w="http://schemas.openxmlformats.org/wordprocessingml/2006/main">
+  <p:cSld name="">
+    <p:spTree>
+      <p:nvGrpSpPr>
+        <p:cNvPr id="1" name=""/>
+        <p:cNvGrpSpPr/>
+        <p:nvPr/>
+      </p:nvGrpSpPr>
+      <p:grpSpPr bwMode="auto">
+        <a:xfrm>
+          <a:off x="0" y="0"/>
+          <a:ext cx="0" cy="0"/>
+          <a:chOff x="0" y="0"/>
+          <a:chExt cx="0" cy="0"/>
+        </a:xfrm>
+      </p:grpSpPr>
+      <p:sp>
+        <p:nvSpPr>
+          <p:cNvPr id="1193207055" name="Symbol zastępczy obrazu slajdu 1"/>
+          <p:cNvSpPr>
+            <a:spLocks noChangeAspect="1" noGrp="1" noRot="1"/>
+          </p:cNvSpPr>
+          <p:nvPr>
+            <p:ph type="sldImg"/>
+          </p:nvPr>
+        </p:nvSpPr>
+        <p:spPr bwMode="auto">
+          <a:xfrm>
+            <a:off x="685800" y="1143000"/>
+            <a:ext cx="5486400" cy="3086100"/>
+          </a:xfrm>
+        </p:spPr>
+      </p:sp>
+      <p:sp>
+        <p:nvSpPr>
+          <p:cNvPr id="229815418" name="Notatki Symbol zastępczy 2"/>
+          <p:cNvSpPr>
+            <a:spLocks noGrp="1"/>
+          </p:cNvSpPr>
+          <p:nvPr>
+            <p:ph type="body" idx="1"/>
+          </p:nvPr>
+        </p:nvSpPr>
+        <p:spPr bwMode="auto"/>
+        <p:txBody>
+          <a:bodyPr/>
+          <a:lstStyle/>
+          <a:p>
+            <a:pPr>
+              <a:defRPr/>
+            </a:pPr>
+            <a:endParaRPr lang="pl-PL">
+              <a:latin typeface="Arial"/>
+              <a:cs typeface="Arial"/>
+            </a:endParaRPr>
+          </a:p>
+        </p:txBody>
+      </p:sp>
+      <p:sp>
+        <p:nvSpPr>
+          <p:cNvPr id="683574684" name="Symbol zastępczy numeru slajdu 3"/>
+          <p:cNvSpPr>
+            <a:spLocks noGrp="1"/>
+          </p:cNvSpPr>
+          <p:nvPr>
+            <p:ph type="sldNum" sz="quarter" idx="10"/>
+          </p:nvPr>
+        </p:nvSpPr>
+        <p:spPr bwMode="auto"/>
+        <p:txBody>
+          <a:bodyPr/>
+          <a:lstStyle/>
+          <a:p>
+            <a:pPr>
+              <a:defRPr/>
+            </a:pPr>
+            <a:fld id="{0D9678F0-AD7C-22CE-C98A-E0983BB7A6CD}" type="slidenum">
+              <a:rPr lang="pl-PL"/>
+              <a:t/>
+            </a:fld>
+            <a:endParaRPr lang="pl-PL"/>
+          </a:p>
+        </p:txBody>
+      </p:sp>
+    </p:spTree>
+  </p:cSld>
+</p:notes>
+</file>
+
+<file path=ppt/notesSlides/notesSlide34.xml><?xml version="1.0" encoding="utf-8"?>
+<p:notes xmlns:a="http://schemas.openxmlformats.org/drawingml/2006/main" xmlns:r="http://schemas.openxmlformats.org/officeDocument/2006/relationships" xmlns:p="http://schemas.openxmlformats.org/presentationml/2006/main" xmlns:m="http://schemas.openxmlformats.org/officeDocument/2006/math" xmlns:w="http://schemas.openxmlformats.org/wordprocessingml/2006/main">
+  <p:cSld name="">
+    <p:spTree>
+      <p:nvGrpSpPr>
+        <p:cNvPr id="1" name=""/>
+        <p:cNvGrpSpPr/>
+        <p:nvPr/>
+      </p:nvGrpSpPr>
+      <p:grpSpPr bwMode="auto">
+        <a:xfrm>
+          <a:off x="0" y="0"/>
+          <a:ext cx="0" cy="0"/>
+          <a:chOff x="0" y="0"/>
+          <a:chExt cx="0" cy="0"/>
+        </a:xfrm>
+      </p:grpSpPr>
+      <p:sp>
+        <p:nvSpPr>
+          <p:cNvPr id="1316818266" name="Symbol zastępczy obrazu slajdu 1"/>
+          <p:cNvSpPr>
+            <a:spLocks noChangeAspect="1" noGrp="1" noRot="1"/>
+          </p:cNvSpPr>
+          <p:nvPr>
+            <p:ph type="sldImg"/>
+          </p:nvPr>
+        </p:nvSpPr>
+        <p:spPr bwMode="auto">
+          <a:xfrm>
+            <a:off x="685800" y="1143000"/>
+            <a:ext cx="5486400" cy="3086100"/>
+          </a:xfrm>
+        </p:spPr>
+      </p:sp>
+      <p:sp>
+        <p:nvSpPr>
+          <p:cNvPr id="112093509" name="Notatki Symbol zastępczy 2"/>
+          <p:cNvSpPr>
+            <a:spLocks noGrp="1"/>
+          </p:cNvSpPr>
+          <p:nvPr>
+            <p:ph type="body" idx="1"/>
+          </p:nvPr>
+        </p:nvSpPr>
+        <p:spPr bwMode="auto"/>
+        <p:txBody>
+          <a:bodyPr/>
+          <a:lstStyle/>
+          <a:p>
+            <a:pPr>
+              <a:defRPr/>
+            </a:pPr>
+            <a:endParaRPr lang="pl-PL">
+              <a:latin typeface="Arial"/>
+              <a:cs typeface="Arial"/>
+            </a:endParaRPr>
+          </a:p>
+        </p:txBody>
+      </p:sp>
+      <p:sp>
+        <p:nvSpPr>
+          <p:cNvPr id="1448100984" name="Symbol zastępczy numeru slajdu 3"/>
+          <p:cNvSpPr>
+            <a:spLocks noGrp="1"/>
+          </p:cNvSpPr>
+          <p:nvPr>
+            <p:ph type="sldNum" sz="quarter" idx="10"/>
+          </p:nvPr>
+        </p:nvSpPr>
+        <p:spPr bwMode="auto"/>
+        <p:txBody>
+          <a:bodyPr/>
+          <a:lstStyle/>
+          <a:p>
+            <a:pPr>
+              <a:defRPr/>
+            </a:pPr>
+            <a:fld id="{8A58B7B6-3ABA-2D41-F7C9-88D5199103A6}" type="slidenum">
+              <a:rPr lang="pl-PL"/>
+              <a:t/>
+            </a:fld>
+            <a:endParaRPr lang="pl-PL"/>
+          </a:p>
+        </p:txBody>
+      </p:sp>
+    </p:spTree>
+  </p:cSld>
+</p:notes>
+</file>
+
+<file path=ppt/notesSlides/notesSlide35.xml><?xml version="1.0" encoding="utf-8"?>
+<p:notes xmlns:a="http://schemas.openxmlformats.org/drawingml/2006/main" xmlns:r="http://schemas.openxmlformats.org/officeDocument/2006/relationships" xmlns:p="http://schemas.openxmlformats.org/presentationml/2006/main" xmlns:m="http://schemas.openxmlformats.org/officeDocument/2006/math" xmlns:w="http://schemas.openxmlformats.org/wordprocessingml/2006/main">
+  <p:cSld name="">
+    <p:spTree>
+      <p:nvGrpSpPr>
+        <p:cNvPr id="1" name=""/>
+        <p:cNvGrpSpPr/>
+        <p:nvPr/>
+      </p:nvGrpSpPr>
+      <p:grpSpPr bwMode="auto">
+        <a:xfrm>
+          <a:off x="0" y="0"/>
+          <a:ext cx="0" cy="0"/>
+          <a:chOff x="0" y="0"/>
+          <a:chExt cx="0" cy="0"/>
+        </a:xfrm>
+      </p:grpSpPr>
+      <p:sp>
+        <p:nvSpPr>
+          <p:cNvPr id="236393210" name="Symbol zastępczy obrazu slajdu 1"/>
+          <p:cNvSpPr>
+            <a:spLocks noChangeAspect="1" noGrp="1" noRot="1"/>
+          </p:cNvSpPr>
+          <p:nvPr>
+            <p:ph type="sldImg"/>
+          </p:nvPr>
+        </p:nvSpPr>
+        <p:spPr bwMode="auto">
+          <a:xfrm>
+            <a:off x="685800" y="1143000"/>
+            <a:ext cx="5486400" cy="3086100"/>
+          </a:xfrm>
+        </p:spPr>
+      </p:sp>
+      <p:sp>
+        <p:nvSpPr>
+          <p:cNvPr id="1511940984" name="Notatki Symbol zastępczy 2"/>
+          <p:cNvSpPr>
+            <a:spLocks noGrp="1"/>
+          </p:cNvSpPr>
+          <p:nvPr>
+            <p:ph type="body" idx="1"/>
+          </p:nvPr>
+        </p:nvSpPr>
+        <p:spPr bwMode="auto"/>
+        <p:txBody>
+          <a:bodyPr/>
+          <a:lstStyle/>
+          <a:p>
+            <a:pPr>
+              <a:defRPr/>
+            </a:pPr>
+            <a:endParaRPr lang="pl-PL">
+              <a:latin typeface="Arial"/>
+              <a:cs typeface="Arial"/>
+            </a:endParaRPr>
+          </a:p>
+        </p:txBody>
+      </p:sp>
+      <p:sp>
+        <p:nvSpPr>
+          <p:cNvPr id="655377195" name="Symbol zastępczy numeru slajdu 3"/>
+          <p:cNvSpPr>
+            <a:spLocks noGrp="1"/>
+          </p:cNvSpPr>
+          <p:nvPr>
+            <p:ph type="sldNum" sz="quarter" idx="10"/>
+          </p:nvPr>
+        </p:nvSpPr>
+        <p:spPr bwMode="auto"/>
+        <p:txBody>
+          <a:bodyPr/>
+          <a:lstStyle/>
+          <a:p>
+            <a:pPr>
+              <a:defRPr/>
+            </a:pPr>
+            <a:fld id="{52A1BD98-9B2E-A810-F18A-BF8A8C8BA575}" type="slidenum">
               <a:rPr lang="pl-PL"/>
               <a:t/>
             </a:fld>
@@ -6010,7 +7011,7 @@
         </p:nvSpPr>
         <p:spPr bwMode="auto">
           <a:xfrm flipH="0" flipV="0">
-            <a:off x="838199" y="1753199"/>
+            <a:off x="838198" y="1753199"/>
             <a:ext cx="10515597" cy="4562472"/>
           </a:xfrm>
         </p:spPr>
@@ -6149,7 +7150,7 @@
         </p:nvSpPr>
         <p:spPr bwMode="auto">
           <a:xfrm flipH="0" flipV="0">
-            <a:off x="838199" y="1753199"/>
+            <a:off x="838198" y="1753199"/>
             <a:ext cx="10515597" cy="4562472"/>
           </a:xfrm>
         </p:spPr>
@@ -6311,7 +7312,7 @@
         </p:nvSpPr>
         <p:spPr bwMode="auto">
           <a:xfrm flipH="0" flipV="0">
-            <a:off x="838199" y="1753199"/>
+            <a:off x="838198" y="1753199"/>
             <a:ext cx="10515597" cy="4562472"/>
           </a:xfrm>
         </p:spPr>
@@ -6461,28 +7462,42 @@
           </a:p>
         </p:txBody>
       </p:sp>
-      <p:pic>
-        <p:nvPicPr>
-          <p:cNvPr id="850310945" name=""/>
-          <p:cNvPicPr>
-            <a:picLocks noChangeAspect="1"/>
-          </p:cNvPicPr>
+      <p:sp>
+        <p:nvSpPr>
+          <p:cNvPr id="458281675" name=""/>
+          <p:cNvSpPr txBox="1"/>
           <p:nvPr/>
-        </p:nvPicPr>
-        <p:blipFill>
-          <a:blip r:embed="rId4"/>
-          <a:stretch/>
-        </p:blipFill>
+        </p:nvSpPr>
         <p:spPr bwMode="auto">
           <a:xfrm flipH="0" flipV="0">
-            <a:off x="1936241" y="1451868"/>
-            <a:ext cx="8516497" cy="4752832"/>
+            <a:off x="2224305" y="2866158"/>
+            <a:ext cx="7743746" cy="1189079"/>
           </a:xfrm>
           <a:prstGeom prst="rect">
             <a:avLst/>
           </a:prstGeom>
-        </p:spPr>
-      </p:pic>
+          <a:noFill/>
+        </p:spPr>
+        <p:txBody>
+          <a:bodyPr vertOverflow="overflow" horzOverflow="overflow" vert="horz" wrap="square" lIns="91440" tIns="45720" rIns="91440" bIns="45720" numCol="1" spcCol="0" rtlCol="0" fromWordArt="0" anchor="t" anchorCtr="0" forceAA="0" upright="0" compatLnSpc="0">
+            <a:spAutoFit/>
+          </a:bodyPr>
+          <a:p>
+            <a:pPr algn="ctr">
+              <a:defRPr/>
+            </a:pPr>
+            <a:r>
+              <a:rPr sz="7200">
+                <a:latin typeface="Courier New"/>
+                <a:ea typeface="Courier New"/>
+                <a:cs typeface="Courier New"/>
+              </a:rPr>
+              <a:t>Loading...</a:t>
+            </a:r>
+            <a:endParaRPr sz="1400"/>
+          </a:p>
+        </p:txBody>
+      </p:sp>
     </p:spTree>
   </p:cSld>
   <p:clrMapOvr>
@@ -6528,7 +7543,7 @@
       </p:grpSpPr>
       <p:sp>
         <p:nvSpPr>
-          <p:cNvPr id="370595263" name="Tytuł 1"/>
+          <p:cNvPr id="308708156" name="Tytuł 1"/>
           <p:cNvSpPr>
             <a:spLocks noGrp="1"/>
           </p:cNvSpPr>
@@ -6546,68 +7561,15 @@
             </a:pPr>
             <a:r>
               <a:rPr/>
-              <a:t>Jedziemy dalej</a:t>
-            </a:r>
-            <a:endParaRPr/>
-          </a:p>
-        </p:txBody>
-      </p:sp>
-      <p:sp>
-        <p:nvSpPr>
-          <p:cNvPr id="1908840604" name="Symbol zastępczy zawartości 2"/>
-          <p:cNvSpPr>
-            <a:spLocks noGrp="1"/>
-          </p:cNvSpPr>
-          <p:nvPr>
-            <p:ph idx="1"/>
-          </p:nvPr>
-        </p:nvSpPr>
-        <p:spPr bwMode="auto">
-          <a:xfrm flipH="0" flipV="0">
-            <a:off x="838199" y="1753199"/>
-            <a:ext cx="6024445" cy="4562472"/>
-          </a:xfrm>
-        </p:spPr>
-        <p:txBody>
-          <a:bodyPr/>
-          <a:lstStyle/>
-          <a:p>
-            <a:pPr>
-              <a:defRPr/>
-            </a:pPr>
-            <a:r>
-              <a:rPr sz="2600"/>
-              <a:t>Kolejne zadanie jest banalne, jeśli rozwiązaliśmy poprzednie – pomińmy je:</a:t>
-            </a:r>
-            <a:endParaRPr sz="2600"/>
-          </a:p>
-          <a:p>
-            <a:pPr>
-              <a:defRPr/>
-            </a:pPr>
-            <a:endParaRPr sz="2600"/>
-          </a:p>
-          <a:p>
-            <a:pPr>
-              <a:defRPr/>
-            </a:pPr>
-            <a:r>
-              <a:rPr sz="2600"/>
-              <a:t>To jest dużo ciekawsze:</a:t>
-            </a:r>
-            <a:endParaRPr sz="2600"/>
-          </a:p>
-          <a:p>
-            <a:pPr>
-              <a:defRPr/>
-            </a:pPr>
-            <a:endParaRPr sz="2600"/>
+              <a:t>Rozwiązanie</a:t>
+            </a:r>
+            <a:endParaRPr/>
           </a:p>
         </p:txBody>
       </p:sp>
       <p:pic>
         <p:nvPicPr>
-          <p:cNvPr id="1016089304" name=""/>
+          <p:cNvPr id="822690538" name=""/>
           <p:cNvPicPr>
             <a:picLocks noChangeAspect="1"/>
           </p:cNvPicPr>
@@ -6615,57 +7577,12 @@
         </p:nvPicPr>
         <p:blipFill>
           <a:blip r:embed="rId4"/>
-          <a:srcRect l="23763" t="0" r="15581" b="0"/>
           <a:stretch/>
         </p:blipFill>
         <p:spPr bwMode="auto">
           <a:xfrm flipH="0" flipV="0">
-            <a:off x="6955121" y="1753199"/>
-            <a:ext cx="4929014" cy="4571031"/>
-          </a:xfrm>
-          <a:prstGeom prst="rect">
-            <a:avLst/>
-          </a:prstGeom>
-        </p:spPr>
-      </p:pic>
-      <p:pic>
-        <p:nvPicPr>
-          <p:cNvPr id="606893265" name=""/>
-          <p:cNvPicPr>
-            <a:picLocks noChangeAspect="1"/>
-          </p:cNvPicPr>
-          <p:nvPr/>
-        </p:nvPicPr>
-        <p:blipFill>
-          <a:blip r:embed="rId5"/>
-          <a:stretch/>
-        </p:blipFill>
-        <p:spPr bwMode="auto">
-          <a:xfrm rot="0" flipH="0" flipV="0">
-            <a:off x="1730242" y="2551460"/>
-            <a:ext cx="4069834" cy="830369"/>
-          </a:xfrm>
-          <a:prstGeom prst="rect">
-            <a:avLst/>
-          </a:prstGeom>
-        </p:spPr>
-      </p:pic>
-      <p:pic>
-        <p:nvPicPr>
-          <p:cNvPr id="1803089115" name=""/>
-          <p:cNvPicPr>
-            <a:picLocks noChangeAspect="1"/>
-          </p:cNvPicPr>
-          <p:nvPr/>
-        </p:nvPicPr>
-        <p:blipFill>
-          <a:blip r:embed="rId6"/>
-          <a:stretch/>
-        </p:blipFill>
-        <p:spPr bwMode="auto">
-          <a:xfrm>
-            <a:off x="838199" y="3985703"/>
-            <a:ext cx="5514975" cy="1428750"/>
+            <a:off x="1936240" y="1451867"/>
+            <a:ext cx="8516496" cy="4752831"/>
           </a:xfrm>
           <a:prstGeom prst="rect">
             <a:avLst/>
@@ -6717,7 +7634,7 @@
       </p:grpSpPr>
       <p:sp>
         <p:nvSpPr>
-          <p:cNvPr id="449887559" name="Tytuł 1"/>
+          <p:cNvPr id="370595263" name="Tytuł 1"/>
           <p:cNvSpPr>
             <a:spLocks noGrp="1"/>
           </p:cNvSpPr>
@@ -6735,15 +7652,15 @@
             </a:pPr>
             <a:r>
               <a:rPr/>
-              <a:t>Porównywanie liczb binarnych</a:t>
-            </a:r>
-            <a:endParaRPr/>
-          </a:p>
-        </p:txBody>
-      </p:sp>
-      <p:sp>
-        <p:nvSpPr>
-          <p:cNvPr id="1346780412" name="Symbol zastępczy zawartości 2"/>
+              <a:t>Jedziemy dalej</a:t>
+            </a:r>
+            <a:endParaRPr/>
+          </a:p>
+        </p:txBody>
+      </p:sp>
+      <p:sp>
+        <p:nvSpPr>
+          <p:cNvPr id="1908840604" name="Symbol zastępczy zawartości 2"/>
           <p:cNvSpPr>
             <a:spLocks noGrp="1"/>
           </p:cNvSpPr>
@@ -6753,65 +7670,114 @@
         </p:nvSpPr>
         <p:spPr bwMode="auto">
           <a:xfrm flipH="0" flipV="0">
-            <a:off x="838199" y="1753199"/>
-            <a:ext cx="10515597" cy="4562472"/>
-          </a:xfrm>
-        </p:spPr>
-        <p:txBody>
-          <a:bodyPr/>
-          <a:lstStyle/>
-          <a:p>
-            <a:pPr>
-              <a:defRPr/>
-            </a:pPr>
-            <a:r>
-              <a:rPr/>
-              <a:t>Treść pliku zostanie odczytana jako zbiór liczb dziesiętnych złożonych z zer i jedynek</a:t>
-            </a:r>
-            <a:endParaRPr/>
-          </a:p>
-          <a:p>
-            <a:pPr>
-              <a:defRPr/>
-            </a:pPr>
-            <a:r>
-              <a:rPr/>
-              <a:t>Wartości będą zatem niepoprawne</a:t>
-            </a:r>
-            <a:endParaRPr/>
-          </a:p>
-          <a:p>
-            <a:pPr>
-              <a:defRPr/>
-            </a:pPr>
-            <a:r>
-              <a:rPr/>
-              <a:t>Moglibyśmy tłumaczyć liczby binarne na dziesiętne – jest to pierwsze przychodzące na myśl rozwiązanie </a:t>
-            </a:r>
-            <a:endParaRPr/>
-          </a:p>
-          <a:p>
-            <a:pPr>
-              <a:defRPr/>
-            </a:pPr>
-            <a:r>
-              <a:rPr/>
-              <a:t>Zależy nam jednak na czasie</a:t>
-            </a:r>
-            <a:endParaRPr/>
-          </a:p>
-          <a:p>
-            <a:pPr>
-              <a:defRPr/>
-            </a:pPr>
-            <a:r>
-              <a:rPr/>
-              <a:t>Czy da się to zrobić szybciej, niż implementując algorytm konwersji dec-bin?</a:t>
-            </a:r>
-            <a:endParaRPr/>
-          </a:p>
-        </p:txBody>
-      </p:sp>
+            <a:off x="838198" y="1753199"/>
+            <a:ext cx="6024445" cy="4562472"/>
+          </a:xfrm>
+        </p:spPr>
+        <p:txBody>
+          <a:bodyPr/>
+          <a:lstStyle/>
+          <a:p>
+            <a:pPr>
+              <a:defRPr/>
+            </a:pPr>
+            <a:r>
+              <a:rPr sz="2600"/>
+              <a:t>Kolejne zadanie jest banalne, jeśli rozwiązaliśmy poprzednie – pomińmy je:</a:t>
+            </a:r>
+            <a:endParaRPr sz="2600"/>
+          </a:p>
+          <a:p>
+            <a:pPr>
+              <a:defRPr/>
+            </a:pPr>
+            <a:endParaRPr sz="2600"/>
+          </a:p>
+          <a:p>
+            <a:pPr>
+              <a:defRPr/>
+            </a:pPr>
+            <a:r>
+              <a:rPr sz="2600"/>
+              <a:t>To jest dużo ciekawsze:</a:t>
+            </a:r>
+            <a:endParaRPr sz="2600"/>
+          </a:p>
+          <a:p>
+            <a:pPr>
+              <a:defRPr/>
+            </a:pPr>
+            <a:endParaRPr sz="2600"/>
+          </a:p>
+        </p:txBody>
+      </p:sp>
+      <p:pic>
+        <p:nvPicPr>
+          <p:cNvPr id="1016089304" name=""/>
+          <p:cNvPicPr>
+            <a:picLocks noChangeAspect="1"/>
+          </p:cNvPicPr>
+          <p:nvPr/>
+        </p:nvPicPr>
+        <p:blipFill>
+          <a:blip r:embed="rId4"/>
+          <a:srcRect l="23763" t="0" r="15581" b="0"/>
+          <a:stretch/>
+        </p:blipFill>
+        <p:spPr bwMode="auto">
+          <a:xfrm flipH="0" flipV="0">
+            <a:off x="6955121" y="1753199"/>
+            <a:ext cx="4929014" cy="4571031"/>
+          </a:xfrm>
+          <a:prstGeom prst="rect">
+            <a:avLst/>
+          </a:prstGeom>
+        </p:spPr>
+      </p:pic>
+      <p:pic>
+        <p:nvPicPr>
+          <p:cNvPr id="606893265" name=""/>
+          <p:cNvPicPr>
+            <a:picLocks noChangeAspect="1"/>
+          </p:cNvPicPr>
+          <p:nvPr/>
+        </p:nvPicPr>
+        <p:blipFill>
+          <a:blip r:embed="rId5"/>
+          <a:stretch/>
+        </p:blipFill>
+        <p:spPr bwMode="auto">
+          <a:xfrm rot="0" flipH="0" flipV="0">
+            <a:off x="1730242" y="2551460"/>
+            <a:ext cx="4069834" cy="830369"/>
+          </a:xfrm>
+          <a:prstGeom prst="rect">
+            <a:avLst/>
+          </a:prstGeom>
+        </p:spPr>
+      </p:pic>
+      <p:pic>
+        <p:nvPicPr>
+          <p:cNvPr id="1803089115" name=""/>
+          <p:cNvPicPr>
+            <a:picLocks noChangeAspect="1"/>
+          </p:cNvPicPr>
+          <p:nvPr/>
+        </p:nvPicPr>
+        <p:blipFill>
+          <a:blip r:embed="rId6"/>
+          <a:stretch/>
+        </p:blipFill>
+        <p:spPr bwMode="auto">
+          <a:xfrm>
+            <a:off x="838198" y="3985703"/>
+            <a:ext cx="5514975" cy="1428750"/>
+          </a:xfrm>
+          <a:prstGeom prst="rect">
+            <a:avLst/>
+          </a:prstGeom>
+        </p:spPr>
+      </p:pic>
     </p:spTree>
   </p:cSld>
   <p:clrMapOvr>
@@ -6857,7 +7823,7 @@
       </p:grpSpPr>
       <p:sp>
         <p:nvSpPr>
-          <p:cNvPr id="1442152817" name="Tytuł 1"/>
+          <p:cNvPr id="449887559" name="Tytuł 1"/>
           <p:cNvSpPr>
             <a:spLocks noGrp="1"/>
           </p:cNvSpPr>
@@ -6883,7 +7849,7 @@
       </p:sp>
       <p:sp>
         <p:nvSpPr>
-          <p:cNvPr id="1842324133" name="Symbol zastępczy zawartości 2"/>
+          <p:cNvPr id="1346780412" name="Symbol zastępczy zawartości 2"/>
           <p:cNvSpPr>
             <a:spLocks noGrp="1"/>
           </p:cNvSpPr>
@@ -6893,7 +7859,7 @@
         </p:nvSpPr>
         <p:spPr bwMode="auto">
           <a:xfrm flipH="0" flipV="0">
-            <a:off x="838199" y="1753199"/>
+            <a:off x="838198" y="1753199"/>
             <a:ext cx="10515597" cy="4562472"/>
           </a:xfrm>
         </p:spPr>
@@ -6906,7 +7872,7 @@
             </a:pPr>
             <a:r>
               <a:rPr/>
-              <a:t>Jeśli zamierzamy tylko porównywać liczby, to nie musimy ich wcale konwertować</a:t>
+              <a:t>Treść pliku zostanie odczytana jako zbiór liczb dziesiętnych złożonych z zer i jedynek</a:t>
             </a:r>
             <a:endParaRPr/>
           </a:p>
@@ -6916,7 +7882,7 @@
             </a:pPr>
             <a:r>
               <a:rPr/>
-              <a:t>Porównywanie liczb zawsze przebiega identycznie, niezależnie od systemu liczbowego</a:t>
+              <a:t>Wartości będą zatem niepoprawne</a:t>
             </a:r>
             <a:endParaRPr/>
           </a:p>
@@ -6926,41 +7892,32 @@
             </a:pPr>
             <a:r>
               <a:rPr/>
-              <a:t>Przykładowo 111 będzie zawsze </a:t>
-            </a:r>
-            <a:br>
+              <a:t>Moglibyśmy tłumaczyć liczby binarne na dziesiętne – jest to pierwsze przychodzące na myśl rozwiązanie </a:t>
+            </a:r>
+            <a:endParaRPr/>
+          </a:p>
+          <a:p>
+            <a:pPr>
+              <a:defRPr/>
+            </a:pPr>
+            <a:r>
               <a:rPr/>
-            </a:br>
+              <a:t>Zależy nam jednak na czasie</a:t>
+            </a:r>
+            <a:endParaRPr/>
+          </a:p>
+          <a:p>
+            <a:pPr>
+              <a:defRPr/>
+            </a:pPr>
             <a:r>
               <a:rPr/>
-              <a:t>większe od 110</a:t>
-            </a:r>
-            <a:endParaRPr/>
-          </a:p>
-        </p:txBody>
-      </p:sp>
-      <p:pic>
-        <p:nvPicPr>
-          <p:cNvPr id="646226227" name=""/>
-          <p:cNvPicPr>
-            <a:picLocks noChangeAspect="1"/>
-          </p:cNvPicPr>
-          <p:nvPr/>
-        </p:nvPicPr>
-        <p:blipFill>
-          <a:blip r:embed="rId4"/>
-          <a:stretch/>
-        </p:blipFill>
-        <p:spPr bwMode="auto">
-          <a:xfrm flipH="0" flipV="0">
-            <a:off x="6581795" y="3398463"/>
-            <a:ext cx="5352204" cy="3183446"/>
-          </a:xfrm>
-          <a:prstGeom prst="rect">
-            <a:avLst/>
-          </a:prstGeom>
-        </p:spPr>
-      </p:pic>
+              <a:t>Czy da się to zrobić szybciej, niż implementując algorytm konwersji dec-bin?</a:t>
+            </a:r>
+            <a:endParaRPr/>
+          </a:p>
+        </p:txBody>
+      </p:sp>
     </p:spTree>
   </p:cSld>
   <p:clrMapOvr>
@@ -7006,7 +7963,7 @@
       </p:grpSpPr>
       <p:sp>
         <p:nvSpPr>
-          <p:cNvPr id="66811697" name="Tytuł 1"/>
+          <p:cNvPr id="1442152817" name="Tytuł 1"/>
           <p:cNvSpPr>
             <a:spLocks noGrp="1"/>
           </p:cNvSpPr>
@@ -7024,7 +7981,65 @@
             </a:pPr>
             <a:r>
               <a:rPr/>
-              <a:t>Rozwiązanie</a:t>
+              <a:t>Porównywanie liczb binarnych</a:t>
+            </a:r>
+            <a:endParaRPr/>
+          </a:p>
+        </p:txBody>
+      </p:sp>
+      <p:sp>
+        <p:nvSpPr>
+          <p:cNvPr id="1842324133" name="Symbol zastępczy zawartości 2"/>
+          <p:cNvSpPr>
+            <a:spLocks noGrp="1"/>
+          </p:cNvSpPr>
+          <p:nvPr>
+            <p:ph idx="1"/>
+          </p:nvPr>
+        </p:nvSpPr>
+        <p:spPr bwMode="auto">
+          <a:xfrm flipH="0" flipV="0">
+            <a:off x="838198" y="1753199"/>
+            <a:ext cx="10515597" cy="4562472"/>
+          </a:xfrm>
+        </p:spPr>
+        <p:txBody>
+          <a:bodyPr/>
+          <a:lstStyle/>
+          <a:p>
+            <a:pPr>
+              <a:defRPr/>
+            </a:pPr>
+            <a:r>
+              <a:rPr/>
+              <a:t>Jeśli zamierzamy tylko porównywać liczby, to nie musimy ich wcale konwertować</a:t>
+            </a:r>
+            <a:endParaRPr/>
+          </a:p>
+          <a:p>
+            <a:pPr>
+              <a:defRPr/>
+            </a:pPr>
+            <a:r>
+              <a:rPr/>
+              <a:t>Porównywanie liczb zawsze przebiega identycznie, niezależnie od systemu liczbowego</a:t>
+            </a:r>
+            <a:endParaRPr/>
+          </a:p>
+          <a:p>
+            <a:pPr>
+              <a:defRPr/>
+            </a:pPr>
+            <a:r>
+              <a:rPr/>
+              <a:t>Przykładowo 111 będzie zawsze </a:t>
+            </a:r>
+            <a:br>
+              <a:rPr/>
+            </a:br>
+            <a:r>
+              <a:rPr/>
+              <a:t>większe od 110</a:t>
             </a:r>
             <a:endParaRPr/>
           </a:p>
@@ -7032,7 +8047,7 @@
       </p:sp>
       <p:pic>
         <p:nvPicPr>
-          <p:cNvPr id="1333646418" name=""/>
+          <p:cNvPr id="646226227" name=""/>
           <p:cNvPicPr>
             <a:picLocks noChangeAspect="1"/>
           </p:cNvPicPr>
@@ -7044,8 +8059,8 @@
         </p:blipFill>
         <p:spPr bwMode="auto">
           <a:xfrm flipH="0" flipV="0">
-            <a:off x="864576" y="2476499"/>
-            <a:ext cx="10462845" cy="2909454"/>
+            <a:off x="6581795" y="3398463"/>
+            <a:ext cx="5352204" cy="3183446"/>
           </a:xfrm>
           <a:prstGeom prst="rect">
             <a:avLst/>
@@ -7097,7 +8112,7 @@
       </p:grpSpPr>
       <p:sp>
         <p:nvSpPr>
-          <p:cNvPr id="528846367" name="Tytuł 1"/>
+          <p:cNvPr id="66811697" name="Tytuł 1"/>
           <p:cNvSpPr>
             <a:spLocks noGrp="1"/>
           </p:cNvSpPr>
@@ -7115,57 +8130,48 @@
             </a:pPr>
             <a:r>
               <a:rPr/>
-              <a:t>Kolejne zadanie</a:t>
-            </a:r>
-            <a:endParaRPr/>
-          </a:p>
-        </p:txBody>
-      </p:sp>
-      <p:pic>
-        <p:nvPicPr>
-          <p:cNvPr id="150860453" name=""/>
-          <p:cNvPicPr>
-            <a:picLocks noChangeAspect="1"/>
-          </p:cNvPicPr>
+              <a:t>Rozwiązanie</a:t>
+            </a:r>
+            <a:endParaRPr/>
+          </a:p>
+        </p:txBody>
+      </p:sp>
+      <p:sp>
+        <p:nvSpPr>
+          <p:cNvPr id="1525292308" name=""/>
+          <p:cNvSpPr txBox="1"/>
           <p:nvPr/>
-        </p:nvPicPr>
-        <p:blipFill>
-          <a:blip r:embed="rId4"/>
-          <a:srcRect l="0" t="0" r="4550" b="0"/>
-          <a:stretch/>
-        </p:blipFill>
+        </p:nvSpPr>
         <p:spPr bwMode="auto">
           <a:xfrm flipH="0" flipV="0">
-            <a:off x="562840" y="1690687"/>
-            <a:ext cx="6902181" cy="2974283"/>
+            <a:off x="2224306" y="2866159"/>
+            <a:ext cx="7743387" cy="1189079"/>
           </a:xfrm>
           <a:prstGeom prst="rect">
             <a:avLst/>
           </a:prstGeom>
-        </p:spPr>
-      </p:pic>
-      <p:pic>
-        <p:nvPicPr>
-          <p:cNvPr id="1782395396" name=""/>
-          <p:cNvPicPr>
-            <a:picLocks noChangeAspect="1"/>
-          </p:cNvPicPr>
-          <p:nvPr/>
-        </p:nvPicPr>
-        <p:blipFill>
-          <a:blip r:embed="rId5"/>
-          <a:stretch/>
-        </p:blipFill>
-        <p:spPr bwMode="auto">
-          <a:xfrm flipH="0" flipV="0">
-            <a:off x="7646863" y="1451256"/>
-            <a:ext cx="4053972" cy="4566227"/>
-          </a:xfrm>
-          <a:prstGeom prst="rect">
-            <a:avLst/>
-          </a:prstGeom>
-        </p:spPr>
-      </p:pic>
+          <a:noFill/>
+        </p:spPr>
+        <p:txBody>
+          <a:bodyPr vertOverflow="overflow" horzOverflow="overflow" vert="horz" wrap="square" lIns="91440" tIns="45720" rIns="91440" bIns="45720" numCol="1" spcCol="0" rtlCol="0" fromWordArt="0" anchor="t" anchorCtr="0" forceAA="0" upright="0" compatLnSpc="0">
+            <a:spAutoFit/>
+          </a:bodyPr>
+          <a:p>
+            <a:pPr algn="ctr">
+              <a:defRPr/>
+            </a:pPr>
+            <a:r>
+              <a:rPr sz="7200">
+                <a:latin typeface="Courier New"/>
+                <a:ea typeface="Courier New"/>
+                <a:cs typeface="Courier New"/>
+              </a:rPr>
+              <a:t>Loading...</a:t>
+            </a:r>
+            <a:endParaRPr sz="1400"/>
+          </a:p>
+        </p:txBody>
+      </p:sp>
     </p:spTree>
   </p:cSld>
   <p:clrMapOvr>
@@ -7211,7 +8217,7 @@
       </p:grpSpPr>
       <p:sp>
         <p:nvSpPr>
-          <p:cNvPr id="1489915233" name="Tytuł 1"/>
+          <p:cNvPr id="2057703971" name="Tytuł 1"/>
           <p:cNvSpPr>
             <a:spLocks noGrp="1"/>
           </p:cNvSpPr>
@@ -7229,108 +8235,7 @@
             </a:pPr>
             <a:r>
               <a:rPr/>
-              <a:t>XOR – Exclusive OR</a:t>
-            </a:r>
-            <a:endParaRPr/>
-          </a:p>
-        </p:txBody>
-      </p:sp>
-      <p:sp>
-        <p:nvSpPr>
-          <p:cNvPr id="2059464844" name="Symbol zastępczy zawartości 2"/>
-          <p:cNvSpPr>
-            <a:spLocks noGrp="1"/>
-          </p:cNvSpPr>
-          <p:nvPr>
-            <p:ph idx="1"/>
-          </p:nvPr>
-        </p:nvSpPr>
-        <p:spPr bwMode="auto">
-          <a:xfrm flipH="0" flipV="0">
-            <a:off x="838199" y="1753199"/>
-            <a:ext cx="10515597" cy="4562472"/>
-          </a:xfrm>
-        </p:spPr>
-        <p:txBody>
-          <a:bodyPr/>
-          <a:lstStyle/>
-          <a:p>
-            <a:pPr>
-              <a:defRPr/>
-            </a:pPr>
-            <a:r>
-              <a:rPr/>
-              <a:t>XOR to operacja przeprowadzana na 2</a:t>
-            </a:r>
-            <a:r>
-              <a:rPr baseline="30000"/>
-              <a:t>*</a:t>
-            </a:r>
-            <a:r>
-              <a:rPr/>
-              <a:t> bitach</a:t>
-            </a:r>
-            <a:endParaRPr/>
-          </a:p>
-          <a:p>
-            <a:pPr>
-              <a:defRPr/>
-            </a:pPr>
-            <a:r>
-              <a:rPr/>
-              <a:t>Operacja zwraca 1, kiedy bity są różne i 0, gdy są takie same</a:t>
-            </a:r>
-            <a:endParaRPr/>
-          </a:p>
-          <a:p>
-            <a:pPr>
-              <a:defRPr/>
-            </a:pPr>
-            <a:r>
-              <a:rPr/>
-              <a:t>Jeśli poddajemy tej operacji dwie liczby, to porównujemy parami bity na tych samych pozycjach</a:t>
-            </a:r>
-            <a:endParaRPr/>
-          </a:p>
-          <a:p>
-            <a:pPr>
-              <a:defRPr/>
-            </a:pPr>
-            <a:r>
-              <a:rPr/>
-              <a:t>Jeśli jedna z liczb jest mniejsza, to na jej początku stawiamy odpowiednio wiele zer (nie wpływa to na jej wartość)</a:t>
-            </a:r>
-            <a:endParaRPr/>
-          </a:p>
-        </p:txBody>
-      </p:sp>
-      <p:sp>
-        <p:nvSpPr>
-          <p:cNvPr id="2115462384" name=""/>
-          <p:cNvSpPr txBox="1"/>
-          <p:nvPr/>
-        </p:nvSpPr>
-        <p:spPr bwMode="auto">
-          <a:xfrm flipH="0" flipV="0">
-            <a:off x="1445528" y="6199908"/>
-            <a:ext cx="9301303" cy="518519"/>
-          </a:xfrm>
-          <a:prstGeom prst="rect">
-            <a:avLst/>
-          </a:prstGeom>
-          <a:noFill/>
-        </p:spPr>
-        <p:txBody>
-          <a:bodyPr vertOverflow="overflow" horzOverflow="overflow" vert="horz" wrap="square" lIns="91440" tIns="45720" rIns="91440" bIns="45720" numCol="1" spcCol="0" rtlCol="0" fromWordArt="0" anchor="t" anchorCtr="0" forceAA="0" upright="0" compatLnSpc="0">
-            <a:spAutoFit/>
-          </a:bodyPr>
-          <a:p>
-            <a:pPr algn="ctr">
-              <a:defRPr/>
-            </a:pPr>
-            <a:r>
-              <a:rPr sz="1400"/>
-              <a:t>*Zdarzają się przypadki wykonywania XOR na więcej niż dwóch bitach - rabini są jednak niezgodni co do oczekiwanego wyniku takiej operacji</a:t>
+              <a:t>Rozwiązanie</a:t>
             </a:r>
             <a:endParaRPr/>
           </a:p>
@@ -7338,7 +8243,7 @@
       </p:sp>
       <p:pic>
         <p:nvPicPr>
-          <p:cNvPr id="2127010521" name=""/>
+          <p:cNvPr id="963288689" name=""/>
           <p:cNvPicPr>
             <a:picLocks noChangeAspect="1"/>
           </p:cNvPicPr>
@@ -7349,9 +8254,9 @@
           <a:stretch/>
         </p:blipFill>
         <p:spPr bwMode="auto">
-          <a:xfrm>
-            <a:off x="3990974" y="4693227"/>
-            <a:ext cx="3990974" cy="1343025"/>
+          <a:xfrm flipH="0" flipV="0">
+            <a:off x="864575" y="2476498"/>
+            <a:ext cx="10462844" cy="2909453"/>
           </a:xfrm>
           <a:prstGeom prst="rect">
             <a:avLst/>
@@ -7464,7 +8369,7 @@
         </p:blipFill>
         <p:spPr bwMode="auto">
           <a:xfrm flipH="0" flipV="0">
-            <a:off x="7750412" y="2048916"/>
+            <a:off x="7750411" y="1690687"/>
             <a:ext cx="4301700" cy="4055986"/>
           </a:xfrm>
           <a:prstGeom prst="rect">
@@ -7472,6 +8377,38 @@
           </a:prstGeom>
         </p:spPr>
       </p:pic>
+      <p:sp>
+        <p:nvSpPr>
+          <p:cNvPr id="474552857" name=""/>
+          <p:cNvSpPr txBox="1"/>
+          <p:nvPr/>
+        </p:nvSpPr>
+        <p:spPr bwMode="auto">
+          <a:xfrm flipH="0" flipV="0">
+            <a:off x="8755227" y="5940379"/>
+            <a:ext cx="3014803" cy="731879"/>
+          </a:xfrm>
+          <a:prstGeom prst="rect">
+            <a:avLst/>
+          </a:prstGeom>
+          <a:noFill/>
+        </p:spPr>
+        <p:txBody>
+          <a:bodyPr vertOverflow="overflow" horzOverflow="overflow" vert="horz" wrap="square" lIns="91440" tIns="45720" rIns="91440" bIns="45720" numCol="1" spcCol="0" rtlCol="0" fromWordArt="0" anchor="t" anchorCtr="0" forceAA="0" upright="0" compatLnSpc="0">
+            <a:spAutoFit/>
+          </a:bodyPr>
+          <a:p>
+            <a:pPr algn="l">
+              <a:defRPr/>
+            </a:pPr>
+            <a:r>
+              <a:rPr sz="1400"/>
+              <a:t>Wszystkie zadania na tej prezentacji pochodzą z matury z Maja 2023</a:t>
+            </a:r>
+            <a:endParaRPr/>
+          </a:p>
+        </p:txBody>
+      </p:sp>
     </p:spTree>
   </p:cSld>
   <p:clrMapOvr>
@@ -7517,7 +8454,7 @@
       </p:grpSpPr>
       <p:sp>
         <p:nvSpPr>
-          <p:cNvPr id="1804579095" name="Tytuł 1"/>
+          <p:cNvPr id="528846367" name="Tytuł 1"/>
           <p:cNvSpPr>
             <a:spLocks noGrp="1"/>
           </p:cNvSpPr>
@@ -7535,87 +8472,15 @@
             </a:pPr>
             <a:r>
               <a:rPr/>
-              <a:t>Dzielenie</a:t>
-            </a:r>
-            <a:endParaRPr/>
-          </a:p>
-        </p:txBody>
-      </p:sp>
-      <p:sp>
-        <p:nvSpPr>
-          <p:cNvPr id="510151624" name="Symbol zastępczy zawartości 2"/>
-          <p:cNvSpPr>
-            <a:spLocks noGrp="1"/>
-          </p:cNvSpPr>
-          <p:nvPr>
-            <p:ph idx="1"/>
-          </p:nvPr>
-        </p:nvSpPr>
-        <p:spPr bwMode="auto">
-          <a:xfrm flipH="0" flipV="0">
-            <a:off x="838199" y="1753199"/>
-            <a:ext cx="10515597" cy="4562472"/>
-          </a:xfrm>
-        </p:spPr>
-        <p:txBody>
-          <a:bodyPr/>
-          <a:lstStyle/>
-          <a:p>
-            <a:pPr>
-              <a:defRPr/>
-            </a:pPr>
-            <a:r>
-              <a:rPr/>
-              <a:t>Jeśli w treści zadania pojawia się takie sformułowanie:</a:t>
-            </a:r>
-            <a:br>
-              <a:rPr/>
-            </a:br>
-            <a:endParaRPr/>
-          </a:p>
-          <a:p>
-            <a:pPr marL="0" indent="0">
-              <a:buFont typeface="Arial"/>
-              <a:buNone/>
-              <a:defRPr/>
-            </a:pPr>
-            <a:r>
-              <a:rPr/>
-              <a:t>To zawsze chodzi o wynik operacji dzielenia całkowitego (w Pythonie operator // )</a:t>
-            </a:r>
-            <a:endParaRPr/>
-          </a:p>
-          <a:p>
-            <a:pPr>
-              <a:defRPr/>
-            </a:pPr>
-            <a:r>
-              <a:rPr/>
-              <a:t>Większość języków programowania domyślnie stosuje takie dzielenie podczas pracy na liczbach całkowitych</a:t>
-            </a:r>
-            <a:endParaRPr/>
-          </a:p>
-          <a:p>
-            <a:pPr>
-              <a:defRPr/>
-            </a:pPr>
-            <a:r>
-              <a:rPr/>
-              <a:t>Python jednak stara się nam ułatwić życie i przy dzieleniu automatycznie zamienia liczby całkowite na zmiennoprzecinkowe – należy na to uważać</a:t>
-            </a:r>
-            <a:endParaRPr/>
-          </a:p>
-          <a:p>
-            <a:pPr>
-              <a:defRPr/>
-            </a:pPr>
+              <a:t>Kolejne zadanie</a:t>
+            </a:r>
             <a:endParaRPr/>
           </a:p>
         </p:txBody>
       </p:sp>
       <p:pic>
         <p:nvPicPr>
-          <p:cNvPr id="1964423158" name=""/>
+          <p:cNvPr id="150860453" name=""/>
           <p:cNvPicPr>
             <a:picLocks noChangeAspect="1"/>
           </p:cNvPicPr>
@@ -7623,13 +8488,35 @@
         </p:nvPicPr>
         <p:blipFill>
           <a:blip r:embed="rId4"/>
-          <a:srcRect l="0" t="21253" r="0" b="0"/>
+          <a:srcRect l="0" t="0" r="4549" b="0"/>
           <a:stretch/>
         </p:blipFill>
         <p:spPr bwMode="auto">
           <a:xfrm flipH="0" flipV="0">
-            <a:off x="1151659" y="2190533"/>
-            <a:ext cx="4968312" cy="424511"/>
+            <a:off x="562839" y="2247227"/>
+            <a:ext cx="6902181" cy="2974283"/>
+          </a:xfrm>
+          <a:prstGeom prst="rect">
+            <a:avLst/>
+          </a:prstGeom>
+        </p:spPr>
+      </p:pic>
+      <p:pic>
+        <p:nvPicPr>
+          <p:cNvPr id="1782395396" name=""/>
+          <p:cNvPicPr>
+            <a:picLocks noChangeAspect="1"/>
+          </p:cNvPicPr>
+          <p:nvPr/>
+        </p:nvPicPr>
+        <p:blipFill>
+          <a:blip r:embed="rId5"/>
+          <a:stretch/>
+        </p:blipFill>
+        <p:spPr bwMode="auto">
+          <a:xfrm flipH="0" flipV="0">
+            <a:off x="7646863" y="1451256"/>
+            <a:ext cx="4053972" cy="4566227"/>
           </a:xfrm>
           <a:prstGeom prst="rect">
             <a:avLst/>
@@ -7681,7 +8568,7 @@
       </p:grpSpPr>
       <p:sp>
         <p:nvSpPr>
-          <p:cNvPr id="5423486" name="Tytuł 1"/>
+          <p:cNvPr id="1489915233" name="Tytuł 1"/>
           <p:cNvSpPr>
             <a:spLocks noGrp="1"/>
           </p:cNvSpPr>
@@ -7689,10 +8576,36 @@
             <p:ph type="title"/>
           </p:nvPr>
         </p:nvSpPr>
+        <p:spPr bwMode="auto"/>
+        <p:txBody>
+          <a:bodyPr/>
+          <a:lstStyle/>
+          <a:p>
+            <a:pPr>
+              <a:defRPr/>
+            </a:pPr>
+            <a:r>
+              <a:rPr/>
+              <a:t>XOR – Exclusive OR</a:t>
+            </a:r>
+            <a:endParaRPr/>
+          </a:p>
+        </p:txBody>
+      </p:sp>
+      <p:sp>
+        <p:nvSpPr>
+          <p:cNvPr id="2059464844" name="Symbol zastępczy zawartości 2"/>
+          <p:cNvSpPr>
+            <a:spLocks noGrp="1"/>
+          </p:cNvSpPr>
+          <p:nvPr>
+            <p:ph idx="1"/>
+          </p:nvPr>
+        </p:nvSpPr>
         <p:spPr bwMode="auto">
           <a:xfrm flipH="0" flipV="0">
-            <a:off x="838199" y="365124"/>
-            <a:ext cx="10229004" cy="1325562"/>
+            <a:off x="838198" y="1753199"/>
+            <a:ext cx="10515597" cy="4562472"/>
           </a:xfrm>
         </p:spPr>
         <p:txBody>
@@ -7704,83 +8617,104 @@
             </a:pPr>
             <a:r>
               <a:rPr/>
-              <a:t>Dzielenie</a:t>
-            </a:r>
-            <a:endParaRPr/>
-          </a:p>
-        </p:txBody>
-      </p:sp>
-      <p:sp>
-        <p:nvSpPr>
-          <p:cNvPr id="156103038" name="Symbol zastępczy zawartości 2"/>
-          <p:cNvSpPr>
-            <a:spLocks noGrp="1"/>
-          </p:cNvSpPr>
-          <p:nvPr>
-            <p:ph idx="1"/>
-          </p:nvPr>
+              <a:t>XOR to operacja przeprowadzana na 2</a:t>
+            </a:r>
+            <a:r>
+              <a:rPr baseline="30000"/>
+              <a:t>*</a:t>
+            </a:r>
+            <a:r>
+              <a:rPr/>
+              <a:t> bitach</a:t>
+            </a:r>
+            <a:endParaRPr/>
+          </a:p>
+          <a:p>
+            <a:pPr>
+              <a:defRPr/>
+            </a:pPr>
+            <a:r>
+              <a:rPr/>
+              <a:t>Operacja zwraca 1, kiedy bity są różne i 0, gdy są takie same</a:t>
+            </a:r>
+            <a:endParaRPr/>
+          </a:p>
+          <a:p>
+            <a:pPr>
+              <a:defRPr/>
+            </a:pPr>
+            <a:r>
+              <a:rPr/>
+              <a:t>Jeśli poddajemy tej operacji dwie liczby, to porównujemy parami bity na tych samych pozycjach</a:t>
+            </a:r>
+            <a:endParaRPr/>
+          </a:p>
+          <a:p>
+            <a:pPr>
+              <a:defRPr/>
+            </a:pPr>
+            <a:r>
+              <a:rPr/>
+              <a:t>Jeśli jedna z liczb jest mniejsza, to na jej początku stawiamy odpowiednio wiele zer (nie wpływa to na jej wartość)</a:t>
+            </a:r>
+            <a:endParaRPr/>
+          </a:p>
+        </p:txBody>
+      </p:sp>
+      <p:sp>
+        <p:nvSpPr>
+          <p:cNvPr id="2115462384" name=""/>
+          <p:cNvSpPr txBox="1"/>
+          <p:nvPr/>
         </p:nvSpPr>
         <p:spPr bwMode="auto">
           <a:xfrm flipH="0" flipV="0">
-            <a:off x="838199" y="1753199"/>
-            <a:ext cx="10229004" cy="4562472"/>
-          </a:xfrm>
-        </p:spPr>
-        <p:txBody>
-          <a:bodyPr/>
-          <a:lstStyle/>
-          <a:p>
-            <a:pPr>
-              <a:defRPr/>
-            </a:pPr>
-            <a:r>
-              <a:rPr/>
-              <a:t>Jak wiecie, aby wykonać dzielenie całkowite przez 10 na liczbie dziesiętnej, wystarczy „przesunąć przecinek” o jedno miejsce w lewo i zignorować wszystko, co za nim</a:t>
-            </a:r>
-            <a:endParaRPr/>
-          </a:p>
-          <a:p>
-            <a:pPr marL="0" indent="0" algn="ctr">
-              <a:buFont typeface="Arial"/>
-              <a:buNone/>
-              <a:defRPr/>
-            </a:pPr>
-            <a:r>
-              <a:rPr/>
-              <a:t>12345 // 10 = 1234</a:t>
-            </a:r>
-            <a:endParaRPr/>
-          </a:p>
-          <a:p>
-            <a:pPr algn="l">
-              <a:defRPr/>
-            </a:pPr>
-            <a:r>
-              <a:rPr/>
-              <a:t>Podobnie wygląda sytuacja z dzieleniem liczby binarnej przez 2</a:t>
-            </a:r>
-            <a:endParaRPr/>
-          </a:p>
-          <a:p>
-            <a:pPr algn="l">
-              <a:defRPr/>
-            </a:pPr>
-            <a:r>
-              <a:rPr/>
-              <a:t>W jaki sposób zrealizować to w programie?</a:t>
-            </a:r>
-            <a:endParaRPr/>
-          </a:p>
-          <a:p>
-            <a:pPr marL="0" indent="0" algn="l">
-              <a:buFont typeface="Arial"/>
-              <a:buNone/>
-              <a:defRPr/>
-            </a:pPr>
-            <a:endParaRPr/>
-          </a:p>
-        </p:txBody>
-      </p:sp>
+            <a:off x="1445528" y="6199908"/>
+            <a:ext cx="9301303" cy="518519"/>
+          </a:xfrm>
+          <a:prstGeom prst="rect">
+            <a:avLst/>
+          </a:prstGeom>
+          <a:noFill/>
+        </p:spPr>
+        <p:txBody>
+          <a:bodyPr vertOverflow="overflow" horzOverflow="overflow" vert="horz" wrap="square" lIns="91440" tIns="45720" rIns="91440" bIns="45720" numCol="1" spcCol="0" rtlCol="0" fromWordArt="0" anchor="t" anchorCtr="0" forceAA="0" upright="0" compatLnSpc="0">
+            <a:spAutoFit/>
+          </a:bodyPr>
+          <a:p>
+            <a:pPr algn="ctr">
+              <a:defRPr/>
+            </a:pPr>
+            <a:r>
+              <a:rPr sz="1400"/>
+              <a:t>*Zdarzają się przypadki wykonywania XOR na więcej niż dwóch bitach - rabini są jednak niezgodni co do oczekiwanego wyniku takiej operacji</a:t>
+            </a:r>
+            <a:endParaRPr/>
+          </a:p>
+        </p:txBody>
+      </p:sp>
+      <p:pic>
+        <p:nvPicPr>
+          <p:cNvPr id="2127010521" name=""/>
+          <p:cNvPicPr>
+            <a:picLocks noChangeAspect="1"/>
+          </p:cNvPicPr>
+          <p:nvPr/>
+        </p:nvPicPr>
+        <p:blipFill>
+          <a:blip r:embed="rId4"/>
+          <a:stretch/>
+        </p:blipFill>
+        <p:spPr bwMode="auto">
+          <a:xfrm>
+            <a:off x="3990974" y="4693227"/>
+            <a:ext cx="3990974" cy="1343025"/>
+          </a:xfrm>
+          <a:prstGeom prst="rect">
+            <a:avLst/>
+          </a:prstGeom>
+        </p:spPr>
+      </p:pic>
     </p:spTree>
   </p:cSld>
   <p:clrMapOvr>
@@ -7826,7 +8760,7 @@
       </p:grpSpPr>
       <p:sp>
         <p:nvSpPr>
-          <p:cNvPr id="233346787" name="Tytuł 1"/>
+          <p:cNvPr id="1171891274" name="Tytuł 1"/>
           <p:cNvSpPr>
             <a:spLocks noGrp="1"/>
           </p:cNvSpPr>
@@ -7836,8 +8770,8 @@
         </p:nvSpPr>
         <p:spPr bwMode="auto">
           <a:xfrm flipH="0" flipV="0">
-            <a:off x="838199" y="365124"/>
-            <a:ext cx="10159731" cy="1325562"/>
+            <a:off x="838198" y="365123"/>
+            <a:ext cx="9839344" cy="1325561"/>
           </a:xfrm>
         </p:spPr>
         <p:txBody>
@@ -7849,54 +8783,42 @@
             </a:pPr>
             <a:r>
               <a:rPr/>
-              <a:t>Dzielenie</a:t>
-            </a:r>
-            <a:endParaRPr/>
-          </a:p>
-        </p:txBody>
-      </p:sp>
-      <p:sp>
-        <p:nvSpPr>
-          <p:cNvPr id="1166299378" name="Symbol zastępczy zawartości 2"/>
-          <p:cNvSpPr>
-            <a:spLocks noGrp="1"/>
-          </p:cNvSpPr>
-          <p:nvPr>
-            <p:ph idx="1"/>
-          </p:nvPr>
-        </p:nvSpPr>
-        <p:spPr bwMode="auto">
-          <a:xfrm flipH="0" flipV="0">
-            <a:off x="838199" y="1753199"/>
-            <a:ext cx="10159731" cy="4562472"/>
-          </a:xfrm>
-        </p:spPr>
-        <p:txBody>
-          <a:bodyPr/>
-          <a:lstStyle/>
-          <a:p>
-            <a:pPr algn="l">
-              <a:defRPr/>
-            </a:pPr>
-            <a:r>
-              <a:rPr lang="pl-PL" sz="2800" b="0" i="0" u="none" strike="noStrike" cap="none" spc="0">
+              <a:t>XOR </a:t>
+            </a:r>
+            <a:r>
+              <a:rPr lang="pl-PL" sz="4400" b="0" i="0" u="none" strike="noStrike" cap="none" spc="0">
                 <a:solidFill>
                   <a:schemeClr val="tx1"/>
                 </a:solidFill>
-                <a:latin typeface="+mn-lt"/>
-                <a:ea typeface="+mn-ea"/>
-                <a:cs typeface="+mn-cs"/>
+                <a:latin typeface="+mj-lt"/>
+                <a:ea typeface="+mj-ea"/>
+                <a:cs typeface="+mj-cs"/>
               </a:rPr>
-              <a:t>Bardzo prosto – znów skorzystamy z faktu, że Python domyślnie stosuje system dziesiętny</a:t>
-            </a:r>
-            <a:endParaRPr lang="pl-PL" sz="2800" b="0" i="0" u="none" strike="noStrike" cap="none" spc="0">
-              <a:solidFill>
-                <a:schemeClr val="tx1"/>
-              </a:solidFill>
-              <a:latin typeface="Times New Roman"/>
-              <a:cs typeface="Times New Roman"/>
-            </a:endParaRPr>
-          </a:p>
+              <a:t>– Exclusive OR</a:t>
+            </a:r>
+            <a:endParaRPr/>
+          </a:p>
+        </p:txBody>
+      </p:sp>
+      <p:sp>
+        <p:nvSpPr>
+          <p:cNvPr id="1327276310" name="Symbol zastępczy zawartości 2"/>
+          <p:cNvSpPr>
+            <a:spLocks noGrp="1"/>
+          </p:cNvSpPr>
+          <p:nvPr>
+            <p:ph idx="1"/>
+          </p:nvPr>
+        </p:nvSpPr>
+        <p:spPr bwMode="auto">
+          <a:xfrm flipH="0" flipV="0">
+            <a:off x="838198" y="1753198"/>
+            <a:ext cx="9839344" cy="4562471"/>
+          </a:xfrm>
+        </p:spPr>
+        <p:txBody>
+          <a:bodyPr/>
+          <a:lstStyle/>
           <a:p>
             <a:pPr algn="l">
               <a:defRPr/>
@@ -7910,7 +8832,55 @@
                 <a:ea typeface="Arial"/>
                 <a:cs typeface="Arial"/>
               </a:rPr>
-              <a:t>Aby wykonać dzielenie </a:t>
+              <a:t>Operacja XOR jest dość powszechna w programowaniu</a:t>
+            </a:r>
+            <a:endParaRPr lang="pl-PL" sz="2800" b="0" i="0" u="none" strike="noStrike" cap="none" spc="0">
+              <a:solidFill>
+                <a:schemeClr val="tx1"/>
+              </a:solidFill>
+              <a:latin typeface="Arial"/>
+              <a:ea typeface="Arial"/>
+              <a:cs typeface="Arial"/>
+            </a:endParaRPr>
+          </a:p>
+          <a:p>
+            <a:pPr algn="l">
+              <a:defRPr/>
+            </a:pPr>
+            <a:r>
+              <a:rPr lang="pl-PL" sz="2800" b="0" i="0" u="none" strike="noStrike" cap="none" spc="0">
+                <a:solidFill>
+                  <a:schemeClr val="tx1"/>
+                </a:solidFill>
+                <a:latin typeface="Arial"/>
+                <a:ea typeface="Arial"/>
+                <a:cs typeface="Arial"/>
+              </a:rPr>
+              <a:t>Wiele języków programowania udostępnia operator xor </a:t>
+            </a:r>
+            <a:endParaRPr lang="pl-PL" sz="2800" b="0" i="0" u="none" strike="noStrike" cap="none" spc="0">
+              <a:solidFill>
+                <a:schemeClr val="tx1"/>
+              </a:solidFill>
+              <a:latin typeface="Arial"/>
+              <a:ea typeface="Arial"/>
+              <a:cs typeface="Arial"/>
+            </a:endParaRPr>
+          </a:p>
+          <a:p>
+            <a:pPr algn="l">
+              <a:defRPr/>
+            </a:pPr>
+            <a:r>
+              <a:rPr lang="pl-PL" sz="2800" b="0" i="0" u="none" strike="noStrike" cap="none" spc="0">
+                <a:solidFill>
+                  <a:schemeClr val="tx1"/>
+                </a:solidFill>
+                <a:latin typeface="Arial"/>
+                <a:ea typeface="Arial"/>
+                <a:cs typeface="Arial"/>
+              </a:rPr>
+              <a:t>W pythonie robi to operator </a:t>
             </a:r>
             <a:r>
               <a:rPr lang="pl-PL" sz="2800" b="0" i="0" u="none" strike="noStrike" cap="none" spc="0">
@@ -7921,7 +8891,7 @@
                 <a:ea typeface="Courier New"/>
                 <a:cs typeface="Courier New"/>
               </a:rPr>
-              <a:t>//2</a:t>
+              <a:t>^ </a:t>
             </a:r>
             <a:r>
               <a:rPr lang="pl-PL" sz="2800" b="0" i="0" u="none" strike="noStrike" cap="none" spc="0">
@@ -7932,8 +8902,46 @@
                 <a:ea typeface="Arial"/>
                 <a:cs typeface="Arial"/>
               </a:rPr>
-              <a:t>, możemy na liczbach wczytanych z pliku wykonać operację </a:t>
-            </a:r>
+              <a:t>(który jednak jest operatorem logicznym i zwraca True/False zamiast 0/1)</a:t>
+            </a:r>
+            <a:endParaRPr sz="2800" b="0" i="0" u="none" strike="noStrike" cap="none" spc="0">
+              <a:solidFill>
+                <a:schemeClr val="tx1"/>
+              </a:solidFill>
+              <a:latin typeface="Arial"/>
+              <a:cs typeface="Arial"/>
+            </a:endParaRPr>
+          </a:p>
+          <a:p>
+            <a:pPr algn="l">
+              <a:defRPr/>
+            </a:pPr>
+            <a:r>
+              <a:rPr lang="pl-PL" sz="2800" b="0" i="0" u="none" strike="noStrike" cap="none" spc="0">
+                <a:solidFill>
+                  <a:schemeClr val="tx1"/>
+                </a:solidFill>
+                <a:latin typeface="Arial"/>
+                <a:ea typeface="Arial"/>
+                <a:cs typeface="Arial"/>
+              </a:rPr>
+              <a:t>XOR można także zrealizować jako złożenie operatorów dodawania i modulo:</a:t>
+            </a:r>
+            <a:endParaRPr lang="pl-PL" sz="2800" b="0" i="0" u="none" strike="noStrike" cap="none" spc="0">
+              <a:solidFill>
+                <a:schemeClr val="tx1"/>
+              </a:solidFill>
+              <a:latin typeface="Arial"/>
+              <a:ea typeface="Arial"/>
+              <a:cs typeface="Arial"/>
+            </a:endParaRPr>
+          </a:p>
+          <a:p>
+            <a:pPr marL="0" indent="0" algn="ctr">
+              <a:buFont typeface="Arial"/>
+              <a:buNone/>
+              <a:defRPr/>
+            </a:pPr>
             <a:r>
               <a:rPr lang="pl-PL" sz="2800" b="0" i="0" u="none" strike="noStrike" cap="none" spc="0">
                 <a:solidFill>
@@ -7943,20 +8951,18 @@
                 <a:ea typeface="Courier New"/>
                 <a:cs typeface="Courier New"/>
               </a:rPr>
-              <a:t>//10</a:t>
-            </a:r>
-            <a:endParaRPr lang="pl-PL" sz="2800" b="0" i="0" u="none" strike="noStrike" cap="none" spc="0">
+              <a:t>A xor B = (A + B) % 2 </a:t>
+            </a:r>
+            <a:endParaRPr sz="2800" b="0" i="0" u="none" strike="noStrike" cap="none" spc="0">
               <a:solidFill>
                 <a:schemeClr val="tx1"/>
               </a:solidFill>
-              <a:latin typeface="Times New Roman"/>
-              <a:cs typeface="Times New Roman"/>
+              <a:latin typeface="Courier New"/>
+              <a:cs typeface="Courier New"/>
             </a:endParaRPr>
           </a:p>
           <a:p>
-            <a:pPr marL="0" indent="0" algn="ctr">
-              <a:buFont typeface="Arial"/>
-              <a:buNone/>
+            <a:pPr algn="l">
               <a:defRPr/>
             </a:pPr>
             <a:r>
@@ -7968,43 +8974,9 @@
                 <a:ea typeface="Arial"/>
                 <a:cs typeface="Arial"/>
               </a:rPr>
-              <a:t>11010 (26) // 10 = 1101 (13)</a:t>
-            </a:r>
-            <a:endParaRPr lang="pl-PL" sz="2800" b="0" i="0" u="none" strike="noStrike" cap="none" spc="0">
-              <a:solidFill>
-                <a:schemeClr val="tx1"/>
-              </a:solidFill>
-              <a:latin typeface="Times New Roman"/>
-              <a:cs typeface="Times New Roman"/>
-            </a:endParaRPr>
-          </a:p>
-          <a:p>
-            <a:pPr marL="0" indent="0" algn="ctr">
-              <a:buFont typeface="Arial"/>
-              <a:buNone/>
-              <a:defRPr/>
-            </a:pPr>
-            <a:endParaRPr lang="pl-PL" sz="2800" b="0" i="0" u="none" strike="noStrike" cap="none" spc="0">
-              <a:solidFill>
-                <a:schemeClr val="tx1"/>
-              </a:solidFill>
-              <a:latin typeface="Times New Roman"/>
-              <a:cs typeface="Times New Roman"/>
-            </a:endParaRPr>
-          </a:p>
-          <a:p>
-            <a:pPr marL="0" indent="0" algn="ctr">
-              <a:buFont typeface="Arial"/>
-              <a:buNone/>
-              <a:defRPr/>
-            </a:pPr>
-            <a:endParaRPr lang="pl-PL" sz="2800" b="0" i="0" u="none" strike="noStrike" cap="none" spc="0">
-              <a:solidFill>
-                <a:schemeClr val="tx1"/>
-              </a:solidFill>
-              <a:latin typeface="Times New Roman"/>
-              <a:cs typeface="Times New Roman"/>
-            </a:endParaRPr>
+              <a:t>Oczywiście zakładamy tu, że A i B to wartości 0 lub 1</a:t>
+            </a:r>
+            <a:endParaRPr lang="pl-PL"/>
           </a:p>
         </p:txBody>
       </p:sp>
@@ -8053,7 +9025,7 @@
       </p:grpSpPr>
       <p:sp>
         <p:nvSpPr>
-          <p:cNvPr id="1713058042" name="Tytuł 1"/>
+          <p:cNvPr id="1804579095" name="Tytuł 1"/>
           <p:cNvSpPr>
             <a:spLocks noGrp="1"/>
           </p:cNvSpPr>
@@ -8061,12 +9033,7 @@
             <p:ph type="title"/>
           </p:nvPr>
         </p:nvSpPr>
-        <p:spPr bwMode="auto">
-          <a:xfrm flipH="0" flipV="0">
-            <a:off x="838199" y="365124"/>
-            <a:ext cx="9839345" cy="1325562"/>
-          </a:xfrm>
-        </p:spPr>
+        <p:spPr bwMode="auto"/>
         <p:txBody>
           <a:bodyPr/>
           <a:lstStyle/>
@@ -8084,7 +9051,7 @@
       </p:sp>
       <p:sp>
         <p:nvSpPr>
-          <p:cNvPr id="1499340676" name="Symbol zastępczy zawartości 2"/>
+          <p:cNvPr id="510151624" name="Symbol zastępczy zawartości 2"/>
           <p:cNvSpPr>
             <a:spLocks noGrp="1"/>
           </p:cNvSpPr>
@@ -8094,55 +9061,89 @@
         </p:nvSpPr>
         <p:spPr bwMode="auto">
           <a:xfrm flipH="0" flipV="0">
-            <a:off x="838199" y="1753199"/>
-            <a:ext cx="9839345" cy="4562472"/>
-          </a:xfrm>
-        </p:spPr>
-        <p:txBody>
-          <a:bodyPr/>
-          <a:lstStyle/>
-          <a:p>
-            <a:pPr algn="l">
-              <a:defRPr/>
-            </a:pPr>
-            <a:r>
-              <a:rPr lang="pl-PL" sz="2800" b="0" i="0" u="none" strike="noStrike" cap="none" spc="0">
-                <a:solidFill>
-                  <a:schemeClr val="tx1"/>
-                </a:solidFill>
-                <a:latin typeface="Arial"/>
-                <a:ea typeface="Arial"/>
-                <a:cs typeface="Arial"/>
-              </a:rPr>
-              <a:t>Napisać o dzieleniu na cyfry przez modulo </a:t>
-            </a:r>
-            <a:endParaRPr lang="pl-PL" sz="2800" b="0" i="0" u="none" strike="noStrike" cap="none" spc="0">
-              <a:solidFill>
-                <a:schemeClr val="tx1"/>
-              </a:solidFill>
-              <a:latin typeface="Times New Roman"/>
-              <a:cs typeface="Times New Roman"/>
-            </a:endParaRPr>
-          </a:p>
-          <a:p>
-            <a:pPr algn="l">
-              <a:defRPr/>
-            </a:pPr>
-            <a:r>
-              <a:rPr lang="pl-PL" sz="2800" b="0" i="0" u="none" strike="noStrike" cap="none" spc="0">
-                <a:solidFill>
-                  <a:schemeClr val="tx1"/>
-                </a:solidFill>
-                <a:latin typeface="Arial"/>
-                <a:ea typeface="Arial"/>
-                <a:cs typeface="Arial"/>
-              </a:rPr>
-              <a:t>I o tym, że xor jest równoważny b1+b2mod2</a:t>
-            </a:r>
-            <a:endParaRPr/>
-          </a:p>
-        </p:txBody>
-      </p:sp>
+            <a:off x="838198" y="1753199"/>
+            <a:ext cx="10515597" cy="4562472"/>
+          </a:xfrm>
+        </p:spPr>
+        <p:txBody>
+          <a:bodyPr/>
+          <a:lstStyle/>
+          <a:p>
+            <a:pPr>
+              <a:defRPr/>
+            </a:pPr>
+            <a:r>
+              <a:rPr/>
+              <a:t>Jeśli w treści zadania pojawia się takie sformułowanie:</a:t>
+            </a:r>
+            <a:br>
+              <a:rPr/>
+            </a:br>
+            <a:endParaRPr/>
+          </a:p>
+          <a:p>
+            <a:pPr marL="0" indent="0">
+              <a:buFont typeface="Arial"/>
+              <a:buNone/>
+              <a:defRPr/>
+            </a:pPr>
+            <a:r>
+              <a:rPr/>
+              <a:t>To zawsze chodzi o wynik operacji dzielenia całkowitego (w Pythonie operator // )</a:t>
+            </a:r>
+            <a:endParaRPr/>
+          </a:p>
+          <a:p>
+            <a:pPr>
+              <a:defRPr/>
+            </a:pPr>
+            <a:r>
+              <a:rPr/>
+              <a:t>Większość języków programowania domyślnie stosuje takie dzielenie podczas pracy na liczbach całkowitych</a:t>
+            </a:r>
+            <a:endParaRPr/>
+          </a:p>
+          <a:p>
+            <a:pPr>
+              <a:defRPr/>
+            </a:pPr>
+            <a:r>
+              <a:rPr/>
+              <a:t>Python jednak stara się nam ułatwić życie i przy dzieleniu automatycznie zamienia liczby całkowite na zmiennoprzecinkowe – należy na to uważać</a:t>
+            </a:r>
+            <a:endParaRPr/>
+          </a:p>
+          <a:p>
+            <a:pPr>
+              <a:defRPr/>
+            </a:pPr>
+            <a:endParaRPr/>
+          </a:p>
+        </p:txBody>
+      </p:sp>
+      <p:pic>
+        <p:nvPicPr>
+          <p:cNvPr id="1964423158" name=""/>
+          <p:cNvPicPr>
+            <a:picLocks noChangeAspect="1"/>
+          </p:cNvPicPr>
+          <p:nvPr/>
+        </p:nvPicPr>
+        <p:blipFill>
+          <a:blip r:embed="rId4"/>
+          <a:srcRect l="0" t="21253" r="0" b="0"/>
+          <a:stretch/>
+        </p:blipFill>
+        <p:spPr bwMode="auto">
+          <a:xfrm flipH="0" flipV="0">
+            <a:off x="1151659" y="2190533"/>
+            <a:ext cx="4968312" cy="424511"/>
+          </a:xfrm>
+          <a:prstGeom prst="rect">
+            <a:avLst/>
+          </a:prstGeom>
+        </p:spPr>
+      </p:pic>
     </p:spTree>
   </p:cSld>
   <p:clrMapOvr>
@@ -8188,7 +9189,7 @@
       </p:grpSpPr>
       <p:sp>
         <p:nvSpPr>
-          <p:cNvPr id="1833595675" name="Tytuł 1"/>
+          <p:cNvPr id="5423486" name="Tytuł 1"/>
           <p:cNvSpPr>
             <a:spLocks noGrp="1"/>
           </p:cNvSpPr>
@@ -8198,8 +9199,8 @@
         </p:nvSpPr>
         <p:spPr bwMode="auto">
           <a:xfrm flipH="0" flipV="0">
-            <a:off x="838199" y="365124"/>
-            <a:ext cx="9839345" cy="1325562"/>
+            <a:off x="838198" y="365124"/>
+            <a:ext cx="10229004" cy="1325562"/>
           </a:xfrm>
         </p:spPr>
         <p:txBody>
@@ -8219,7 +9220,7 @@
       </p:sp>
       <p:sp>
         <p:nvSpPr>
-          <p:cNvPr id="1724212002" name="Symbol zastępczy zawartości 2"/>
+          <p:cNvPr id="156103038" name="Symbol zastępczy zawartości 2"/>
           <p:cNvSpPr>
             <a:spLocks noGrp="1"/>
           </p:cNvSpPr>
@@ -8229,13 +9230,181 @@
         </p:nvSpPr>
         <p:spPr bwMode="auto">
           <a:xfrm flipH="0" flipV="0">
-            <a:off x="838199" y="1753199"/>
-            <a:ext cx="9839345" cy="4562472"/>
-          </a:xfrm>
-        </p:spPr>
-        <p:txBody>
-          <a:bodyPr/>
-          <a:lstStyle/>
+            <a:off x="838198" y="1753199"/>
+            <a:ext cx="10229004" cy="4562472"/>
+          </a:xfrm>
+        </p:spPr>
+        <p:txBody>
+          <a:bodyPr/>
+          <a:lstStyle/>
+          <a:p>
+            <a:pPr>
+              <a:defRPr/>
+            </a:pPr>
+            <a:r>
+              <a:rPr/>
+              <a:t>Jak wiecie, aby wykonać dzielenie całkowite przez 10 na liczbie dziesiętnej, wystarczy „przesunąć przecinek” o jedno miejsce w lewo i zignorować wszystko, co za nim</a:t>
+            </a:r>
+            <a:endParaRPr/>
+          </a:p>
+          <a:p>
+            <a:pPr marL="0" indent="0" algn="ctr">
+              <a:buFont typeface="Arial"/>
+              <a:buNone/>
+              <a:defRPr/>
+            </a:pPr>
+            <a:r>
+              <a:rPr/>
+              <a:t>12345 // 10 = 1234</a:t>
+            </a:r>
+            <a:endParaRPr/>
+          </a:p>
+          <a:p>
+            <a:pPr algn="l">
+              <a:defRPr/>
+            </a:pPr>
+            <a:r>
+              <a:rPr/>
+              <a:t>Podobnie wygląda sytuacja z dzieleniem liczby binarnej przez 2</a:t>
+            </a:r>
+            <a:endParaRPr/>
+          </a:p>
+          <a:p>
+            <a:pPr algn="l">
+              <a:defRPr/>
+            </a:pPr>
+            <a:r>
+              <a:rPr/>
+              <a:t>W jaki sposób zrealizować to w programie?</a:t>
+            </a:r>
+            <a:endParaRPr/>
+          </a:p>
+          <a:p>
+            <a:pPr marL="0" indent="0" algn="l">
+              <a:buFont typeface="Arial"/>
+              <a:buNone/>
+              <a:defRPr/>
+            </a:pPr>
+            <a:endParaRPr/>
+          </a:p>
+        </p:txBody>
+      </p:sp>
+    </p:spTree>
+  </p:cSld>
+  <p:clrMapOvr>
+    <a:masterClrMapping/>
+  </p:clrMapOvr>
+  <mc:AlternateContent xmlns:mc="http://schemas.openxmlformats.org/markup-compatibility/2006">
+    <mc:Choice xmlns:p159="http://schemas.microsoft.com/office/powerpoint/2015/09/main" xmlns:p14="http://schemas.microsoft.com/office/powerpoint/2010/main" Requires="p159">
+      <p:transition p14:dur="2000" advClick="1"/>
+    </mc:Choice>
+    <mc:Fallback>
+      <p:transition advClick="1"/>
+    </mc:Fallback>
+  </mc:AlternateContent>
+</p:sld>
+</file>
+
+<file path=ppt/slides/slide25.xml><?xml version="1.0" encoding="utf-8"?>
+<p:sld xmlns:a="http://schemas.openxmlformats.org/drawingml/2006/main" xmlns:r="http://schemas.openxmlformats.org/officeDocument/2006/relationships" xmlns:p="http://schemas.openxmlformats.org/presentationml/2006/main" xmlns:m="http://schemas.openxmlformats.org/officeDocument/2006/math" xmlns:w="http://schemas.openxmlformats.org/wordprocessingml/2006/main" showMasterPhAnim="0" show="1">
+  <p:cSld name="">
+    <p:bg>
+      <p:bgPr shadeToTitle="0">
+        <a:blipFill>
+          <a:blip r:embed="rId3">
+            <a:alphaModFix amt="23000"/>
+          </a:blip>
+          <a:stretch/>
+        </a:blipFill>
+      </p:bgPr>
+    </p:bg>
+    <p:spTree>
+      <p:nvGrpSpPr>
+        <p:cNvPr id="1" name=""/>
+        <p:cNvGrpSpPr/>
+        <p:nvPr/>
+      </p:nvGrpSpPr>
+      <p:grpSpPr bwMode="auto">
+        <a:xfrm>
+          <a:off x="0" y="0"/>
+          <a:ext cx="0" cy="0"/>
+          <a:chOff x="0" y="0"/>
+          <a:chExt cx="0" cy="0"/>
+        </a:xfrm>
+      </p:grpSpPr>
+      <p:sp>
+        <p:nvSpPr>
+          <p:cNvPr id="233346787" name="Tytuł 1"/>
+          <p:cNvSpPr>
+            <a:spLocks noGrp="1"/>
+          </p:cNvSpPr>
+          <p:nvPr>
+            <p:ph type="title"/>
+          </p:nvPr>
+        </p:nvSpPr>
+        <p:spPr bwMode="auto">
+          <a:xfrm flipH="0" flipV="0">
+            <a:off x="838198" y="365124"/>
+            <a:ext cx="10159731" cy="1325562"/>
+          </a:xfrm>
+        </p:spPr>
+        <p:txBody>
+          <a:bodyPr/>
+          <a:lstStyle/>
+          <a:p>
+            <a:pPr>
+              <a:defRPr/>
+            </a:pPr>
+            <a:r>
+              <a:rPr/>
+              <a:t>Dzielenie</a:t>
+            </a:r>
+            <a:endParaRPr/>
+          </a:p>
+        </p:txBody>
+      </p:sp>
+      <p:sp>
+        <p:nvSpPr>
+          <p:cNvPr id="1166299378" name="Symbol zastępczy zawartości 2"/>
+          <p:cNvSpPr>
+            <a:spLocks noGrp="1"/>
+          </p:cNvSpPr>
+          <p:nvPr>
+            <p:ph idx="1"/>
+          </p:nvPr>
+        </p:nvSpPr>
+        <p:spPr bwMode="auto">
+          <a:xfrm flipH="0" flipV="0">
+            <a:off x="838198" y="1753199"/>
+            <a:ext cx="10159731" cy="4562472"/>
+          </a:xfrm>
+        </p:spPr>
+        <p:txBody>
+          <a:bodyPr/>
+          <a:lstStyle/>
+          <a:p>
+            <a:pPr algn="l">
+              <a:defRPr/>
+            </a:pPr>
+            <a:r>
+              <a:rPr lang="pl-PL" sz="2800" b="0" i="0" u="none" strike="noStrike" cap="none" spc="0">
+                <a:solidFill>
+                  <a:schemeClr val="tx1"/>
+                </a:solidFill>
+                <a:latin typeface="+mn-lt"/>
+                <a:ea typeface="+mn-ea"/>
+                <a:cs typeface="+mn-cs"/>
+              </a:rPr>
+              <a:t>Bardzo łatwo – znów skorzystamy z faktu, że Python domyślnie stosuje system dziesiętny</a:t>
+            </a:r>
+            <a:endParaRPr lang="pl-PL" sz="2800" b="0" i="0" u="none" strike="noStrike" cap="none" spc="0">
+              <a:solidFill>
+                <a:schemeClr val="tx1"/>
+              </a:solidFill>
+              <a:latin typeface="Times New Roman"/>
+              <a:cs typeface="Times New Roman"/>
+            </a:endParaRPr>
+          </a:p>
           <a:p>
             <a:pPr algn="l">
               <a:defRPr/>
@@ -8249,12 +9418,714 @@
                 <a:ea typeface="Arial"/>
                 <a:cs typeface="Arial"/>
               </a:rPr>
-              <a:t>Bardzo prosto – znów skorzystamy z faktu, że python domyślnie stosuje </a:t>
-            </a:r>
-            <a:endParaRPr/>
-          </a:p>
-        </p:txBody>
-      </p:sp>
+              <a:t>Aby wykonać dzielenie </a:t>
+            </a:r>
+            <a:r>
+              <a:rPr lang="pl-PL" sz="2800" b="0" i="0" u="none" strike="noStrike" cap="none" spc="0">
+                <a:solidFill>
+                  <a:schemeClr val="tx1"/>
+                </a:solidFill>
+                <a:latin typeface="Courier New"/>
+                <a:ea typeface="Courier New"/>
+                <a:cs typeface="Courier New"/>
+              </a:rPr>
+              <a:t>//2</a:t>
+            </a:r>
+            <a:r>
+              <a:rPr lang="pl-PL" sz="2800" b="0" i="0" u="none" strike="noStrike" cap="none" spc="0">
+                <a:solidFill>
+                  <a:schemeClr val="tx1"/>
+                </a:solidFill>
+                <a:latin typeface="Arial"/>
+                <a:ea typeface="Arial"/>
+                <a:cs typeface="Arial"/>
+              </a:rPr>
+              <a:t>, możemy na liczbach wczytanych z pliku wykonać operację </a:t>
+            </a:r>
+            <a:r>
+              <a:rPr lang="pl-PL" sz="2800" b="0" i="0" u="none" strike="noStrike" cap="none" spc="0">
+                <a:solidFill>
+                  <a:schemeClr val="tx1"/>
+                </a:solidFill>
+                <a:latin typeface="Courier New"/>
+                <a:ea typeface="Courier New"/>
+                <a:cs typeface="Courier New"/>
+              </a:rPr>
+              <a:t>//10</a:t>
+            </a:r>
+            <a:endParaRPr lang="pl-PL" sz="2800" b="0" i="0" u="none" strike="noStrike" cap="none" spc="0">
+              <a:solidFill>
+                <a:schemeClr val="tx1"/>
+              </a:solidFill>
+              <a:latin typeface="Times New Roman"/>
+              <a:cs typeface="Times New Roman"/>
+            </a:endParaRPr>
+          </a:p>
+          <a:p>
+            <a:pPr marL="0" indent="0" algn="ctr">
+              <a:buFont typeface="Arial"/>
+              <a:buNone/>
+              <a:defRPr/>
+            </a:pPr>
+            <a:r>
+              <a:rPr lang="pl-PL" sz="2800" b="0" i="0" u="none" strike="noStrike" cap="none" spc="0">
+                <a:solidFill>
+                  <a:schemeClr val="tx1"/>
+                </a:solidFill>
+                <a:latin typeface="Arial"/>
+                <a:ea typeface="Arial"/>
+                <a:cs typeface="Arial"/>
+              </a:rPr>
+              <a:t>11010 (26) // 10 = 1101 (13)</a:t>
+            </a:r>
+            <a:endParaRPr lang="pl-PL" sz="2800" b="0" i="0" u="none" strike="noStrike" cap="none" spc="0">
+              <a:solidFill>
+                <a:schemeClr val="tx1"/>
+              </a:solidFill>
+              <a:latin typeface="Arial"/>
+              <a:ea typeface="Arial"/>
+              <a:cs typeface="Arial"/>
+            </a:endParaRPr>
+          </a:p>
+          <a:p>
+            <a:pPr algn="l">
+              <a:defRPr/>
+            </a:pPr>
+            <a:endParaRPr lang="pl-PL" sz="2800" b="0" i="0" u="none" strike="noStrike" cap="none" spc="0">
+              <a:solidFill>
+                <a:schemeClr val="tx1"/>
+              </a:solidFill>
+              <a:latin typeface="Times New Roman"/>
+              <a:cs typeface="Times New Roman"/>
+            </a:endParaRPr>
+          </a:p>
+          <a:p>
+            <a:pPr algn="l">
+              <a:defRPr/>
+            </a:pPr>
+            <a:r>
+              <a:rPr lang="pl-PL" sz="2800" b="0" i="0" u="none" strike="noStrike" cap="none" spc="0">
+                <a:solidFill>
+                  <a:schemeClr val="tx1"/>
+                </a:solidFill>
+                <a:latin typeface="Arial"/>
+                <a:ea typeface="Arial"/>
+                <a:cs typeface="Arial"/>
+              </a:rPr>
+              <a:t>W wielu językach programowania można się posłużyć operacją przesunięcia bitowego</a:t>
+            </a:r>
+            <a:endParaRPr lang="pl-PL" sz="2800" b="0" i="0" u="none" strike="noStrike" cap="none" spc="0">
+              <a:solidFill>
+                <a:schemeClr val="tx1"/>
+              </a:solidFill>
+              <a:latin typeface="Times New Roman"/>
+              <a:cs typeface="Times New Roman"/>
+            </a:endParaRPr>
+          </a:p>
+          <a:p>
+            <a:pPr marL="0" indent="0" algn="ctr">
+              <a:buFont typeface="Arial"/>
+              <a:buNone/>
+              <a:defRPr/>
+            </a:pPr>
+            <a:endParaRPr lang="pl-PL" sz="2800" b="0" i="0" u="none" strike="noStrike" cap="none" spc="0">
+              <a:solidFill>
+                <a:schemeClr val="tx1"/>
+              </a:solidFill>
+              <a:latin typeface="Times New Roman"/>
+              <a:cs typeface="Times New Roman"/>
+            </a:endParaRPr>
+          </a:p>
+        </p:txBody>
+      </p:sp>
+    </p:spTree>
+  </p:cSld>
+  <p:clrMapOvr>
+    <a:masterClrMapping/>
+  </p:clrMapOvr>
+  <mc:AlternateContent xmlns:mc="http://schemas.openxmlformats.org/markup-compatibility/2006">
+    <mc:Choice xmlns:p159="http://schemas.microsoft.com/office/powerpoint/2015/09/main" xmlns:p14="http://schemas.microsoft.com/office/powerpoint/2010/main" Requires="p159">
+      <p:transition p14:dur="2000" advClick="1"/>
+    </mc:Choice>
+    <mc:Fallback>
+      <p:transition advClick="1"/>
+    </mc:Fallback>
+  </mc:AlternateContent>
+</p:sld>
+</file>
+
+<file path=ppt/slides/slide26.xml><?xml version="1.0" encoding="utf-8"?>
+<p:sld xmlns:a="http://schemas.openxmlformats.org/drawingml/2006/main" xmlns:r="http://schemas.openxmlformats.org/officeDocument/2006/relationships" xmlns:p="http://schemas.openxmlformats.org/presentationml/2006/main" xmlns:m="http://schemas.openxmlformats.org/officeDocument/2006/math" xmlns:w="http://schemas.openxmlformats.org/wordprocessingml/2006/main" showMasterPhAnim="0" show="1">
+  <p:cSld name="">
+    <p:bg>
+      <p:bgPr shadeToTitle="0">
+        <a:blipFill>
+          <a:blip r:embed="rId3">
+            <a:alphaModFix amt="23000"/>
+          </a:blip>
+          <a:stretch/>
+        </a:blipFill>
+      </p:bgPr>
+    </p:bg>
+    <p:spTree>
+      <p:nvGrpSpPr>
+        <p:cNvPr id="1" name=""/>
+        <p:cNvGrpSpPr/>
+        <p:nvPr/>
+      </p:nvGrpSpPr>
+      <p:grpSpPr bwMode="auto">
+        <a:xfrm>
+          <a:off x="0" y="0"/>
+          <a:ext cx="0" cy="0"/>
+          <a:chOff x="0" y="0"/>
+          <a:chExt cx="0" cy="0"/>
+        </a:xfrm>
+      </p:grpSpPr>
+      <p:sp>
+        <p:nvSpPr>
+          <p:cNvPr id="1713058042" name="Tytuł 1"/>
+          <p:cNvSpPr>
+            <a:spLocks noGrp="1"/>
+          </p:cNvSpPr>
+          <p:nvPr>
+            <p:ph type="title"/>
+          </p:nvPr>
+        </p:nvSpPr>
+        <p:spPr bwMode="auto">
+          <a:xfrm flipH="0" flipV="0">
+            <a:off x="838198" y="365123"/>
+            <a:ext cx="10509519" cy="1325561"/>
+          </a:xfrm>
+        </p:spPr>
+        <p:txBody>
+          <a:bodyPr/>
+          <a:lstStyle/>
+          <a:p>
+            <a:pPr>
+              <a:defRPr/>
+            </a:pPr>
+            <a:r>
+              <a:rPr/>
+              <a:t>Dzielenie liczby na cyfry</a:t>
+            </a:r>
+            <a:endParaRPr/>
+          </a:p>
+        </p:txBody>
+      </p:sp>
+      <p:sp>
+        <p:nvSpPr>
+          <p:cNvPr id="1499340676" name="Symbol zastępczy zawartości 2"/>
+          <p:cNvSpPr>
+            <a:spLocks noGrp="1"/>
+          </p:cNvSpPr>
+          <p:nvPr>
+            <p:ph idx="1"/>
+          </p:nvPr>
+        </p:nvSpPr>
+        <p:spPr bwMode="auto">
+          <a:xfrm flipH="0" flipV="0">
+            <a:off x="838198" y="1753198"/>
+            <a:ext cx="10509519" cy="4562471"/>
+          </a:xfrm>
+        </p:spPr>
+        <p:txBody>
+          <a:bodyPr vertOverflow="overflow" horzOverflow="overflow" vert="horz" wrap="square" lIns="91440" tIns="45720" rIns="91440" bIns="45720" numCol="1" spcCol="0" rtlCol="0" fromWordArt="0" anchor="t" anchorCtr="0" forceAA="0" upright="0" compatLnSpc="0">
+            <a:normAutofit fontScale="90000" lnSpcReduction="2000"/>
+          </a:bodyPr>
+          <a:lstStyle/>
+          <a:p>
+            <a:pPr algn="l">
+              <a:defRPr/>
+            </a:pPr>
+            <a:r>
+              <a:rPr lang="pl-PL" sz="2800" b="0" i="0" u="none" strike="noStrike" cap="none" spc="0">
+                <a:solidFill>
+                  <a:schemeClr val="tx1"/>
+                </a:solidFill>
+                <a:latin typeface="Arial"/>
+                <a:ea typeface="Arial"/>
+                <a:cs typeface="Arial"/>
+              </a:rPr>
+              <a:t>W omawianym zadaniu musimy przeprowadzić operacje na kolejnych cyfrach liczby</a:t>
+            </a:r>
+            <a:endParaRPr lang="pl-PL" sz="2800" b="0" i="0" u="none" strike="noStrike" cap="none" spc="0">
+              <a:solidFill>
+                <a:schemeClr val="tx1"/>
+              </a:solidFill>
+              <a:latin typeface="Arial"/>
+              <a:ea typeface="Arial"/>
+              <a:cs typeface="Arial"/>
+            </a:endParaRPr>
+          </a:p>
+          <a:p>
+            <a:pPr algn="l">
+              <a:defRPr/>
+            </a:pPr>
+            <a:r>
+              <a:rPr lang="pl-PL" sz="2800" b="0" i="0" u="none" strike="noStrike" cap="none" spc="0">
+                <a:solidFill>
+                  <a:schemeClr val="tx1"/>
+                </a:solidFill>
+                <a:latin typeface="Arial"/>
+                <a:ea typeface="Arial"/>
+                <a:cs typeface="Arial"/>
+              </a:rPr>
+              <a:t>Aby tego dokonać, musimy ją sobie podzielić</a:t>
+            </a:r>
+            <a:endParaRPr lang="pl-PL" sz="2800" b="0" i="0" u="none" strike="noStrike" cap="none" spc="0">
+              <a:solidFill>
+                <a:schemeClr val="tx1"/>
+              </a:solidFill>
+              <a:latin typeface="Arial"/>
+              <a:ea typeface="Arial"/>
+              <a:cs typeface="Arial"/>
+            </a:endParaRPr>
+          </a:p>
+          <a:p>
+            <a:pPr algn="l">
+              <a:defRPr/>
+            </a:pPr>
+            <a:r>
+              <a:rPr lang="pl-PL" sz="2800" b="0" i="0" u="none" strike="noStrike" cap="none" spc="0">
+                <a:solidFill>
+                  <a:schemeClr val="tx1"/>
+                </a:solidFill>
+                <a:latin typeface="Arial"/>
+                <a:ea typeface="Arial"/>
+                <a:cs typeface="Arial"/>
+              </a:rPr>
+              <a:t>W przypadku liczby dziesiętnej możemy wydobyć ostatnią cyfrę liczby operacją </a:t>
+            </a:r>
+            <a:r>
+              <a:rPr lang="pl-PL" sz="2800" b="0" i="0" u="none" strike="noStrike" cap="none" spc="0">
+                <a:solidFill>
+                  <a:schemeClr val="tx1"/>
+                </a:solidFill>
+                <a:latin typeface="Courier New"/>
+                <a:ea typeface="Courier New"/>
+                <a:cs typeface="Courier New"/>
+              </a:rPr>
+              <a:t>%10</a:t>
+            </a:r>
+            <a:endParaRPr lang="pl-PL" sz="2800" b="0" i="0" u="none" strike="noStrike" cap="none" spc="0">
+              <a:solidFill>
+                <a:schemeClr val="tx1"/>
+              </a:solidFill>
+              <a:latin typeface="Arial"/>
+              <a:ea typeface="Arial"/>
+              <a:cs typeface="Arial"/>
+            </a:endParaRPr>
+          </a:p>
+          <a:p>
+            <a:pPr algn="l">
+              <a:defRPr/>
+            </a:pPr>
+            <a:r>
+              <a:rPr lang="pl-PL" sz="2800" b="0" i="0" u="none" strike="noStrike" cap="none" spc="0">
+                <a:solidFill>
+                  <a:schemeClr val="tx1"/>
+                </a:solidFill>
+                <a:latin typeface="Arial"/>
+                <a:ea typeface="Arial"/>
+                <a:cs typeface="Arial"/>
+              </a:rPr>
+              <a:t>Następnie  operacją </a:t>
+            </a:r>
+            <a:r>
+              <a:rPr lang="pl-PL" sz="2800" b="0" i="0" u="none" strike="noStrike" cap="none" spc="0">
+                <a:solidFill>
+                  <a:schemeClr val="tx1"/>
+                </a:solidFill>
+                <a:latin typeface="Courier New"/>
+                <a:ea typeface="Courier New"/>
+                <a:cs typeface="Courier New"/>
+              </a:rPr>
+              <a:t>//10</a:t>
+            </a:r>
+            <a:r>
+              <a:rPr lang="pl-PL" sz="2800" b="0" i="0" u="none" strike="noStrike" cap="none" spc="0">
+                <a:solidFill>
+                  <a:schemeClr val="tx1"/>
+                </a:solidFill>
+                <a:latin typeface="Arial"/>
+                <a:ea typeface="Arial"/>
+                <a:cs typeface="Arial"/>
+              </a:rPr>
+              <a:t> sprawiamy, że na miejsce ostatniej wchodzi przedostatnia</a:t>
+            </a:r>
+            <a:endParaRPr lang="pl-PL" sz="2800" b="0" i="0" u="none" strike="noStrike" cap="none" spc="0">
+              <a:solidFill>
+                <a:schemeClr val="tx1"/>
+              </a:solidFill>
+              <a:latin typeface="Arial"/>
+              <a:ea typeface="Arial"/>
+              <a:cs typeface="Arial"/>
+            </a:endParaRPr>
+          </a:p>
+          <a:p>
+            <a:pPr algn="l">
+              <a:defRPr/>
+            </a:pPr>
+            <a:r>
+              <a:rPr lang="pl-PL" sz="2800" b="0" i="0" u="none" strike="noStrike" cap="none" spc="0">
+                <a:solidFill>
+                  <a:schemeClr val="tx1"/>
+                </a:solidFill>
+                <a:latin typeface="Arial"/>
+                <a:ea typeface="Arial"/>
+                <a:cs typeface="Arial"/>
+              </a:rPr>
+              <a:t>Możemy powtarzać powyższe kroki, aż nie odczytami wszystkich cyfr</a:t>
+            </a:r>
+            <a:endParaRPr lang="pl-PL" sz="2800" b="0" i="0" u="none" strike="noStrike" cap="none" spc="0">
+              <a:solidFill>
+                <a:schemeClr val="tx1"/>
+              </a:solidFill>
+              <a:latin typeface="Arial"/>
+              <a:ea typeface="Arial"/>
+              <a:cs typeface="Arial"/>
+            </a:endParaRPr>
+          </a:p>
+          <a:p>
+            <a:pPr algn="l">
+              <a:defRPr/>
+            </a:pPr>
+            <a:r>
+              <a:rPr lang="pl-PL" sz="2800" b="0" i="0" u="none" strike="noStrike" cap="none" spc="0">
+                <a:solidFill>
+                  <a:schemeClr val="tx1"/>
+                </a:solidFill>
+                <a:latin typeface="Arial"/>
+                <a:ea typeface="Arial"/>
+                <a:cs typeface="Arial"/>
+              </a:rPr>
+              <a:t>W pozostałych systemach liczbowych działa to identycznie – wystarczy zamienić 10 na podstawę danego systemu (np. 2 w binarnym)</a:t>
+            </a:r>
+            <a:endParaRPr lang="pl-PL" sz="2800" b="0" i="0" u="none" strike="noStrike" cap="none" spc="0">
+              <a:solidFill>
+                <a:schemeClr val="tx1"/>
+              </a:solidFill>
+              <a:latin typeface="Times New Roman"/>
+              <a:cs typeface="Times New Roman"/>
+            </a:endParaRPr>
+          </a:p>
+        </p:txBody>
+      </p:sp>
+    </p:spTree>
+  </p:cSld>
+  <p:clrMapOvr>
+    <a:masterClrMapping/>
+  </p:clrMapOvr>
+  <mc:AlternateContent xmlns:mc="http://schemas.openxmlformats.org/markup-compatibility/2006">
+    <mc:Choice xmlns:p159="http://schemas.microsoft.com/office/powerpoint/2015/09/main" xmlns:p14="http://schemas.microsoft.com/office/powerpoint/2010/main" Requires="p159">
+      <p:transition p14:dur="2000" advClick="1"/>
+    </mc:Choice>
+    <mc:Fallback>
+      <p:transition advClick="1"/>
+    </mc:Fallback>
+  </mc:AlternateContent>
+</p:sld>
+</file>
+
+<file path=ppt/slides/slide27.xml><?xml version="1.0" encoding="utf-8"?>
+<p:sld xmlns:a="http://schemas.openxmlformats.org/drawingml/2006/main" xmlns:r="http://schemas.openxmlformats.org/officeDocument/2006/relationships" xmlns:p="http://schemas.openxmlformats.org/presentationml/2006/main" xmlns:m="http://schemas.openxmlformats.org/officeDocument/2006/math" xmlns:w="http://schemas.openxmlformats.org/wordprocessingml/2006/main" showMasterPhAnim="0" show="1">
+  <p:cSld name="">
+    <p:bg>
+      <p:bgPr shadeToTitle="0">
+        <a:blipFill>
+          <a:blip r:embed="rId3">
+            <a:alphaModFix amt="23000"/>
+          </a:blip>
+          <a:stretch/>
+        </a:blipFill>
+      </p:bgPr>
+    </p:bg>
+    <p:spTree>
+      <p:nvGrpSpPr>
+        <p:cNvPr id="1" name=""/>
+        <p:cNvGrpSpPr/>
+        <p:nvPr/>
+      </p:nvGrpSpPr>
+      <p:grpSpPr bwMode="auto">
+        <a:xfrm>
+          <a:off x="0" y="0"/>
+          <a:ext cx="0" cy="0"/>
+          <a:chOff x="0" y="0"/>
+          <a:chExt cx="0" cy="0"/>
+        </a:xfrm>
+      </p:grpSpPr>
+      <p:sp>
+        <p:nvSpPr>
+          <p:cNvPr id="1746639576" name="Tytuł 1"/>
+          <p:cNvSpPr>
+            <a:spLocks noGrp="1"/>
+          </p:cNvSpPr>
+          <p:nvPr>
+            <p:ph type="title"/>
+          </p:nvPr>
+        </p:nvSpPr>
+        <p:spPr bwMode="auto"/>
+        <p:txBody>
+          <a:bodyPr/>
+          <a:lstStyle/>
+          <a:p>
+            <a:pPr>
+              <a:defRPr/>
+            </a:pPr>
+            <a:r>
+              <a:rPr/>
+              <a:t>Rozwiązanie</a:t>
+            </a:r>
+            <a:endParaRPr/>
+          </a:p>
+        </p:txBody>
+      </p:sp>
+      <p:sp>
+        <p:nvSpPr>
+          <p:cNvPr id="972459265" name=""/>
+          <p:cNvSpPr txBox="1"/>
+          <p:nvPr/>
+        </p:nvSpPr>
+        <p:spPr bwMode="auto">
+          <a:xfrm flipH="0" flipV="0">
+            <a:off x="2224306" y="2866159"/>
+            <a:ext cx="7743387" cy="1189079"/>
+          </a:xfrm>
+          <a:prstGeom prst="rect">
+            <a:avLst/>
+          </a:prstGeom>
+          <a:noFill/>
+        </p:spPr>
+        <p:txBody>
+          <a:bodyPr vertOverflow="overflow" horzOverflow="overflow" vert="horz" wrap="square" lIns="91440" tIns="45720" rIns="91440" bIns="45720" numCol="1" spcCol="0" rtlCol="0" fromWordArt="0" anchor="t" anchorCtr="0" forceAA="0" upright="0" compatLnSpc="0">
+            <a:spAutoFit/>
+          </a:bodyPr>
+          <a:p>
+            <a:pPr algn="ctr">
+              <a:defRPr/>
+            </a:pPr>
+            <a:r>
+              <a:rPr sz="7200">
+                <a:latin typeface="Courier New"/>
+                <a:ea typeface="Courier New"/>
+                <a:cs typeface="Courier New"/>
+              </a:rPr>
+              <a:t>Loading...</a:t>
+            </a:r>
+            <a:endParaRPr sz="1400"/>
+          </a:p>
+        </p:txBody>
+      </p:sp>
+    </p:spTree>
+  </p:cSld>
+  <p:clrMapOvr>
+    <a:masterClrMapping/>
+  </p:clrMapOvr>
+  <mc:AlternateContent xmlns:mc="http://schemas.openxmlformats.org/markup-compatibility/2006">
+    <mc:Choice xmlns:p159="http://schemas.microsoft.com/office/powerpoint/2015/09/main" xmlns:p14="http://schemas.microsoft.com/office/powerpoint/2010/main" Requires="p159">
+      <p:transition p14:dur="2000" advClick="1"/>
+    </mc:Choice>
+    <mc:Fallback>
+      <p:transition advClick="1"/>
+    </mc:Fallback>
+  </mc:AlternateContent>
+</p:sld>
+</file>
+
+<file path=ppt/slides/slide28.xml><?xml version="1.0" encoding="utf-8"?>
+<p:sld xmlns:a="http://schemas.openxmlformats.org/drawingml/2006/main" xmlns:r="http://schemas.openxmlformats.org/officeDocument/2006/relationships" xmlns:p="http://schemas.openxmlformats.org/presentationml/2006/main" xmlns:m="http://schemas.openxmlformats.org/officeDocument/2006/math" xmlns:w="http://schemas.openxmlformats.org/wordprocessingml/2006/main" showMasterPhAnim="0" show="1">
+  <p:cSld name="">
+    <p:bg>
+      <p:bgPr shadeToTitle="0">
+        <a:blipFill>
+          <a:blip r:embed="rId3">
+            <a:alphaModFix amt="23000"/>
+          </a:blip>
+          <a:stretch/>
+        </a:blipFill>
+      </p:bgPr>
+    </p:bg>
+    <p:spTree>
+      <p:nvGrpSpPr>
+        <p:cNvPr id="1" name=""/>
+        <p:cNvGrpSpPr/>
+        <p:nvPr/>
+      </p:nvGrpSpPr>
+      <p:grpSpPr bwMode="auto">
+        <a:xfrm>
+          <a:off x="0" y="0"/>
+          <a:ext cx="0" cy="0"/>
+          <a:chOff x="0" y="0"/>
+          <a:chExt cx="0" cy="0"/>
+        </a:xfrm>
+      </p:grpSpPr>
+      <p:sp>
+        <p:nvSpPr>
+          <p:cNvPr id="265735704" name="Tytuł 1"/>
+          <p:cNvSpPr>
+            <a:spLocks noGrp="1"/>
+          </p:cNvSpPr>
+          <p:nvPr>
+            <p:ph type="title"/>
+          </p:nvPr>
+        </p:nvSpPr>
+        <p:spPr bwMode="auto"/>
+        <p:txBody>
+          <a:bodyPr/>
+          <a:lstStyle/>
+          <a:p>
+            <a:pPr>
+              <a:defRPr/>
+            </a:pPr>
+            <a:r>
+              <a:rPr/>
+              <a:t>Rozwiązanie</a:t>
+            </a:r>
+            <a:endParaRPr/>
+          </a:p>
+        </p:txBody>
+      </p:sp>
+      <p:pic>
+        <p:nvPicPr>
+          <p:cNvPr id="663208630" name=""/>
+          <p:cNvPicPr>
+            <a:picLocks noChangeAspect="1"/>
+          </p:cNvPicPr>
+          <p:nvPr/>
+        </p:nvPicPr>
+        <p:blipFill>
+          <a:blip r:embed="rId4"/>
+          <a:stretch/>
+        </p:blipFill>
+        <p:spPr bwMode="auto">
+          <a:xfrm>
+            <a:off x="2500312" y="1491961"/>
+            <a:ext cx="7191374" cy="4895849"/>
+          </a:xfrm>
+          <a:prstGeom prst="rect">
+            <a:avLst/>
+          </a:prstGeom>
+        </p:spPr>
+      </p:pic>
+    </p:spTree>
+  </p:cSld>
+  <p:clrMapOvr>
+    <a:masterClrMapping/>
+  </p:clrMapOvr>
+  <mc:AlternateContent xmlns:mc="http://schemas.openxmlformats.org/markup-compatibility/2006">
+    <mc:Choice xmlns:p159="http://schemas.microsoft.com/office/powerpoint/2015/09/main" xmlns:p14="http://schemas.microsoft.com/office/powerpoint/2010/main" Requires="p159">
+      <p:transition p14:dur="2000" advClick="1"/>
+    </mc:Choice>
+    <mc:Fallback>
+      <p:transition advClick="1"/>
+    </mc:Fallback>
+  </mc:AlternateContent>
+</p:sld>
+</file>
+
+<file path=ppt/slides/slide29.xml><?xml version="1.0" encoding="utf-8"?>
+<p:sld xmlns:a="http://schemas.openxmlformats.org/drawingml/2006/main" xmlns:r="http://schemas.openxmlformats.org/officeDocument/2006/relationships" xmlns:p="http://schemas.openxmlformats.org/presentationml/2006/main" xmlns:m="http://schemas.openxmlformats.org/officeDocument/2006/math" xmlns:w="http://schemas.openxmlformats.org/wordprocessingml/2006/main" showMasterPhAnim="0" show="1">
+  <p:cSld name="">
+    <p:bg>
+      <p:bgPr shadeToTitle="0">
+        <a:blipFill>
+          <a:blip r:embed="rId3">
+            <a:alphaModFix amt="23000"/>
+          </a:blip>
+          <a:stretch/>
+        </a:blipFill>
+      </p:bgPr>
+    </p:bg>
+    <p:spTree>
+      <p:nvGrpSpPr>
+        <p:cNvPr id="1" name=""/>
+        <p:cNvGrpSpPr/>
+        <p:nvPr/>
+      </p:nvGrpSpPr>
+      <p:grpSpPr bwMode="auto">
+        <a:xfrm>
+          <a:off x="0" y="0"/>
+          <a:ext cx="0" cy="0"/>
+          <a:chOff x="0" y="0"/>
+          <a:chExt cx="0" cy="0"/>
+        </a:xfrm>
+      </p:grpSpPr>
+      <p:sp>
+        <p:nvSpPr>
+          <p:cNvPr id="1833595675" name="Tytuł 1"/>
+          <p:cNvSpPr>
+            <a:spLocks noGrp="1"/>
+          </p:cNvSpPr>
+          <p:nvPr>
+            <p:ph type="title"/>
+          </p:nvPr>
+        </p:nvSpPr>
+        <p:spPr bwMode="auto">
+          <a:xfrm flipH="0" flipV="0">
+            <a:off x="838198" y="365123"/>
+            <a:ext cx="10263641" cy="1325561"/>
+          </a:xfrm>
+        </p:spPr>
+        <p:txBody>
+          <a:bodyPr/>
+          <a:lstStyle/>
+          <a:p>
+            <a:pPr>
+              <a:defRPr/>
+            </a:pPr>
+            <a:r>
+              <a:rPr/>
+              <a:t>Jeszcze jedno!</a:t>
+            </a:r>
+            <a:endParaRPr/>
+          </a:p>
+        </p:txBody>
+      </p:sp>
+      <p:pic>
+        <p:nvPicPr>
+          <p:cNvPr id="439103737" name=""/>
+          <p:cNvPicPr>
+            <a:picLocks noChangeAspect="1"/>
+          </p:cNvPicPr>
+          <p:nvPr/>
+        </p:nvPicPr>
+        <p:blipFill>
+          <a:blip r:embed="rId4"/>
+          <a:srcRect l="21479" t="2722" r="1950" b="3231"/>
+          <a:stretch/>
+        </p:blipFill>
+        <p:spPr bwMode="auto">
+          <a:xfrm flipH="0" flipV="0">
+            <a:off x="6928158" y="2060161"/>
+            <a:ext cx="4852554" cy="3948545"/>
+          </a:xfrm>
+          <a:prstGeom prst="rect">
+            <a:avLst/>
+          </a:prstGeom>
+        </p:spPr>
+      </p:pic>
+      <p:pic>
+        <p:nvPicPr>
+          <p:cNvPr id="1149431830" name=""/>
+          <p:cNvPicPr>
+            <a:picLocks noChangeAspect="1"/>
+          </p:cNvPicPr>
+          <p:nvPr/>
+        </p:nvPicPr>
+        <p:blipFill>
+          <a:blip r:embed="rId5"/>
+          <a:stretch/>
+        </p:blipFill>
+        <p:spPr bwMode="auto">
+          <a:xfrm flipH="0" flipV="0">
+            <a:off x="649431" y="2476499"/>
+            <a:ext cx="6164164" cy="2948420"/>
+          </a:xfrm>
+          <a:prstGeom prst="rect">
+            <a:avLst/>
+          </a:prstGeom>
+        </p:spPr>
+      </p:pic>
     </p:spTree>
   </p:cSld>
   <p:clrMapOvr>
@@ -8435,6 +10306,753 @@
           </a:prstGeom>
         </p:spPr>
       </p:pic>
+    </p:spTree>
+  </p:cSld>
+  <p:clrMapOvr>
+    <a:masterClrMapping/>
+  </p:clrMapOvr>
+  <mc:AlternateContent xmlns:mc="http://schemas.openxmlformats.org/markup-compatibility/2006">
+    <mc:Choice xmlns:p159="http://schemas.microsoft.com/office/powerpoint/2015/09/main" xmlns:p14="http://schemas.microsoft.com/office/powerpoint/2010/main" Requires="p159">
+      <p:transition p14:dur="2000" advClick="1"/>
+    </mc:Choice>
+    <mc:Fallback>
+      <p:transition advClick="1"/>
+    </mc:Fallback>
+  </mc:AlternateContent>
+</p:sld>
+</file>
+
+<file path=ppt/slides/slide30.xml><?xml version="1.0" encoding="utf-8"?>
+<p:sld xmlns:a="http://schemas.openxmlformats.org/drawingml/2006/main" xmlns:r="http://schemas.openxmlformats.org/officeDocument/2006/relationships" xmlns:p="http://schemas.openxmlformats.org/presentationml/2006/main" xmlns:m="http://schemas.openxmlformats.org/officeDocument/2006/math" xmlns:w="http://schemas.openxmlformats.org/wordprocessingml/2006/main" showMasterPhAnim="0" show="1">
+  <p:cSld name="">
+    <p:bg>
+      <p:bgPr shadeToTitle="0">
+        <a:blipFill>
+          <a:blip r:embed="rId3">
+            <a:alphaModFix amt="23000"/>
+          </a:blip>
+          <a:stretch/>
+        </a:blipFill>
+      </p:bgPr>
+    </p:bg>
+    <p:spTree>
+      <p:nvGrpSpPr>
+        <p:cNvPr id="1" name=""/>
+        <p:cNvGrpSpPr/>
+        <p:nvPr/>
+      </p:nvGrpSpPr>
+      <p:grpSpPr bwMode="auto">
+        <a:xfrm>
+          <a:off x="0" y="0"/>
+          <a:ext cx="0" cy="0"/>
+          <a:chOff x="0" y="0"/>
+          <a:chExt cx="0" cy="0"/>
+        </a:xfrm>
+      </p:grpSpPr>
+      <p:sp>
+        <p:nvSpPr>
+          <p:cNvPr id="1583793392" name="Tytuł 1"/>
+          <p:cNvSpPr>
+            <a:spLocks noGrp="1"/>
+          </p:cNvSpPr>
+          <p:nvPr>
+            <p:ph type="title"/>
+          </p:nvPr>
+        </p:nvSpPr>
+        <p:spPr bwMode="auto">
+          <a:xfrm flipH="0" flipV="0">
+            <a:off x="838198" y="365123"/>
+            <a:ext cx="10263641" cy="1325561"/>
+          </a:xfrm>
+        </p:spPr>
+        <p:txBody>
+          <a:bodyPr/>
+          <a:lstStyle/>
+          <a:p>
+            <a:pPr>
+              <a:defRPr/>
+            </a:pPr>
+            <a:r>
+              <a:rPr/>
+              <a:t>Wzorce</a:t>
+            </a:r>
+            <a:endParaRPr/>
+          </a:p>
+        </p:txBody>
+      </p:sp>
+      <p:sp>
+        <p:nvSpPr>
+          <p:cNvPr id="802524594" name="Symbol zastępczy zawartości 2"/>
+          <p:cNvSpPr>
+            <a:spLocks noGrp="1"/>
+          </p:cNvSpPr>
+          <p:nvPr>
+            <p:ph idx="1"/>
+          </p:nvPr>
+        </p:nvSpPr>
+        <p:spPr bwMode="auto">
+          <a:xfrm flipH="0" flipV="0">
+            <a:off x="838198" y="1753198"/>
+            <a:ext cx="10263641" cy="4562471"/>
+          </a:xfrm>
+        </p:spPr>
+        <p:txBody>
+          <a:bodyPr/>
+          <a:lstStyle/>
+          <a:p>
+            <a:pPr algn="l">
+              <a:defRPr/>
+            </a:pPr>
+            <a:r>
+              <a:rPr/>
+              <a:t>Jeśli pamiętacie jedno z poprzednich zadań, to powinniście zauważyć coś znajomego</a:t>
+            </a:r>
+            <a:endParaRPr/>
+          </a:p>
+          <a:p>
+            <a:pPr algn="l">
+              <a:defRPr/>
+            </a:pPr>
+            <a:r>
+              <a:rPr/>
+              <a:t>Znajdowanie „fragmentów dwucyfrowych” przypomina nieco szukanie granicy między blokami z zadania 2</a:t>
+            </a:r>
+            <a:endParaRPr/>
+          </a:p>
+          <a:p>
+            <a:pPr algn="l">
+              <a:defRPr/>
+            </a:pPr>
+            <a:r>
+              <a:rPr/>
+              <a:t>Można zatem zastosować użytą tam metodę, jedynie nieznacznie ją zmieniając</a:t>
+            </a:r>
+            <a:endParaRPr/>
+          </a:p>
+          <a:p>
+            <a:pPr algn="l">
+              <a:defRPr/>
+            </a:pPr>
+            <a:r>
+              <a:rPr/>
+              <a:t>Takich powtarzających się motywów jest w zadaniach maturalnych wiele – dlatego warto przerobić ich jak najwięcej</a:t>
+            </a:r>
+            <a:endParaRPr/>
+          </a:p>
+        </p:txBody>
+      </p:sp>
+    </p:spTree>
+  </p:cSld>
+  <p:clrMapOvr>
+    <a:masterClrMapping/>
+  </p:clrMapOvr>
+  <mc:AlternateContent xmlns:mc="http://schemas.openxmlformats.org/markup-compatibility/2006">
+    <mc:Choice xmlns:p159="http://schemas.microsoft.com/office/powerpoint/2015/09/main" xmlns:p14="http://schemas.microsoft.com/office/powerpoint/2010/main" Requires="p159">
+      <p:transition p14:dur="2000" advClick="1"/>
+    </mc:Choice>
+    <mc:Fallback>
+      <p:transition advClick="1"/>
+    </mc:Fallback>
+  </mc:AlternateContent>
+</p:sld>
+</file>
+
+<file path=ppt/slides/slide31.xml><?xml version="1.0" encoding="utf-8"?>
+<p:sld xmlns:a="http://schemas.openxmlformats.org/drawingml/2006/main" xmlns:r="http://schemas.openxmlformats.org/officeDocument/2006/relationships" xmlns:p="http://schemas.openxmlformats.org/presentationml/2006/main" xmlns:m="http://schemas.openxmlformats.org/officeDocument/2006/math" xmlns:w="http://schemas.openxmlformats.org/wordprocessingml/2006/main" showMasterPhAnim="0" show="1">
+  <p:cSld name="">
+    <p:bg>
+      <p:bgPr shadeToTitle="0">
+        <a:blipFill>
+          <a:blip r:embed="rId3">
+            <a:alphaModFix amt="23000"/>
+          </a:blip>
+          <a:stretch/>
+        </a:blipFill>
+      </p:bgPr>
+    </p:bg>
+    <p:spTree>
+      <p:nvGrpSpPr>
+        <p:cNvPr id="1" name=""/>
+        <p:cNvGrpSpPr/>
+        <p:nvPr/>
+      </p:nvGrpSpPr>
+      <p:grpSpPr bwMode="auto">
+        <a:xfrm>
+          <a:off x="0" y="0"/>
+          <a:ext cx="0" cy="0"/>
+          <a:chOff x="0" y="0"/>
+          <a:chExt cx="0" cy="0"/>
+        </a:xfrm>
+      </p:grpSpPr>
+      <p:sp>
+        <p:nvSpPr>
+          <p:cNvPr id="922971956" name="Tytuł 1"/>
+          <p:cNvSpPr>
+            <a:spLocks noGrp="1"/>
+          </p:cNvSpPr>
+          <p:nvPr>
+            <p:ph type="title"/>
+          </p:nvPr>
+        </p:nvSpPr>
+        <p:spPr bwMode="auto">
+          <a:xfrm flipH="0" flipV="0">
+            <a:off x="838198" y="365123"/>
+            <a:ext cx="10263641" cy="1325561"/>
+          </a:xfrm>
+        </p:spPr>
+        <p:txBody>
+          <a:bodyPr/>
+          <a:lstStyle/>
+          <a:p>
+            <a:pPr>
+              <a:defRPr/>
+            </a:pPr>
+            <a:r>
+              <a:rPr/>
+              <a:t>Cięcie list (slicing)</a:t>
+            </a:r>
+            <a:endParaRPr/>
+          </a:p>
+        </p:txBody>
+      </p:sp>
+      <p:sp>
+        <p:nvSpPr>
+          <p:cNvPr id="1640463670" name="Symbol zastępczy zawartości 2"/>
+          <p:cNvSpPr>
+            <a:spLocks noGrp="1"/>
+          </p:cNvSpPr>
+          <p:nvPr>
+            <p:ph idx="1"/>
+          </p:nvPr>
+        </p:nvSpPr>
+        <p:spPr bwMode="auto">
+          <a:xfrm flipH="0" flipV="0">
+            <a:off x="838198" y="1753198"/>
+            <a:ext cx="10263641" cy="4562471"/>
+          </a:xfrm>
+        </p:spPr>
+        <p:txBody>
+          <a:bodyPr vertOverflow="overflow" horzOverflow="overflow" vert="horz" wrap="square" lIns="91440" tIns="45720" rIns="91440" bIns="45720" numCol="1" spcCol="0" rtlCol="0" fromWordArt="0" anchor="t" anchorCtr="0" forceAA="0" upright="0" compatLnSpc="0">
+            <a:normAutofit/>
+          </a:bodyPr>
+          <a:lstStyle/>
+          <a:p>
+            <a:pPr>
+              <a:defRPr/>
+            </a:pPr>
+            <a:r>
+              <a:rPr/>
+              <a:t>W tym zadaniu nie będą bardzo istotne, ale ułatwią nam życie i w praktyce przydają się bardzo często</a:t>
+            </a:r>
+            <a:endParaRPr/>
+          </a:p>
+          <a:p>
+            <a:pPr>
+              <a:defRPr/>
+            </a:pPr>
+            <a:r>
+              <a:rPr/>
+              <a:t>Indeksując listę, możemy użyć znaku : aby zastosować tzw. slicing</a:t>
+            </a:r>
+            <a:endParaRPr/>
+          </a:p>
+          <a:p>
+            <a:pPr>
+              <a:defRPr/>
+            </a:pPr>
+            <a:r>
+              <a:rPr/>
+              <a:t>Dzięki niemu możemy pracować na podzbiorze elementów listy bez konieczności modyfikowania jej</a:t>
+            </a:r>
+            <a:endParaRPr/>
+          </a:p>
+          <a:p>
+            <a:pPr lvl="1">
+              <a:defRPr/>
+            </a:pPr>
+            <a:r>
+              <a:rPr>
+                <a:latin typeface="Courier New"/>
+                <a:ea typeface="Courier New"/>
+                <a:cs typeface="Courier New"/>
+              </a:rPr>
+              <a:t>lista[:5]</a:t>
+            </a:r>
+            <a:r>
+              <a:rPr/>
+              <a:t> – wszystkie elementy aż do 4 (0,1,2,3,4)</a:t>
+            </a:r>
+            <a:endParaRPr/>
+          </a:p>
+          <a:p>
+            <a:pPr lvl="1">
+              <a:defRPr/>
+            </a:pPr>
+            <a:r>
+              <a:rPr>
+                <a:latin typeface="Courier New"/>
+                <a:ea typeface="Courier New"/>
+                <a:cs typeface="Courier New"/>
+              </a:rPr>
+              <a:t>lista[5:]</a:t>
+            </a:r>
+            <a:r>
+              <a:rPr/>
+              <a:t> - wszystkie elementy zaczynając od 5 (5,6,7...)</a:t>
+            </a:r>
+            <a:endParaRPr/>
+          </a:p>
+          <a:p>
+            <a:pPr lvl="1">
+              <a:defRPr/>
+            </a:pPr>
+            <a:r>
+              <a:rPr>
+                <a:latin typeface="Courier New"/>
+                <a:ea typeface="Courier New"/>
+                <a:cs typeface="Courier New"/>
+              </a:rPr>
+              <a:t>lista[3:7]</a:t>
+            </a:r>
+            <a:r>
+              <a:rPr/>
+              <a:t> – elementy od 3 do 6 (3,4,5,6)</a:t>
+            </a:r>
+            <a:endParaRPr/>
+          </a:p>
+          <a:p>
+            <a:pPr>
+              <a:defRPr/>
+            </a:pPr>
+            <a:endParaRPr/>
+          </a:p>
+        </p:txBody>
+      </p:sp>
+    </p:spTree>
+  </p:cSld>
+  <p:clrMapOvr>
+    <a:masterClrMapping/>
+  </p:clrMapOvr>
+  <mc:AlternateContent xmlns:mc="http://schemas.openxmlformats.org/markup-compatibility/2006">
+    <mc:Choice xmlns:p159="http://schemas.microsoft.com/office/powerpoint/2015/09/main" xmlns:p14="http://schemas.microsoft.com/office/powerpoint/2010/main" Requires="p159">
+      <p:transition p14:dur="2000" advClick="1"/>
+    </mc:Choice>
+    <mc:Fallback>
+      <p:transition advClick="1"/>
+    </mc:Fallback>
+  </mc:AlternateContent>
+</p:sld>
+</file>
+
+<file path=ppt/slides/slide32.xml><?xml version="1.0" encoding="utf-8"?>
+<p:sld xmlns:a="http://schemas.openxmlformats.org/drawingml/2006/main" xmlns:r="http://schemas.openxmlformats.org/officeDocument/2006/relationships" xmlns:p="http://schemas.openxmlformats.org/presentationml/2006/main" xmlns:m="http://schemas.openxmlformats.org/officeDocument/2006/math" xmlns:w="http://schemas.openxmlformats.org/wordprocessingml/2006/main" showMasterPhAnim="0" show="1">
+  <p:cSld name="">
+    <p:bg>
+      <p:bgPr shadeToTitle="0">
+        <a:blipFill>
+          <a:blip r:embed="rId3">
+            <a:alphaModFix amt="23000"/>
+          </a:blip>
+          <a:stretch/>
+        </a:blipFill>
+      </p:bgPr>
+    </p:bg>
+    <p:spTree>
+      <p:nvGrpSpPr>
+        <p:cNvPr id="1" name=""/>
+        <p:cNvGrpSpPr/>
+        <p:nvPr/>
+      </p:nvGrpSpPr>
+      <p:grpSpPr bwMode="auto">
+        <a:xfrm>
+          <a:off x="0" y="0"/>
+          <a:ext cx="0" cy="0"/>
+          <a:chOff x="0" y="0"/>
+          <a:chExt cx="0" cy="0"/>
+        </a:xfrm>
+      </p:grpSpPr>
+      <p:sp>
+        <p:nvSpPr>
+          <p:cNvPr id="476932908" name="Tytuł 1"/>
+          <p:cNvSpPr>
+            <a:spLocks noGrp="1"/>
+          </p:cNvSpPr>
+          <p:nvPr>
+            <p:ph type="title"/>
+          </p:nvPr>
+        </p:nvSpPr>
+        <p:spPr bwMode="auto">
+          <a:xfrm flipH="0" flipV="0">
+            <a:off x="838198" y="365123"/>
+            <a:ext cx="10263641" cy="1325561"/>
+          </a:xfrm>
+        </p:spPr>
+        <p:txBody>
+          <a:bodyPr/>
+          <a:lstStyle/>
+          <a:p>
+            <a:pPr>
+              <a:defRPr/>
+            </a:pPr>
+            <a:r>
+              <a:rPr/>
+              <a:t>Rozwiązanie</a:t>
+            </a:r>
+            <a:endParaRPr/>
+          </a:p>
+        </p:txBody>
+      </p:sp>
+      <p:sp>
+        <p:nvSpPr>
+          <p:cNvPr id="1878226242" name=""/>
+          <p:cNvSpPr txBox="1"/>
+          <p:nvPr/>
+        </p:nvSpPr>
+        <p:spPr bwMode="auto">
+          <a:xfrm flipH="0" flipV="0">
+            <a:off x="2224305" y="2866158"/>
+            <a:ext cx="7743746" cy="1189079"/>
+          </a:xfrm>
+          <a:prstGeom prst="rect">
+            <a:avLst/>
+          </a:prstGeom>
+          <a:noFill/>
+        </p:spPr>
+        <p:txBody>
+          <a:bodyPr vertOverflow="overflow" horzOverflow="overflow" vert="horz" wrap="square" lIns="91440" tIns="45720" rIns="91440" bIns="45720" numCol="1" spcCol="0" rtlCol="0" fromWordArt="0" anchor="t" anchorCtr="0" forceAA="0" upright="0" compatLnSpc="0">
+            <a:spAutoFit/>
+          </a:bodyPr>
+          <a:p>
+            <a:pPr algn="ctr">
+              <a:defRPr/>
+            </a:pPr>
+            <a:r>
+              <a:rPr sz="7200">
+                <a:latin typeface="Courier New"/>
+                <a:ea typeface="Courier New"/>
+                <a:cs typeface="Courier New"/>
+              </a:rPr>
+              <a:t>Loading...</a:t>
+            </a:r>
+            <a:endParaRPr sz="1400"/>
+          </a:p>
+        </p:txBody>
+      </p:sp>
+    </p:spTree>
+  </p:cSld>
+  <p:clrMapOvr>
+    <a:masterClrMapping/>
+  </p:clrMapOvr>
+  <mc:AlternateContent xmlns:mc="http://schemas.openxmlformats.org/markup-compatibility/2006">
+    <mc:Choice xmlns:p159="http://schemas.microsoft.com/office/powerpoint/2015/09/main" xmlns:p14="http://schemas.microsoft.com/office/powerpoint/2010/main" Requires="p159">
+      <p:transition p14:dur="2000" advClick="1"/>
+    </mc:Choice>
+    <mc:Fallback>
+      <p:transition advClick="1"/>
+    </mc:Fallback>
+  </mc:AlternateContent>
+</p:sld>
+</file>
+
+<file path=ppt/slides/slide33.xml><?xml version="1.0" encoding="utf-8"?>
+<p:sld xmlns:a="http://schemas.openxmlformats.org/drawingml/2006/main" xmlns:r="http://schemas.openxmlformats.org/officeDocument/2006/relationships" xmlns:p="http://schemas.openxmlformats.org/presentationml/2006/main" xmlns:m="http://schemas.openxmlformats.org/officeDocument/2006/math" xmlns:w="http://schemas.openxmlformats.org/wordprocessingml/2006/main" showMasterPhAnim="0" show="1">
+  <p:cSld name="">
+    <p:bg>
+      <p:bgPr shadeToTitle="0">
+        <a:blipFill>
+          <a:blip r:embed="rId3">
+            <a:alphaModFix amt="23000"/>
+          </a:blip>
+          <a:stretch/>
+        </a:blipFill>
+      </p:bgPr>
+    </p:bg>
+    <p:spTree>
+      <p:nvGrpSpPr>
+        <p:cNvPr id="1" name=""/>
+        <p:cNvGrpSpPr/>
+        <p:nvPr/>
+      </p:nvGrpSpPr>
+      <p:grpSpPr bwMode="auto">
+        <a:xfrm>
+          <a:off x="0" y="0"/>
+          <a:ext cx="0" cy="0"/>
+          <a:chOff x="0" y="0"/>
+          <a:chExt cx="0" cy="0"/>
+        </a:xfrm>
+      </p:grpSpPr>
+      <p:sp>
+        <p:nvSpPr>
+          <p:cNvPr id="195494046" name="Tytuł 1"/>
+          <p:cNvSpPr>
+            <a:spLocks noGrp="1"/>
+          </p:cNvSpPr>
+          <p:nvPr>
+            <p:ph type="title"/>
+          </p:nvPr>
+        </p:nvSpPr>
+        <p:spPr bwMode="auto">
+          <a:xfrm flipH="0" flipV="0">
+            <a:off x="838198" y="365123"/>
+            <a:ext cx="10263641" cy="1325561"/>
+          </a:xfrm>
+        </p:spPr>
+        <p:txBody>
+          <a:bodyPr/>
+          <a:lstStyle/>
+          <a:p>
+            <a:pPr>
+              <a:defRPr/>
+            </a:pPr>
+            <a:r>
+              <a:rPr/>
+              <a:t>Rozwiązanie</a:t>
+            </a:r>
+            <a:endParaRPr/>
+          </a:p>
+        </p:txBody>
+      </p:sp>
+      <p:pic>
+        <p:nvPicPr>
+          <p:cNvPr id="908924221" name=""/>
+          <p:cNvPicPr>
+            <a:picLocks noChangeAspect="1"/>
+          </p:cNvPicPr>
+          <p:nvPr/>
+        </p:nvPicPr>
+        <p:blipFill>
+          <a:blip r:embed="rId4"/>
+          <a:stretch/>
+        </p:blipFill>
+        <p:spPr bwMode="auto">
+          <a:xfrm flipH="0" flipV="0">
+            <a:off x="2071203" y="2147454"/>
+            <a:ext cx="7797632" cy="3058390"/>
+          </a:xfrm>
+          <a:prstGeom prst="rect">
+            <a:avLst/>
+          </a:prstGeom>
+        </p:spPr>
+      </p:pic>
+    </p:spTree>
+  </p:cSld>
+  <p:clrMapOvr>
+    <a:masterClrMapping/>
+  </p:clrMapOvr>
+  <mc:AlternateContent xmlns:mc="http://schemas.openxmlformats.org/markup-compatibility/2006">
+    <mc:Choice xmlns:p159="http://schemas.microsoft.com/office/powerpoint/2015/09/main" xmlns:p14="http://schemas.microsoft.com/office/powerpoint/2010/main" Requires="p159">
+      <p:transition p14:dur="2000" advClick="1"/>
+    </mc:Choice>
+    <mc:Fallback>
+      <p:transition advClick="1"/>
+    </mc:Fallback>
+  </mc:AlternateContent>
+</p:sld>
+</file>
+
+<file path=ppt/slides/slide34.xml><?xml version="1.0" encoding="utf-8"?>
+<p:sld xmlns:a="http://schemas.openxmlformats.org/drawingml/2006/main" xmlns:r="http://schemas.openxmlformats.org/officeDocument/2006/relationships" xmlns:p="http://schemas.openxmlformats.org/presentationml/2006/main" xmlns:m="http://schemas.openxmlformats.org/officeDocument/2006/math" xmlns:w="http://schemas.openxmlformats.org/wordprocessingml/2006/main" showMasterPhAnim="0" show="1">
+  <p:cSld name="">
+    <p:bg>
+      <p:bgPr shadeToTitle="0">
+        <a:blipFill>
+          <a:blip r:embed="rId3">
+            <a:alphaModFix amt="23000"/>
+          </a:blip>
+          <a:stretch/>
+        </a:blipFill>
+      </p:bgPr>
+    </p:bg>
+    <p:spTree>
+      <p:nvGrpSpPr>
+        <p:cNvPr id="1" name=""/>
+        <p:cNvGrpSpPr/>
+        <p:nvPr/>
+      </p:nvGrpSpPr>
+      <p:grpSpPr bwMode="auto">
+        <a:xfrm>
+          <a:off x="0" y="0"/>
+          <a:ext cx="0" cy="0"/>
+          <a:chOff x="0" y="0"/>
+          <a:chExt cx="0" cy="0"/>
+        </a:xfrm>
+      </p:grpSpPr>
+      <p:sp>
+        <p:nvSpPr>
+          <p:cNvPr id="488841412" name="Tytuł 1"/>
+          <p:cNvSpPr>
+            <a:spLocks noGrp="1"/>
+          </p:cNvSpPr>
+          <p:nvPr>
+            <p:ph type="title"/>
+          </p:nvPr>
+        </p:nvSpPr>
+        <p:spPr bwMode="auto">
+          <a:xfrm flipH="0" flipV="0">
+            <a:off x="838198" y="365123"/>
+            <a:ext cx="10263641" cy="1325561"/>
+          </a:xfrm>
+        </p:spPr>
+        <p:txBody>
+          <a:bodyPr/>
+          <a:lstStyle/>
+          <a:p>
+            <a:pPr>
+              <a:defRPr/>
+            </a:pPr>
+            <a:r>
+              <a:rPr/>
+              <a:t>To było za proste</a:t>
+            </a:r>
+            <a:endParaRPr/>
+          </a:p>
+        </p:txBody>
+      </p:sp>
+      <p:pic>
+        <p:nvPicPr>
+          <p:cNvPr id="2125967792" name=""/>
+          <p:cNvPicPr>
+            <a:picLocks noChangeAspect="1"/>
+          </p:cNvPicPr>
+          <p:nvPr/>
+        </p:nvPicPr>
+        <p:blipFill>
+          <a:blip r:embed="rId4"/>
+          <a:stretch/>
+        </p:blipFill>
+        <p:spPr bwMode="auto">
+          <a:xfrm flipH="0" flipV="0">
+            <a:off x="448539" y="2034453"/>
+            <a:ext cx="6034249" cy="3317297"/>
+          </a:xfrm>
+          <a:prstGeom prst="rect">
+            <a:avLst/>
+          </a:prstGeom>
+        </p:spPr>
+      </p:pic>
+      <p:pic>
+        <p:nvPicPr>
+          <p:cNvPr id="1972650463" name=""/>
+          <p:cNvPicPr>
+            <a:picLocks noChangeAspect="1"/>
+          </p:cNvPicPr>
+          <p:nvPr/>
+        </p:nvPicPr>
+        <p:blipFill>
+          <a:blip r:embed="rId5"/>
+          <a:stretch/>
+        </p:blipFill>
+        <p:spPr bwMode="auto">
+          <a:xfrm flipH="0" flipV="0">
+            <a:off x="6589568" y="1818408"/>
+            <a:ext cx="5149157" cy="3749386"/>
+          </a:xfrm>
+          <a:prstGeom prst="rect">
+            <a:avLst/>
+          </a:prstGeom>
+        </p:spPr>
+      </p:pic>
+    </p:spTree>
+  </p:cSld>
+  <p:clrMapOvr>
+    <a:masterClrMapping/>
+  </p:clrMapOvr>
+  <mc:AlternateContent xmlns:mc="http://schemas.openxmlformats.org/markup-compatibility/2006">
+    <mc:Choice xmlns:p159="http://schemas.microsoft.com/office/powerpoint/2015/09/main" xmlns:p14="http://schemas.microsoft.com/office/powerpoint/2010/main" Requires="p159">
+      <p:transition p14:dur="2000" advClick="1"/>
+    </mc:Choice>
+    <mc:Fallback>
+      <p:transition advClick="1"/>
+    </mc:Fallback>
+  </mc:AlternateContent>
+</p:sld>
+</file>
+
+<file path=ppt/slides/slide35.xml><?xml version="1.0" encoding="utf-8"?>
+<p:sld xmlns:a="http://schemas.openxmlformats.org/drawingml/2006/main" xmlns:r="http://schemas.openxmlformats.org/officeDocument/2006/relationships" xmlns:p="http://schemas.openxmlformats.org/presentationml/2006/main" xmlns:m="http://schemas.openxmlformats.org/officeDocument/2006/math" xmlns:w="http://schemas.openxmlformats.org/wordprocessingml/2006/main" showMasterPhAnim="0" show="1">
+  <p:cSld name="">
+    <p:bg>
+      <p:bgPr shadeToTitle="0">
+        <a:blipFill>
+          <a:blip r:embed="rId3">
+            <a:alphaModFix amt="23000"/>
+          </a:blip>
+          <a:stretch/>
+        </a:blipFill>
+      </p:bgPr>
+    </p:bg>
+    <p:spTree>
+      <p:nvGrpSpPr>
+        <p:cNvPr id="1" name=""/>
+        <p:cNvGrpSpPr/>
+        <p:nvPr/>
+      </p:nvGrpSpPr>
+      <p:grpSpPr bwMode="auto">
+        <a:xfrm>
+          <a:off x="0" y="0"/>
+          <a:ext cx="0" cy="0"/>
+          <a:chOff x="0" y="0"/>
+          <a:chExt cx="0" cy="0"/>
+        </a:xfrm>
+      </p:grpSpPr>
+      <p:sp>
+        <p:nvSpPr>
+          <p:cNvPr id="2105168134" name="Tytuł 1"/>
+          <p:cNvSpPr>
+            <a:spLocks noGrp="1"/>
+          </p:cNvSpPr>
+          <p:nvPr>
+            <p:ph type="title"/>
+          </p:nvPr>
+        </p:nvSpPr>
+        <p:spPr bwMode="auto">
+          <a:xfrm flipH="0" flipV="0">
+            <a:off x="838198" y="365123"/>
+            <a:ext cx="10263641" cy="1325561"/>
+          </a:xfrm>
+        </p:spPr>
+        <p:txBody>
+          <a:bodyPr/>
+          <a:lstStyle/>
+          <a:p>
+            <a:pPr>
+              <a:defRPr/>
+            </a:pPr>
+            <a:r>
+              <a:rPr/>
+              <a:t>Wzorce</a:t>
+            </a:r>
+            <a:endParaRPr/>
+          </a:p>
+        </p:txBody>
+      </p:sp>
+      <p:sp>
+        <p:nvSpPr>
+          <p:cNvPr id="413637252" name="Symbol zastępczy zawartości 2"/>
+          <p:cNvSpPr>
+            <a:spLocks noGrp="1"/>
+          </p:cNvSpPr>
+          <p:nvPr>
+            <p:ph idx="1"/>
+          </p:nvPr>
+        </p:nvSpPr>
+        <p:spPr bwMode="auto">
+          <a:xfrm flipH="0" flipV="0">
+            <a:off x="838198" y="1753198"/>
+            <a:ext cx="10263641" cy="4562471"/>
+          </a:xfrm>
+        </p:spPr>
+        <p:txBody>
+          <a:bodyPr/>
+          <a:lstStyle/>
+          <a:p>
+            <a:pPr>
+              <a:defRPr/>
+            </a:pPr>
+            <a:endParaRPr/>
+          </a:p>
+        </p:txBody>
+      </p:sp>
     </p:spTree>
   </p:cSld>
   <p:clrMapOvr>
@@ -10401,7 +13019,7 @@
         </p:nvSpPr>
         <p:spPr bwMode="auto">
           <a:xfrm flipH="0" flipV="0">
-            <a:off x="838199" y="1753199"/>
+            <a:off x="838198" y="1753199"/>
             <a:ext cx="10515597" cy="4562472"/>
           </a:xfrm>
         </p:spPr>
@@ -10541,7 +13159,7 @@
         </p:nvSpPr>
         <p:spPr bwMode="auto">
           <a:xfrm flipH="0" flipV="0">
-            <a:off x="838199" y="1753199"/>
+            <a:off x="838198" y="1753199"/>
             <a:ext cx="10515597" cy="4562472"/>
           </a:xfrm>
         </p:spPr>
@@ -10924,7 +13542,7 @@
         </p:nvSpPr>
         <p:spPr bwMode="auto">
           <a:xfrm flipH="0" flipV="0">
-            <a:off x="838199" y="1753199"/>
+            <a:off x="838198" y="1753199"/>
             <a:ext cx="10515597" cy="4562472"/>
           </a:xfrm>
         </p:spPr>

--- a/prezentacje/Prezentacja2.pptx
+++ b/prezentacje/Prezentacja2.pptx
@@ -5,7 +5,7 @@
     <p:sldMasterId id="2147483648" r:id="rId1"/>
   </p:sldMasterIdLst>
   <p:notesMasterIdLst>
-    <p:notesMasterId r:id="rId39"/>
+    <p:notesMasterId r:id="rId49"/>
   </p:notesMasterIdLst>
   <p:sldIdLst>
     <p:sldId id="256" r:id="rId4"/>
@@ -43,6 +43,16 @@
     <p:sldId id="288" r:id="rId36"/>
     <p:sldId id="289" r:id="rId37"/>
     <p:sldId id="290" r:id="rId38"/>
+    <p:sldId id="291" r:id="rId39"/>
+    <p:sldId id="292" r:id="rId40"/>
+    <p:sldId id="293" r:id="rId41"/>
+    <p:sldId id="294" r:id="rId42"/>
+    <p:sldId id="295" r:id="rId43"/>
+    <p:sldId id="296" r:id="rId44"/>
+    <p:sldId id="297" r:id="rId45"/>
+    <p:sldId id="298" r:id="rId46"/>
+    <p:sldId id="299" r:id="rId47"/>
+    <p:sldId id="300" r:id="rId48"/>
   </p:sldIdLst>
   <p:sldSz cx="12192000" cy="6858000"/>
   <p:notesSz cx="6858000" cy="9144000"/>
@@ -3128,6 +3138,366 @@
 </p:notes>
 </file>
 
+<file path=ppt/notesSlides/notesSlide36.xml><?xml version="1.0" encoding="utf-8"?>
+<p:notes xmlns:a="http://schemas.openxmlformats.org/drawingml/2006/main" xmlns:r="http://schemas.openxmlformats.org/officeDocument/2006/relationships" xmlns:p="http://schemas.openxmlformats.org/presentationml/2006/main" xmlns:m="http://schemas.openxmlformats.org/officeDocument/2006/math" xmlns:w="http://schemas.openxmlformats.org/wordprocessingml/2006/main">
+  <p:cSld name="">
+    <p:spTree>
+      <p:nvGrpSpPr>
+        <p:cNvPr id="1" name=""/>
+        <p:cNvGrpSpPr/>
+        <p:nvPr/>
+      </p:nvGrpSpPr>
+      <p:grpSpPr bwMode="auto">
+        <a:xfrm>
+          <a:off x="0" y="0"/>
+          <a:ext cx="0" cy="0"/>
+          <a:chOff x="0" y="0"/>
+          <a:chExt cx="0" cy="0"/>
+        </a:xfrm>
+      </p:grpSpPr>
+      <p:sp>
+        <p:nvSpPr>
+          <p:cNvPr id="1417067984" name="Symbol zastępczy obrazu slajdu 1"/>
+          <p:cNvSpPr>
+            <a:spLocks noChangeAspect="1" noGrp="1" noRot="1"/>
+          </p:cNvSpPr>
+          <p:nvPr>
+            <p:ph type="sldImg"/>
+          </p:nvPr>
+        </p:nvSpPr>
+        <p:spPr bwMode="auto">
+          <a:xfrm>
+            <a:off x="685800" y="1143000"/>
+            <a:ext cx="5486400" cy="3086100"/>
+          </a:xfrm>
+        </p:spPr>
+      </p:sp>
+      <p:sp>
+        <p:nvSpPr>
+          <p:cNvPr id="2048700053" name="Notatki Symbol zastępczy 2"/>
+          <p:cNvSpPr>
+            <a:spLocks noGrp="1"/>
+          </p:cNvSpPr>
+          <p:nvPr>
+            <p:ph type="body" idx="1"/>
+          </p:nvPr>
+        </p:nvSpPr>
+        <p:spPr bwMode="auto"/>
+        <p:txBody>
+          <a:bodyPr/>
+          <a:lstStyle/>
+          <a:p>
+            <a:pPr>
+              <a:defRPr/>
+            </a:pPr>
+            <a:endParaRPr lang="pl-PL">
+              <a:latin typeface="Arial"/>
+              <a:cs typeface="Arial"/>
+            </a:endParaRPr>
+          </a:p>
+        </p:txBody>
+      </p:sp>
+      <p:sp>
+        <p:nvSpPr>
+          <p:cNvPr id="2071188506" name="Symbol zastępczy numeru slajdu 3"/>
+          <p:cNvSpPr>
+            <a:spLocks noGrp="1"/>
+          </p:cNvSpPr>
+          <p:nvPr>
+            <p:ph type="sldNum" sz="quarter" idx="10"/>
+          </p:nvPr>
+        </p:nvSpPr>
+        <p:spPr bwMode="auto"/>
+        <p:txBody>
+          <a:bodyPr/>
+          <a:lstStyle/>
+          <a:p>
+            <a:pPr>
+              <a:defRPr/>
+            </a:pPr>
+            <a:fld id="{9C88F73C-8C92-C2EF-2B5B-1247421B6CAA}" type="slidenum">
+              <a:rPr lang="pl-PL"/>
+              <a:t/>
+            </a:fld>
+            <a:endParaRPr lang="pl-PL"/>
+          </a:p>
+        </p:txBody>
+      </p:sp>
+    </p:spTree>
+  </p:cSld>
+</p:notes>
+</file>
+
+<file path=ppt/notesSlides/notesSlide37.xml><?xml version="1.0" encoding="utf-8"?>
+<p:notes xmlns:a="http://schemas.openxmlformats.org/drawingml/2006/main" xmlns:r="http://schemas.openxmlformats.org/officeDocument/2006/relationships" xmlns:p="http://schemas.openxmlformats.org/presentationml/2006/main" xmlns:m="http://schemas.openxmlformats.org/officeDocument/2006/math" xmlns:w="http://schemas.openxmlformats.org/wordprocessingml/2006/main">
+  <p:cSld name="">
+    <p:spTree>
+      <p:nvGrpSpPr>
+        <p:cNvPr id="1" name=""/>
+        <p:cNvGrpSpPr/>
+        <p:nvPr/>
+      </p:nvGrpSpPr>
+      <p:grpSpPr bwMode="auto">
+        <a:xfrm>
+          <a:off x="0" y="0"/>
+          <a:ext cx="0" cy="0"/>
+          <a:chOff x="0" y="0"/>
+          <a:chExt cx="0" cy="0"/>
+        </a:xfrm>
+      </p:grpSpPr>
+      <p:sp>
+        <p:nvSpPr>
+          <p:cNvPr id="878793281" name="Symbol zastępczy obrazu slajdu 1"/>
+          <p:cNvSpPr>
+            <a:spLocks noChangeAspect="1" noGrp="1" noRot="1"/>
+          </p:cNvSpPr>
+          <p:nvPr>
+            <p:ph type="sldImg"/>
+          </p:nvPr>
+        </p:nvSpPr>
+        <p:spPr bwMode="auto">
+          <a:xfrm>
+            <a:off x="685800" y="1143000"/>
+            <a:ext cx="5486400" cy="3086100"/>
+          </a:xfrm>
+        </p:spPr>
+      </p:sp>
+      <p:sp>
+        <p:nvSpPr>
+          <p:cNvPr id="945051110" name="Notatki Symbol zastępczy 2"/>
+          <p:cNvSpPr>
+            <a:spLocks noGrp="1"/>
+          </p:cNvSpPr>
+          <p:nvPr>
+            <p:ph type="body" idx="1"/>
+          </p:nvPr>
+        </p:nvSpPr>
+        <p:spPr bwMode="auto"/>
+        <p:txBody>
+          <a:bodyPr/>
+          <a:lstStyle/>
+          <a:p>
+            <a:pPr>
+              <a:defRPr/>
+            </a:pPr>
+            <a:endParaRPr lang="pl-PL">
+              <a:latin typeface="Arial"/>
+              <a:cs typeface="Arial"/>
+            </a:endParaRPr>
+          </a:p>
+        </p:txBody>
+      </p:sp>
+      <p:sp>
+        <p:nvSpPr>
+          <p:cNvPr id="1874805722" name="Symbol zastępczy numeru slajdu 3"/>
+          <p:cNvSpPr>
+            <a:spLocks noGrp="1"/>
+          </p:cNvSpPr>
+          <p:nvPr>
+            <p:ph type="sldNum" sz="quarter" idx="10"/>
+          </p:nvPr>
+        </p:nvSpPr>
+        <p:spPr bwMode="auto"/>
+        <p:txBody>
+          <a:bodyPr/>
+          <a:lstStyle/>
+          <a:p>
+            <a:pPr>
+              <a:defRPr/>
+            </a:pPr>
+            <a:fld id="{012D1903-B0E7-D8E8-247E-7143C843CDFC}" type="slidenum">
+              <a:rPr lang="pl-PL"/>
+              <a:t/>
+            </a:fld>
+            <a:endParaRPr lang="pl-PL"/>
+          </a:p>
+        </p:txBody>
+      </p:sp>
+    </p:spTree>
+  </p:cSld>
+</p:notes>
+</file>
+
+<file path=ppt/notesSlides/notesSlide38.xml><?xml version="1.0" encoding="utf-8"?>
+<p:notes xmlns:a="http://schemas.openxmlformats.org/drawingml/2006/main" xmlns:r="http://schemas.openxmlformats.org/officeDocument/2006/relationships" xmlns:p="http://schemas.openxmlformats.org/presentationml/2006/main" xmlns:m="http://schemas.openxmlformats.org/officeDocument/2006/math" xmlns:w="http://schemas.openxmlformats.org/wordprocessingml/2006/main">
+  <p:cSld name="">
+    <p:spTree>
+      <p:nvGrpSpPr>
+        <p:cNvPr id="1" name=""/>
+        <p:cNvGrpSpPr/>
+        <p:nvPr/>
+      </p:nvGrpSpPr>
+      <p:grpSpPr bwMode="auto">
+        <a:xfrm>
+          <a:off x="0" y="0"/>
+          <a:ext cx="0" cy="0"/>
+          <a:chOff x="0" y="0"/>
+          <a:chExt cx="0" cy="0"/>
+        </a:xfrm>
+      </p:grpSpPr>
+      <p:sp>
+        <p:nvSpPr>
+          <p:cNvPr id="1405369913" name="Symbol zastępczy obrazu slajdu 1"/>
+          <p:cNvSpPr>
+            <a:spLocks noChangeAspect="1" noGrp="1" noRot="1"/>
+          </p:cNvSpPr>
+          <p:nvPr>
+            <p:ph type="sldImg"/>
+          </p:nvPr>
+        </p:nvSpPr>
+        <p:spPr bwMode="auto">
+          <a:xfrm>
+            <a:off x="685800" y="1143000"/>
+            <a:ext cx="5486400" cy="3086100"/>
+          </a:xfrm>
+        </p:spPr>
+      </p:sp>
+      <p:sp>
+        <p:nvSpPr>
+          <p:cNvPr id="239496943" name="Notatki Symbol zastępczy 2"/>
+          <p:cNvSpPr>
+            <a:spLocks noGrp="1"/>
+          </p:cNvSpPr>
+          <p:nvPr>
+            <p:ph type="body" idx="1"/>
+          </p:nvPr>
+        </p:nvSpPr>
+        <p:spPr bwMode="auto"/>
+        <p:txBody>
+          <a:bodyPr/>
+          <a:lstStyle/>
+          <a:p>
+            <a:pPr>
+              <a:defRPr/>
+            </a:pPr>
+            <a:endParaRPr lang="pl-PL">
+              <a:latin typeface="Arial"/>
+              <a:cs typeface="Arial"/>
+            </a:endParaRPr>
+          </a:p>
+        </p:txBody>
+      </p:sp>
+      <p:sp>
+        <p:nvSpPr>
+          <p:cNvPr id="1269021023" name="Symbol zastępczy numeru slajdu 3"/>
+          <p:cNvSpPr>
+            <a:spLocks noGrp="1"/>
+          </p:cNvSpPr>
+          <p:nvPr>
+            <p:ph type="sldNum" sz="quarter" idx="10"/>
+          </p:nvPr>
+        </p:nvSpPr>
+        <p:spPr bwMode="auto"/>
+        <p:txBody>
+          <a:bodyPr/>
+          <a:lstStyle/>
+          <a:p>
+            <a:pPr>
+              <a:defRPr/>
+            </a:pPr>
+            <a:fld id="{8893F60B-A7AF-BBB8-E025-92A7C4400977}" type="slidenum">
+              <a:rPr lang="pl-PL"/>
+              <a:t/>
+            </a:fld>
+            <a:endParaRPr lang="pl-PL"/>
+          </a:p>
+        </p:txBody>
+      </p:sp>
+    </p:spTree>
+  </p:cSld>
+</p:notes>
+</file>
+
+<file path=ppt/notesSlides/notesSlide39.xml><?xml version="1.0" encoding="utf-8"?>
+<p:notes xmlns:a="http://schemas.openxmlformats.org/drawingml/2006/main" xmlns:r="http://schemas.openxmlformats.org/officeDocument/2006/relationships" xmlns:p="http://schemas.openxmlformats.org/presentationml/2006/main" xmlns:m="http://schemas.openxmlformats.org/officeDocument/2006/math" xmlns:w="http://schemas.openxmlformats.org/wordprocessingml/2006/main">
+  <p:cSld name="">
+    <p:spTree>
+      <p:nvGrpSpPr>
+        <p:cNvPr id="1" name=""/>
+        <p:cNvGrpSpPr/>
+        <p:nvPr/>
+      </p:nvGrpSpPr>
+      <p:grpSpPr bwMode="auto">
+        <a:xfrm>
+          <a:off x="0" y="0"/>
+          <a:ext cx="0" cy="0"/>
+          <a:chOff x="0" y="0"/>
+          <a:chExt cx="0" cy="0"/>
+        </a:xfrm>
+      </p:grpSpPr>
+      <p:sp>
+        <p:nvSpPr>
+          <p:cNvPr id="1254977439" name="Symbol zastępczy obrazu slajdu 1"/>
+          <p:cNvSpPr>
+            <a:spLocks noChangeAspect="1" noGrp="1" noRot="1"/>
+          </p:cNvSpPr>
+          <p:nvPr>
+            <p:ph type="sldImg"/>
+          </p:nvPr>
+        </p:nvSpPr>
+        <p:spPr bwMode="auto">
+          <a:xfrm>
+            <a:off x="685800" y="1143000"/>
+            <a:ext cx="5486400" cy="3086100"/>
+          </a:xfrm>
+        </p:spPr>
+      </p:sp>
+      <p:sp>
+        <p:nvSpPr>
+          <p:cNvPr id="816282862" name="Notatki Symbol zastępczy 2"/>
+          <p:cNvSpPr>
+            <a:spLocks noGrp="1"/>
+          </p:cNvSpPr>
+          <p:nvPr>
+            <p:ph type="body" idx="1"/>
+          </p:nvPr>
+        </p:nvSpPr>
+        <p:spPr bwMode="auto"/>
+        <p:txBody>
+          <a:bodyPr/>
+          <a:lstStyle/>
+          <a:p>
+            <a:pPr>
+              <a:defRPr/>
+            </a:pPr>
+            <a:endParaRPr lang="pl-PL">
+              <a:latin typeface="Arial"/>
+              <a:cs typeface="Arial"/>
+            </a:endParaRPr>
+          </a:p>
+        </p:txBody>
+      </p:sp>
+      <p:sp>
+        <p:nvSpPr>
+          <p:cNvPr id="169151706" name="Symbol zastępczy numeru slajdu 3"/>
+          <p:cNvSpPr>
+            <a:spLocks noGrp="1"/>
+          </p:cNvSpPr>
+          <p:nvPr>
+            <p:ph type="sldNum" sz="quarter" idx="10"/>
+          </p:nvPr>
+        </p:nvSpPr>
+        <p:spPr bwMode="auto"/>
+        <p:txBody>
+          <a:bodyPr/>
+          <a:lstStyle/>
+          <a:p>
+            <a:pPr>
+              <a:defRPr/>
+            </a:pPr>
+            <a:fld id="{D5CD8A6B-0992-6C34-3498-CD0D063A14E2}" type="slidenum">
+              <a:rPr lang="pl-PL"/>
+              <a:t/>
+            </a:fld>
+            <a:endParaRPr lang="pl-PL"/>
+          </a:p>
+        </p:txBody>
+      </p:sp>
+    </p:spTree>
+  </p:cSld>
+</p:notes>
+</file>
+
 <file path=ppt/notesSlides/notesSlide4.xml><?xml version="1.0" encoding="utf-8"?>
 <p:notes xmlns:a="http://schemas.openxmlformats.org/drawingml/2006/main" xmlns:r="http://schemas.openxmlformats.org/officeDocument/2006/relationships" xmlns:p="http://schemas.openxmlformats.org/presentationml/2006/main" xmlns:m="http://schemas.openxmlformats.org/officeDocument/2006/math" xmlns:w="http://schemas.openxmlformats.org/wordprocessingml/2006/main">
   <p:cSld name="">
@@ -3206,6 +3576,546 @@
               <a:defRPr/>
             </a:pPr>
             <a:fld id="{DD91ABD0-1500-A76E-4112-96EEF564663F}" type="slidenum">
+              <a:rPr lang="pl-PL"/>
+              <a:t/>
+            </a:fld>
+            <a:endParaRPr lang="pl-PL"/>
+          </a:p>
+        </p:txBody>
+      </p:sp>
+    </p:spTree>
+  </p:cSld>
+</p:notes>
+</file>
+
+<file path=ppt/notesSlides/notesSlide40.xml><?xml version="1.0" encoding="utf-8"?>
+<p:notes xmlns:a="http://schemas.openxmlformats.org/drawingml/2006/main" xmlns:r="http://schemas.openxmlformats.org/officeDocument/2006/relationships" xmlns:p="http://schemas.openxmlformats.org/presentationml/2006/main" xmlns:m="http://schemas.openxmlformats.org/officeDocument/2006/math" xmlns:w="http://schemas.openxmlformats.org/wordprocessingml/2006/main">
+  <p:cSld name="">
+    <p:spTree>
+      <p:nvGrpSpPr>
+        <p:cNvPr id="1" name=""/>
+        <p:cNvGrpSpPr/>
+        <p:nvPr/>
+      </p:nvGrpSpPr>
+      <p:grpSpPr bwMode="auto">
+        <a:xfrm>
+          <a:off x="0" y="0"/>
+          <a:ext cx="0" cy="0"/>
+          <a:chOff x="0" y="0"/>
+          <a:chExt cx="0" cy="0"/>
+        </a:xfrm>
+      </p:grpSpPr>
+      <p:sp>
+        <p:nvSpPr>
+          <p:cNvPr id="1727833873" name="Symbol zastępczy obrazu slajdu 1"/>
+          <p:cNvSpPr>
+            <a:spLocks noChangeAspect="1" noGrp="1" noRot="1"/>
+          </p:cNvSpPr>
+          <p:nvPr>
+            <p:ph type="sldImg"/>
+          </p:nvPr>
+        </p:nvSpPr>
+        <p:spPr bwMode="auto">
+          <a:xfrm>
+            <a:off x="685800" y="1143000"/>
+            <a:ext cx="5486400" cy="3086100"/>
+          </a:xfrm>
+        </p:spPr>
+      </p:sp>
+      <p:sp>
+        <p:nvSpPr>
+          <p:cNvPr id="25499596" name="Notatki Symbol zastępczy 2"/>
+          <p:cNvSpPr>
+            <a:spLocks noGrp="1"/>
+          </p:cNvSpPr>
+          <p:nvPr>
+            <p:ph type="body" idx="1"/>
+          </p:nvPr>
+        </p:nvSpPr>
+        <p:spPr bwMode="auto"/>
+        <p:txBody>
+          <a:bodyPr/>
+          <a:lstStyle/>
+          <a:p>
+            <a:pPr>
+              <a:defRPr/>
+            </a:pPr>
+            <a:endParaRPr lang="pl-PL">
+              <a:latin typeface="Arial"/>
+              <a:cs typeface="Arial"/>
+            </a:endParaRPr>
+          </a:p>
+        </p:txBody>
+      </p:sp>
+      <p:sp>
+        <p:nvSpPr>
+          <p:cNvPr id="894978116" name="Symbol zastępczy numeru slajdu 3"/>
+          <p:cNvSpPr>
+            <a:spLocks noGrp="1"/>
+          </p:cNvSpPr>
+          <p:nvPr>
+            <p:ph type="sldNum" sz="quarter" idx="10"/>
+          </p:nvPr>
+        </p:nvSpPr>
+        <p:spPr bwMode="auto"/>
+        <p:txBody>
+          <a:bodyPr/>
+          <a:lstStyle/>
+          <a:p>
+            <a:pPr>
+              <a:defRPr/>
+            </a:pPr>
+            <a:fld id="{79EC0CD2-7029-0F0E-AB3B-B0FBECD26872}" type="slidenum">
+              <a:rPr lang="pl-PL"/>
+              <a:t/>
+            </a:fld>
+            <a:endParaRPr lang="pl-PL"/>
+          </a:p>
+        </p:txBody>
+      </p:sp>
+    </p:spTree>
+  </p:cSld>
+</p:notes>
+</file>
+
+<file path=ppt/notesSlides/notesSlide41.xml><?xml version="1.0" encoding="utf-8"?>
+<p:notes xmlns:a="http://schemas.openxmlformats.org/drawingml/2006/main" xmlns:r="http://schemas.openxmlformats.org/officeDocument/2006/relationships" xmlns:p="http://schemas.openxmlformats.org/presentationml/2006/main" xmlns:m="http://schemas.openxmlformats.org/officeDocument/2006/math" xmlns:w="http://schemas.openxmlformats.org/wordprocessingml/2006/main">
+  <p:cSld name="">
+    <p:spTree>
+      <p:nvGrpSpPr>
+        <p:cNvPr id="1" name=""/>
+        <p:cNvGrpSpPr/>
+        <p:nvPr/>
+      </p:nvGrpSpPr>
+      <p:grpSpPr bwMode="auto">
+        <a:xfrm>
+          <a:off x="0" y="0"/>
+          <a:ext cx="0" cy="0"/>
+          <a:chOff x="0" y="0"/>
+          <a:chExt cx="0" cy="0"/>
+        </a:xfrm>
+      </p:grpSpPr>
+      <p:sp>
+        <p:nvSpPr>
+          <p:cNvPr id="884510449" name="Symbol zastępczy obrazu slajdu 1"/>
+          <p:cNvSpPr>
+            <a:spLocks noChangeAspect="1" noGrp="1" noRot="1"/>
+          </p:cNvSpPr>
+          <p:nvPr>
+            <p:ph type="sldImg"/>
+          </p:nvPr>
+        </p:nvSpPr>
+        <p:spPr bwMode="auto">
+          <a:xfrm>
+            <a:off x="685800" y="1143000"/>
+            <a:ext cx="5486400" cy="3086100"/>
+          </a:xfrm>
+        </p:spPr>
+      </p:sp>
+      <p:sp>
+        <p:nvSpPr>
+          <p:cNvPr id="1875338760" name="Notatki Symbol zastępczy 2"/>
+          <p:cNvSpPr>
+            <a:spLocks noGrp="1"/>
+          </p:cNvSpPr>
+          <p:nvPr>
+            <p:ph type="body" idx="1"/>
+          </p:nvPr>
+        </p:nvSpPr>
+        <p:spPr bwMode="auto"/>
+        <p:txBody>
+          <a:bodyPr/>
+          <a:lstStyle/>
+          <a:p>
+            <a:pPr>
+              <a:defRPr/>
+            </a:pPr>
+            <a:endParaRPr lang="pl-PL">
+              <a:latin typeface="Arial"/>
+              <a:cs typeface="Arial"/>
+            </a:endParaRPr>
+          </a:p>
+        </p:txBody>
+      </p:sp>
+      <p:sp>
+        <p:nvSpPr>
+          <p:cNvPr id="754445901" name="Symbol zastępczy numeru slajdu 3"/>
+          <p:cNvSpPr>
+            <a:spLocks noGrp="1"/>
+          </p:cNvSpPr>
+          <p:nvPr>
+            <p:ph type="sldNum" sz="quarter" idx="10"/>
+          </p:nvPr>
+        </p:nvSpPr>
+        <p:spPr bwMode="auto"/>
+        <p:txBody>
+          <a:bodyPr/>
+          <a:lstStyle/>
+          <a:p>
+            <a:pPr>
+              <a:defRPr/>
+            </a:pPr>
+            <a:fld id="{FEEF0F4E-B44F-7F80-F92B-0EBE871AD5E7}" type="slidenum">
+              <a:rPr lang="pl-PL"/>
+              <a:t/>
+            </a:fld>
+            <a:endParaRPr lang="pl-PL"/>
+          </a:p>
+        </p:txBody>
+      </p:sp>
+    </p:spTree>
+  </p:cSld>
+</p:notes>
+</file>
+
+<file path=ppt/notesSlides/notesSlide42.xml><?xml version="1.0" encoding="utf-8"?>
+<p:notes xmlns:a="http://schemas.openxmlformats.org/drawingml/2006/main" xmlns:r="http://schemas.openxmlformats.org/officeDocument/2006/relationships" xmlns:p="http://schemas.openxmlformats.org/presentationml/2006/main" xmlns:m="http://schemas.openxmlformats.org/officeDocument/2006/math" xmlns:w="http://schemas.openxmlformats.org/wordprocessingml/2006/main">
+  <p:cSld name="">
+    <p:spTree>
+      <p:nvGrpSpPr>
+        <p:cNvPr id="1" name=""/>
+        <p:cNvGrpSpPr/>
+        <p:nvPr/>
+      </p:nvGrpSpPr>
+      <p:grpSpPr bwMode="auto">
+        <a:xfrm>
+          <a:off x="0" y="0"/>
+          <a:ext cx="0" cy="0"/>
+          <a:chOff x="0" y="0"/>
+          <a:chExt cx="0" cy="0"/>
+        </a:xfrm>
+      </p:grpSpPr>
+      <p:sp>
+        <p:nvSpPr>
+          <p:cNvPr id="406006714" name="Symbol zastępczy obrazu slajdu 1"/>
+          <p:cNvSpPr>
+            <a:spLocks noChangeAspect="1" noGrp="1" noRot="1"/>
+          </p:cNvSpPr>
+          <p:nvPr>
+            <p:ph type="sldImg"/>
+          </p:nvPr>
+        </p:nvSpPr>
+        <p:spPr bwMode="auto">
+          <a:xfrm>
+            <a:off x="685800" y="1143000"/>
+            <a:ext cx="5486400" cy="3086100"/>
+          </a:xfrm>
+        </p:spPr>
+      </p:sp>
+      <p:sp>
+        <p:nvSpPr>
+          <p:cNvPr id="1872147306" name="Notatki Symbol zastępczy 2"/>
+          <p:cNvSpPr>
+            <a:spLocks noGrp="1"/>
+          </p:cNvSpPr>
+          <p:nvPr>
+            <p:ph type="body" idx="1"/>
+          </p:nvPr>
+        </p:nvSpPr>
+        <p:spPr bwMode="auto"/>
+        <p:txBody>
+          <a:bodyPr/>
+          <a:lstStyle/>
+          <a:p>
+            <a:pPr>
+              <a:defRPr/>
+            </a:pPr>
+            <a:endParaRPr lang="pl-PL">
+              <a:latin typeface="Arial"/>
+              <a:cs typeface="Arial"/>
+            </a:endParaRPr>
+          </a:p>
+        </p:txBody>
+      </p:sp>
+      <p:sp>
+        <p:nvSpPr>
+          <p:cNvPr id="645681141" name="Symbol zastępczy numeru slajdu 3"/>
+          <p:cNvSpPr>
+            <a:spLocks noGrp="1"/>
+          </p:cNvSpPr>
+          <p:nvPr>
+            <p:ph type="sldNum" sz="quarter" idx="10"/>
+          </p:nvPr>
+        </p:nvSpPr>
+        <p:spPr bwMode="auto"/>
+        <p:txBody>
+          <a:bodyPr/>
+          <a:lstStyle/>
+          <a:p>
+            <a:pPr>
+              <a:defRPr/>
+            </a:pPr>
+            <a:fld id="{EBD1830E-A501-C140-E2C4-359FAA0C4627}" type="slidenum">
+              <a:rPr lang="pl-PL"/>
+              <a:t/>
+            </a:fld>
+            <a:endParaRPr lang="pl-PL"/>
+          </a:p>
+        </p:txBody>
+      </p:sp>
+    </p:spTree>
+  </p:cSld>
+</p:notes>
+</file>
+
+<file path=ppt/notesSlides/notesSlide43.xml><?xml version="1.0" encoding="utf-8"?>
+<p:notes xmlns:a="http://schemas.openxmlformats.org/drawingml/2006/main" xmlns:r="http://schemas.openxmlformats.org/officeDocument/2006/relationships" xmlns:p="http://schemas.openxmlformats.org/presentationml/2006/main" xmlns:m="http://schemas.openxmlformats.org/officeDocument/2006/math" xmlns:w="http://schemas.openxmlformats.org/wordprocessingml/2006/main">
+  <p:cSld name="">
+    <p:spTree>
+      <p:nvGrpSpPr>
+        <p:cNvPr id="1" name=""/>
+        <p:cNvGrpSpPr/>
+        <p:nvPr/>
+      </p:nvGrpSpPr>
+      <p:grpSpPr bwMode="auto">
+        <a:xfrm>
+          <a:off x="0" y="0"/>
+          <a:ext cx="0" cy="0"/>
+          <a:chOff x="0" y="0"/>
+          <a:chExt cx="0" cy="0"/>
+        </a:xfrm>
+      </p:grpSpPr>
+      <p:sp>
+        <p:nvSpPr>
+          <p:cNvPr id="429326345" name="Symbol zastępczy obrazu slajdu 1"/>
+          <p:cNvSpPr>
+            <a:spLocks noChangeAspect="1" noGrp="1" noRot="1"/>
+          </p:cNvSpPr>
+          <p:nvPr>
+            <p:ph type="sldImg"/>
+          </p:nvPr>
+        </p:nvSpPr>
+        <p:spPr bwMode="auto">
+          <a:xfrm>
+            <a:off x="685800" y="1143000"/>
+            <a:ext cx="5486400" cy="3086100"/>
+          </a:xfrm>
+        </p:spPr>
+      </p:sp>
+      <p:sp>
+        <p:nvSpPr>
+          <p:cNvPr id="118943553" name="Notatki Symbol zastępczy 2"/>
+          <p:cNvSpPr>
+            <a:spLocks noGrp="1"/>
+          </p:cNvSpPr>
+          <p:nvPr>
+            <p:ph type="body" idx="1"/>
+          </p:nvPr>
+        </p:nvSpPr>
+        <p:spPr bwMode="auto"/>
+        <p:txBody>
+          <a:bodyPr/>
+          <a:lstStyle/>
+          <a:p>
+            <a:pPr>
+              <a:defRPr/>
+            </a:pPr>
+            <a:endParaRPr lang="pl-PL">
+              <a:latin typeface="Arial"/>
+              <a:cs typeface="Arial"/>
+            </a:endParaRPr>
+          </a:p>
+        </p:txBody>
+      </p:sp>
+      <p:sp>
+        <p:nvSpPr>
+          <p:cNvPr id="539380241" name="Symbol zastępczy numeru slajdu 3"/>
+          <p:cNvSpPr>
+            <a:spLocks noGrp="1"/>
+          </p:cNvSpPr>
+          <p:nvPr>
+            <p:ph type="sldNum" sz="quarter" idx="10"/>
+          </p:nvPr>
+        </p:nvSpPr>
+        <p:spPr bwMode="auto"/>
+        <p:txBody>
+          <a:bodyPr/>
+          <a:lstStyle/>
+          <a:p>
+            <a:pPr>
+              <a:defRPr/>
+            </a:pPr>
+            <a:fld id="{BA21D176-1E4B-45EC-8359-679C20D6A75E}" type="slidenum">
+              <a:rPr lang="pl-PL"/>
+              <a:t/>
+            </a:fld>
+            <a:endParaRPr lang="pl-PL"/>
+          </a:p>
+        </p:txBody>
+      </p:sp>
+    </p:spTree>
+  </p:cSld>
+</p:notes>
+</file>
+
+<file path=ppt/notesSlides/notesSlide44.xml><?xml version="1.0" encoding="utf-8"?>
+<p:notes xmlns:a="http://schemas.openxmlformats.org/drawingml/2006/main" xmlns:r="http://schemas.openxmlformats.org/officeDocument/2006/relationships" xmlns:p="http://schemas.openxmlformats.org/presentationml/2006/main" xmlns:m="http://schemas.openxmlformats.org/officeDocument/2006/math" xmlns:w="http://schemas.openxmlformats.org/wordprocessingml/2006/main">
+  <p:cSld name="">
+    <p:spTree>
+      <p:nvGrpSpPr>
+        <p:cNvPr id="1" name=""/>
+        <p:cNvGrpSpPr/>
+        <p:nvPr/>
+      </p:nvGrpSpPr>
+      <p:grpSpPr bwMode="auto">
+        <a:xfrm>
+          <a:off x="0" y="0"/>
+          <a:ext cx="0" cy="0"/>
+          <a:chOff x="0" y="0"/>
+          <a:chExt cx="0" cy="0"/>
+        </a:xfrm>
+      </p:grpSpPr>
+      <p:sp>
+        <p:nvSpPr>
+          <p:cNvPr id="439148" name="Symbol zastępczy obrazu slajdu 1"/>
+          <p:cNvSpPr>
+            <a:spLocks noChangeAspect="1" noGrp="1" noRot="1"/>
+          </p:cNvSpPr>
+          <p:nvPr>
+            <p:ph type="sldImg"/>
+          </p:nvPr>
+        </p:nvSpPr>
+        <p:spPr bwMode="auto">
+          <a:xfrm>
+            <a:off x="685800" y="1143000"/>
+            <a:ext cx="5486400" cy="3086100"/>
+          </a:xfrm>
+        </p:spPr>
+      </p:sp>
+      <p:sp>
+        <p:nvSpPr>
+          <p:cNvPr id="1803674077" name="Notatki Symbol zastępczy 2"/>
+          <p:cNvSpPr>
+            <a:spLocks noGrp="1"/>
+          </p:cNvSpPr>
+          <p:nvPr>
+            <p:ph type="body" idx="1"/>
+          </p:nvPr>
+        </p:nvSpPr>
+        <p:spPr bwMode="auto"/>
+        <p:txBody>
+          <a:bodyPr/>
+          <a:lstStyle/>
+          <a:p>
+            <a:pPr>
+              <a:defRPr/>
+            </a:pPr>
+            <a:endParaRPr lang="pl-PL">
+              <a:latin typeface="Arial"/>
+              <a:cs typeface="Arial"/>
+            </a:endParaRPr>
+          </a:p>
+        </p:txBody>
+      </p:sp>
+      <p:sp>
+        <p:nvSpPr>
+          <p:cNvPr id="839346151" name="Symbol zastępczy numeru slajdu 3"/>
+          <p:cNvSpPr>
+            <a:spLocks noGrp="1"/>
+          </p:cNvSpPr>
+          <p:nvPr>
+            <p:ph type="sldNum" sz="quarter" idx="10"/>
+          </p:nvPr>
+        </p:nvSpPr>
+        <p:spPr bwMode="auto"/>
+        <p:txBody>
+          <a:bodyPr/>
+          <a:lstStyle/>
+          <a:p>
+            <a:pPr>
+              <a:defRPr/>
+            </a:pPr>
+            <a:fld id="{48287777-01E6-378A-65F9-03215F02A97F}" type="slidenum">
+              <a:rPr lang="pl-PL"/>
+              <a:t/>
+            </a:fld>
+            <a:endParaRPr lang="pl-PL"/>
+          </a:p>
+        </p:txBody>
+      </p:sp>
+    </p:spTree>
+  </p:cSld>
+</p:notes>
+</file>
+
+<file path=ppt/notesSlides/notesSlide45.xml><?xml version="1.0" encoding="utf-8"?>
+<p:notes xmlns:a="http://schemas.openxmlformats.org/drawingml/2006/main" xmlns:r="http://schemas.openxmlformats.org/officeDocument/2006/relationships" xmlns:p="http://schemas.openxmlformats.org/presentationml/2006/main" xmlns:m="http://schemas.openxmlformats.org/officeDocument/2006/math" xmlns:w="http://schemas.openxmlformats.org/wordprocessingml/2006/main">
+  <p:cSld name="">
+    <p:spTree>
+      <p:nvGrpSpPr>
+        <p:cNvPr id="1" name=""/>
+        <p:cNvGrpSpPr/>
+        <p:nvPr/>
+      </p:nvGrpSpPr>
+      <p:grpSpPr bwMode="auto">
+        <a:xfrm>
+          <a:off x="0" y="0"/>
+          <a:ext cx="0" cy="0"/>
+          <a:chOff x="0" y="0"/>
+          <a:chExt cx="0" cy="0"/>
+        </a:xfrm>
+      </p:grpSpPr>
+      <p:sp>
+        <p:nvSpPr>
+          <p:cNvPr id="2096624108" name="Symbol zastępczy obrazu slajdu 1"/>
+          <p:cNvSpPr>
+            <a:spLocks noChangeAspect="1" noGrp="1" noRot="1"/>
+          </p:cNvSpPr>
+          <p:nvPr>
+            <p:ph type="sldImg"/>
+          </p:nvPr>
+        </p:nvSpPr>
+        <p:spPr bwMode="auto">
+          <a:xfrm>
+            <a:off x="685800" y="1143000"/>
+            <a:ext cx="5486400" cy="3086100"/>
+          </a:xfrm>
+        </p:spPr>
+      </p:sp>
+      <p:sp>
+        <p:nvSpPr>
+          <p:cNvPr id="1526865685" name="Notatki Symbol zastępczy 2"/>
+          <p:cNvSpPr>
+            <a:spLocks noGrp="1"/>
+          </p:cNvSpPr>
+          <p:nvPr>
+            <p:ph type="body" idx="1"/>
+          </p:nvPr>
+        </p:nvSpPr>
+        <p:spPr bwMode="auto"/>
+        <p:txBody>
+          <a:bodyPr/>
+          <a:lstStyle/>
+          <a:p>
+            <a:pPr>
+              <a:defRPr/>
+            </a:pPr>
+            <a:endParaRPr lang="pl-PL">
+              <a:latin typeface="Arial"/>
+              <a:cs typeface="Arial"/>
+            </a:endParaRPr>
+          </a:p>
+        </p:txBody>
+      </p:sp>
+      <p:sp>
+        <p:nvSpPr>
+          <p:cNvPr id="407026328" name="Symbol zastępczy numeru slajdu 3"/>
+          <p:cNvSpPr>
+            <a:spLocks noGrp="1"/>
+          </p:cNvSpPr>
+          <p:nvPr>
+            <p:ph type="sldNum" sz="quarter" idx="10"/>
+          </p:nvPr>
+        </p:nvSpPr>
+        <p:spPr bwMode="auto"/>
+        <p:txBody>
+          <a:bodyPr/>
+          <a:lstStyle/>
+          <a:p>
+            <a:pPr>
+              <a:defRPr/>
+            </a:pPr>
+            <a:fld id="{A734036E-F7F9-E94B-53C9-2B071CBDB52A}" type="slidenum">
               <a:rPr lang="pl-PL"/>
               <a:t/>
             </a:fld>
@@ -7778,6 +8688,74 @@
           </a:prstGeom>
         </p:spPr>
       </p:pic>
+      <p:sp>
+        <p:nvSpPr>
+          <p:cNvPr id="915096136" name=""/>
+          <p:cNvSpPr txBox="1"/>
+          <p:nvPr/>
+        </p:nvSpPr>
+        <p:spPr bwMode="auto">
+          <a:xfrm flipH="0" flipV="0">
+            <a:off x="778965" y="6113664"/>
+            <a:ext cx="5634160" cy="640440"/>
+          </a:xfrm>
+          <a:prstGeom prst="rect">
+            <a:avLst/>
+          </a:prstGeom>
+          <a:noFill/>
+        </p:spPr>
+        <p:txBody>
+          <a:bodyPr vertOverflow="overflow" horzOverflow="overflow" vert="horz" wrap="square" lIns="91440" tIns="45720" rIns="91440" bIns="45720" numCol="1" spcCol="0" rtlCol="0" fromWordArt="0" anchor="t" anchorCtr="0" forceAA="0" upright="0" compatLnSpc="0">
+            <a:spAutoFit/>
+          </a:bodyPr>
+          <a:p>
+            <a:pPr algn="l">
+              <a:defRPr/>
+            </a:pPr>
+            <a:r>
+              <a:rPr>
+                <a:latin typeface="Arial"/>
+                <a:ea typeface="Arial"/>
+                <a:cs typeface="Arial"/>
+              </a:rPr>
+              <a:t>https://arkusze.pl/matura-stara-informatyka-2023-maj-poziom-rozszerzony/</a:t>
+            </a:r>
+            <a:endParaRPr/>
+          </a:p>
+        </p:txBody>
+      </p:sp>
+      <p:sp>
+        <p:nvSpPr>
+          <p:cNvPr id="1825542301" name=""/>
+          <p:cNvSpPr txBox="1"/>
+          <p:nvPr/>
+        </p:nvSpPr>
+        <p:spPr bwMode="auto">
+          <a:xfrm flipH="0" flipV="0">
+            <a:off x="778965" y="5749636"/>
+            <a:ext cx="5521581" cy="366119"/>
+          </a:xfrm>
+          <a:prstGeom prst="rect">
+            <a:avLst/>
+          </a:prstGeom>
+          <a:noFill/>
+        </p:spPr>
+        <p:txBody>
+          <a:bodyPr vertOverflow="overflow" horzOverflow="overflow" vert="horz" wrap="square" lIns="91440" tIns="45720" rIns="91440" bIns="45720" numCol="1" spcCol="0" rtlCol="0" fromWordArt="0" anchor="t" anchorCtr="0" forceAA="0" upright="0" compatLnSpc="0">
+            <a:spAutoFit/>
+          </a:bodyPr>
+          <a:p>
+            <a:pPr>
+              <a:defRPr/>
+            </a:pPr>
+            <a:r>
+              <a:rPr/>
+              <a:t>Arkusze i pliki znajdziecie tutaj:</a:t>
+            </a:r>
+            <a:endParaRPr/>
+          </a:p>
+        </p:txBody>
+      </p:sp>
     </p:spTree>
   </p:cSld>
   <p:clrMapOvr>
@@ -11020,7 +11998,7 @@
             </a:pPr>
             <a:r>
               <a:rPr/>
-              <a:t>Wzorce</a:t>
+              <a:t>Podpowiedzi</a:t>
             </a:r>
             <a:endParaRPr/>
           </a:p>
@@ -11049,6 +12027,520 @@
             <a:pPr>
               <a:defRPr/>
             </a:pPr>
+            <a:r>
+              <a:rPr/>
+              <a:t>W tym zadaniu można kreatywnie wykorzystać mechanizm indeksowania tablic – indeks to przecież nic innego jak liczba, którą można obliczyć, zamiast podawać jawnie</a:t>
+            </a:r>
+            <a:endParaRPr/>
+          </a:p>
+          <a:p>
+            <a:pPr>
+              <a:defRPr/>
+            </a:pPr>
+            <a:r>
+              <a:rPr/>
+              <a:t>Należy użyć mechanizmu wyszukiwania fragmentów dwucyfrowych z poprzedniego zadania – już go napisaliśmy, więc zaoszczędzimy trochę czasu</a:t>
+            </a:r>
+            <a:endParaRPr/>
+          </a:p>
+          <a:p>
+            <a:pPr>
+              <a:defRPr/>
+            </a:pPr>
+            <a:endParaRPr/>
+          </a:p>
+        </p:txBody>
+      </p:sp>
+    </p:spTree>
+  </p:cSld>
+  <p:clrMapOvr>
+    <a:masterClrMapping/>
+  </p:clrMapOvr>
+  <mc:AlternateContent xmlns:mc="http://schemas.openxmlformats.org/markup-compatibility/2006">
+    <mc:Choice xmlns:p159="http://schemas.microsoft.com/office/powerpoint/2015/09/main" xmlns:p14="http://schemas.microsoft.com/office/powerpoint/2010/main" Requires="p159">
+      <p:transition p14:dur="2000" advClick="1"/>
+    </mc:Choice>
+    <mc:Fallback>
+      <p:transition advClick="1"/>
+    </mc:Fallback>
+  </mc:AlternateContent>
+</p:sld>
+</file>
+
+<file path=ppt/slides/slide36.xml><?xml version="1.0" encoding="utf-8"?>
+<p:sld xmlns:a="http://schemas.openxmlformats.org/drawingml/2006/main" xmlns:r="http://schemas.openxmlformats.org/officeDocument/2006/relationships" xmlns:p="http://schemas.openxmlformats.org/presentationml/2006/main" xmlns:m="http://schemas.openxmlformats.org/officeDocument/2006/math" xmlns:w="http://schemas.openxmlformats.org/wordprocessingml/2006/main" showMasterPhAnim="0" show="1">
+  <p:cSld name="">
+    <p:bg>
+      <p:bgPr shadeToTitle="0">
+        <a:blipFill>
+          <a:blip r:embed="rId3">
+            <a:alphaModFix amt="23000"/>
+          </a:blip>
+          <a:stretch/>
+        </a:blipFill>
+      </p:bgPr>
+    </p:bg>
+    <p:spTree>
+      <p:nvGrpSpPr>
+        <p:cNvPr id="1" name=""/>
+        <p:cNvGrpSpPr/>
+        <p:nvPr/>
+      </p:nvGrpSpPr>
+      <p:grpSpPr bwMode="auto">
+        <a:xfrm>
+          <a:off x="0" y="0"/>
+          <a:ext cx="0" cy="0"/>
+          <a:chOff x="0" y="0"/>
+          <a:chExt cx="0" cy="0"/>
+        </a:xfrm>
+      </p:grpSpPr>
+      <p:sp>
+        <p:nvSpPr>
+          <p:cNvPr id="1948803169" name="Tytuł 1"/>
+          <p:cNvSpPr>
+            <a:spLocks noGrp="1"/>
+          </p:cNvSpPr>
+          <p:nvPr>
+            <p:ph type="title"/>
+          </p:nvPr>
+        </p:nvSpPr>
+        <p:spPr bwMode="auto">
+          <a:xfrm flipH="0" flipV="0">
+            <a:off x="838198" y="365123"/>
+            <a:ext cx="10263641" cy="1325561"/>
+          </a:xfrm>
+        </p:spPr>
+        <p:txBody>
+          <a:bodyPr/>
+          <a:lstStyle/>
+          <a:p>
+            <a:pPr>
+              <a:defRPr/>
+            </a:pPr>
+            <a:r>
+              <a:rPr/>
+              <a:t>Rozwiązanie</a:t>
+            </a:r>
+            <a:endParaRPr/>
+          </a:p>
+        </p:txBody>
+      </p:sp>
+      <p:sp>
+        <p:nvSpPr>
+          <p:cNvPr id="1437020450" name=""/>
+          <p:cNvSpPr txBox="1"/>
+          <p:nvPr/>
+        </p:nvSpPr>
+        <p:spPr bwMode="auto">
+          <a:xfrm flipH="0" flipV="0">
+            <a:off x="2224305" y="2866158"/>
+            <a:ext cx="7743746" cy="1189079"/>
+          </a:xfrm>
+          <a:prstGeom prst="rect">
+            <a:avLst/>
+          </a:prstGeom>
+          <a:noFill/>
+        </p:spPr>
+        <p:txBody>
+          <a:bodyPr vertOverflow="overflow" horzOverflow="overflow" vert="horz" wrap="square" lIns="91440" tIns="45720" rIns="91440" bIns="45720" numCol="1" spcCol="0" rtlCol="0" fromWordArt="0" anchor="t" anchorCtr="0" forceAA="0" upright="0" compatLnSpc="0">
+            <a:spAutoFit/>
+          </a:bodyPr>
+          <a:p>
+            <a:pPr algn="ctr">
+              <a:defRPr/>
+            </a:pPr>
+            <a:r>
+              <a:rPr sz="7200">
+                <a:latin typeface="Courier New"/>
+                <a:ea typeface="Courier New"/>
+                <a:cs typeface="Courier New"/>
+              </a:rPr>
+              <a:t>Loading...</a:t>
+            </a:r>
+            <a:endParaRPr sz="1400"/>
+          </a:p>
+        </p:txBody>
+      </p:sp>
+    </p:spTree>
+  </p:cSld>
+  <p:clrMapOvr>
+    <a:masterClrMapping/>
+  </p:clrMapOvr>
+  <mc:AlternateContent xmlns:mc="http://schemas.openxmlformats.org/markup-compatibility/2006">
+    <mc:Choice xmlns:p159="http://schemas.microsoft.com/office/powerpoint/2015/09/main" xmlns:p14="http://schemas.microsoft.com/office/powerpoint/2010/main" Requires="p159">
+      <p:transition p14:dur="2000" advClick="1"/>
+    </mc:Choice>
+    <mc:Fallback>
+      <p:transition advClick="1"/>
+    </mc:Fallback>
+  </mc:AlternateContent>
+</p:sld>
+</file>
+
+<file path=ppt/slides/slide37.xml><?xml version="1.0" encoding="utf-8"?>
+<p:sld xmlns:a="http://schemas.openxmlformats.org/drawingml/2006/main" xmlns:r="http://schemas.openxmlformats.org/officeDocument/2006/relationships" xmlns:p="http://schemas.openxmlformats.org/presentationml/2006/main" xmlns:m="http://schemas.openxmlformats.org/officeDocument/2006/math" xmlns:w="http://schemas.openxmlformats.org/wordprocessingml/2006/main" showMasterPhAnim="0" show="1">
+  <p:cSld name="">
+    <p:bg>
+      <p:bgPr shadeToTitle="0">
+        <a:blipFill>
+          <a:blip r:embed="rId3">
+            <a:alphaModFix amt="23000"/>
+          </a:blip>
+          <a:stretch/>
+        </a:blipFill>
+      </p:bgPr>
+    </p:bg>
+    <p:spTree>
+      <p:nvGrpSpPr>
+        <p:cNvPr id="1" name=""/>
+        <p:cNvGrpSpPr/>
+        <p:nvPr/>
+      </p:nvGrpSpPr>
+      <p:grpSpPr bwMode="auto">
+        <a:xfrm>
+          <a:off x="0" y="0"/>
+          <a:ext cx="0" cy="0"/>
+          <a:chOff x="0" y="0"/>
+          <a:chExt cx="0" cy="0"/>
+        </a:xfrm>
+      </p:grpSpPr>
+      <p:sp>
+        <p:nvSpPr>
+          <p:cNvPr id="47523399" name="Tytuł 1"/>
+          <p:cNvSpPr>
+            <a:spLocks noGrp="1"/>
+          </p:cNvSpPr>
+          <p:nvPr>
+            <p:ph type="title"/>
+          </p:nvPr>
+        </p:nvSpPr>
+        <p:spPr bwMode="auto">
+          <a:xfrm flipH="0" flipV="0">
+            <a:off x="838198" y="365123"/>
+            <a:ext cx="10263641" cy="1325561"/>
+          </a:xfrm>
+        </p:spPr>
+        <p:txBody>
+          <a:bodyPr/>
+          <a:lstStyle/>
+          <a:p>
+            <a:pPr>
+              <a:defRPr/>
+            </a:pPr>
+            <a:r>
+              <a:rPr/>
+              <a:t>Rozwiązanie</a:t>
+            </a:r>
+            <a:endParaRPr/>
+          </a:p>
+        </p:txBody>
+      </p:sp>
+      <p:pic>
+        <p:nvPicPr>
+          <p:cNvPr id="1149118697" name=""/>
+          <p:cNvPicPr>
+            <a:picLocks noChangeAspect="1"/>
+          </p:cNvPicPr>
+          <p:nvPr/>
+        </p:nvPicPr>
+        <p:blipFill>
+          <a:blip r:embed="rId4"/>
+          <a:stretch/>
+        </p:blipFill>
+        <p:spPr bwMode="auto">
+          <a:xfrm>
+            <a:off x="2693419" y="1690686"/>
+            <a:ext cx="6553199" cy="4705349"/>
+          </a:xfrm>
+          <a:prstGeom prst="rect">
+            <a:avLst/>
+          </a:prstGeom>
+        </p:spPr>
+      </p:pic>
+    </p:spTree>
+  </p:cSld>
+  <p:clrMapOvr>
+    <a:masterClrMapping/>
+  </p:clrMapOvr>
+  <mc:AlternateContent xmlns:mc="http://schemas.openxmlformats.org/markup-compatibility/2006">
+    <mc:Choice xmlns:p159="http://schemas.microsoft.com/office/powerpoint/2015/09/main" xmlns:p14="http://schemas.microsoft.com/office/powerpoint/2010/main" Requires="p159">
+      <p:transition p14:dur="2000" advClick="1"/>
+    </mc:Choice>
+    <mc:Fallback>
+      <p:transition advClick="1"/>
+    </mc:Fallback>
+  </mc:AlternateContent>
+</p:sld>
+</file>
+
+<file path=ppt/slides/slide38.xml><?xml version="1.0" encoding="utf-8"?>
+<p:sld xmlns:a="http://schemas.openxmlformats.org/drawingml/2006/main" xmlns:r="http://schemas.openxmlformats.org/officeDocument/2006/relationships" xmlns:p="http://schemas.openxmlformats.org/presentationml/2006/main" xmlns:m="http://schemas.openxmlformats.org/officeDocument/2006/math" xmlns:w="http://schemas.openxmlformats.org/wordprocessingml/2006/main" showMasterPhAnim="0" show="1">
+  <p:cSld name="">
+    <p:bg>
+      <p:bgPr shadeToTitle="0">
+        <a:blipFill>
+          <a:blip r:embed="rId3">
+            <a:alphaModFix amt="23000"/>
+          </a:blip>
+          <a:stretch/>
+        </a:blipFill>
+      </p:bgPr>
+    </p:bg>
+    <p:spTree>
+      <p:nvGrpSpPr>
+        <p:cNvPr id="1" name=""/>
+        <p:cNvGrpSpPr/>
+        <p:nvPr/>
+      </p:nvGrpSpPr>
+      <p:grpSpPr bwMode="auto">
+        <a:xfrm>
+          <a:off x="0" y="0"/>
+          <a:ext cx="0" cy="0"/>
+          <a:chOff x="0" y="0"/>
+          <a:chExt cx="0" cy="0"/>
+        </a:xfrm>
+      </p:grpSpPr>
+      <p:sp>
+        <p:nvSpPr>
+          <p:cNvPr id="1535717503" name="Tytuł 1"/>
+          <p:cNvSpPr>
+            <a:spLocks noGrp="1"/>
+          </p:cNvSpPr>
+          <p:nvPr>
+            <p:ph type="title"/>
+          </p:nvPr>
+        </p:nvSpPr>
+        <p:spPr bwMode="auto">
+          <a:xfrm flipH="0" flipV="0">
+            <a:off x="838198" y="365123"/>
+            <a:ext cx="10263641" cy="1325561"/>
+          </a:xfrm>
+        </p:spPr>
+        <p:txBody>
+          <a:bodyPr/>
+          <a:lstStyle/>
+          <a:p>
+            <a:pPr>
+              <a:defRPr/>
+            </a:pPr>
+            <a:r>
+              <a:rPr/>
+              <a:t>Matura nie ma szans</a:t>
+            </a:r>
+            <a:endParaRPr/>
+          </a:p>
+        </p:txBody>
+      </p:sp>
+      <p:pic>
+        <p:nvPicPr>
+          <p:cNvPr id="1621061582" name=""/>
+          <p:cNvPicPr>
+            <a:picLocks noChangeAspect="1"/>
+          </p:cNvPicPr>
+          <p:nvPr/>
+        </p:nvPicPr>
+        <p:blipFill>
+          <a:blip r:embed="rId4"/>
+          <a:srcRect l="13698" t="0" r="9477" b="0"/>
+          <a:stretch/>
+        </p:blipFill>
+        <p:spPr bwMode="auto">
+          <a:xfrm flipH="0" flipV="0">
+            <a:off x="7499658" y="1820496"/>
+            <a:ext cx="4286249" cy="4007147"/>
+          </a:xfrm>
+          <a:prstGeom prst="rect">
+            <a:avLst/>
+          </a:prstGeom>
+        </p:spPr>
+      </p:pic>
+      <p:pic>
+        <p:nvPicPr>
+          <p:cNvPr id="990845509" name=""/>
+          <p:cNvPicPr>
+            <a:picLocks noChangeAspect="1"/>
+          </p:cNvPicPr>
+          <p:nvPr/>
+        </p:nvPicPr>
+        <p:blipFill>
+          <a:blip r:embed="rId5"/>
+          <a:stretch/>
+        </p:blipFill>
+        <p:spPr bwMode="auto">
+          <a:xfrm flipH="0" flipV="0">
+            <a:off x="554181" y="1610590"/>
+            <a:ext cx="6761962" cy="4426958"/>
+          </a:xfrm>
+          <a:prstGeom prst="rect">
+            <a:avLst/>
+          </a:prstGeom>
+        </p:spPr>
+      </p:pic>
+    </p:spTree>
+  </p:cSld>
+  <p:clrMapOvr>
+    <a:masterClrMapping/>
+  </p:clrMapOvr>
+  <mc:AlternateContent xmlns:mc="http://schemas.openxmlformats.org/markup-compatibility/2006">
+    <mc:Choice xmlns:p159="http://schemas.microsoft.com/office/powerpoint/2015/09/main" xmlns:p14="http://schemas.microsoft.com/office/powerpoint/2010/main" Requires="p159">
+      <p:transition p14:dur="2000" advClick="1"/>
+    </mc:Choice>
+    <mc:Fallback>
+      <p:transition advClick="1"/>
+    </mc:Fallback>
+  </mc:AlternateContent>
+</p:sld>
+</file>
+
+<file path=ppt/slides/slide39.xml><?xml version="1.0" encoding="utf-8"?>
+<p:sld xmlns:a="http://schemas.openxmlformats.org/drawingml/2006/main" xmlns:r="http://schemas.openxmlformats.org/officeDocument/2006/relationships" xmlns:p="http://schemas.openxmlformats.org/presentationml/2006/main" xmlns:m="http://schemas.openxmlformats.org/officeDocument/2006/math" xmlns:w="http://schemas.openxmlformats.org/wordprocessingml/2006/main" showMasterPhAnim="0" show="1">
+  <p:cSld name="">
+    <p:bg>
+      <p:bgPr shadeToTitle="0">
+        <a:blipFill>
+          <a:blip r:embed="rId3">
+            <a:alphaModFix amt="23000"/>
+          </a:blip>
+          <a:stretch/>
+        </a:blipFill>
+      </p:bgPr>
+    </p:bg>
+    <p:spTree>
+      <p:nvGrpSpPr>
+        <p:cNvPr id="1" name=""/>
+        <p:cNvGrpSpPr/>
+        <p:nvPr/>
+      </p:nvGrpSpPr>
+      <p:grpSpPr bwMode="auto">
+        <a:xfrm>
+          <a:off x="0" y="0"/>
+          <a:ext cx="0" cy="0"/>
+          <a:chOff x="0" y="0"/>
+          <a:chExt cx="0" cy="0"/>
+        </a:xfrm>
+      </p:grpSpPr>
+      <p:sp>
+        <p:nvSpPr>
+          <p:cNvPr id="1046228444" name="Tytuł 1"/>
+          <p:cNvSpPr>
+            <a:spLocks noGrp="1"/>
+          </p:cNvSpPr>
+          <p:nvPr>
+            <p:ph type="title"/>
+          </p:nvPr>
+        </p:nvSpPr>
+        <p:spPr bwMode="auto">
+          <a:xfrm flipH="0" flipV="0">
+            <a:off x="838198" y="365123"/>
+            <a:ext cx="10263641" cy="1325561"/>
+          </a:xfrm>
+        </p:spPr>
+        <p:txBody>
+          <a:bodyPr/>
+          <a:lstStyle/>
+          <a:p>
+            <a:pPr>
+              <a:defRPr/>
+            </a:pPr>
+            <a:r>
+              <a:rPr/>
+              <a:t>Wskazówki</a:t>
+            </a:r>
+            <a:endParaRPr/>
+          </a:p>
+        </p:txBody>
+      </p:sp>
+      <p:sp>
+        <p:nvSpPr>
+          <p:cNvPr id="490214066" name="Symbol zastępczy zawartości 2"/>
+          <p:cNvSpPr>
+            <a:spLocks noGrp="1"/>
+          </p:cNvSpPr>
+          <p:nvPr>
+            <p:ph idx="1"/>
+          </p:nvPr>
+        </p:nvSpPr>
+        <p:spPr bwMode="auto">
+          <a:xfrm flipH="0" flipV="0">
+            <a:off x="838198" y="1753198"/>
+            <a:ext cx="10263641" cy="4562471"/>
+          </a:xfrm>
+        </p:spPr>
+        <p:txBody>
+          <a:bodyPr vertOverflow="overflow" horzOverflow="overflow" vert="horz" wrap="square" lIns="91440" tIns="45720" rIns="91440" bIns="45720" numCol="1" spcCol="0" rtlCol="0" fromWordArt="0" anchor="t" anchorCtr="0" forceAA="0" upright="0" compatLnSpc="0">
+            <a:normAutofit fontScale="90000" lnSpcReduction="2000"/>
+          </a:bodyPr>
+          <a:lstStyle/>
+          <a:p>
+            <a:pPr>
+              <a:defRPr/>
+            </a:pPr>
+            <a:r>
+              <a:rPr/>
+              <a:t>Tutaj przyda się cięcie listy</a:t>
+            </a:r>
+            <a:endParaRPr/>
+          </a:p>
+          <a:p>
+            <a:pPr>
+              <a:defRPr/>
+            </a:pPr>
+            <a:r>
+              <a:rPr/>
+              <a:t>Może warto pomóc sobie definiując funkcję która określi czy ciąg jest rosnąco-malejący</a:t>
+            </a:r>
+            <a:endParaRPr/>
+          </a:p>
+          <a:p>
+            <a:pPr>
+              <a:defRPr/>
+            </a:pPr>
+            <a:r>
+              <a:rPr/>
+              <a:t>Znów stosujemy mechanizm podobny do wyszukliwania fragmentów 2-cyfrowych</a:t>
+            </a:r>
+            <a:endParaRPr/>
+          </a:p>
+          <a:p>
+            <a:pPr>
+              <a:defRPr/>
+            </a:pPr>
+            <a:r>
+              <a:rPr/>
+              <a:t>Zwróćcie uwagę, że istnieje dokładnie jeden punkt, w którym ciąg rosnący przechodzi w malejący</a:t>
+            </a:r>
+            <a:endParaRPr/>
+          </a:p>
+          <a:p>
+            <a:pPr>
+              <a:defRPr/>
+            </a:pPr>
+            <a:r>
+              <a:rPr/>
+              <a:t>Punkt ten jednak może znajdować się na różnych pozycjach (z wyjątkiem pierwszej i ostatniej)</a:t>
+            </a:r>
+            <a:endParaRPr/>
+          </a:p>
+          <a:p>
+            <a:pPr>
+              <a:defRPr/>
+            </a:pPr>
+            <a:r>
+              <a:rPr/>
+              <a:t>Metoda </a:t>
+            </a:r>
+            <a:r>
+              <a:rPr>
+                <a:latin typeface="Courier New"/>
+                <a:ea typeface="Courier New"/>
+                <a:cs typeface="Courier New"/>
+              </a:rPr>
+              <a:t>file.readlines()</a:t>
+            </a:r>
+            <a:r>
+              <a:rPr/>
+              <a:t> czyta treść razem ze znakami końca linii!</a:t>
+            </a:r>
             <a:endParaRPr/>
           </a:p>
         </p:txBody>
@@ -11332,6 +12824,655 @@
           </a:prstGeom>
         </p:spPr>
       </p:pic>
+    </p:spTree>
+  </p:cSld>
+  <p:clrMapOvr>
+    <a:masterClrMapping/>
+  </p:clrMapOvr>
+  <mc:AlternateContent xmlns:mc="http://schemas.openxmlformats.org/markup-compatibility/2006">
+    <mc:Choice xmlns:p159="http://schemas.microsoft.com/office/powerpoint/2015/09/main" xmlns:p14="http://schemas.microsoft.com/office/powerpoint/2010/main" Requires="p159">
+      <p:transition p14:dur="2000" advClick="1"/>
+    </mc:Choice>
+    <mc:Fallback>
+      <p:transition advClick="1"/>
+    </mc:Fallback>
+  </mc:AlternateContent>
+</p:sld>
+</file>
+
+<file path=ppt/slides/slide40.xml><?xml version="1.0" encoding="utf-8"?>
+<p:sld xmlns:a="http://schemas.openxmlformats.org/drawingml/2006/main" xmlns:r="http://schemas.openxmlformats.org/officeDocument/2006/relationships" xmlns:p="http://schemas.openxmlformats.org/presentationml/2006/main" xmlns:m="http://schemas.openxmlformats.org/officeDocument/2006/math" xmlns:w="http://schemas.openxmlformats.org/wordprocessingml/2006/main" showMasterPhAnim="0" show="1">
+  <p:cSld name="">
+    <p:bg>
+      <p:bgPr shadeToTitle="0">
+        <a:blipFill>
+          <a:blip r:embed="rId3">
+            <a:alphaModFix amt="23000"/>
+          </a:blip>
+          <a:stretch/>
+        </a:blipFill>
+      </p:bgPr>
+    </p:bg>
+    <p:spTree>
+      <p:nvGrpSpPr>
+        <p:cNvPr id="1" name=""/>
+        <p:cNvGrpSpPr/>
+        <p:nvPr/>
+      </p:nvGrpSpPr>
+      <p:grpSpPr bwMode="auto">
+        <a:xfrm>
+          <a:off x="0" y="0"/>
+          <a:ext cx="0" cy="0"/>
+          <a:chOff x="0" y="0"/>
+          <a:chExt cx="0" cy="0"/>
+        </a:xfrm>
+      </p:grpSpPr>
+      <p:sp>
+        <p:nvSpPr>
+          <p:cNvPr id="631478429" name="Tytuł 1"/>
+          <p:cNvSpPr>
+            <a:spLocks noGrp="1"/>
+          </p:cNvSpPr>
+          <p:nvPr>
+            <p:ph type="title"/>
+          </p:nvPr>
+        </p:nvSpPr>
+        <p:spPr bwMode="auto">
+          <a:xfrm flipH="0" flipV="0">
+            <a:off x="838198" y="365123"/>
+            <a:ext cx="10263641" cy="1325561"/>
+          </a:xfrm>
+        </p:spPr>
+        <p:txBody>
+          <a:bodyPr/>
+          <a:lstStyle/>
+          <a:p>
+            <a:pPr>
+              <a:defRPr/>
+            </a:pPr>
+            <a:r>
+              <a:rPr/>
+              <a:t>Rozwiązanie</a:t>
+            </a:r>
+            <a:endParaRPr/>
+          </a:p>
+        </p:txBody>
+      </p:sp>
+      <p:sp>
+        <p:nvSpPr>
+          <p:cNvPr id="594531021" name=""/>
+          <p:cNvSpPr txBox="1"/>
+          <p:nvPr/>
+        </p:nvSpPr>
+        <p:spPr bwMode="auto">
+          <a:xfrm flipH="0" flipV="0">
+            <a:off x="2224305" y="2866158"/>
+            <a:ext cx="7743746" cy="1189079"/>
+          </a:xfrm>
+          <a:prstGeom prst="rect">
+            <a:avLst/>
+          </a:prstGeom>
+          <a:noFill/>
+        </p:spPr>
+        <p:txBody>
+          <a:bodyPr vertOverflow="overflow" horzOverflow="overflow" vert="horz" wrap="square" lIns="91440" tIns="45720" rIns="91440" bIns="45720" numCol="1" spcCol="0" rtlCol="0" fromWordArt="0" anchor="t" anchorCtr="0" forceAA="0" upright="0" compatLnSpc="0">
+            <a:spAutoFit/>
+          </a:bodyPr>
+          <a:p>
+            <a:pPr algn="ctr">
+              <a:defRPr/>
+            </a:pPr>
+            <a:r>
+              <a:rPr sz="7200">
+                <a:latin typeface="Courier New"/>
+                <a:ea typeface="Courier New"/>
+                <a:cs typeface="Courier New"/>
+              </a:rPr>
+              <a:t>Loading...</a:t>
+            </a:r>
+            <a:endParaRPr sz="1400"/>
+          </a:p>
+        </p:txBody>
+      </p:sp>
+    </p:spTree>
+  </p:cSld>
+  <p:clrMapOvr>
+    <a:masterClrMapping/>
+  </p:clrMapOvr>
+  <mc:AlternateContent xmlns:mc="http://schemas.openxmlformats.org/markup-compatibility/2006">
+    <mc:Choice xmlns:p159="http://schemas.microsoft.com/office/powerpoint/2015/09/main" xmlns:p14="http://schemas.microsoft.com/office/powerpoint/2010/main" Requires="p159">
+      <p:transition p14:dur="2000" advClick="1"/>
+    </mc:Choice>
+    <mc:Fallback>
+      <p:transition advClick="1"/>
+    </mc:Fallback>
+  </mc:AlternateContent>
+</p:sld>
+</file>
+
+<file path=ppt/slides/slide41.xml><?xml version="1.0" encoding="utf-8"?>
+<p:sld xmlns:a="http://schemas.openxmlformats.org/drawingml/2006/main" xmlns:r="http://schemas.openxmlformats.org/officeDocument/2006/relationships" xmlns:p="http://schemas.openxmlformats.org/presentationml/2006/main" xmlns:m="http://schemas.openxmlformats.org/officeDocument/2006/math" xmlns:w="http://schemas.openxmlformats.org/wordprocessingml/2006/main" showMasterPhAnim="0" show="1">
+  <p:cSld name="">
+    <p:bg>
+      <p:bgPr shadeToTitle="0">
+        <a:blipFill>
+          <a:blip r:embed="rId3">
+            <a:alphaModFix amt="23000"/>
+          </a:blip>
+          <a:stretch/>
+        </a:blipFill>
+      </p:bgPr>
+    </p:bg>
+    <p:spTree>
+      <p:nvGrpSpPr>
+        <p:cNvPr id="1" name=""/>
+        <p:cNvGrpSpPr/>
+        <p:nvPr/>
+      </p:nvGrpSpPr>
+      <p:grpSpPr bwMode="auto">
+        <a:xfrm>
+          <a:off x="0" y="0"/>
+          <a:ext cx="0" cy="0"/>
+          <a:chOff x="0" y="0"/>
+          <a:chExt cx="0" cy="0"/>
+        </a:xfrm>
+      </p:grpSpPr>
+      <p:sp>
+        <p:nvSpPr>
+          <p:cNvPr id="1480840553" name="Tytuł 1"/>
+          <p:cNvSpPr>
+            <a:spLocks noGrp="1"/>
+          </p:cNvSpPr>
+          <p:nvPr>
+            <p:ph type="title"/>
+          </p:nvPr>
+        </p:nvSpPr>
+        <p:spPr bwMode="auto">
+          <a:xfrm flipH="0" flipV="0">
+            <a:off x="838198" y="365123"/>
+            <a:ext cx="10263641" cy="1325561"/>
+          </a:xfrm>
+        </p:spPr>
+        <p:txBody>
+          <a:bodyPr/>
+          <a:lstStyle/>
+          <a:p>
+            <a:pPr>
+              <a:defRPr/>
+            </a:pPr>
+            <a:r>
+              <a:rPr/>
+              <a:t>Rozwiązanie</a:t>
+            </a:r>
+            <a:endParaRPr/>
+          </a:p>
+        </p:txBody>
+      </p:sp>
+      <p:pic>
+        <p:nvPicPr>
+          <p:cNvPr id="1867691131" name=""/>
+          <p:cNvPicPr>
+            <a:picLocks noChangeAspect="1"/>
+          </p:cNvPicPr>
+          <p:nvPr/>
+        </p:nvPicPr>
+        <p:blipFill>
+          <a:blip r:embed="rId4"/>
+          <a:stretch/>
+        </p:blipFill>
+        <p:spPr bwMode="auto">
+          <a:xfrm flipH="0" flipV="0">
+            <a:off x="6589568" y="2415886"/>
+            <a:ext cx="4181377" cy="3386570"/>
+          </a:xfrm>
+          <a:prstGeom prst="rect">
+            <a:avLst/>
+          </a:prstGeom>
+        </p:spPr>
+      </p:pic>
+      <p:pic>
+        <p:nvPicPr>
+          <p:cNvPr id="100214142" name=""/>
+          <p:cNvPicPr>
+            <a:picLocks noChangeAspect="1"/>
+          </p:cNvPicPr>
+          <p:nvPr/>
+        </p:nvPicPr>
+        <p:blipFill>
+          <a:blip r:embed="rId5"/>
+          <a:stretch/>
+        </p:blipFill>
+        <p:spPr bwMode="auto">
+          <a:xfrm flipH="0" flipV="0">
+            <a:off x="2214592" y="1958402"/>
+            <a:ext cx="3755427" cy="4109022"/>
+          </a:xfrm>
+          <a:prstGeom prst="rect">
+            <a:avLst/>
+          </a:prstGeom>
+        </p:spPr>
+      </p:pic>
+    </p:spTree>
+  </p:cSld>
+  <p:clrMapOvr>
+    <a:masterClrMapping/>
+  </p:clrMapOvr>
+  <mc:AlternateContent xmlns:mc="http://schemas.openxmlformats.org/markup-compatibility/2006">
+    <mc:Choice xmlns:p159="http://schemas.microsoft.com/office/powerpoint/2015/09/main" xmlns:p14="http://schemas.microsoft.com/office/powerpoint/2010/main" Requires="p159">
+      <p:transition p14:dur="2000" advClick="1"/>
+    </mc:Choice>
+    <mc:Fallback>
+      <p:transition advClick="1"/>
+    </mc:Fallback>
+  </mc:AlternateContent>
+</p:sld>
+</file>
+
+<file path=ppt/slides/slide42.xml><?xml version="1.0" encoding="utf-8"?>
+<p:sld xmlns:a="http://schemas.openxmlformats.org/drawingml/2006/main" xmlns:r="http://schemas.openxmlformats.org/officeDocument/2006/relationships" xmlns:p="http://schemas.openxmlformats.org/presentationml/2006/main" xmlns:m="http://schemas.openxmlformats.org/officeDocument/2006/math" xmlns:w="http://schemas.openxmlformats.org/wordprocessingml/2006/main" showMasterPhAnim="0" show="1">
+  <p:cSld name="">
+    <p:bg>
+      <p:bgPr shadeToTitle="0">
+        <a:blipFill>
+          <a:blip r:embed="rId3">
+            <a:alphaModFix amt="23000"/>
+          </a:blip>
+          <a:stretch/>
+        </a:blipFill>
+      </p:bgPr>
+    </p:bg>
+    <p:spTree>
+      <p:nvGrpSpPr>
+        <p:cNvPr id="1" name=""/>
+        <p:cNvGrpSpPr/>
+        <p:nvPr/>
+      </p:nvGrpSpPr>
+      <p:grpSpPr bwMode="auto">
+        <a:xfrm>
+          <a:off x="0" y="0"/>
+          <a:ext cx="0" cy="0"/>
+          <a:chOff x="0" y="0"/>
+          <a:chExt cx="0" cy="0"/>
+        </a:xfrm>
+      </p:grpSpPr>
+      <p:sp>
+        <p:nvSpPr>
+          <p:cNvPr id="1593195739" name="Tytuł 1"/>
+          <p:cNvSpPr>
+            <a:spLocks noGrp="1"/>
+          </p:cNvSpPr>
+          <p:nvPr>
+            <p:ph type="title"/>
+          </p:nvPr>
+        </p:nvSpPr>
+        <p:spPr bwMode="auto">
+          <a:xfrm flipH="0" flipV="0">
+            <a:off x="838198" y="365123"/>
+            <a:ext cx="10263641" cy="1325561"/>
+          </a:xfrm>
+        </p:spPr>
+        <p:txBody>
+          <a:bodyPr/>
+          <a:lstStyle/>
+          <a:p>
+            <a:pPr>
+              <a:defRPr/>
+            </a:pPr>
+            <a:r>
+              <a:rPr/>
+              <a:t>Ostatnie zadanie</a:t>
+            </a:r>
+            <a:endParaRPr/>
+          </a:p>
+        </p:txBody>
+      </p:sp>
+      <p:pic>
+        <p:nvPicPr>
+          <p:cNvPr id="598256971" name=""/>
+          <p:cNvPicPr>
+            <a:picLocks noChangeAspect="1"/>
+          </p:cNvPicPr>
+          <p:nvPr/>
+        </p:nvPicPr>
+        <p:blipFill>
+          <a:blip r:embed="rId4"/>
+          <a:stretch/>
+        </p:blipFill>
+        <p:spPr bwMode="auto">
+          <a:xfrm flipH="0" flipV="0">
+            <a:off x="7833013" y="1398443"/>
+            <a:ext cx="3927763" cy="4909704"/>
+          </a:xfrm>
+          <a:prstGeom prst="rect">
+            <a:avLst/>
+          </a:prstGeom>
+        </p:spPr>
+      </p:pic>
+      <p:pic>
+        <p:nvPicPr>
+          <p:cNvPr id="99358204" name=""/>
+          <p:cNvPicPr>
+            <a:picLocks noChangeAspect="1"/>
+          </p:cNvPicPr>
+          <p:nvPr/>
+        </p:nvPicPr>
+        <p:blipFill>
+          <a:blip r:embed="rId5"/>
+          <a:stretch/>
+        </p:blipFill>
+        <p:spPr bwMode="auto">
+          <a:xfrm flipH="0" flipV="0">
+            <a:off x="787977" y="1996331"/>
+            <a:ext cx="6832909" cy="3199122"/>
+          </a:xfrm>
+          <a:prstGeom prst="rect">
+            <a:avLst/>
+          </a:prstGeom>
+        </p:spPr>
+      </p:pic>
+    </p:spTree>
+  </p:cSld>
+  <p:clrMapOvr>
+    <a:masterClrMapping/>
+  </p:clrMapOvr>
+  <mc:AlternateContent xmlns:mc="http://schemas.openxmlformats.org/markup-compatibility/2006">
+    <mc:Choice xmlns:p159="http://schemas.microsoft.com/office/powerpoint/2015/09/main" xmlns:p14="http://schemas.microsoft.com/office/powerpoint/2010/main" Requires="p159">
+      <p:transition p14:dur="2000" advClick="1"/>
+    </mc:Choice>
+    <mc:Fallback>
+      <p:transition advClick="1"/>
+    </mc:Fallback>
+  </mc:AlternateContent>
+</p:sld>
+</file>
+
+<file path=ppt/slides/slide43.xml><?xml version="1.0" encoding="utf-8"?>
+<p:sld xmlns:a="http://schemas.openxmlformats.org/drawingml/2006/main" xmlns:r="http://schemas.openxmlformats.org/officeDocument/2006/relationships" xmlns:p="http://schemas.openxmlformats.org/presentationml/2006/main" xmlns:m="http://schemas.openxmlformats.org/officeDocument/2006/math" xmlns:w="http://schemas.openxmlformats.org/wordprocessingml/2006/main" showMasterPhAnim="0" show="1">
+  <p:cSld name="">
+    <p:bg>
+      <p:bgPr shadeToTitle="0">
+        <a:blipFill>
+          <a:blip r:embed="rId3">
+            <a:alphaModFix amt="23000"/>
+          </a:blip>
+          <a:stretch/>
+        </a:blipFill>
+      </p:bgPr>
+    </p:bg>
+    <p:spTree>
+      <p:nvGrpSpPr>
+        <p:cNvPr id="1" name=""/>
+        <p:cNvGrpSpPr/>
+        <p:nvPr/>
+      </p:nvGrpSpPr>
+      <p:grpSpPr bwMode="auto">
+        <a:xfrm>
+          <a:off x="0" y="0"/>
+          <a:ext cx="0" cy="0"/>
+          <a:chOff x="0" y="0"/>
+          <a:chExt cx="0" cy="0"/>
+        </a:xfrm>
+      </p:grpSpPr>
+      <p:sp>
+        <p:nvSpPr>
+          <p:cNvPr id="52277493" name="Tytuł 1"/>
+          <p:cNvSpPr>
+            <a:spLocks noGrp="1"/>
+          </p:cNvSpPr>
+          <p:nvPr>
+            <p:ph type="title"/>
+          </p:nvPr>
+        </p:nvSpPr>
+        <p:spPr bwMode="auto">
+          <a:xfrm flipH="0" flipV="0">
+            <a:off x="838198" y="365123"/>
+            <a:ext cx="10263641" cy="1325561"/>
+          </a:xfrm>
+        </p:spPr>
+        <p:txBody>
+          <a:bodyPr/>
+          <a:lstStyle/>
+          <a:p>
+            <a:pPr>
+              <a:defRPr/>
+            </a:pPr>
+            <a:r>
+              <a:rPr/>
+              <a:t>Wzorce</a:t>
+            </a:r>
+            <a:endParaRPr/>
+          </a:p>
+        </p:txBody>
+      </p:sp>
+      <p:sp>
+        <p:nvSpPr>
+          <p:cNvPr id="544953857" name="Symbol zastępczy zawartości 2"/>
+          <p:cNvSpPr>
+            <a:spLocks noGrp="1"/>
+          </p:cNvSpPr>
+          <p:nvPr>
+            <p:ph idx="1"/>
+          </p:nvPr>
+        </p:nvSpPr>
+        <p:spPr bwMode="auto">
+          <a:xfrm flipH="0" flipV="0">
+            <a:off x="838198" y="1753198"/>
+            <a:ext cx="10263641" cy="4562471"/>
+          </a:xfrm>
+        </p:spPr>
+        <p:txBody>
+          <a:bodyPr/>
+          <a:lstStyle/>
+          <a:p>
+            <a:pPr>
+              <a:defRPr/>
+            </a:pPr>
+            <a:endParaRPr/>
+          </a:p>
+        </p:txBody>
+      </p:sp>
+    </p:spTree>
+  </p:cSld>
+  <p:clrMapOvr>
+    <a:masterClrMapping/>
+  </p:clrMapOvr>
+  <mc:AlternateContent xmlns:mc="http://schemas.openxmlformats.org/markup-compatibility/2006">
+    <mc:Choice xmlns:p159="http://schemas.microsoft.com/office/powerpoint/2015/09/main" xmlns:p14="http://schemas.microsoft.com/office/powerpoint/2010/main" Requires="p159">
+      <p:transition p14:dur="2000" advClick="1"/>
+    </mc:Choice>
+    <mc:Fallback>
+      <p:transition advClick="1"/>
+    </mc:Fallback>
+  </mc:AlternateContent>
+</p:sld>
+</file>
+
+<file path=ppt/slides/slide44.xml><?xml version="1.0" encoding="utf-8"?>
+<p:sld xmlns:a="http://schemas.openxmlformats.org/drawingml/2006/main" xmlns:r="http://schemas.openxmlformats.org/officeDocument/2006/relationships" xmlns:p="http://schemas.openxmlformats.org/presentationml/2006/main" xmlns:m="http://schemas.openxmlformats.org/officeDocument/2006/math" xmlns:w="http://schemas.openxmlformats.org/wordprocessingml/2006/main" showMasterPhAnim="0" show="1">
+  <p:cSld name="">
+    <p:bg>
+      <p:bgPr shadeToTitle="0">
+        <a:blipFill>
+          <a:blip r:embed="rId3">
+            <a:alphaModFix amt="23000"/>
+          </a:blip>
+          <a:stretch/>
+        </a:blipFill>
+      </p:bgPr>
+    </p:bg>
+    <p:spTree>
+      <p:nvGrpSpPr>
+        <p:cNvPr id="1" name=""/>
+        <p:cNvGrpSpPr/>
+        <p:nvPr/>
+      </p:nvGrpSpPr>
+      <p:grpSpPr bwMode="auto">
+        <a:xfrm>
+          <a:off x="0" y="0"/>
+          <a:ext cx="0" cy="0"/>
+          <a:chOff x="0" y="0"/>
+          <a:chExt cx="0" cy="0"/>
+        </a:xfrm>
+      </p:grpSpPr>
+      <p:sp>
+        <p:nvSpPr>
+          <p:cNvPr id="531730745" name="Tytuł 1"/>
+          <p:cNvSpPr>
+            <a:spLocks noGrp="1"/>
+          </p:cNvSpPr>
+          <p:nvPr>
+            <p:ph type="title"/>
+          </p:nvPr>
+        </p:nvSpPr>
+        <p:spPr bwMode="auto">
+          <a:xfrm flipH="0" flipV="0">
+            <a:off x="838198" y="365123"/>
+            <a:ext cx="10263641" cy="1325561"/>
+          </a:xfrm>
+        </p:spPr>
+        <p:txBody>
+          <a:bodyPr/>
+          <a:lstStyle/>
+          <a:p>
+            <a:pPr>
+              <a:defRPr/>
+            </a:pPr>
+            <a:r>
+              <a:rPr/>
+              <a:t>Wzorce</a:t>
+            </a:r>
+            <a:endParaRPr/>
+          </a:p>
+        </p:txBody>
+      </p:sp>
+      <p:sp>
+        <p:nvSpPr>
+          <p:cNvPr id="39955308" name="Symbol zastępczy zawartości 2"/>
+          <p:cNvSpPr>
+            <a:spLocks noGrp="1"/>
+          </p:cNvSpPr>
+          <p:nvPr>
+            <p:ph idx="1"/>
+          </p:nvPr>
+        </p:nvSpPr>
+        <p:spPr bwMode="auto">
+          <a:xfrm flipH="0" flipV="0">
+            <a:off x="838198" y="1753198"/>
+            <a:ext cx="10263641" cy="4562471"/>
+          </a:xfrm>
+        </p:spPr>
+        <p:txBody>
+          <a:bodyPr/>
+          <a:lstStyle/>
+          <a:p>
+            <a:pPr>
+              <a:defRPr/>
+            </a:pPr>
+            <a:endParaRPr/>
+          </a:p>
+        </p:txBody>
+      </p:sp>
+    </p:spTree>
+  </p:cSld>
+  <p:clrMapOvr>
+    <a:masterClrMapping/>
+  </p:clrMapOvr>
+  <mc:AlternateContent xmlns:mc="http://schemas.openxmlformats.org/markup-compatibility/2006">
+    <mc:Choice xmlns:p159="http://schemas.microsoft.com/office/powerpoint/2015/09/main" xmlns:p14="http://schemas.microsoft.com/office/powerpoint/2010/main" Requires="p159">
+      <p:transition p14:dur="2000" advClick="1"/>
+    </mc:Choice>
+    <mc:Fallback>
+      <p:transition advClick="1"/>
+    </mc:Fallback>
+  </mc:AlternateContent>
+</p:sld>
+</file>
+
+<file path=ppt/slides/slide45.xml><?xml version="1.0" encoding="utf-8"?>
+<p:sld xmlns:a="http://schemas.openxmlformats.org/drawingml/2006/main" xmlns:r="http://schemas.openxmlformats.org/officeDocument/2006/relationships" xmlns:p="http://schemas.openxmlformats.org/presentationml/2006/main" xmlns:m="http://schemas.openxmlformats.org/officeDocument/2006/math" xmlns:w="http://schemas.openxmlformats.org/wordprocessingml/2006/main" showMasterPhAnim="0" show="1">
+  <p:cSld name="">
+    <p:bg>
+      <p:bgPr shadeToTitle="0">
+        <a:blipFill>
+          <a:blip r:embed="rId3">
+            <a:alphaModFix amt="23000"/>
+          </a:blip>
+          <a:stretch/>
+        </a:blipFill>
+      </p:bgPr>
+    </p:bg>
+    <p:spTree>
+      <p:nvGrpSpPr>
+        <p:cNvPr id="1" name=""/>
+        <p:cNvGrpSpPr/>
+        <p:nvPr/>
+      </p:nvGrpSpPr>
+      <p:grpSpPr bwMode="auto">
+        <a:xfrm>
+          <a:off x="0" y="0"/>
+          <a:ext cx="0" cy="0"/>
+          <a:chOff x="0" y="0"/>
+          <a:chExt cx="0" cy="0"/>
+        </a:xfrm>
+      </p:grpSpPr>
+      <p:sp>
+        <p:nvSpPr>
+          <p:cNvPr id="1608925591" name="Tytuł 1"/>
+          <p:cNvSpPr>
+            <a:spLocks noGrp="1"/>
+          </p:cNvSpPr>
+          <p:nvPr>
+            <p:ph type="title"/>
+          </p:nvPr>
+        </p:nvSpPr>
+        <p:spPr bwMode="auto">
+          <a:xfrm flipH="0" flipV="0">
+            <a:off x="838198" y="365123"/>
+            <a:ext cx="10263641" cy="1325561"/>
+          </a:xfrm>
+        </p:spPr>
+        <p:txBody>
+          <a:bodyPr/>
+          <a:lstStyle/>
+          <a:p>
+            <a:pPr>
+              <a:defRPr/>
+            </a:pPr>
+            <a:r>
+              <a:rPr/>
+              <a:t>Wzorce</a:t>
+            </a:r>
+            <a:endParaRPr/>
+          </a:p>
+        </p:txBody>
+      </p:sp>
+      <p:sp>
+        <p:nvSpPr>
+          <p:cNvPr id="932333383" name="Symbol zastępczy zawartości 2"/>
+          <p:cNvSpPr>
+            <a:spLocks noGrp="1"/>
+          </p:cNvSpPr>
+          <p:nvPr>
+            <p:ph idx="1"/>
+          </p:nvPr>
+        </p:nvSpPr>
+        <p:spPr bwMode="auto">
+          <a:xfrm flipH="0" flipV="0">
+            <a:off x="838198" y="1753198"/>
+            <a:ext cx="10263641" cy="4562471"/>
+          </a:xfrm>
+        </p:spPr>
+        <p:txBody>
+          <a:bodyPr/>
+          <a:lstStyle/>
+          <a:p>
+            <a:pPr>
+              <a:defRPr/>
+            </a:pPr>
+            <a:endParaRPr/>
+          </a:p>
+        </p:txBody>
+      </p:sp>
     </p:spTree>
   </p:cSld>
   <p:clrMapOvr>

--- a/prezentacje/Prezentacja2.pptx
+++ b/prezentacje/Prezentacja2.pptx
@@ -5,7 +5,7 @@
     <p:sldMasterId id="2147483648" r:id="rId1"/>
   </p:sldMasterIdLst>
   <p:notesMasterIdLst>
-    <p:notesMasterId r:id="rId49"/>
+    <p:notesMasterId r:id="rId46"/>
   </p:notesMasterIdLst>
   <p:sldIdLst>
     <p:sldId id="256" r:id="rId4"/>
@@ -50,9 +50,6 @@
     <p:sldId id="295" r:id="rId43"/>
     <p:sldId id="296" r:id="rId44"/>
     <p:sldId id="297" r:id="rId45"/>
-    <p:sldId id="298" r:id="rId46"/>
-    <p:sldId id="299" r:id="rId47"/>
-    <p:sldId id="300" r:id="rId48"/>
   </p:sldIdLst>
   <p:sldSz cx="12192000" cy="6858000"/>
   <p:notesSz cx="6858000" cy="9144000"/>
@@ -3846,276 +3843,6 @@
               <a:defRPr/>
             </a:pPr>
             <a:fld id="{EBD1830E-A501-C140-E2C4-359FAA0C4627}" type="slidenum">
-              <a:rPr lang="pl-PL"/>
-              <a:t/>
-            </a:fld>
-            <a:endParaRPr lang="pl-PL"/>
-          </a:p>
-        </p:txBody>
-      </p:sp>
-    </p:spTree>
-  </p:cSld>
-</p:notes>
-</file>
-
-<file path=ppt/notesSlides/notesSlide43.xml><?xml version="1.0" encoding="utf-8"?>
-<p:notes xmlns:a="http://schemas.openxmlformats.org/drawingml/2006/main" xmlns:r="http://schemas.openxmlformats.org/officeDocument/2006/relationships" xmlns:p="http://schemas.openxmlformats.org/presentationml/2006/main" xmlns:m="http://schemas.openxmlformats.org/officeDocument/2006/math" xmlns:w="http://schemas.openxmlformats.org/wordprocessingml/2006/main">
-  <p:cSld name="">
-    <p:spTree>
-      <p:nvGrpSpPr>
-        <p:cNvPr id="1" name=""/>
-        <p:cNvGrpSpPr/>
-        <p:nvPr/>
-      </p:nvGrpSpPr>
-      <p:grpSpPr bwMode="auto">
-        <a:xfrm>
-          <a:off x="0" y="0"/>
-          <a:ext cx="0" cy="0"/>
-          <a:chOff x="0" y="0"/>
-          <a:chExt cx="0" cy="0"/>
-        </a:xfrm>
-      </p:grpSpPr>
-      <p:sp>
-        <p:nvSpPr>
-          <p:cNvPr id="429326345" name="Symbol zastępczy obrazu slajdu 1"/>
-          <p:cNvSpPr>
-            <a:spLocks noChangeAspect="1" noGrp="1" noRot="1"/>
-          </p:cNvSpPr>
-          <p:nvPr>
-            <p:ph type="sldImg"/>
-          </p:nvPr>
-        </p:nvSpPr>
-        <p:spPr bwMode="auto">
-          <a:xfrm>
-            <a:off x="685800" y="1143000"/>
-            <a:ext cx="5486400" cy="3086100"/>
-          </a:xfrm>
-        </p:spPr>
-      </p:sp>
-      <p:sp>
-        <p:nvSpPr>
-          <p:cNvPr id="118943553" name="Notatki Symbol zastępczy 2"/>
-          <p:cNvSpPr>
-            <a:spLocks noGrp="1"/>
-          </p:cNvSpPr>
-          <p:nvPr>
-            <p:ph type="body" idx="1"/>
-          </p:nvPr>
-        </p:nvSpPr>
-        <p:spPr bwMode="auto"/>
-        <p:txBody>
-          <a:bodyPr/>
-          <a:lstStyle/>
-          <a:p>
-            <a:pPr>
-              <a:defRPr/>
-            </a:pPr>
-            <a:endParaRPr lang="pl-PL">
-              <a:latin typeface="Arial"/>
-              <a:cs typeface="Arial"/>
-            </a:endParaRPr>
-          </a:p>
-        </p:txBody>
-      </p:sp>
-      <p:sp>
-        <p:nvSpPr>
-          <p:cNvPr id="539380241" name="Symbol zastępczy numeru slajdu 3"/>
-          <p:cNvSpPr>
-            <a:spLocks noGrp="1"/>
-          </p:cNvSpPr>
-          <p:nvPr>
-            <p:ph type="sldNum" sz="quarter" idx="10"/>
-          </p:nvPr>
-        </p:nvSpPr>
-        <p:spPr bwMode="auto"/>
-        <p:txBody>
-          <a:bodyPr/>
-          <a:lstStyle/>
-          <a:p>
-            <a:pPr>
-              <a:defRPr/>
-            </a:pPr>
-            <a:fld id="{BA21D176-1E4B-45EC-8359-679C20D6A75E}" type="slidenum">
-              <a:rPr lang="pl-PL"/>
-              <a:t/>
-            </a:fld>
-            <a:endParaRPr lang="pl-PL"/>
-          </a:p>
-        </p:txBody>
-      </p:sp>
-    </p:spTree>
-  </p:cSld>
-</p:notes>
-</file>
-
-<file path=ppt/notesSlides/notesSlide44.xml><?xml version="1.0" encoding="utf-8"?>
-<p:notes xmlns:a="http://schemas.openxmlformats.org/drawingml/2006/main" xmlns:r="http://schemas.openxmlformats.org/officeDocument/2006/relationships" xmlns:p="http://schemas.openxmlformats.org/presentationml/2006/main" xmlns:m="http://schemas.openxmlformats.org/officeDocument/2006/math" xmlns:w="http://schemas.openxmlformats.org/wordprocessingml/2006/main">
-  <p:cSld name="">
-    <p:spTree>
-      <p:nvGrpSpPr>
-        <p:cNvPr id="1" name=""/>
-        <p:cNvGrpSpPr/>
-        <p:nvPr/>
-      </p:nvGrpSpPr>
-      <p:grpSpPr bwMode="auto">
-        <a:xfrm>
-          <a:off x="0" y="0"/>
-          <a:ext cx="0" cy="0"/>
-          <a:chOff x="0" y="0"/>
-          <a:chExt cx="0" cy="0"/>
-        </a:xfrm>
-      </p:grpSpPr>
-      <p:sp>
-        <p:nvSpPr>
-          <p:cNvPr id="439148" name="Symbol zastępczy obrazu slajdu 1"/>
-          <p:cNvSpPr>
-            <a:spLocks noChangeAspect="1" noGrp="1" noRot="1"/>
-          </p:cNvSpPr>
-          <p:nvPr>
-            <p:ph type="sldImg"/>
-          </p:nvPr>
-        </p:nvSpPr>
-        <p:spPr bwMode="auto">
-          <a:xfrm>
-            <a:off x="685800" y="1143000"/>
-            <a:ext cx="5486400" cy="3086100"/>
-          </a:xfrm>
-        </p:spPr>
-      </p:sp>
-      <p:sp>
-        <p:nvSpPr>
-          <p:cNvPr id="1803674077" name="Notatki Symbol zastępczy 2"/>
-          <p:cNvSpPr>
-            <a:spLocks noGrp="1"/>
-          </p:cNvSpPr>
-          <p:nvPr>
-            <p:ph type="body" idx="1"/>
-          </p:nvPr>
-        </p:nvSpPr>
-        <p:spPr bwMode="auto"/>
-        <p:txBody>
-          <a:bodyPr/>
-          <a:lstStyle/>
-          <a:p>
-            <a:pPr>
-              <a:defRPr/>
-            </a:pPr>
-            <a:endParaRPr lang="pl-PL">
-              <a:latin typeface="Arial"/>
-              <a:cs typeface="Arial"/>
-            </a:endParaRPr>
-          </a:p>
-        </p:txBody>
-      </p:sp>
-      <p:sp>
-        <p:nvSpPr>
-          <p:cNvPr id="839346151" name="Symbol zastępczy numeru slajdu 3"/>
-          <p:cNvSpPr>
-            <a:spLocks noGrp="1"/>
-          </p:cNvSpPr>
-          <p:nvPr>
-            <p:ph type="sldNum" sz="quarter" idx="10"/>
-          </p:nvPr>
-        </p:nvSpPr>
-        <p:spPr bwMode="auto"/>
-        <p:txBody>
-          <a:bodyPr/>
-          <a:lstStyle/>
-          <a:p>
-            <a:pPr>
-              <a:defRPr/>
-            </a:pPr>
-            <a:fld id="{48287777-01E6-378A-65F9-03215F02A97F}" type="slidenum">
-              <a:rPr lang="pl-PL"/>
-              <a:t/>
-            </a:fld>
-            <a:endParaRPr lang="pl-PL"/>
-          </a:p>
-        </p:txBody>
-      </p:sp>
-    </p:spTree>
-  </p:cSld>
-</p:notes>
-</file>
-
-<file path=ppt/notesSlides/notesSlide45.xml><?xml version="1.0" encoding="utf-8"?>
-<p:notes xmlns:a="http://schemas.openxmlformats.org/drawingml/2006/main" xmlns:r="http://schemas.openxmlformats.org/officeDocument/2006/relationships" xmlns:p="http://schemas.openxmlformats.org/presentationml/2006/main" xmlns:m="http://schemas.openxmlformats.org/officeDocument/2006/math" xmlns:w="http://schemas.openxmlformats.org/wordprocessingml/2006/main">
-  <p:cSld name="">
-    <p:spTree>
-      <p:nvGrpSpPr>
-        <p:cNvPr id="1" name=""/>
-        <p:cNvGrpSpPr/>
-        <p:nvPr/>
-      </p:nvGrpSpPr>
-      <p:grpSpPr bwMode="auto">
-        <a:xfrm>
-          <a:off x="0" y="0"/>
-          <a:ext cx="0" cy="0"/>
-          <a:chOff x="0" y="0"/>
-          <a:chExt cx="0" cy="0"/>
-        </a:xfrm>
-      </p:grpSpPr>
-      <p:sp>
-        <p:nvSpPr>
-          <p:cNvPr id="2096624108" name="Symbol zastępczy obrazu slajdu 1"/>
-          <p:cNvSpPr>
-            <a:spLocks noChangeAspect="1" noGrp="1" noRot="1"/>
-          </p:cNvSpPr>
-          <p:nvPr>
-            <p:ph type="sldImg"/>
-          </p:nvPr>
-        </p:nvSpPr>
-        <p:spPr bwMode="auto">
-          <a:xfrm>
-            <a:off x="685800" y="1143000"/>
-            <a:ext cx="5486400" cy="3086100"/>
-          </a:xfrm>
-        </p:spPr>
-      </p:sp>
-      <p:sp>
-        <p:nvSpPr>
-          <p:cNvPr id="1526865685" name="Notatki Symbol zastępczy 2"/>
-          <p:cNvSpPr>
-            <a:spLocks noGrp="1"/>
-          </p:cNvSpPr>
-          <p:nvPr>
-            <p:ph type="body" idx="1"/>
-          </p:nvPr>
-        </p:nvSpPr>
-        <p:spPr bwMode="auto"/>
-        <p:txBody>
-          <a:bodyPr/>
-          <a:lstStyle/>
-          <a:p>
-            <a:pPr>
-              <a:defRPr/>
-            </a:pPr>
-            <a:endParaRPr lang="pl-PL">
-              <a:latin typeface="Arial"/>
-              <a:cs typeface="Arial"/>
-            </a:endParaRPr>
-          </a:p>
-        </p:txBody>
-      </p:sp>
-      <p:sp>
-        <p:nvSpPr>
-          <p:cNvPr id="407026328" name="Symbol zastępczy numeru slajdu 3"/>
-          <p:cNvSpPr>
-            <a:spLocks noGrp="1"/>
-          </p:cNvSpPr>
-          <p:nvPr>
-            <p:ph type="sldNum" sz="quarter" idx="10"/>
-          </p:nvPr>
-        </p:nvSpPr>
-        <p:spPr bwMode="auto"/>
-        <p:txBody>
-          <a:bodyPr/>
-          <a:lstStyle/>
-          <a:p>
-            <a:pPr>
-              <a:defRPr/>
-            </a:pPr>
-            <a:fld id="{A734036E-F7F9-E94B-53C9-2B071CBDB52A}" type="slidenum">
               <a:rPr lang="pl-PL"/>
               <a:t/>
             </a:fld>
@@ -8697,7 +8424,7 @@
         <p:spPr bwMode="auto">
           <a:xfrm flipH="0" flipV="0">
             <a:off x="778965" y="6113664"/>
-            <a:ext cx="5634160" cy="640440"/>
+            <a:ext cx="5634159" cy="640440"/>
           </a:xfrm>
           <a:prstGeom prst="rect">
             <a:avLst/>
@@ -9122,7 +8849,7 @@
         </p:nvSpPr>
         <p:spPr bwMode="auto">
           <a:xfrm flipH="0" flipV="0">
-            <a:off x="2224306" y="2866159"/>
+            <a:off x="2224306" y="2866158"/>
             <a:ext cx="7743387" cy="1189079"/>
           </a:xfrm>
           <a:prstGeom prst="rect">
@@ -9234,7 +8961,7 @@
         <p:spPr bwMode="auto">
           <a:xfrm flipH="0" flipV="0">
             <a:off x="864575" y="2476498"/>
-            <a:ext cx="10462844" cy="2909453"/>
+            <a:ext cx="10462844" cy="2909452"/>
           </a:xfrm>
           <a:prstGeom prst="rect">
             <a:avLst/>
@@ -10866,7 +10593,7 @@
         </p:nvSpPr>
         <p:spPr bwMode="auto">
           <a:xfrm flipH="0" flipV="0">
-            <a:off x="2224306" y="2866159"/>
+            <a:off x="2224306" y="2866158"/>
             <a:ext cx="7743387" cy="1189079"/>
           </a:xfrm>
           <a:prstGeom prst="rect">
@@ -11069,7 +10796,7 @@
         </p:nvPicPr>
         <p:blipFill>
           <a:blip r:embed="rId4"/>
-          <a:srcRect l="21479" t="2722" r="1950" b="3231"/>
+          <a:srcRect l="21479" t="2722" r="1950" b="3230"/>
           <a:stretch/>
         </p:blipFill>
         <p:spPr bwMode="auto">
@@ -11805,7 +11532,7 @@
         <p:spPr bwMode="auto">
           <a:xfrm flipH="0" flipV="0">
             <a:off x="2071203" y="2147454"/>
-            <a:ext cx="7797632" cy="3058390"/>
+            <a:ext cx="7797631" cy="3058390"/>
           </a:xfrm>
           <a:prstGeom prst="rect">
             <a:avLst/>
@@ -11922,7 +11649,7 @@
         </p:blipFill>
         <p:spPr bwMode="auto">
           <a:xfrm flipH="0" flipV="0">
-            <a:off x="6589568" y="1818408"/>
+            <a:off x="6589567" y="1818408"/>
             <a:ext cx="5149157" cy="3749386"/>
           </a:xfrm>
           <a:prstGeom prst="rect">
@@ -13022,7 +12749,7 @@
         </p:blipFill>
         <p:spPr bwMode="auto">
           <a:xfrm flipH="0" flipV="0">
-            <a:off x="6589568" y="2415886"/>
+            <a:off x="6589567" y="2415886"/>
             <a:ext cx="4181377" cy="3386570"/>
           </a:xfrm>
           <a:prstGeom prst="rect">
@@ -13170,309 +12897,6 @@
           </a:prstGeom>
         </p:spPr>
       </p:pic>
-    </p:spTree>
-  </p:cSld>
-  <p:clrMapOvr>
-    <a:masterClrMapping/>
-  </p:clrMapOvr>
-  <mc:AlternateContent xmlns:mc="http://schemas.openxmlformats.org/markup-compatibility/2006">
-    <mc:Choice xmlns:p159="http://schemas.microsoft.com/office/powerpoint/2015/09/main" xmlns:p14="http://schemas.microsoft.com/office/powerpoint/2010/main" Requires="p159">
-      <p:transition p14:dur="2000" advClick="1"/>
-    </mc:Choice>
-    <mc:Fallback>
-      <p:transition advClick="1"/>
-    </mc:Fallback>
-  </mc:AlternateContent>
-</p:sld>
-</file>
-
-<file path=ppt/slides/slide43.xml><?xml version="1.0" encoding="utf-8"?>
-<p:sld xmlns:a="http://schemas.openxmlformats.org/drawingml/2006/main" xmlns:r="http://schemas.openxmlformats.org/officeDocument/2006/relationships" xmlns:p="http://schemas.openxmlformats.org/presentationml/2006/main" xmlns:m="http://schemas.openxmlformats.org/officeDocument/2006/math" xmlns:w="http://schemas.openxmlformats.org/wordprocessingml/2006/main" showMasterPhAnim="0" show="1">
-  <p:cSld name="">
-    <p:bg>
-      <p:bgPr shadeToTitle="0">
-        <a:blipFill>
-          <a:blip r:embed="rId3">
-            <a:alphaModFix amt="23000"/>
-          </a:blip>
-          <a:stretch/>
-        </a:blipFill>
-      </p:bgPr>
-    </p:bg>
-    <p:spTree>
-      <p:nvGrpSpPr>
-        <p:cNvPr id="1" name=""/>
-        <p:cNvGrpSpPr/>
-        <p:nvPr/>
-      </p:nvGrpSpPr>
-      <p:grpSpPr bwMode="auto">
-        <a:xfrm>
-          <a:off x="0" y="0"/>
-          <a:ext cx="0" cy="0"/>
-          <a:chOff x="0" y="0"/>
-          <a:chExt cx="0" cy="0"/>
-        </a:xfrm>
-      </p:grpSpPr>
-      <p:sp>
-        <p:nvSpPr>
-          <p:cNvPr id="52277493" name="Tytuł 1"/>
-          <p:cNvSpPr>
-            <a:spLocks noGrp="1"/>
-          </p:cNvSpPr>
-          <p:nvPr>
-            <p:ph type="title"/>
-          </p:nvPr>
-        </p:nvSpPr>
-        <p:spPr bwMode="auto">
-          <a:xfrm flipH="0" flipV="0">
-            <a:off x="838198" y="365123"/>
-            <a:ext cx="10263641" cy="1325561"/>
-          </a:xfrm>
-        </p:spPr>
-        <p:txBody>
-          <a:bodyPr/>
-          <a:lstStyle/>
-          <a:p>
-            <a:pPr>
-              <a:defRPr/>
-            </a:pPr>
-            <a:r>
-              <a:rPr/>
-              <a:t>Wzorce</a:t>
-            </a:r>
-            <a:endParaRPr/>
-          </a:p>
-        </p:txBody>
-      </p:sp>
-      <p:sp>
-        <p:nvSpPr>
-          <p:cNvPr id="544953857" name="Symbol zastępczy zawartości 2"/>
-          <p:cNvSpPr>
-            <a:spLocks noGrp="1"/>
-          </p:cNvSpPr>
-          <p:nvPr>
-            <p:ph idx="1"/>
-          </p:nvPr>
-        </p:nvSpPr>
-        <p:spPr bwMode="auto">
-          <a:xfrm flipH="0" flipV="0">
-            <a:off x="838198" y="1753198"/>
-            <a:ext cx="10263641" cy="4562471"/>
-          </a:xfrm>
-        </p:spPr>
-        <p:txBody>
-          <a:bodyPr/>
-          <a:lstStyle/>
-          <a:p>
-            <a:pPr>
-              <a:defRPr/>
-            </a:pPr>
-            <a:endParaRPr/>
-          </a:p>
-        </p:txBody>
-      </p:sp>
-    </p:spTree>
-  </p:cSld>
-  <p:clrMapOvr>
-    <a:masterClrMapping/>
-  </p:clrMapOvr>
-  <mc:AlternateContent xmlns:mc="http://schemas.openxmlformats.org/markup-compatibility/2006">
-    <mc:Choice xmlns:p159="http://schemas.microsoft.com/office/powerpoint/2015/09/main" xmlns:p14="http://schemas.microsoft.com/office/powerpoint/2010/main" Requires="p159">
-      <p:transition p14:dur="2000" advClick="1"/>
-    </mc:Choice>
-    <mc:Fallback>
-      <p:transition advClick="1"/>
-    </mc:Fallback>
-  </mc:AlternateContent>
-</p:sld>
-</file>
-
-<file path=ppt/slides/slide44.xml><?xml version="1.0" encoding="utf-8"?>
-<p:sld xmlns:a="http://schemas.openxmlformats.org/drawingml/2006/main" xmlns:r="http://schemas.openxmlformats.org/officeDocument/2006/relationships" xmlns:p="http://schemas.openxmlformats.org/presentationml/2006/main" xmlns:m="http://schemas.openxmlformats.org/officeDocument/2006/math" xmlns:w="http://schemas.openxmlformats.org/wordprocessingml/2006/main" showMasterPhAnim="0" show="1">
-  <p:cSld name="">
-    <p:bg>
-      <p:bgPr shadeToTitle="0">
-        <a:blipFill>
-          <a:blip r:embed="rId3">
-            <a:alphaModFix amt="23000"/>
-          </a:blip>
-          <a:stretch/>
-        </a:blipFill>
-      </p:bgPr>
-    </p:bg>
-    <p:spTree>
-      <p:nvGrpSpPr>
-        <p:cNvPr id="1" name=""/>
-        <p:cNvGrpSpPr/>
-        <p:nvPr/>
-      </p:nvGrpSpPr>
-      <p:grpSpPr bwMode="auto">
-        <a:xfrm>
-          <a:off x="0" y="0"/>
-          <a:ext cx="0" cy="0"/>
-          <a:chOff x="0" y="0"/>
-          <a:chExt cx="0" cy="0"/>
-        </a:xfrm>
-      </p:grpSpPr>
-      <p:sp>
-        <p:nvSpPr>
-          <p:cNvPr id="531730745" name="Tytuł 1"/>
-          <p:cNvSpPr>
-            <a:spLocks noGrp="1"/>
-          </p:cNvSpPr>
-          <p:nvPr>
-            <p:ph type="title"/>
-          </p:nvPr>
-        </p:nvSpPr>
-        <p:spPr bwMode="auto">
-          <a:xfrm flipH="0" flipV="0">
-            <a:off x="838198" y="365123"/>
-            <a:ext cx="10263641" cy="1325561"/>
-          </a:xfrm>
-        </p:spPr>
-        <p:txBody>
-          <a:bodyPr/>
-          <a:lstStyle/>
-          <a:p>
-            <a:pPr>
-              <a:defRPr/>
-            </a:pPr>
-            <a:r>
-              <a:rPr/>
-              <a:t>Wzorce</a:t>
-            </a:r>
-            <a:endParaRPr/>
-          </a:p>
-        </p:txBody>
-      </p:sp>
-      <p:sp>
-        <p:nvSpPr>
-          <p:cNvPr id="39955308" name="Symbol zastępczy zawartości 2"/>
-          <p:cNvSpPr>
-            <a:spLocks noGrp="1"/>
-          </p:cNvSpPr>
-          <p:nvPr>
-            <p:ph idx="1"/>
-          </p:nvPr>
-        </p:nvSpPr>
-        <p:spPr bwMode="auto">
-          <a:xfrm flipH="0" flipV="0">
-            <a:off x="838198" y="1753198"/>
-            <a:ext cx="10263641" cy="4562471"/>
-          </a:xfrm>
-        </p:spPr>
-        <p:txBody>
-          <a:bodyPr/>
-          <a:lstStyle/>
-          <a:p>
-            <a:pPr>
-              <a:defRPr/>
-            </a:pPr>
-            <a:endParaRPr/>
-          </a:p>
-        </p:txBody>
-      </p:sp>
-    </p:spTree>
-  </p:cSld>
-  <p:clrMapOvr>
-    <a:masterClrMapping/>
-  </p:clrMapOvr>
-  <mc:AlternateContent xmlns:mc="http://schemas.openxmlformats.org/markup-compatibility/2006">
-    <mc:Choice xmlns:p159="http://schemas.microsoft.com/office/powerpoint/2015/09/main" xmlns:p14="http://schemas.microsoft.com/office/powerpoint/2010/main" Requires="p159">
-      <p:transition p14:dur="2000" advClick="1"/>
-    </mc:Choice>
-    <mc:Fallback>
-      <p:transition advClick="1"/>
-    </mc:Fallback>
-  </mc:AlternateContent>
-</p:sld>
-</file>
-
-<file path=ppt/slides/slide45.xml><?xml version="1.0" encoding="utf-8"?>
-<p:sld xmlns:a="http://schemas.openxmlformats.org/drawingml/2006/main" xmlns:r="http://schemas.openxmlformats.org/officeDocument/2006/relationships" xmlns:p="http://schemas.openxmlformats.org/presentationml/2006/main" xmlns:m="http://schemas.openxmlformats.org/officeDocument/2006/math" xmlns:w="http://schemas.openxmlformats.org/wordprocessingml/2006/main" showMasterPhAnim="0" show="1">
-  <p:cSld name="">
-    <p:bg>
-      <p:bgPr shadeToTitle="0">
-        <a:blipFill>
-          <a:blip r:embed="rId3">
-            <a:alphaModFix amt="23000"/>
-          </a:blip>
-          <a:stretch/>
-        </a:blipFill>
-      </p:bgPr>
-    </p:bg>
-    <p:spTree>
-      <p:nvGrpSpPr>
-        <p:cNvPr id="1" name=""/>
-        <p:cNvGrpSpPr/>
-        <p:nvPr/>
-      </p:nvGrpSpPr>
-      <p:grpSpPr bwMode="auto">
-        <a:xfrm>
-          <a:off x="0" y="0"/>
-          <a:ext cx="0" cy="0"/>
-          <a:chOff x="0" y="0"/>
-          <a:chExt cx="0" cy="0"/>
-        </a:xfrm>
-      </p:grpSpPr>
-      <p:sp>
-        <p:nvSpPr>
-          <p:cNvPr id="1608925591" name="Tytuł 1"/>
-          <p:cNvSpPr>
-            <a:spLocks noGrp="1"/>
-          </p:cNvSpPr>
-          <p:nvPr>
-            <p:ph type="title"/>
-          </p:nvPr>
-        </p:nvSpPr>
-        <p:spPr bwMode="auto">
-          <a:xfrm flipH="0" flipV="0">
-            <a:off x="838198" y="365123"/>
-            <a:ext cx="10263641" cy="1325561"/>
-          </a:xfrm>
-        </p:spPr>
-        <p:txBody>
-          <a:bodyPr/>
-          <a:lstStyle/>
-          <a:p>
-            <a:pPr>
-              <a:defRPr/>
-            </a:pPr>
-            <a:r>
-              <a:rPr/>
-              <a:t>Wzorce</a:t>
-            </a:r>
-            <a:endParaRPr/>
-          </a:p>
-        </p:txBody>
-      </p:sp>
-      <p:sp>
-        <p:nvSpPr>
-          <p:cNvPr id="932333383" name="Symbol zastępczy zawartości 2"/>
-          <p:cNvSpPr>
-            <a:spLocks noGrp="1"/>
-          </p:cNvSpPr>
-          <p:nvPr>
-            <p:ph idx="1"/>
-          </p:nvPr>
-        </p:nvSpPr>
-        <p:spPr bwMode="auto">
-          <a:xfrm flipH="0" flipV="0">
-            <a:off x="838198" y="1753198"/>
-            <a:ext cx="10263641" cy="4562471"/>
-          </a:xfrm>
-        </p:spPr>
-        <p:txBody>
-          <a:bodyPr/>
-          <a:lstStyle/>
-          <a:p>
-            <a:pPr>
-              <a:defRPr/>
-            </a:pPr>
-            <a:endParaRPr/>
-          </a:p>
-        </p:txBody>
-      </p:sp>
     </p:spTree>
   </p:cSld>
   <p:clrMapOvr>

--- a/prezentacje/Prezentacja2.pptx
+++ b/prezentacje/Prezentacja2.pptx
@@ -5,7 +5,7 @@
     <p:sldMasterId id="2147483648" r:id="rId1"/>
   </p:sldMasterIdLst>
   <p:notesMasterIdLst>
-    <p:notesMasterId r:id="rId46"/>
+    <p:notesMasterId r:id="rId52"/>
   </p:notesMasterIdLst>
   <p:sldIdLst>
     <p:sldId id="256" r:id="rId4"/>
@@ -50,6 +50,12 @@
     <p:sldId id="295" r:id="rId43"/>
     <p:sldId id="296" r:id="rId44"/>
     <p:sldId id="297" r:id="rId45"/>
+    <p:sldId id="298" r:id="rId46"/>
+    <p:sldId id="299" r:id="rId47"/>
+    <p:sldId id="300" r:id="rId48"/>
+    <p:sldId id="301" r:id="rId49"/>
+    <p:sldId id="302" r:id="rId50"/>
+    <p:sldId id="303" r:id="rId51"/>
   </p:sldIdLst>
   <p:sldSz cx="12192000" cy="6858000"/>
   <p:notesSz cx="6858000" cy="9144000"/>
@@ -3843,6 +3849,546 @@
               <a:defRPr/>
             </a:pPr>
             <a:fld id="{EBD1830E-A501-C140-E2C4-359FAA0C4627}" type="slidenum">
+              <a:rPr lang="pl-PL"/>
+              <a:t/>
+            </a:fld>
+            <a:endParaRPr lang="pl-PL"/>
+          </a:p>
+        </p:txBody>
+      </p:sp>
+    </p:spTree>
+  </p:cSld>
+</p:notes>
+</file>
+
+<file path=ppt/notesSlides/notesSlide43.xml><?xml version="1.0" encoding="utf-8"?>
+<p:notes xmlns:a="http://schemas.openxmlformats.org/drawingml/2006/main" xmlns:r="http://schemas.openxmlformats.org/officeDocument/2006/relationships" xmlns:p="http://schemas.openxmlformats.org/presentationml/2006/main" xmlns:m="http://schemas.openxmlformats.org/officeDocument/2006/math" xmlns:w="http://schemas.openxmlformats.org/wordprocessingml/2006/main">
+  <p:cSld name="">
+    <p:spTree>
+      <p:nvGrpSpPr>
+        <p:cNvPr id="1" name=""/>
+        <p:cNvGrpSpPr/>
+        <p:nvPr/>
+      </p:nvGrpSpPr>
+      <p:grpSpPr bwMode="auto">
+        <a:xfrm>
+          <a:off x="0" y="0"/>
+          <a:ext cx="0" cy="0"/>
+          <a:chOff x="0" y="0"/>
+          <a:chExt cx="0" cy="0"/>
+        </a:xfrm>
+      </p:grpSpPr>
+      <p:sp>
+        <p:nvSpPr>
+          <p:cNvPr id="276124999" name="Symbol zastępczy obrazu slajdu 1"/>
+          <p:cNvSpPr>
+            <a:spLocks noChangeAspect="1" noGrp="1" noRot="1"/>
+          </p:cNvSpPr>
+          <p:nvPr>
+            <p:ph type="sldImg"/>
+          </p:nvPr>
+        </p:nvSpPr>
+        <p:spPr bwMode="auto">
+          <a:xfrm>
+            <a:off x="685800" y="1143000"/>
+            <a:ext cx="5486400" cy="3086100"/>
+          </a:xfrm>
+        </p:spPr>
+      </p:sp>
+      <p:sp>
+        <p:nvSpPr>
+          <p:cNvPr id="19186471" name="Notatki Symbol zastępczy 2"/>
+          <p:cNvSpPr>
+            <a:spLocks noGrp="1"/>
+          </p:cNvSpPr>
+          <p:nvPr>
+            <p:ph type="body" idx="1"/>
+          </p:nvPr>
+        </p:nvSpPr>
+        <p:spPr bwMode="auto"/>
+        <p:txBody>
+          <a:bodyPr/>
+          <a:lstStyle/>
+          <a:p>
+            <a:pPr>
+              <a:defRPr/>
+            </a:pPr>
+            <a:endParaRPr lang="pl-PL">
+              <a:latin typeface="Arial"/>
+              <a:cs typeface="Arial"/>
+            </a:endParaRPr>
+          </a:p>
+        </p:txBody>
+      </p:sp>
+      <p:sp>
+        <p:nvSpPr>
+          <p:cNvPr id="496895622" name="Symbol zastępczy numeru slajdu 3"/>
+          <p:cNvSpPr>
+            <a:spLocks noGrp="1"/>
+          </p:cNvSpPr>
+          <p:nvPr>
+            <p:ph type="sldNum" sz="quarter" idx="10"/>
+          </p:nvPr>
+        </p:nvSpPr>
+        <p:spPr bwMode="auto"/>
+        <p:txBody>
+          <a:bodyPr/>
+          <a:lstStyle/>
+          <a:p>
+            <a:pPr>
+              <a:defRPr/>
+            </a:pPr>
+            <a:fld id="{7482308C-0190-ED09-E058-3246E2DBDBEC}" type="slidenum">
+              <a:rPr lang="pl-PL"/>
+              <a:t/>
+            </a:fld>
+            <a:endParaRPr lang="pl-PL"/>
+          </a:p>
+        </p:txBody>
+      </p:sp>
+    </p:spTree>
+  </p:cSld>
+</p:notes>
+</file>
+
+<file path=ppt/notesSlides/notesSlide44.xml><?xml version="1.0" encoding="utf-8"?>
+<p:notes xmlns:a="http://schemas.openxmlformats.org/drawingml/2006/main" xmlns:r="http://schemas.openxmlformats.org/officeDocument/2006/relationships" xmlns:p="http://schemas.openxmlformats.org/presentationml/2006/main" xmlns:m="http://schemas.openxmlformats.org/officeDocument/2006/math" xmlns:w="http://schemas.openxmlformats.org/wordprocessingml/2006/main">
+  <p:cSld name="">
+    <p:spTree>
+      <p:nvGrpSpPr>
+        <p:cNvPr id="1" name=""/>
+        <p:cNvGrpSpPr/>
+        <p:nvPr/>
+      </p:nvGrpSpPr>
+      <p:grpSpPr bwMode="auto">
+        <a:xfrm>
+          <a:off x="0" y="0"/>
+          <a:ext cx="0" cy="0"/>
+          <a:chOff x="0" y="0"/>
+          <a:chExt cx="0" cy="0"/>
+        </a:xfrm>
+      </p:grpSpPr>
+      <p:sp>
+        <p:nvSpPr>
+          <p:cNvPr id="235963864" name="Symbol zastępczy obrazu slajdu 1"/>
+          <p:cNvSpPr>
+            <a:spLocks noChangeAspect="1" noGrp="1" noRot="1"/>
+          </p:cNvSpPr>
+          <p:nvPr>
+            <p:ph type="sldImg"/>
+          </p:nvPr>
+        </p:nvSpPr>
+        <p:spPr bwMode="auto">
+          <a:xfrm>
+            <a:off x="685800" y="1143000"/>
+            <a:ext cx="5486400" cy="3086100"/>
+          </a:xfrm>
+        </p:spPr>
+      </p:sp>
+      <p:sp>
+        <p:nvSpPr>
+          <p:cNvPr id="1463381719" name="Notatki Symbol zastępczy 2"/>
+          <p:cNvSpPr>
+            <a:spLocks noGrp="1"/>
+          </p:cNvSpPr>
+          <p:nvPr>
+            <p:ph type="body" idx="1"/>
+          </p:nvPr>
+        </p:nvSpPr>
+        <p:spPr bwMode="auto"/>
+        <p:txBody>
+          <a:bodyPr/>
+          <a:lstStyle/>
+          <a:p>
+            <a:pPr>
+              <a:defRPr/>
+            </a:pPr>
+            <a:endParaRPr lang="pl-PL">
+              <a:latin typeface="Arial"/>
+              <a:cs typeface="Arial"/>
+            </a:endParaRPr>
+          </a:p>
+        </p:txBody>
+      </p:sp>
+      <p:sp>
+        <p:nvSpPr>
+          <p:cNvPr id="1156478515" name="Symbol zastępczy numeru slajdu 3"/>
+          <p:cNvSpPr>
+            <a:spLocks noGrp="1"/>
+          </p:cNvSpPr>
+          <p:nvPr>
+            <p:ph type="sldNum" sz="quarter" idx="10"/>
+          </p:nvPr>
+        </p:nvSpPr>
+        <p:spPr bwMode="auto"/>
+        <p:txBody>
+          <a:bodyPr/>
+          <a:lstStyle/>
+          <a:p>
+            <a:pPr>
+              <a:defRPr/>
+            </a:pPr>
+            <a:fld id="{8FCD7788-51F1-F0E6-9F3D-E06E527DE566}" type="slidenum">
+              <a:rPr lang="pl-PL"/>
+              <a:t/>
+            </a:fld>
+            <a:endParaRPr lang="pl-PL"/>
+          </a:p>
+        </p:txBody>
+      </p:sp>
+    </p:spTree>
+  </p:cSld>
+</p:notes>
+</file>
+
+<file path=ppt/notesSlides/notesSlide45.xml><?xml version="1.0" encoding="utf-8"?>
+<p:notes xmlns:a="http://schemas.openxmlformats.org/drawingml/2006/main" xmlns:r="http://schemas.openxmlformats.org/officeDocument/2006/relationships" xmlns:p="http://schemas.openxmlformats.org/presentationml/2006/main" xmlns:m="http://schemas.openxmlformats.org/officeDocument/2006/math" xmlns:w="http://schemas.openxmlformats.org/wordprocessingml/2006/main">
+  <p:cSld name="">
+    <p:spTree>
+      <p:nvGrpSpPr>
+        <p:cNvPr id="1" name=""/>
+        <p:cNvGrpSpPr/>
+        <p:nvPr/>
+      </p:nvGrpSpPr>
+      <p:grpSpPr bwMode="auto">
+        <a:xfrm>
+          <a:off x="0" y="0"/>
+          <a:ext cx="0" cy="0"/>
+          <a:chOff x="0" y="0"/>
+          <a:chExt cx="0" cy="0"/>
+        </a:xfrm>
+      </p:grpSpPr>
+      <p:sp>
+        <p:nvSpPr>
+          <p:cNvPr id="217134680" name="Symbol zastępczy obrazu slajdu 1"/>
+          <p:cNvSpPr>
+            <a:spLocks noChangeAspect="1" noGrp="1" noRot="1"/>
+          </p:cNvSpPr>
+          <p:nvPr>
+            <p:ph type="sldImg"/>
+          </p:nvPr>
+        </p:nvSpPr>
+        <p:spPr bwMode="auto">
+          <a:xfrm>
+            <a:off x="685800" y="1143000"/>
+            <a:ext cx="5486400" cy="3086100"/>
+          </a:xfrm>
+        </p:spPr>
+      </p:sp>
+      <p:sp>
+        <p:nvSpPr>
+          <p:cNvPr id="1002124785" name="Notatki Symbol zastępczy 2"/>
+          <p:cNvSpPr>
+            <a:spLocks noGrp="1"/>
+          </p:cNvSpPr>
+          <p:nvPr>
+            <p:ph type="body" idx="1"/>
+          </p:nvPr>
+        </p:nvSpPr>
+        <p:spPr bwMode="auto"/>
+        <p:txBody>
+          <a:bodyPr/>
+          <a:lstStyle/>
+          <a:p>
+            <a:pPr>
+              <a:defRPr/>
+            </a:pPr>
+            <a:endParaRPr lang="pl-PL">
+              <a:latin typeface="Arial"/>
+              <a:cs typeface="Arial"/>
+            </a:endParaRPr>
+          </a:p>
+        </p:txBody>
+      </p:sp>
+      <p:sp>
+        <p:nvSpPr>
+          <p:cNvPr id="692109994" name="Symbol zastępczy numeru slajdu 3"/>
+          <p:cNvSpPr>
+            <a:spLocks noGrp="1"/>
+          </p:cNvSpPr>
+          <p:nvPr>
+            <p:ph type="sldNum" sz="quarter" idx="10"/>
+          </p:nvPr>
+        </p:nvSpPr>
+        <p:spPr bwMode="auto"/>
+        <p:txBody>
+          <a:bodyPr/>
+          <a:lstStyle/>
+          <a:p>
+            <a:pPr>
+              <a:defRPr/>
+            </a:pPr>
+            <a:fld id="{436FEAFB-7625-D221-EB04-DD2772A991A7}" type="slidenum">
+              <a:rPr lang="pl-PL"/>
+              <a:t/>
+            </a:fld>
+            <a:endParaRPr lang="pl-PL"/>
+          </a:p>
+        </p:txBody>
+      </p:sp>
+    </p:spTree>
+  </p:cSld>
+</p:notes>
+</file>
+
+<file path=ppt/notesSlides/notesSlide46.xml><?xml version="1.0" encoding="utf-8"?>
+<p:notes xmlns:a="http://schemas.openxmlformats.org/drawingml/2006/main" xmlns:r="http://schemas.openxmlformats.org/officeDocument/2006/relationships" xmlns:p="http://schemas.openxmlformats.org/presentationml/2006/main" xmlns:m="http://schemas.openxmlformats.org/officeDocument/2006/math" xmlns:w="http://schemas.openxmlformats.org/wordprocessingml/2006/main">
+  <p:cSld name="">
+    <p:spTree>
+      <p:nvGrpSpPr>
+        <p:cNvPr id="1" name=""/>
+        <p:cNvGrpSpPr/>
+        <p:nvPr/>
+      </p:nvGrpSpPr>
+      <p:grpSpPr bwMode="auto">
+        <a:xfrm>
+          <a:off x="0" y="0"/>
+          <a:ext cx="0" cy="0"/>
+          <a:chOff x="0" y="0"/>
+          <a:chExt cx="0" cy="0"/>
+        </a:xfrm>
+      </p:grpSpPr>
+      <p:sp>
+        <p:nvSpPr>
+          <p:cNvPr id="1409176246" name="Symbol zastępczy obrazu slajdu 1"/>
+          <p:cNvSpPr>
+            <a:spLocks noChangeAspect="1" noGrp="1" noRot="1"/>
+          </p:cNvSpPr>
+          <p:nvPr>
+            <p:ph type="sldImg"/>
+          </p:nvPr>
+        </p:nvSpPr>
+        <p:spPr bwMode="auto">
+          <a:xfrm>
+            <a:off x="685800" y="1143000"/>
+            <a:ext cx="5486400" cy="3086100"/>
+          </a:xfrm>
+        </p:spPr>
+      </p:sp>
+      <p:sp>
+        <p:nvSpPr>
+          <p:cNvPr id="617231901" name="Notatki Symbol zastępczy 2"/>
+          <p:cNvSpPr>
+            <a:spLocks noGrp="1"/>
+          </p:cNvSpPr>
+          <p:nvPr>
+            <p:ph type="body" idx="1"/>
+          </p:nvPr>
+        </p:nvSpPr>
+        <p:spPr bwMode="auto"/>
+        <p:txBody>
+          <a:bodyPr/>
+          <a:lstStyle/>
+          <a:p>
+            <a:pPr>
+              <a:defRPr/>
+            </a:pPr>
+            <a:endParaRPr lang="pl-PL">
+              <a:latin typeface="Arial"/>
+              <a:cs typeface="Arial"/>
+            </a:endParaRPr>
+          </a:p>
+        </p:txBody>
+      </p:sp>
+      <p:sp>
+        <p:nvSpPr>
+          <p:cNvPr id="839518710" name="Symbol zastępczy numeru slajdu 3"/>
+          <p:cNvSpPr>
+            <a:spLocks noGrp="1"/>
+          </p:cNvSpPr>
+          <p:nvPr>
+            <p:ph type="sldNum" sz="quarter" idx="10"/>
+          </p:nvPr>
+        </p:nvSpPr>
+        <p:spPr bwMode="auto"/>
+        <p:txBody>
+          <a:bodyPr/>
+          <a:lstStyle/>
+          <a:p>
+            <a:pPr>
+              <a:defRPr/>
+            </a:pPr>
+            <a:fld id="{6127165C-D1E7-4109-8456-5EEBCC98B7C5}" type="slidenum">
+              <a:rPr lang="pl-PL"/>
+              <a:t/>
+            </a:fld>
+            <a:endParaRPr lang="pl-PL"/>
+          </a:p>
+        </p:txBody>
+      </p:sp>
+    </p:spTree>
+  </p:cSld>
+</p:notes>
+</file>
+
+<file path=ppt/notesSlides/notesSlide47.xml><?xml version="1.0" encoding="utf-8"?>
+<p:notes xmlns:a="http://schemas.openxmlformats.org/drawingml/2006/main" xmlns:r="http://schemas.openxmlformats.org/officeDocument/2006/relationships" xmlns:p="http://schemas.openxmlformats.org/presentationml/2006/main" xmlns:m="http://schemas.openxmlformats.org/officeDocument/2006/math" xmlns:w="http://schemas.openxmlformats.org/wordprocessingml/2006/main">
+  <p:cSld name="">
+    <p:spTree>
+      <p:nvGrpSpPr>
+        <p:cNvPr id="1" name=""/>
+        <p:cNvGrpSpPr/>
+        <p:nvPr/>
+      </p:nvGrpSpPr>
+      <p:grpSpPr bwMode="auto">
+        <a:xfrm>
+          <a:off x="0" y="0"/>
+          <a:ext cx="0" cy="0"/>
+          <a:chOff x="0" y="0"/>
+          <a:chExt cx="0" cy="0"/>
+        </a:xfrm>
+      </p:grpSpPr>
+      <p:sp>
+        <p:nvSpPr>
+          <p:cNvPr id="437208853" name="Symbol zastępczy obrazu slajdu 1"/>
+          <p:cNvSpPr>
+            <a:spLocks noChangeAspect="1" noGrp="1" noRot="1"/>
+          </p:cNvSpPr>
+          <p:nvPr>
+            <p:ph type="sldImg"/>
+          </p:nvPr>
+        </p:nvSpPr>
+        <p:spPr bwMode="auto">
+          <a:xfrm>
+            <a:off x="685800" y="1143000"/>
+            <a:ext cx="5486400" cy="3086100"/>
+          </a:xfrm>
+        </p:spPr>
+      </p:sp>
+      <p:sp>
+        <p:nvSpPr>
+          <p:cNvPr id="1802577604" name="Notatki Symbol zastępczy 2"/>
+          <p:cNvSpPr>
+            <a:spLocks noGrp="1"/>
+          </p:cNvSpPr>
+          <p:nvPr>
+            <p:ph type="body" idx="1"/>
+          </p:nvPr>
+        </p:nvSpPr>
+        <p:spPr bwMode="auto"/>
+        <p:txBody>
+          <a:bodyPr/>
+          <a:lstStyle/>
+          <a:p>
+            <a:pPr>
+              <a:defRPr/>
+            </a:pPr>
+            <a:endParaRPr lang="pl-PL">
+              <a:latin typeface="Arial"/>
+              <a:cs typeface="Arial"/>
+            </a:endParaRPr>
+          </a:p>
+        </p:txBody>
+      </p:sp>
+      <p:sp>
+        <p:nvSpPr>
+          <p:cNvPr id="1987178133" name="Symbol zastępczy numeru slajdu 3"/>
+          <p:cNvSpPr>
+            <a:spLocks noGrp="1"/>
+          </p:cNvSpPr>
+          <p:nvPr>
+            <p:ph type="sldNum" sz="quarter" idx="10"/>
+          </p:nvPr>
+        </p:nvSpPr>
+        <p:spPr bwMode="auto"/>
+        <p:txBody>
+          <a:bodyPr/>
+          <a:lstStyle/>
+          <a:p>
+            <a:pPr>
+              <a:defRPr/>
+            </a:pPr>
+            <a:fld id="{DFFB10B4-0903-1CDD-2FAB-5AA113B13803}" type="slidenum">
+              <a:rPr lang="pl-PL"/>
+              <a:t/>
+            </a:fld>
+            <a:endParaRPr lang="pl-PL"/>
+          </a:p>
+        </p:txBody>
+      </p:sp>
+    </p:spTree>
+  </p:cSld>
+</p:notes>
+</file>
+
+<file path=ppt/notesSlides/notesSlide48.xml><?xml version="1.0" encoding="utf-8"?>
+<p:notes xmlns:a="http://schemas.openxmlformats.org/drawingml/2006/main" xmlns:r="http://schemas.openxmlformats.org/officeDocument/2006/relationships" xmlns:p="http://schemas.openxmlformats.org/presentationml/2006/main" xmlns:m="http://schemas.openxmlformats.org/officeDocument/2006/math" xmlns:w="http://schemas.openxmlformats.org/wordprocessingml/2006/main">
+  <p:cSld name="">
+    <p:spTree>
+      <p:nvGrpSpPr>
+        <p:cNvPr id="1" name=""/>
+        <p:cNvGrpSpPr/>
+        <p:nvPr/>
+      </p:nvGrpSpPr>
+      <p:grpSpPr bwMode="auto">
+        <a:xfrm>
+          <a:off x="0" y="0"/>
+          <a:ext cx="0" cy="0"/>
+          <a:chOff x="0" y="0"/>
+          <a:chExt cx="0" cy="0"/>
+        </a:xfrm>
+      </p:grpSpPr>
+      <p:sp>
+        <p:nvSpPr>
+          <p:cNvPr id="350198532" name="Symbol zastępczy obrazu slajdu 1"/>
+          <p:cNvSpPr>
+            <a:spLocks noChangeAspect="1" noGrp="1" noRot="1"/>
+          </p:cNvSpPr>
+          <p:nvPr>
+            <p:ph type="sldImg"/>
+          </p:nvPr>
+        </p:nvSpPr>
+        <p:spPr bwMode="auto">
+          <a:xfrm>
+            <a:off x="685800" y="1143000"/>
+            <a:ext cx="5486400" cy="3086100"/>
+          </a:xfrm>
+        </p:spPr>
+      </p:sp>
+      <p:sp>
+        <p:nvSpPr>
+          <p:cNvPr id="746745204" name="Notatki Symbol zastępczy 2"/>
+          <p:cNvSpPr>
+            <a:spLocks noGrp="1"/>
+          </p:cNvSpPr>
+          <p:nvPr>
+            <p:ph type="body" idx="1"/>
+          </p:nvPr>
+        </p:nvSpPr>
+        <p:spPr bwMode="auto"/>
+        <p:txBody>
+          <a:bodyPr/>
+          <a:lstStyle/>
+          <a:p>
+            <a:pPr>
+              <a:defRPr/>
+            </a:pPr>
+            <a:endParaRPr lang="pl-PL">
+              <a:latin typeface="Arial"/>
+              <a:cs typeface="Arial"/>
+            </a:endParaRPr>
+          </a:p>
+        </p:txBody>
+      </p:sp>
+      <p:sp>
+        <p:nvSpPr>
+          <p:cNvPr id="1719565797" name="Symbol zastępczy numeru slajdu 3"/>
+          <p:cNvSpPr>
+            <a:spLocks noGrp="1"/>
+          </p:cNvSpPr>
+          <p:nvPr>
+            <p:ph type="sldNum" sz="quarter" idx="10"/>
+          </p:nvPr>
+        </p:nvSpPr>
+        <p:spPr bwMode="auto"/>
+        <p:txBody>
+          <a:bodyPr/>
+          <a:lstStyle/>
+          <a:p>
+            <a:pPr>
+              <a:defRPr/>
+            </a:pPr>
+            <a:fld id="{D19F0115-6BE2-0FD3-5287-90778E87A80F}" type="slidenum">
               <a:rPr lang="pl-PL"/>
               <a:t/>
             </a:fld>
@@ -12891,6 +13437,727 @@
           <a:xfrm flipH="0" flipV="0">
             <a:off x="787977" y="1996331"/>
             <a:ext cx="6832909" cy="3199122"/>
+          </a:xfrm>
+          <a:prstGeom prst="rect">
+            <a:avLst/>
+          </a:prstGeom>
+        </p:spPr>
+      </p:pic>
+    </p:spTree>
+  </p:cSld>
+  <p:clrMapOvr>
+    <a:masterClrMapping/>
+  </p:clrMapOvr>
+  <mc:AlternateContent xmlns:mc="http://schemas.openxmlformats.org/markup-compatibility/2006">
+    <mc:Choice xmlns:p159="http://schemas.microsoft.com/office/powerpoint/2015/09/main" xmlns:p14="http://schemas.microsoft.com/office/powerpoint/2010/main" Requires="p159">
+      <p:transition p14:dur="2000" advClick="1"/>
+    </mc:Choice>
+    <mc:Fallback>
+      <p:transition advClick="1"/>
+    </mc:Fallback>
+  </mc:AlternateContent>
+</p:sld>
+</file>
+
+<file path=ppt/slides/slide43.xml><?xml version="1.0" encoding="utf-8"?>
+<p:sld xmlns:a="http://schemas.openxmlformats.org/drawingml/2006/main" xmlns:r="http://schemas.openxmlformats.org/officeDocument/2006/relationships" xmlns:p="http://schemas.openxmlformats.org/presentationml/2006/main" xmlns:m="http://schemas.openxmlformats.org/officeDocument/2006/math" xmlns:w="http://schemas.openxmlformats.org/wordprocessingml/2006/main" showMasterPhAnim="0" show="1">
+  <p:cSld name="">
+    <p:bg>
+      <p:bgPr shadeToTitle="0">
+        <a:blipFill>
+          <a:blip r:embed="rId3">
+            <a:alphaModFix amt="23000"/>
+          </a:blip>
+          <a:stretch/>
+        </a:blipFill>
+      </p:bgPr>
+    </p:bg>
+    <p:spTree>
+      <p:nvGrpSpPr>
+        <p:cNvPr id="1" name=""/>
+        <p:cNvGrpSpPr/>
+        <p:nvPr/>
+      </p:nvGrpSpPr>
+      <p:grpSpPr bwMode="auto">
+        <a:xfrm>
+          <a:off x="0" y="0"/>
+          <a:ext cx="0" cy="0"/>
+          <a:chOff x="0" y="0"/>
+          <a:chExt cx="0" cy="0"/>
+        </a:xfrm>
+      </p:grpSpPr>
+      <p:sp>
+        <p:nvSpPr>
+          <p:cNvPr id="2088226789" name="Tytuł 1"/>
+          <p:cNvSpPr>
+            <a:spLocks noGrp="1"/>
+          </p:cNvSpPr>
+          <p:nvPr>
+            <p:ph type="title"/>
+          </p:nvPr>
+        </p:nvSpPr>
+        <p:spPr bwMode="auto"/>
+        <p:txBody>
+          <a:bodyPr/>
+          <a:lstStyle/>
+          <a:p>
+            <a:pPr>
+              <a:defRPr/>
+            </a:pPr>
+            <a:r>
+              <a:rPr/>
+              <a:t>Wskazówki</a:t>
+            </a:r>
+            <a:endParaRPr/>
+          </a:p>
+        </p:txBody>
+      </p:sp>
+      <p:sp>
+        <p:nvSpPr>
+          <p:cNvPr id="150569537" name="Symbol zastępczy zawartości 2"/>
+          <p:cNvSpPr>
+            <a:spLocks noGrp="1"/>
+          </p:cNvSpPr>
+          <p:nvPr>
+            <p:ph idx="1"/>
+          </p:nvPr>
+        </p:nvSpPr>
+        <p:spPr bwMode="auto"/>
+        <p:txBody>
+          <a:bodyPr/>
+          <a:lstStyle/>
+          <a:p>
+            <a:pPr>
+              <a:defRPr/>
+            </a:pPr>
+            <a:r>
+              <a:rPr/>
+              <a:t>Zadanie mamy praktycznie rozwiązane</a:t>
+            </a:r>
+            <a:endParaRPr/>
+          </a:p>
+          <a:p>
+            <a:pPr>
+              <a:defRPr/>
+            </a:pPr>
+            <a:r>
+              <a:rPr/>
+              <a:t>Problem: ciągi mogą być dowolnej długości</a:t>
+            </a:r>
+            <a:endParaRPr/>
+          </a:p>
+          <a:p>
+            <a:pPr>
+              <a:defRPr/>
+            </a:pPr>
+            <a:r>
+              <a:rPr/>
+              <a:t>Co charakteryzuje ciąg?</a:t>
+            </a:r>
+            <a:endParaRPr/>
+          </a:p>
+        </p:txBody>
+      </p:sp>
+    </p:spTree>
+  </p:cSld>
+  <p:clrMapOvr>
+    <a:masterClrMapping/>
+  </p:clrMapOvr>
+  <mc:AlternateContent xmlns:mc="http://schemas.openxmlformats.org/markup-compatibility/2006">
+    <mc:Choice xmlns:p159="http://schemas.microsoft.com/office/powerpoint/2015/09/main" xmlns:p14="http://schemas.microsoft.com/office/powerpoint/2010/main" Requires="p159">
+      <p:transition p14:dur="2000" advClick="1"/>
+    </mc:Choice>
+    <mc:Fallback>
+      <p:transition advClick="1"/>
+    </mc:Fallback>
+  </mc:AlternateContent>
+</p:sld>
+</file>
+
+<file path=ppt/slides/slide44.xml><?xml version="1.0" encoding="utf-8"?>
+<p:sld xmlns:a="http://schemas.openxmlformats.org/drawingml/2006/main" xmlns:r="http://schemas.openxmlformats.org/officeDocument/2006/relationships" xmlns:p="http://schemas.openxmlformats.org/presentationml/2006/main" xmlns:m="http://schemas.openxmlformats.org/officeDocument/2006/math" xmlns:w="http://schemas.openxmlformats.org/wordprocessingml/2006/main" showMasterPhAnim="0" show="1">
+  <p:cSld name="">
+    <p:bg>
+      <p:bgPr shadeToTitle="0">
+        <a:blipFill>
+          <a:blip r:embed="rId3">
+            <a:alphaModFix amt="23000"/>
+          </a:blip>
+          <a:stretch/>
+        </a:blipFill>
+      </p:bgPr>
+    </p:bg>
+    <p:spTree>
+      <p:nvGrpSpPr>
+        <p:cNvPr id="1" name=""/>
+        <p:cNvGrpSpPr/>
+        <p:nvPr/>
+      </p:nvGrpSpPr>
+      <p:grpSpPr bwMode="auto">
+        <a:xfrm>
+          <a:off x="0" y="0"/>
+          <a:ext cx="0" cy="0"/>
+          <a:chOff x="0" y="0"/>
+          <a:chExt cx="0" cy="0"/>
+        </a:xfrm>
+      </p:grpSpPr>
+      <p:sp>
+        <p:nvSpPr>
+          <p:cNvPr id="1673580306" name="Tytuł 1"/>
+          <p:cNvSpPr>
+            <a:spLocks noGrp="1"/>
+          </p:cNvSpPr>
+          <p:nvPr>
+            <p:ph type="title"/>
+          </p:nvPr>
+        </p:nvSpPr>
+        <p:spPr bwMode="auto"/>
+        <p:txBody>
+          <a:bodyPr/>
+          <a:lstStyle/>
+          <a:p>
+            <a:pPr>
+              <a:defRPr/>
+            </a:pPr>
+            <a:r>
+              <a:rPr/>
+              <a:t>Wskazówki</a:t>
+            </a:r>
+            <a:endParaRPr/>
+          </a:p>
+        </p:txBody>
+      </p:sp>
+      <p:sp>
+        <p:nvSpPr>
+          <p:cNvPr id="721164432" name="Symbol zastępczy zawartości 2"/>
+          <p:cNvSpPr>
+            <a:spLocks noGrp="1"/>
+          </p:cNvSpPr>
+          <p:nvPr>
+            <p:ph idx="1"/>
+          </p:nvPr>
+        </p:nvSpPr>
+        <p:spPr bwMode="auto"/>
+        <p:txBody>
+          <a:bodyPr/>
+          <a:lstStyle/>
+          <a:p>
+            <a:pPr>
+              <a:defRPr/>
+            </a:pPr>
+            <a:r>
+              <a:rPr/>
+              <a:t>Zadanie mamy praktycznie rozwiązane</a:t>
+            </a:r>
+            <a:endParaRPr/>
+          </a:p>
+          <a:p>
+            <a:pPr>
+              <a:defRPr/>
+            </a:pPr>
+            <a:r>
+              <a:rPr/>
+              <a:t>Problem: ciągi mogą być dowolnej długości</a:t>
+            </a:r>
+            <a:endParaRPr/>
+          </a:p>
+          <a:p>
+            <a:pPr>
+              <a:defRPr/>
+            </a:pPr>
+            <a:r>
+              <a:rPr/>
+              <a:t>Co charakteryzuje ciąg?</a:t>
+            </a:r>
+            <a:endParaRPr/>
+          </a:p>
+          <a:p>
+            <a:pPr lvl="1">
+              <a:defRPr/>
+            </a:pPr>
+            <a:r>
+              <a:rPr/>
+              <a:t>Miejsce rozpoczęcia</a:t>
+            </a:r>
+            <a:endParaRPr/>
+          </a:p>
+          <a:p>
+            <a:pPr lvl="1">
+              <a:defRPr/>
+            </a:pPr>
+            <a:r>
+              <a:rPr/>
+              <a:t>Długość</a:t>
+            </a:r>
+            <a:endParaRPr/>
+          </a:p>
+        </p:txBody>
+      </p:sp>
+    </p:spTree>
+  </p:cSld>
+  <p:clrMapOvr>
+    <a:masterClrMapping/>
+  </p:clrMapOvr>
+  <mc:AlternateContent xmlns:mc="http://schemas.openxmlformats.org/markup-compatibility/2006">
+    <mc:Choice xmlns:p159="http://schemas.microsoft.com/office/powerpoint/2015/09/main" xmlns:p14="http://schemas.microsoft.com/office/powerpoint/2010/main" Requires="p159">
+      <p:transition p14:dur="2000" advClick="1"/>
+    </mc:Choice>
+    <mc:Fallback>
+      <p:transition advClick="1"/>
+    </mc:Fallback>
+  </mc:AlternateContent>
+</p:sld>
+</file>
+
+<file path=ppt/slides/slide45.xml><?xml version="1.0" encoding="utf-8"?>
+<p:sld xmlns:a="http://schemas.openxmlformats.org/drawingml/2006/main" xmlns:r="http://schemas.openxmlformats.org/officeDocument/2006/relationships" xmlns:p="http://schemas.openxmlformats.org/presentationml/2006/main" xmlns:m="http://schemas.openxmlformats.org/officeDocument/2006/math" xmlns:w="http://schemas.openxmlformats.org/wordprocessingml/2006/main" showMasterPhAnim="0" show="1">
+  <p:cSld name="">
+    <p:bg>
+      <p:bgPr shadeToTitle="0">
+        <a:blipFill>
+          <a:blip r:embed="rId3">
+            <a:alphaModFix amt="23000"/>
+          </a:blip>
+          <a:stretch/>
+        </a:blipFill>
+      </p:bgPr>
+    </p:bg>
+    <p:spTree>
+      <p:nvGrpSpPr>
+        <p:cNvPr id="1" name=""/>
+        <p:cNvGrpSpPr/>
+        <p:nvPr/>
+      </p:nvGrpSpPr>
+      <p:grpSpPr bwMode="auto">
+        <a:xfrm>
+          <a:off x="0" y="0"/>
+          <a:ext cx="0" cy="0"/>
+          <a:chOff x="0" y="0"/>
+          <a:chExt cx="0" cy="0"/>
+        </a:xfrm>
+      </p:grpSpPr>
+      <p:sp>
+        <p:nvSpPr>
+          <p:cNvPr id="1085160697" name="Tytuł 1"/>
+          <p:cNvSpPr>
+            <a:spLocks noGrp="1"/>
+          </p:cNvSpPr>
+          <p:nvPr>
+            <p:ph type="title"/>
+          </p:nvPr>
+        </p:nvSpPr>
+        <p:spPr bwMode="auto"/>
+        <p:txBody>
+          <a:bodyPr/>
+          <a:lstStyle/>
+          <a:p>
+            <a:pPr>
+              <a:defRPr/>
+            </a:pPr>
+            <a:r>
+              <a:rPr/>
+              <a:t>Wskazówki</a:t>
+            </a:r>
+            <a:endParaRPr/>
+          </a:p>
+        </p:txBody>
+      </p:sp>
+      <p:sp>
+        <p:nvSpPr>
+          <p:cNvPr id="4758131" name="Symbol zastępczy zawartości 2"/>
+          <p:cNvSpPr>
+            <a:spLocks noGrp="1"/>
+          </p:cNvSpPr>
+          <p:nvPr>
+            <p:ph idx="1"/>
+          </p:nvPr>
+        </p:nvSpPr>
+        <p:spPr bwMode="auto"/>
+        <p:txBody>
+          <a:bodyPr/>
+          <a:lstStyle/>
+          <a:p>
+            <a:pPr>
+              <a:defRPr/>
+            </a:pPr>
+            <a:r>
+              <a:rPr/>
+              <a:t>Zadanie mamy praktycznie rozwiązane</a:t>
+            </a:r>
+            <a:endParaRPr/>
+          </a:p>
+          <a:p>
+            <a:pPr>
+              <a:defRPr/>
+            </a:pPr>
+            <a:r>
+              <a:rPr/>
+              <a:t>Problem: ciągi mogą być dowolnej długości</a:t>
+            </a:r>
+            <a:endParaRPr/>
+          </a:p>
+          <a:p>
+            <a:pPr>
+              <a:defRPr/>
+            </a:pPr>
+            <a:r>
+              <a:rPr/>
+              <a:t>Co charakteryzuje ciąg?</a:t>
+            </a:r>
+            <a:endParaRPr/>
+          </a:p>
+          <a:p>
+            <a:pPr lvl="1">
+              <a:defRPr/>
+            </a:pPr>
+            <a:r>
+              <a:rPr/>
+              <a:t>Miejsce rozpoczęcia</a:t>
+            </a:r>
+            <a:endParaRPr/>
+          </a:p>
+          <a:p>
+            <a:pPr lvl="1">
+              <a:defRPr/>
+            </a:pPr>
+            <a:r>
+              <a:rPr/>
+              <a:t>Długość</a:t>
+            </a:r>
+            <a:endParaRPr/>
+          </a:p>
+        </p:txBody>
+      </p:sp>
+    </p:spTree>
+  </p:cSld>
+  <p:clrMapOvr>
+    <a:masterClrMapping/>
+  </p:clrMapOvr>
+  <mc:AlternateContent xmlns:mc="http://schemas.openxmlformats.org/markup-compatibility/2006">
+    <mc:Choice xmlns:p159="http://schemas.microsoft.com/office/powerpoint/2015/09/main" xmlns:p14="http://schemas.microsoft.com/office/powerpoint/2010/main" Requires="p159">
+      <p:transition p14:dur="2000" advClick="1"/>
+    </mc:Choice>
+    <mc:Fallback>
+      <p:transition advClick="1"/>
+    </mc:Fallback>
+  </mc:AlternateContent>
+</p:sld>
+</file>
+
+<file path=ppt/slides/slide46.xml><?xml version="1.0" encoding="utf-8"?>
+<p:sld xmlns:a="http://schemas.openxmlformats.org/drawingml/2006/main" xmlns:r="http://schemas.openxmlformats.org/officeDocument/2006/relationships" xmlns:p="http://schemas.openxmlformats.org/presentationml/2006/main" xmlns:m="http://schemas.openxmlformats.org/officeDocument/2006/math" xmlns:w="http://schemas.openxmlformats.org/wordprocessingml/2006/main" showMasterPhAnim="0" show="1">
+  <p:cSld name="">
+    <p:bg>
+      <p:bgPr shadeToTitle="0">
+        <a:blipFill>
+          <a:blip r:embed="rId3">
+            <a:alphaModFix amt="23000"/>
+          </a:blip>
+          <a:stretch/>
+        </a:blipFill>
+      </p:bgPr>
+    </p:bg>
+    <p:spTree>
+      <p:nvGrpSpPr>
+        <p:cNvPr id="1" name=""/>
+        <p:cNvGrpSpPr/>
+        <p:nvPr/>
+      </p:nvGrpSpPr>
+      <p:grpSpPr bwMode="auto">
+        <a:xfrm>
+          <a:off x="0" y="0"/>
+          <a:ext cx="0" cy="0"/>
+          <a:chOff x="0" y="0"/>
+          <a:chExt cx="0" cy="0"/>
+        </a:xfrm>
+      </p:grpSpPr>
+      <p:sp>
+        <p:nvSpPr>
+          <p:cNvPr id="1673505913" name="Tytuł 1"/>
+          <p:cNvSpPr>
+            <a:spLocks noGrp="1"/>
+          </p:cNvSpPr>
+          <p:nvPr>
+            <p:ph type="title"/>
+          </p:nvPr>
+        </p:nvSpPr>
+        <p:spPr bwMode="auto">
+          <a:xfrm flipH="0" flipV="0">
+            <a:off x="838197" y="365122"/>
+            <a:ext cx="10263640" cy="1325560"/>
+          </a:xfrm>
+        </p:spPr>
+        <p:txBody>
+          <a:bodyPr/>
+          <a:lstStyle/>
+          <a:p>
+            <a:pPr>
+              <a:defRPr/>
+            </a:pPr>
+            <a:r>
+              <a:rPr/>
+              <a:t>Rozwiązanie</a:t>
+            </a:r>
+            <a:endParaRPr/>
+          </a:p>
+        </p:txBody>
+      </p:sp>
+      <p:sp>
+        <p:nvSpPr>
+          <p:cNvPr id="953937009" name=""/>
+          <p:cNvSpPr txBox="1"/>
+          <p:nvPr/>
+        </p:nvSpPr>
+        <p:spPr bwMode="auto">
+          <a:xfrm flipH="0" flipV="0">
+            <a:off x="2224305" y="2866158"/>
+            <a:ext cx="7743745" cy="1189078"/>
+          </a:xfrm>
+          <a:prstGeom prst="rect">
+            <a:avLst/>
+          </a:prstGeom>
+          <a:noFill/>
+        </p:spPr>
+        <p:txBody>
+          <a:bodyPr vertOverflow="overflow" horzOverflow="overflow" vert="horz" wrap="square" lIns="91440" tIns="45720" rIns="91440" bIns="45720" numCol="1" spcCol="0" rtlCol="0" fromWordArt="0" anchor="t" anchorCtr="0" forceAA="0" upright="0" compatLnSpc="0">
+            <a:spAutoFit/>
+          </a:bodyPr>
+          <a:p>
+            <a:pPr algn="ctr">
+              <a:defRPr/>
+            </a:pPr>
+            <a:r>
+              <a:rPr sz="7200">
+                <a:latin typeface="Courier New"/>
+                <a:ea typeface="Courier New"/>
+                <a:cs typeface="Courier New"/>
+              </a:rPr>
+              <a:t>Loading...</a:t>
+            </a:r>
+            <a:endParaRPr sz="1400"/>
+          </a:p>
+        </p:txBody>
+      </p:sp>
+    </p:spTree>
+  </p:cSld>
+  <p:clrMapOvr>
+    <a:masterClrMapping/>
+  </p:clrMapOvr>
+  <mc:AlternateContent xmlns:mc="http://schemas.openxmlformats.org/markup-compatibility/2006">
+    <mc:Choice xmlns:p159="http://schemas.microsoft.com/office/powerpoint/2015/09/main" xmlns:p14="http://schemas.microsoft.com/office/powerpoint/2010/main" Requires="p159">
+      <p:transition p14:dur="2000" advClick="1"/>
+    </mc:Choice>
+    <mc:Fallback>
+      <p:transition advClick="1"/>
+    </mc:Fallback>
+  </mc:AlternateContent>
+</p:sld>
+</file>
+
+<file path=ppt/slides/slide47.xml><?xml version="1.0" encoding="utf-8"?>
+<p:sld xmlns:a="http://schemas.openxmlformats.org/drawingml/2006/main" xmlns:r="http://schemas.openxmlformats.org/officeDocument/2006/relationships" xmlns:p="http://schemas.openxmlformats.org/presentationml/2006/main" xmlns:m="http://schemas.openxmlformats.org/officeDocument/2006/math" xmlns:w="http://schemas.openxmlformats.org/wordprocessingml/2006/main" showMasterPhAnim="0" show="1">
+  <p:cSld name="">
+    <p:bg>
+      <p:bgPr shadeToTitle="0">
+        <a:blipFill>
+          <a:blip r:embed="rId3">
+            <a:alphaModFix amt="23000"/>
+          </a:blip>
+          <a:stretch/>
+        </a:blipFill>
+      </p:bgPr>
+    </p:bg>
+    <p:spTree>
+      <p:nvGrpSpPr>
+        <p:cNvPr id="1" name=""/>
+        <p:cNvGrpSpPr/>
+        <p:nvPr/>
+      </p:nvGrpSpPr>
+      <p:grpSpPr bwMode="auto">
+        <a:xfrm>
+          <a:off x="0" y="0"/>
+          <a:ext cx="0" cy="0"/>
+          <a:chOff x="0" y="0"/>
+          <a:chExt cx="0" cy="0"/>
+        </a:xfrm>
+      </p:grpSpPr>
+      <p:sp>
+        <p:nvSpPr>
+          <p:cNvPr id="1105247287" name="Tytuł 1"/>
+          <p:cNvSpPr>
+            <a:spLocks noGrp="1"/>
+          </p:cNvSpPr>
+          <p:nvPr>
+            <p:ph type="title"/>
+          </p:nvPr>
+        </p:nvSpPr>
+        <p:spPr bwMode="auto"/>
+        <p:txBody>
+          <a:bodyPr/>
+          <a:lstStyle/>
+          <a:p>
+            <a:pPr>
+              <a:defRPr/>
+            </a:pPr>
+            <a:r>
+              <a:rPr/>
+              <a:t>Rozwiązanie</a:t>
+            </a:r>
+            <a:endParaRPr/>
+          </a:p>
+        </p:txBody>
+      </p:sp>
+      <p:pic>
+        <p:nvPicPr>
+          <p:cNvPr id="905220884" name=""/>
+          <p:cNvPicPr>
+            <a:picLocks noChangeAspect="1"/>
+          </p:cNvPicPr>
+          <p:nvPr/>
+        </p:nvPicPr>
+        <p:blipFill>
+          <a:blip r:embed="rId4"/>
+          <a:stretch/>
+        </p:blipFill>
+        <p:spPr bwMode="auto">
+          <a:xfrm>
+            <a:off x="693567" y="2098736"/>
+            <a:ext cx="5162549" cy="2800349"/>
+          </a:xfrm>
+          <a:prstGeom prst="rect">
+            <a:avLst/>
+          </a:prstGeom>
+        </p:spPr>
+      </p:pic>
+      <p:pic>
+        <p:nvPicPr>
+          <p:cNvPr id="569636638" name=""/>
+          <p:cNvPicPr>
+            <a:picLocks noChangeAspect="1"/>
+          </p:cNvPicPr>
+          <p:nvPr/>
+        </p:nvPicPr>
+        <p:blipFill>
+          <a:blip r:embed="rId5"/>
+          <a:stretch/>
+        </p:blipFill>
+        <p:spPr bwMode="auto">
+          <a:xfrm>
+            <a:off x="6565776" y="1479611"/>
+            <a:ext cx="4362449" cy="4038599"/>
+          </a:xfrm>
+          <a:prstGeom prst="rect">
+            <a:avLst/>
+          </a:prstGeom>
+        </p:spPr>
+      </p:pic>
+    </p:spTree>
+  </p:cSld>
+  <p:clrMapOvr>
+    <a:masterClrMapping/>
+  </p:clrMapOvr>
+  <mc:AlternateContent xmlns:mc="http://schemas.openxmlformats.org/markup-compatibility/2006">
+    <mc:Choice xmlns:p159="http://schemas.microsoft.com/office/powerpoint/2015/09/main" xmlns:p14="http://schemas.microsoft.com/office/powerpoint/2010/main" Requires="p159">
+      <p:transition p14:dur="2000" advClick="1"/>
+    </mc:Choice>
+    <mc:Fallback>
+      <p:transition advClick="1"/>
+    </mc:Fallback>
+  </mc:AlternateContent>
+</p:sld>
+</file>
+
+<file path=ppt/slides/slide48.xml><?xml version="1.0" encoding="utf-8"?>
+<p:sld xmlns:a="http://schemas.openxmlformats.org/drawingml/2006/main" xmlns:r="http://schemas.openxmlformats.org/officeDocument/2006/relationships" xmlns:p="http://schemas.openxmlformats.org/presentationml/2006/main" xmlns:m="http://schemas.openxmlformats.org/officeDocument/2006/math" xmlns:w="http://schemas.openxmlformats.org/wordprocessingml/2006/main" showMasterPhAnim="0" show="1">
+  <p:cSld name="">
+    <p:bg>
+      <p:bgPr shadeToTitle="0">
+        <a:blipFill>
+          <a:blip r:embed="rId3">
+            <a:alphaModFix amt="23000"/>
+          </a:blip>
+          <a:stretch/>
+        </a:blipFill>
+      </p:bgPr>
+    </p:bg>
+    <p:spTree>
+      <p:nvGrpSpPr>
+        <p:cNvPr id="1" name=""/>
+        <p:cNvGrpSpPr/>
+        <p:nvPr/>
+      </p:nvGrpSpPr>
+      <p:grpSpPr bwMode="auto">
+        <a:xfrm>
+          <a:off x="0" y="0"/>
+          <a:ext cx="0" cy="0"/>
+          <a:chOff x="0" y="0"/>
+          <a:chExt cx="0" cy="0"/>
+        </a:xfrm>
+      </p:grpSpPr>
+      <p:sp>
+        <p:nvSpPr>
+          <p:cNvPr id="43955465" name="Tytuł 1"/>
+          <p:cNvSpPr>
+            <a:spLocks noGrp="1"/>
+          </p:cNvSpPr>
+          <p:nvPr>
+            <p:ph type="title"/>
+          </p:nvPr>
+        </p:nvSpPr>
+        <p:spPr bwMode="auto"/>
+        <p:txBody>
+          <a:bodyPr/>
+          <a:lstStyle/>
+          <a:p>
+            <a:pPr>
+              <a:defRPr/>
+            </a:pPr>
+            <a:r>
+              <a:rPr/>
+              <a:t>Rozwiązanie</a:t>
+            </a:r>
+            <a:endParaRPr/>
+          </a:p>
+        </p:txBody>
+      </p:sp>
+      <p:pic>
+        <p:nvPicPr>
+          <p:cNvPr id="1421902121" name=""/>
+          <p:cNvPicPr>
+            <a:picLocks noChangeAspect="1"/>
+          </p:cNvPicPr>
+          <p:nvPr/>
+        </p:nvPicPr>
+        <p:blipFill>
+          <a:blip r:embed="rId4"/>
+          <a:stretch/>
+        </p:blipFill>
+        <p:spPr bwMode="auto">
+          <a:xfrm>
+            <a:off x="693567" y="2098736"/>
+            <a:ext cx="5162549" cy="2800349"/>
+          </a:xfrm>
+          <a:prstGeom prst="rect">
+            <a:avLst/>
+          </a:prstGeom>
+        </p:spPr>
+      </p:pic>
+      <p:pic>
+        <p:nvPicPr>
+          <p:cNvPr id="1090157433" name=""/>
+          <p:cNvPicPr>
+            <a:picLocks noChangeAspect="1"/>
+          </p:cNvPicPr>
+          <p:nvPr/>
+        </p:nvPicPr>
+        <p:blipFill>
+          <a:blip r:embed="rId5"/>
+          <a:stretch/>
+        </p:blipFill>
+        <p:spPr bwMode="auto">
+          <a:xfrm>
+            <a:off x="6565776" y="1479611"/>
+            <a:ext cx="4362449" cy="4038599"/>
           </a:xfrm>
           <a:prstGeom prst="rect">
             <a:avLst/>

--- a/prezentacje/Prezentacja2.pptx
+++ b/prezentacje/Prezentacja2.pptx
@@ -5,7 +5,7 @@
     <p:sldMasterId id="2147483648" r:id="rId1"/>
   </p:sldMasterIdLst>
   <p:notesMasterIdLst>
-    <p:notesMasterId r:id="rId52"/>
+    <p:notesMasterId r:id="rId51"/>
   </p:notesMasterIdLst>
   <p:sldIdLst>
     <p:sldId id="256" r:id="rId4"/>
@@ -55,7 +55,6 @@
     <p:sldId id="300" r:id="rId48"/>
     <p:sldId id="301" r:id="rId49"/>
     <p:sldId id="302" r:id="rId50"/>
-    <p:sldId id="303" r:id="rId51"/>
   </p:sldIdLst>
   <p:sldSz cx="12192000" cy="6858000"/>
   <p:notesSz cx="6858000" cy="9144000"/>
@@ -4299,96 +4298,6 @@
               <a:defRPr/>
             </a:pPr>
             <a:fld id="{DFFB10B4-0903-1CDD-2FAB-5AA113B13803}" type="slidenum">
-              <a:rPr lang="pl-PL"/>
-              <a:t/>
-            </a:fld>
-            <a:endParaRPr lang="pl-PL"/>
-          </a:p>
-        </p:txBody>
-      </p:sp>
-    </p:spTree>
-  </p:cSld>
-</p:notes>
-</file>
-
-<file path=ppt/notesSlides/notesSlide48.xml><?xml version="1.0" encoding="utf-8"?>
-<p:notes xmlns:a="http://schemas.openxmlformats.org/drawingml/2006/main" xmlns:r="http://schemas.openxmlformats.org/officeDocument/2006/relationships" xmlns:p="http://schemas.openxmlformats.org/presentationml/2006/main" xmlns:m="http://schemas.openxmlformats.org/officeDocument/2006/math" xmlns:w="http://schemas.openxmlformats.org/wordprocessingml/2006/main">
-  <p:cSld name="">
-    <p:spTree>
-      <p:nvGrpSpPr>
-        <p:cNvPr id="1" name=""/>
-        <p:cNvGrpSpPr/>
-        <p:nvPr/>
-      </p:nvGrpSpPr>
-      <p:grpSpPr bwMode="auto">
-        <a:xfrm>
-          <a:off x="0" y="0"/>
-          <a:ext cx="0" cy="0"/>
-          <a:chOff x="0" y="0"/>
-          <a:chExt cx="0" cy="0"/>
-        </a:xfrm>
-      </p:grpSpPr>
-      <p:sp>
-        <p:nvSpPr>
-          <p:cNvPr id="350198532" name="Symbol zastępczy obrazu slajdu 1"/>
-          <p:cNvSpPr>
-            <a:spLocks noChangeAspect="1" noGrp="1" noRot="1"/>
-          </p:cNvSpPr>
-          <p:nvPr>
-            <p:ph type="sldImg"/>
-          </p:nvPr>
-        </p:nvSpPr>
-        <p:spPr bwMode="auto">
-          <a:xfrm>
-            <a:off x="685800" y="1143000"/>
-            <a:ext cx="5486400" cy="3086100"/>
-          </a:xfrm>
-        </p:spPr>
-      </p:sp>
-      <p:sp>
-        <p:nvSpPr>
-          <p:cNvPr id="746745204" name="Notatki Symbol zastępczy 2"/>
-          <p:cNvSpPr>
-            <a:spLocks noGrp="1"/>
-          </p:cNvSpPr>
-          <p:nvPr>
-            <p:ph type="body" idx="1"/>
-          </p:nvPr>
-        </p:nvSpPr>
-        <p:spPr bwMode="auto"/>
-        <p:txBody>
-          <a:bodyPr/>
-          <a:lstStyle/>
-          <a:p>
-            <a:pPr>
-              <a:defRPr/>
-            </a:pPr>
-            <a:endParaRPr lang="pl-PL">
-              <a:latin typeface="Arial"/>
-              <a:cs typeface="Arial"/>
-            </a:endParaRPr>
-          </a:p>
-        </p:txBody>
-      </p:sp>
-      <p:sp>
-        <p:nvSpPr>
-          <p:cNvPr id="1719565797" name="Symbol zastępczy numeru slajdu 3"/>
-          <p:cNvSpPr>
-            <a:spLocks noGrp="1"/>
-          </p:cNvSpPr>
-          <p:nvPr>
-            <p:ph type="sldNum" sz="quarter" idx="10"/>
-          </p:nvPr>
-        </p:nvSpPr>
-        <p:spPr bwMode="auto"/>
-        <p:txBody>
-          <a:bodyPr/>
-          <a:lstStyle/>
-          <a:p>
-            <a:pPr>
-              <a:defRPr/>
-            </a:pPr>
-            <a:fld id="{D19F0115-6BE2-0FD3-5287-90778E87A80F}" type="slidenum">
               <a:rPr lang="pl-PL"/>
               <a:t/>
             </a:fld>
@@ -14032,119 +13941,6 @@
       <p:pic>
         <p:nvPicPr>
           <p:cNvPr id="569636638" name=""/>
-          <p:cNvPicPr>
-            <a:picLocks noChangeAspect="1"/>
-          </p:cNvPicPr>
-          <p:nvPr/>
-        </p:nvPicPr>
-        <p:blipFill>
-          <a:blip r:embed="rId5"/>
-          <a:stretch/>
-        </p:blipFill>
-        <p:spPr bwMode="auto">
-          <a:xfrm>
-            <a:off x="6565776" y="1479611"/>
-            <a:ext cx="4362449" cy="4038599"/>
-          </a:xfrm>
-          <a:prstGeom prst="rect">
-            <a:avLst/>
-          </a:prstGeom>
-        </p:spPr>
-      </p:pic>
-    </p:spTree>
-  </p:cSld>
-  <p:clrMapOvr>
-    <a:masterClrMapping/>
-  </p:clrMapOvr>
-  <mc:AlternateContent xmlns:mc="http://schemas.openxmlformats.org/markup-compatibility/2006">
-    <mc:Choice xmlns:p159="http://schemas.microsoft.com/office/powerpoint/2015/09/main" xmlns:p14="http://schemas.microsoft.com/office/powerpoint/2010/main" Requires="p159">
-      <p:transition p14:dur="2000" advClick="1"/>
-    </mc:Choice>
-    <mc:Fallback>
-      <p:transition advClick="1"/>
-    </mc:Fallback>
-  </mc:AlternateContent>
-</p:sld>
-</file>
-
-<file path=ppt/slides/slide48.xml><?xml version="1.0" encoding="utf-8"?>
-<p:sld xmlns:a="http://schemas.openxmlformats.org/drawingml/2006/main" xmlns:r="http://schemas.openxmlformats.org/officeDocument/2006/relationships" xmlns:p="http://schemas.openxmlformats.org/presentationml/2006/main" xmlns:m="http://schemas.openxmlformats.org/officeDocument/2006/math" xmlns:w="http://schemas.openxmlformats.org/wordprocessingml/2006/main" showMasterPhAnim="0" show="1">
-  <p:cSld name="">
-    <p:bg>
-      <p:bgPr shadeToTitle="0">
-        <a:blipFill>
-          <a:blip r:embed="rId3">
-            <a:alphaModFix amt="23000"/>
-          </a:blip>
-          <a:stretch/>
-        </a:blipFill>
-      </p:bgPr>
-    </p:bg>
-    <p:spTree>
-      <p:nvGrpSpPr>
-        <p:cNvPr id="1" name=""/>
-        <p:cNvGrpSpPr/>
-        <p:nvPr/>
-      </p:nvGrpSpPr>
-      <p:grpSpPr bwMode="auto">
-        <a:xfrm>
-          <a:off x="0" y="0"/>
-          <a:ext cx="0" cy="0"/>
-          <a:chOff x="0" y="0"/>
-          <a:chExt cx="0" cy="0"/>
-        </a:xfrm>
-      </p:grpSpPr>
-      <p:sp>
-        <p:nvSpPr>
-          <p:cNvPr id="43955465" name="Tytuł 1"/>
-          <p:cNvSpPr>
-            <a:spLocks noGrp="1"/>
-          </p:cNvSpPr>
-          <p:nvPr>
-            <p:ph type="title"/>
-          </p:nvPr>
-        </p:nvSpPr>
-        <p:spPr bwMode="auto"/>
-        <p:txBody>
-          <a:bodyPr/>
-          <a:lstStyle/>
-          <a:p>
-            <a:pPr>
-              <a:defRPr/>
-            </a:pPr>
-            <a:r>
-              <a:rPr/>
-              <a:t>Rozwiązanie</a:t>
-            </a:r>
-            <a:endParaRPr/>
-          </a:p>
-        </p:txBody>
-      </p:sp>
-      <p:pic>
-        <p:nvPicPr>
-          <p:cNvPr id="1421902121" name=""/>
-          <p:cNvPicPr>
-            <a:picLocks noChangeAspect="1"/>
-          </p:cNvPicPr>
-          <p:nvPr/>
-        </p:nvPicPr>
-        <p:blipFill>
-          <a:blip r:embed="rId4"/>
-          <a:stretch/>
-        </p:blipFill>
-        <p:spPr bwMode="auto">
-          <a:xfrm>
-            <a:off x="693567" y="2098736"/>
-            <a:ext cx="5162549" cy="2800349"/>
-          </a:xfrm>
-          <a:prstGeom prst="rect">
-            <a:avLst/>
-          </a:prstGeom>
-        </p:spPr>
-      </p:pic>
-      <p:pic>
-        <p:nvPicPr>
-          <p:cNvPr id="1090157433" name=""/>
           <p:cNvPicPr>
             <a:picLocks noChangeAspect="1"/>
           </p:cNvPicPr>
